--- a/Презентация_Команда Scrypted_кейс1.pptx
+++ b/Презентация_Команда Scrypted_кейс1.pptx
@@ -8,11 +8,17 @@
     <p:sldId id="256" r:id="rId2"/>
     <p:sldId id="257" r:id="rId3"/>
     <p:sldId id="258" r:id="rId4"/>
-    <p:sldId id="261" r:id="rId5"/>
-    <p:sldId id="259" r:id="rId6"/>
-    <p:sldId id="260" r:id="rId7"/>
-    <p:sldId id="262" r:id="rId8"/>
-    <p:sldId id="263" r:id="rId9"/>
+    <p:sldId id="268" r:id="rId5"/>
+    <p:sldId id="269" r:id="rId6"/>
+    <p:sldId id="261" r:id="rId7"/>
+    <p:sldId id="264" r:id="rId8"/>
+    <p:sldId id="265" r:id="rId9"/>
+    <p:sldId id="259" r:id="rId10"/>
+    <p:sldId id="262" r:id="rId11"/>
+    <p:sldId id="266" r:id="rId12"/>
+    <p:sldId id="267" r:id="rId13"/>
+    <p:sldId id="260" r:id="rId14"/>
+    <p:sldId id="263" r:id="rId15"/>
   </p:sldIdLst>
   <p:sldSz cx="12192000" cy="6858000"/>
   <p:notesSz cx="6858000" cy="9144000"/>
@@ -3409,7 +3415,7 @@
             </a:r>
             <a:r>
               <a:rPr lang="ru-RU" dirty="0" err="1"/>
-              <a:t>Домен.Рф</a:t>
+              <a:t>Домен.РФ</a:t>
             </a:r>
             <a:endParaRPr lang="ru-RU" dirty="0"/>
           </a:p>
@@ -3419,6 +3425,41 @@
               <a:t>«Система оповещения, рассылок»</a:t>
             </a:r>
             <a:endParaRPr lang="en-US" dirty="0"/>
+          </a:p>
+        </p:txBody>
+      </p:sp>
+      <p:sp>
+        <p:nvSpPr>
+          <p:cNvPr id="4" name="Прямоугольник 3">
+            <a:extLst>
+              <a:ext uri="{FF2B5EF4-FFF2-40B4-BE49-F238E27FC236}">
+                <a16:creationId xmlns:a16="http://schemas.microsoft.com/office/drawing/2014/main" id="{AE3AE2B5-F28D-4169-8193-4C299DE69C5D}"/>
+              </a:ext>
+            </a:extLst>
+          </p:cNvPr>
+          <p:cNvSpPr/>
+          <p:nvPr/>
+        </p:nvSpPr>
+        <p:spPr>
+          <a:xfrm>
+            <a:off x="11007252" y="6466662"/>
+            <a:ext cx="1184748" cy="369332"/>
+          </a:xfrm>
+          <a:prstGeom prst="rect">
+            <a:avLst/>
+          </a:prstGeom>
+        </p:spPr>
+        <p:txBody>
+          <a:bodyPr wrap="none">
+            <a:spAutoFit/>
+          </a:bodyPr>
+          <a:lstStyle/>
+          <a:p>
+            <a:r>
+              <a:rPr lang="ru-RU" dirty="0" err="1"/>
+              <a:t>Домен.РФ</a:t>
+            </a:r>
+            <a:endParaRPr lang="ru-RU" dirty="0"/>
           </a:p>
         </p:txBody>
       </p:sp>
@@ -3426,6 +3467,2561 @@
     <p:extLst>
       <p:ext uri="{BB962C8B-B14F-4D97-AF65-F5344CB8AC3E}">
         <p14:creationId xmlns:p14="http://schemas.microsoft.com/office/powerpoint/2010/main" val="88469551"/>
+      </p:ext>
+    </p:extLst>
+  </p:cSld>
+  <p:clrMapOvr>
+    <a:masterClrMapping/>
+  </p:clrMapOvr>
+</p:sld>
+</file>
+
+<file path=ppt/slides/slide10.xml><?xml version="1.0" encoding="utf-8"?>
+<p:sld xmlns:a="http://schemas.openxmlformats.org/drawingml/2006/main" xmlns:r="http://schemas.openxmlformats.org/officeDocument/2006/relationships" xmlns:p="http://schemas.openxmlformats.org/presentationml/2006/main">
+  <p:cSld>
+    <p:bg>
+      <p:bgPr>
+        <a:solidFill>
+          <a:schemeClr val="bg1"/>
+        </a:solidFill>
+        <a:effectLst/>
+      </p:bgPr>
+    </p:bg>
+    <p:spTree>
+      <p:nvGrpSpPr>
+        <p:cNvPr id="1" name=""/>
+        <p:cNvGrpSpPr/>
+        <p:nvPr/>
+      </p:nvGrpSpPr>
+      <p:grpSpPr>
+        <a:xfrm>
+          <a:off x="0" y="0"/>
+          <a:ext cx="0" cy="0"/>
+          <a:chOff x="0" y="0"/>
+          <a:chExt cx="0" cy="0"/>
+        </a:xfrm>
+      </p:grpSpPr>
+      <p:sp>
+        <p:nvSpPr>
+          <p:cNvPr id="8" name="Rectangle 7">
+            <a:extLst>
+              <a:ext uri="{FF2B5EF4-FFF2-40B4-BE49-F238E27FC236}">
+                <a16:creationId xmlns:a16="http://schemas.microsoft.com/office/drawing/2014/main" id="{2B566528-1B12-4246-9431-5C2D7D081168}"/>
+              </a:ext>
+              <a:ext uri="{C183D7F6-B498-43B3-948B-1728B52AA6E4}">
+                <adec:decorative xmlns:adec="http://schemas.microsoft.com/office/drawing/2017/decorative" val="1"/>
+              </a:ext>
+            </a:extLst>
+          </p:cNvPr>
+          <p:cNvSpPr>
+            <a:spLocks noGrp="1" noRot="1" noChangeAspect="1" noMove="1" noResize="1" noEditPoints="1" noAdjustHandles="1" noChangeArrowheads="1" noChangeShapeType="1" noTextEdit="1"/>
+          </p:cNvSpPr>
+          <p:nvPr>
+            <p:extLst>
+              <p:ext uri="{386F3935-93C4-4BCD-93E2-E3B085C9AB24}">
+                <p16:designElem xmlns:p16="http://schemas.microsoft.com/office/powerpoint/2015/main" val="1"/>
+              </p:ext>
+            </p:extLst>
+          </p:nvPr>
+        </p:nvSpPr>
+        <p:spPr>
+          <a:xfrm>
+            <a:off x="0" y="0"/>
+            <a:ext cx="12192000" cy="6858000"/>
+          </a:xfrm>
+          <a:prstGeom prst="rect">
+            <a:avLst/>
+          </a:prstGeom>
+          <a:solidFill>
+            <a:schemeClr val="bg1"/>
+          </a:solidFill>
+          <a:ln>
+            <a:noFill/>
+          </a:ln>
+        </p:spPr>
+        <p:style>
+          <a:lnRef idx="2">
+            <a:schemeClr val="accent1">
+              <a:shade val="50000"/>
+            </a:schemeClr>
+          </a:lnRef>
+          <a:fillRef idx="1">
+            <a:schemeClr val="accent1"/>
+          </a:fillRef>
+          <a:effectRef idx="0">
+            <a:schemeClr val="accent1"/>
+          </a:effectRef>
+          <a:fontRef idx="minor">
+            <a:schemeClr val="lt1"/>
+          </a:fontRef>
+        </p:style>
+        <p:txBody>
+          <a:bodyPr rtlCol="0" anchor="ctr"/>
+          <a:lstStyle/>
+          <a:p>
+            <a:pPr algn="ctr"/>
+            <a:endParaRPr lang="en-US" dirty="0"/>
+          </a:p>
+        </p:txBody>
+      </p:sp>
+      <p:sp>
+        <p:nvSpPr>
+          <p:cNvPr id="2" name="Заголовок 1">
+            <a:extLst>
+              <a:ext uri="{FF2B5EF4-FFF2-40B4-BE49-F238E27FC236}">
+                <a16:creationId xmlns:a16="http://schemas.microsoft.com/office/drawing/2014/main" id="{DDE03C63-9E5D-4122-9080-9823B4EFD0AC}"/>
+              </a:ext>
+            </a:extLst>
+          </p:cNvPr>
+          <p:cNvSpPr>
+            <a:spLocks noGrp="1"/>
+          </p:cNvSpPr>
+          <p:nvPr>
+            <p:ph type="title"/>
+          </p:nvPr>
+        </p:nvSpPr>
+        <p:spPr>
+          <a:xfrm>
+            <a:off x="643467" y="321734"/>
+            <a:ext cx="10905066" cy="1135737"/>
+          </a:xfrm>
+        </p:spPr>
+        <p:txBody>
+          <a:bodyPr>
+            <a:normAutofit/>
+          </a:bodyPr>
+          <a:lstStyle/>
+          <a:p>
+            <a:r>
+              <a:rPr lang="ru-RU" sz="3600" dirty="0"/>
+              <a:t>Масштабируемость</a:t>
+            </a:r>
+            <a:endParaRPr lang="en-US" sz="3600" dirty="0"/>
+          </a:p>
+        </p:txBody>
+      </p:sp>
+      <p:sp>
+        <p:nvSpPr>
+          <p:cNvPr id="3" name="Объект 2">
+            <a:extLst>
+              <a:ext uri="{FF2B5EF4-FFF2-40B4-BE49-F238E27FC236}">
+                <a16:creationId xmlns:a16="http://schemas.microsoft.com/office/drawing/2014/main" id="{DC321943-D56E-4D04-B8B9-C2F40998FEFD}"/>
+              </a:ext>
+            </a:extLst>
+          </p:cNvPr>
+          <p:cNvSpPr>
+            <a:spLocks noGrp="1"/>
+          </p:cNvSpPr>
+          <p:nvPr>
+            <p:ph idx="1"/>
+          </p:nvPr>
+        </p:nvSpPr>
+        <p:spPr>
+          <a:xfrm>
+            <a:off x="643467" y="1782981"/>
+            <a:ext cx="10905066" cy="4393982"/>
+          </a:xfrm>
+        </p:spPr>
+        <p:txBody>
+          <a:bodyPr>
+            <a:normAutofit/>
+          </a:bodyPr>
+          <a:lstStyle/>
+          <a:p>
+            <a:r>
+              <a:rPr lang="ru-RU" sz="2000" dirty="0"/>
+              <a:t>Мы используем докер для контейнеризации</a:t>
+            </a:r>
+          </a:p>
+          <a:p>
+            <a:r>
+              <a:rPr lang="ru-RU" sz="2000" dirty="0" err="1"/>
+              <a:t>Кубернейтс</a:t>
+            </a:r>
+            <a:r>
+              <a:rPr lang="ru-RU" sz="2000" dirty="0"/>
+              <a:t> для автоматического масштабирования и разворачивания либо освобождения дополнительных мощностей.</a:t>
+            </a:r>
+          </a:p>
+          <a:p>
+            <a:r>
+              <a:rPr lang="ru-RU" sz="2000" dirty="0"/>
+              <a:t>Кластер баз данных для распределения нагрузок записи – чтения.</a:t>
+            </a:r>
+          </a:p>
+        </p:txBody>
+      </p:sp>
+      <p:sp>
+        <p:nvSpPr>
+          <p:cNvPr id="10" name="Rectangle 9">
+            <a:extLst>
+              <a:ext uri="{FF2B5EF4-FFF2-40B4-BE49-F238E27FC236}">
+                <a16:creationId xmlns:a16="http://schemas.microsoft.com/office/drawing/2014/main" id="{2E80C965-DB6D-4F81-9E9E-B027384D0BD6}"/>
+              </a:ext>
+              <a:ext uri="{C183D7F6-B498-43B3-948B-1728B52AA6E4}">
+                <adec:decorative xmlns:adec="http://schemas.microsoft.com/office/drawing/2017/decorative" val="1"/>
+              </a:ext>
+            </a:extLst>
+          </p:cNvPr>
+          <p:cNvSpPr>
+            <a:spLocks noGrp="1" noRot="1" noChangeAspect="1" noMove="1" noResize="1" noEditPoints="1" noAdjustHandles="1" noChangeArrowheads="1" noChangeShapeType="1" noTextEdit="1"/>
+          </p:cNvSpPr>
+          <p:nvPr>
+            <p:extLst>
+              <p:ext uri="{386F3935-93C4-4BCD-93E2-E3B085C9AB24}">
+                <p16:designElem xmlns:p16="http://schemas.microsoft.com/office/powerpoint/2015/main" val="1"/>
+              </p:ext>
+            </p:extLst>
+          </p:nvPr>
+        </p:nvSpPr>
+        <p:spPr>
+          <a:xfrm rot="2700000">
+            <a:off x="11052629" y="2120024"/>
+            <a:ext cx="645368" cy="645368"/>
+          </a:xfrm>
+          <a:prstGeom prst="rect">
+            <a:avLst/>
+          </a:prstGeom>
+          <a:solidFill>
+            <a:schemeClr val="accent4">
+              <a:alpha val="30000"/>
+            </a:schemeClr>
+          </a:solidFill>
+          <a:ln>
+            <a:noFill/>
+          </a:ln>
+        </p:spPr>
+        <p:style>
+          <a:lnRef idx="2">
+            <a:schemeClr val="accent1">
+              <a:shade val="50000"/>
+            </a:schemeClr>
+          </a:lnRef>
+          <a:fillRef idx="1">
+            <a:schemeClr val="accent1"/>
+          </a:fillRef>
+          <a:effectRef idx="0">
+            <a:schemeClr val="accent1"/>
+          </a:effectRef>
+          <a:fontRef idx="minor">
+            <a:schemeClr val="lt1"/>
+          </a:fontRef>
+        </p:style>
+        <p:txBody>
+          <a:bodyPr rtlCol="0" anchor="ctr"/>
+          <a:lstStyle/>
+          <a:p>
+            <a:pPr algn="ctr"/>
+            <a:endParaRPr lang="en-US"/>
+          </a:p>
+        </p:txBody>
+      </p:sp>
+      <p:sp>
+        <p:nvSpPr>
+          <p:cNvPr id="12" name="Isosceles Triangle 11">
+            <a:extLst>
+              <a:ext uri="{FF2B5EF4-FFF2-40B4-BE49-F238E27FC236}">
+                <a16:creationId xmlns:a16="http://schemas.microsoft.com/office/drawing/2014/main" id="{A580F890-B085-4E95-96AA-55AEBEC5CE6E}"/>
+              </a:ext>
+              <a:ext uri="{C183D7F6-B498-43B3-948B-1728B52AA6E4}">
+                <adec:decorative xmlns:adec="http://schemas.microsoft.com/office/drawing/2017/decorative" val="1"/>
+              </a:ext>
+            </a:extLst>
+          </p:cNvPr>
+          <p:cNvSpPr>
+            <a:spLocks noGrp="1" noRot="1" noChangeAspect="1" noMove="1" noResize="1" noEditPoints="1" noAdjustHandles="1" noChangeArrowheads="1" noChangeShapeType="1" noTextEdit="1"/>
+          </p:cNvSpPr>
+          <p:nvPr>
+            <p:extLst>
+              <p:ext uri="{386F3935-93C4-4BCD-93E2-E3B085C9AB24}">
+                <p16:designElem xmlns:p16="http://schemas.microsoft.com/office/powerpoint/2015/main" val="1"/>
+              </p:ext>
+            </p:extLst>
+          </p:nvPr>
+        </p:nvSpPr>
+        <p:spPr>
+          <a:xfrm rot="16200000">
+            <a:off x="10289068" y="1343027"/>
+            <a:ext cx="2532832" cy="1273032"/>
+          </a:xfrm>
+          <a:prstGeom prst="triangle">
+            <a:avLst>
+              <a:gd name="adj" fmla="val 50000"/>
+            </a:avLst>
+          </a:prstGeom>
+          <a:solidFill>
+            <a:schemeClr val="accent4">
+              <a:alpha val="30000"/>
+            </a:schemeClr>
+          </a:solidFill>
+          <a:ln>
+            <a:noFill/>
+          </a:ln>
+        </p:spPr>
+        <p:style>
+          <a:lnRef idx="2">
+            <a:schemeClr val="accent1">
+              <a:shade val="50000"/>
+            </a:schemeClr>
+          </a:lnRef>
+          <a:fillRef idx="1">
+            <a:schemeClr val="accent1"/>
+          </a:fillRef>
+          <a:effectRef idx="0">
+            <a:schemeClr val="accent1"/>
+          </a:effectRef>
+          <a:fontRef idx="minor">
+            <a:schemeClr val="lt1"/>
+          </a:fontRef>
+        </p:style>
+        <p:txBody>
+          <a:bodyPr rtlCol="0" anchor="ctr"/>
+          <a:lstStyle/>
+          <a:p>
+            <a:pPr algn="ctr"/>
+            <a:endParaRPr lang="en-US"/>
+          </a:p>
+        </p:txBody>
+      </p:sp>
+      <p:sp>
+        <p:nvSpPr>
+          <p:cNvPr id="14" name="Isosceles Triangle 13">
+            <a:extLst>
+              <a:ext uri="{FF2B5EF4-FFF2-40B4-BE49-F238E27FC236}">
+                <a16:creationId xmlns:a16="http://schemas.microsoft.com/office/drawing/2014/main" id="{D3F51FEB-38FB-4F6C-9F7B-2F2AFAB65463}"/>
+              </a:ext>
+              <a:ext uri="{C183D7F6-B498-43B3-948B-1728B52AA6E4}">
+                <adec:decorative xmlns:adec="http://schemas.microsoft.com/office/drawing/2017/decorative" val="1"/>
+              </a:ext>
+            </a:extLst>
+          </p:cNvPr>
+          <p:cNvSpPr>
+            <a:spLocks noGrp="1" noRot="1" noChangeAspect="1" noMove="1" noResize="1" noEditPoints="1" noAdjustHandles="1" noChangeArrowheads="1" noChangeShapeType="1" noTextEdit="1"/>
+          </p:cNvSpPr>
+          <p:nvPr>
+            <p:extLst>
+              <p:ext uri="{386F3935-93C4-4BCD-93E2-E3B085C9AB24}">
+                <p16:designElem xmlns:p16="http://schemas.microsoft.com/office/powerpoint/2015/main" val="1"/>
+              </p:ext>
+            </p:extLst>
+          </p:nvPr>
+        </p:nvSpPr>
+        <p:spPr>
+          <a:xfrm rot="5400000">
+            <a:off x="-501760" y="5103257"/>
+            <a:ext cx="2017580" cy="1014060"/>
+          </a:xfrm>
+          <a:prstGeom prst="triangle">
+            <a:avLst>
+              <a:gd name="adj" fmla="val 50000"/>
+            </a:avLst>
+          </a:prstGeom>
+          <a:solidFill>
+            <a:schemeClr val="accent1">
+              <a:alpha val="30000"/>
+            </a:schemeClr>
+          </a:solidFill>
+          <a:ln>
+            <a:noFill/>
+          </a:ln>
+        </p:spPr>
+        <p:style>
+          <a:lnRef idx="2">
+            <a:schemeClr val="accent1">
+              <a:shade val="50000"/>
+            </a:schemeClr>
+          </a:lnRef>
+          <a:fillRef idx="1">
+            <a:schemeClr val="accent1"/>
+          </a:fillRef>
+          <a:effectRef idx="0">
+            <a:schemeClr val="accent1"/>
+          </a:effectRef>
+          <a:fontRef idx="minor">
+            <a:schemeClr val="lt1"/>
+          </a:fontRef>
+        </p:style>
+        <p:txBody>
+          <a:bodyPr wrap="square" rtlCol="0" anchor="ctr">
+            <a:noAutofit/>
+          </a:bodyPr>
+          <a:lstStyle/>
+          <a:p>
+            <a:pPr algn="ctr"/>
+            <a:endParaRPr lang="en-US"/>
+          </a:p>
+        </p:txBody>
+      </p:sp>
+      <p:sp>
+        <p:nvSpPr>
+          <p:cNvPr id="16" name="Rectangle 15">
+            <a:extLst>
+              <a:ext uri="{FF2B5EF4-FFF2-40B4-BE49-F238E27FC236}">
+                <a16:creationId xmlns:a16="http://schemas.microsoft.com/office/drawing/2014/main" id="{1E547BA6-BAE0-43BB-A7CA-60F69CE252F0}"/>
+              </a:ext>
+              <a:ext uri="{C183D7F6-B498-43B3-948B-1728B52AA6E4}">
+                <adec:decorative xmlns:adec="http://schemas.microsoft.com/office/drawing/2017/decorative" val="1"/>
+              </a:ext>
+            </a:extLst>
+          </p:cNvPr>
+          <p:cNvSpPr>
+            <a:spLocks noGrp="1" noRot="1" noChangeAspect="1" noMove="1" noResize="1" noEditPoints="1" noAdjustHandles="1" noChangeArrowheads="1" noChangeShapeType="1" noTextEdit="1"/>
+          </p:cNvSpPr>
+          <p:nvPr>
+            <p:extLst>
+              <p:ext uri="{386F3935-93C4-4BCD-93E2-E3B085C9AB24}">
+                <p16:designElem xmlns:p16="http://schemas.microsoft.com/office/powerpoint/2015/main" val="1"/>
+              </p:ext>
+            </p:extLst>
+          </p:nvPr>
+        </p:nvSpPr>
+        <p:spPr>
+          <a:xfrm rot="2700000">
+            <a:off x="427916" y="5728708"/>
+            <a:ext cx="485578" cy="485578"/>
+          </a:xfrm>
+          <a:prstGeom prst="rect">
+            <a:avLst/>
+          </a:prstGeom>
+          <a:solidFill>
+            <a:schemeClr val="accent1">
+              <a:alpha val="30000"/>
+            </a:schemeClr>
+          </a:solidFill>
+          <a:ln>
+            <a:noFill/>
+          </a:ln>
+        </p:spPr>
+        <p:style>
+          <a:lnRef idx="2">
+            <a:schemeClr val="accent1">
+              <a:shade val="50000"/>
+            </a:schemeClr>
+          </a:lnRef>
+          <a:fillRef idx="1">
+            <a:schemeClr val="accent1"/>
+          </a:fillRef>
+          <a:effectRef idx="0">
+            <a:schemeClr val="accent1"/>
+          </a:effectRef>
+          <a:fontRef idx="minor">
+            <a:schemeClr val="lt1"/>
+          </a:fontRef>
+        </p:style>
+        <p:txBody>
+          <a:bodyPr wrap="square" rtlCol="0" anchor="ctr">
+            <a:noAutofit/>
+          </a:bodyPr>
+          <a:lstStyle/>
+          <a:p>
+            <a:pPr algn="ctr"/>
+            <a:endParaRPr lang="en-US"/>
+          </a:p>
+        </p:txBody>
+      </p:sp>
+      <p:sp>
+        <p:nvSpPr>
+          <p:cNvPr id="9" name="Прямоугольник 8">
+            <a:extLst>
+              <a:ext uri="{FF2B5EF4-FFF2-40B4-BE49-F238E27FC236}">
+                <a16:creationId xmlns:a16="http://schemas.microsoft.com/office/drawing/2014/main" id="{557ADFDF-4420-4FAC-AEF2-121872806D1B}"/>
+              </a:ext>
+            </a:extLst>
+          </p:cNvPr>
+          <p:cNvSpPr/>
+          <p:nvPr/>
+        </p:nvSpPr>
+        <p:spPr>
+          <a:xfrm>
+            <a:off x="11007253" y="6466177"/>
+            <a:ext cx="1184748" cy="369332"/>
+          </a:xfrm>
+          <a:prstGeom prst="rect">
+            <a:avLst/>
+          </a:prstGeom>
+        </p:spPr>
+        <p:txBody>
+          <a:bodyPr wrap="none">
+            <a:spAutoFit/>
+          </a:bodyPr>
+          <a:lstStyle/>
+          <a:p>
+            <a:r>
+              <a:rPr lang="ru-RU" dirty="0" err="1"/>
+              <a:t>Домен.РФ</a:t>
+            </a:r>
+            <a:endParaRPr lang="ru-RU" dirty="0"/>
+          </a:p>
+        </p:txBody>
+      </p:sp>
+    </p:spTree>
+    <p:extLst>
+      <p:ext uri="{BB962C8B-B14F-4D97-AF65-F5344CB8AC3E}">
+        <p14:creationId xmlns:p14="http://schemas.microsoft.com/office/powerpoint/2010/main" val="1091263399"/>
+      </p:ext>
+    </p:extLst>
+  </p:cSld>
+  <p:clrMapOvr>
+    <a:masterClrMapping/>
+  </p:clrMapOvr>
+</p:sld>
+</file>
+
+<file path=ppt/slides/slide11.xml><?xml version="1.0" encoding="utf-8"?>
+<p:sld xmlns:a="http://schemas.openxmlformats.org/drawingml/2006/main" xmlns:r="http://schemas.openxmlformats.org/officeDocument/2006/relationships" xmlns:p="http://schemas.openxmlformats.org/presentationml/2006/main">
+  <p:cSld>
+    <p:bg>
+      <p:bgPr>
+        <a:solidFill>
+          <a:schemeClr val="bg1"/>
+        </a:solidFill>
+        <a:effectLst/>
+      </p:bgPr>
+    </p:bg>
+    <p:spTree>
+      <p:nvGrpSpPr>
+        <p:cNvPr id="1" name=""/>
+        <p:cNvGrpSpPr/>
+        <p:nvPr/>
+      </p:nvGrpSpPr>
+      <p:grpSpPr>
+        <a:xfrm>
+          <a:off x="0" y="0"/>
+          <a:ext cx="0" cy="0"/>
+          <a:chOff x="0" y="0"/>
+          <a:chExt cx="0" cy="0"/>
+        </a:xfrm>
+      </p:grpSpPr>
+      <p:sp>
+        <p:nvSpPr>
+          <p:cNvPr id="8" name="Rectangle 7">
+            <a:extLst>
+              <a:ext uri="{FF2B5EF4-FFF2-40B4-BE49-F238E27FC236}">
+                <a16:creationId xmlns:a16="http://schemas.microsoft.com/office/drawing/2014/main" id="{2B566528-1B12-4246-9431-5C2D7D081168}"/>
+              </a:ext>
+              <a:ext uri="{C183D7F6-B498-43B3-948B-1728B52AA6E4}">
+                <adec:decorative xmlns:adec="http://schemas.microsoft.com/office/drawing/2017/decorative" val="1"/>
+              </a:ext>
+            </a:extLst>
+          </p:cNvPr>
+          <p:cNvSpPr>
+            <a:spLocks noGrp="1" noRot="1" noChangeAspect="1" noMove="1" noResize="1" noEditPoints="1" noAdjustHandles="1" noChangeArrowheads="1" noChangeShapeType="1" noTextEdit="1"/>
+          </p:cNvSpPr>
+          <p:nvPr>
+            <p:extLst>
+              <p:ext uri="{386F3935-93C4-4BCD-93E2-E3B085C9AB24}">
+                <p16:designElem xmlns:p16="http://schemas.microsoft.com/office/powerpoint/2015/main" val="1"/>
+              </p:ext>
+            </p:extLst>
+          </p:nvPr>
+        </p:nvSpPr>
+        <p:spPr>
+          <a:xfrm>
+            <a:off x="0" y="0"/>
+            <a:ext cx="12192000" cy="6858000"/>
+          </a:xfrm>
+          <a:prstGeom prst="rect">
+            <a:avLst/>
+          </a:prstGeom>
+          <a:solidFill>
+            <a:schemeClr val="bg1"/>
+          </a:solidFill>
+          <a:ln>
+            <a:noFill/>
+          </a:ln>
+        </p:spPr>
+        <p:style>
+          <a:lnRef idx="2">
+            <a:schemeClr val="accent1">
+              <a:shade val="50000"/>
+            </a:schemeClr>
+          </a:lnRef>
+          <a:fillRef idx="1">
+            <a:schemeClr val="accent1"/>
+          </a:fillRef>
+          <a:effectRef idx="0">
+            <a:schemeClr val="accent1"/>
+          </a:effectRef>
+          <a:fontRef idx="minor">
+            <a:schemeClr val="lt1"/>
+          </a:fontRef>
+        </p:style>
+        <p:txBody>
+          <a:bodyPr rtlCol="0" anchor="ctr"/>
+          <a:lstStyle/>
+          <a:p>
+            <a:pPr algn="ctr"/>
+            <a:endParaRPr lang="en-US" dirty="0"/>
+          </a:p>
+        </p:txBody>
+      </p:sp>
+      <p:sp>
+        <p:nvSpPr>
+          <p:cNvPr id="2" name="Заголовок 1">
+            <a:extLst>
+              <a:ext uri="{FF2B5EF4-FFF2-40B4-BE49-F238E27FC236}">
+                <a16:creationId xmlns:a16="http://schemas.microsoft.com/office/drawing/2014/main" id="{DDE03C63-9E5D-4122-9080-9823B4EFD0AC}"/>
+              </a:ext>
+            </a:extLst>
+          </p:cNvPr>
+          <p:cNvSpPr>
+            <a:spLocks noGrp="1"/>
+          </p:cNvSpPr>
+          <p:nvPr>
+            <p:ph type="title"/>
+          </p:nvPr>
+        </p:nvSpPr>
+        <p:spPr>
+          <a:xfrm>
+            <a:off x="643467" y="321734"/>
+            <a:ext cx="10905066" cy="1135737"/>
+          </a:xfrm>
+        </p:spPr>
+        <p:txBody>
+          <a:bodyPr>
+            <a:normAutofit/>
+          </a:bodyPr>
+          <a:lstStyle/>
+          <a:p>
+            <a:r>
+              <a:rPr lang="ru-RU" sz="3600" dirty="0"/>
+              <a:t>Интеграция</a:t>
+            </a:r>
+            <a:endParaRPr lang="en-US" sz="3600" dirty="0"/>
+          </a:p>
+        </p:txBody>
+      </p:sp>
+      <p:sp>
+        <p:nvSpPr>
+          <p:cNvPr id="3" name="Объект 2">
+            <a:extLst>
+              <a:ext uri="{FF2B5EF4-FFF2-40B4-BE49-F238E27FC236}">
+                <a16:creationId xmlns:a16="http://schemas.microsoft.com/office/drawing/2014/main" id="{DC321943-D56E-4D04-B8B9-C2F40998FEFD}"/>
+              </a:ext>
+            </a:extLst>
+          </p:cNvPr>
+          <p:cNvSpPr>
+            <a:spLocks noGrp="1"/>
+          </p:cNvSpPr>
+          <p:nvPr>
+            <p:ph idx="1"/>
+          </p:nvPr>
+        </p:nvSpPr>
+        <p:spPr>
+          <a:xfrm>
+            <a:off x="643467" y="1782981"/>
+            <a:ext cx="10905066" cy="4393982"/>
+          </a:xfrm>
+        </p:spPr>
+        <p:txBody>
+          <a:bodyPr>
+            <a:normAutofit/>
+          </a:bodyPr>
+          <a:lstStyle/>
+          <a:p>
+            <a:r>
+              <a:rPr lang="en-US" sz="2000" dirty="0"/>
+              <a:t>API </a:t>
+            </a:r>
+            <a:r>
+              <a:rPr lang="ru-RU" sz="2000" dirty="0"/>
+              <a:t>для внедрения в существующие ИТ системы </a:t>
+            </a:r>
+            <a:r>
+              <a:rPr lang="ru-RU" sz="2000" dirty="0" err="1"/>
+              <a:t>гос</a:t>
+            </a:r>
+            <a:r>
+              <a:rPr lang="ru-RU" sz="2000" dirty="0"/>
+              <a:t> служб.</a:t>
+            </a:r>
+          </a:p>
+          <a:p>
+            <a:r>
+              <a:rPr lang="en-US" sz="2000" dirty="0"/>
+              <a:t>API </a:t>
+            </a:r>
+            <a:r>
+              <a:rPr lang="ru-RU" sz="2000" dirty="0"/>
+              <a:t>для проверки почтового адреса.</a:t>
+            </a:r>
+          </a:p>
+        </p:txBody>
+      </p:sp>
+      <p:sp>
+        <p:nvSpPr>
+          <p:cNvPr id="10" name="Rectangle 9">
+            <a:extLst>
+              <a:ext uri="{FF2B5EF4-FFF2-40B4-BE49-F238E27FC236}">
+                <a16:creationId xmlns:a16="http://schemas.microsoft.com/office/drawing/2014/main" id="{2E80C965-DB6D-4F81-9E9E-B027384D0BD6}"/>
+              </a:ext>
+              <a:ext uri="{C183D7F6-B498-43B3-948B-1728B52AA6E4}">
+                <adec:decorative xmlns:adec="http://schemas.microsoft.com/office/drawing/2017/decorative" val="1"/>
+              </a:ext>
+            </a:extLst>
+          </p:cNvPr>
+          <p:cNvSpPr>
+            <a:spLocks noGrp="1" noRot="1" noChangeAspect="1" noMove="1" noResize="1" noEditPoints="1" noAdjustHandles="1" noChangeArrowheads="1" noChangeShapeType="1" noTextEdit="1"/>
+          </p:cNvSpPr>
+          <p:nvPr>
+            <p:extLst>
+              <p:ext uri="{386F3935-93C4-4BCD-93E2-E3B085C9AB24}">
+                <p16:designElem xmlns:p16="http://schemas.microsoft.com/office/powerpoint/2015/main" val="1"/>
+              </p:ext>
+            </p:extLst>
+          </p:nvPr>
+        </p:nvSpPr>
+        <p:spPr>
+          <a:xfrm rot="2700000">
+            <a:off x="11052629" y="2120024"/>
+            <a:ext cx="645368" cy="645368"/>
+          </a:xfrm>
+          <a:prstGeom prst="rect">
+            <a:avLst/>
+          </a:prstGeom>
+          <a:solidFill>
+            <a:schemeClr val="accent4">
+              <a:alpha val="30000"/>
+            </a:schemeClr>
+          </a:solidFill>
+          <a:ln>
+            <a:noFill/>
+          </a:ln>
+        </p:spPr>
+        <p:style>
+          <a:lnRef idx="2">
+            <a:schemeClr val="accent1">
+              <a:shade val="50000"/>
+            </a:schemeClr>
+          </a:lnRef>
+          <a:fillRef idx="1">
+            <a:schemeClr val="accent1"/>
+          </a:fillRef>
+          <a:effectRef idx="0">
+            <a:schemeClr val="accent1"/>
+          </a:effectRef>
+          <a:fontRef idx="minor">
+            <a:schemeClr val="lt1"/>
+          </a:fontRef>
+        </p:style>
+        <p:txBody>
+          <a:bodyPr rtlCol="0" anchor="ctr"/>
+          <a:lstStyle/>
+          <a:p>
+            <a:pPr algn="ctr"/>
+            <a:endParaRPr lang="en-US"/>
+          </a:p>
+        </p:txBody>
+      </p:sp>
+      <p:sp>
+        <p:nvSpPr>
+          <p:cNvPr id="12" name="Isosceles Triangle 11">
+            <a:extLst>
+              <a:ext uri="{FF2B5EF4-FFF2-40B4-BE49-F238E27FC236}">
+                <a16:creationId xmlns:a16="http://schemas.microsoft.com/office/drawing/2014/main" id="{A580F890-B085-4E95-96AA-55AEBEC5CE6E}"/>
+              </a:ext>
+              <a:ext uri="{C183D7F6-B498-43B3-948B-1728B52AA6E4}">
+                <adec:decorative xmlns:adec="http://schemas.microsoft.com/office/drawing/2017/decorative" val="1"/>
+              </a:ext>
+            </a:extLst>
+          </p:cNvPr>
+          <p:cNvSpPr>
+            <a:spLocks noGrp="1" noRot="1" noChangeAspect="1" noMove="1" noResize="1" noEditPoints="1" noAdjustHandles="1" noChangeArrowheads="1" noChangeShapeType="1" noTextEdit="1"/>
+          </p:cNvSpPr>
+          <p:nvPr>
+            <p:extLst>
+              <p:ext uri="{386F3935-93C4-4BCD-93E2-E3B085C9AB24}">
+                <p16:designElem xmlns:p16="http://schemas.microsoft.com/office/powerpoint/2015/main" val="1"/>
+              </p:ext>
+            </p:extLst>
+          </p:nvPr>
+        </p:nvSpPr>
+        <p:spPr>
+          <a:xfrm rot="16200000">
+            <a:off x="10289068" y="1343027"/>
+            <a:ext cx="2532832" cy="1273032"/>
+          </a:xfrm>
+          <a:prstGeom prst="triangle">
+            <a:avLst>
+              <a:gd name="adj" fmla="val 50000"/>
+            </a:avLst>
+          </a:prstGeom>
+          <a:solidFill>
+            <a:schemeClr val="accent4">
+              <a:alpha val="30000"/>
+            </a:schemeClr>
+          </a:solidFill>
+          <a:ln>
+            <a:noFill/>
+          </a:ln>
+        </p:spPr>
+        <p:style>
+          <a:lnRef idx="2">
+            <a:schemeClr val="accent1">
+              <a:shade val="50000"/>
+            </a:schemeClr>
+          </a:lnRef>
+          <a:fillRef idx="1">
+            <a:schemeClr val="accent1"/>
+          </a:fillRef>
+          <a:effectRef idx="0">
+            <a:schemeClr val="accent1"/>
+          </a:effectRef>
+          <a:fontRef idx="minor">
+            <a:schemeClr val="lt1"/>
+          </a:fontRef>
+        </p:style>
+        <p:txBody>
+          <a:bodyPr rtlCol="0" anchor="ctr"/>
+          <a:lstStyle/>
+          <a:p>
+            <a:pPr algn="ctr"/>
+            <a:endParaRPr lang="en-US"/>
+          </a:p>
+        </p:txBody>
+      </p:sp>
+      <p:sp>
+        <p:nvSpPr>
+          <p:cNvPr id="14" name="Isosceles Triangle 13">
+            <a:extLst>
+              <a:ext uri="{FF2B5EF4-FFF2-40B4-BE49-F238E27FC236}">
+                <a16:creationId xmlns:a16="http://schemas.microsoft.com/office/drawing/2014/main" id="{D3F51FEB-38FB-4F6C-9F7B-2F2AFAB65463}"/>
+              </a:ext>
+              <a:ext uri="{C183D7F6-B498-43B3-948B-1728B52AA6E4}">
+                <adec:decorative xmlns:adec="http://schemas.microsoft.com/office/drawing/2017/decorative" val="1"/>
+              </a:ext>
+            </a:extLst>
+          </p:cNvPr>
+          <p:cNvSpPr>
+            <a:spLocks noGrp="1" noRot="1" noChangeAspect="1" noMove="1" noResize="1" noEditPoints="1" noAdjustHandles="1" noChangeArrowheads="1" noChangeShapeType="1" noTextEdit="1"/>
+          </p:cNvSpPr>
+          <p:nvPr>
+            <p:extLst>
+              <p:ext uri="{386F3935-93C4-4BCD-93E2-E3B085C9AB24}">
+                <p16:designElem xmlns:p16="http://schemas.microsoft.com/office/powerpoint/2015/main" val="1"/>
+              </p:ext>
+            </p:extLst>
+          </p:nvPr>
+        </p:nvSpPr>
+        <p:spPr>
+          <a:xfrm rot="5400000">
+            <a:off x="-501760" y="5103257"/>
+            <a:ext cx="2017580" cy="1014060"/>
+          </a:xfrm>
+          <a:prstGeom prst="triangle">
+            <a:avLst>
+              <a:gd name="adj" fmla="val 50000"/>
+            </a:avLst>
+          </a:prstGeom>
+          <a:solidFill>
+            <a:schemeClr val="accent1">
+              <a:alpha val="30000"/>
+            </a:schemeClr>
+          </a:solidFill>
+          <a:ln>
+            <a:noFill/>
+          </a:ln>
+        </p:spPr>
+        <p:style>
+          <a:lnRef idx="2">
+            <a:schemeClr val="accent1">
+              <a:shade val="50000"/>
+            </a:schemeClr>
+          </a:lnRef>
+          <a:fillRef idx="1">
+            <a:schemeClr val="accent1"/>
+          </a:fillRef>
+          <a:effectRef idx="0">
+            <a:schemeClr val="accent1"/>
+          </a:effectRef>
+          <a:fontRef idx="minor">
+            <a:schemeClr val="lt1"/>
+          </a:fontRef>
+        </p:style>
+        <p:txBody>
+          <a:bodyPr wrap="square" rtlCol="0" anchor="ctr">
+            <a:noAutofit/>
+          </a:bodyPr>
+          <a:lstStyle/>
+          <a:p>
+            <a:pPr algn="ctr"/>
+            <a:endParaRPr lang="en-US"/>
+          </a:p>
+        </p:txBody>
+      </p:sp>
+      <p:sp>
+        <p:nvSpPr>
+          <p:cNvPr id="16" name="Rectangle 15">
+            <a:extLst>
+              <a:ext uri="{FF2B5EF4-FFF2-40B4-BE49-F238E27FC236}">
+                <a16:creationId xmlns:a16="http://schemas.microsoft.com/office/drawing/2014/main" id="{1E547BA6-BAE0-43BB-A7CA-60F69CE252F0}"/>
+              </a:ext>
+              <a:ext uri="{C183D7F6-B498-43B3-948B-1728B52AA6E4}">
+                <adec:decorative xmlns:adec="http://schemas.microsoft.com/office/drawing/2017/decorative" val="1"/>
+              </a:ext>
+            </a:extLst>
+          </p:cNvPr>
+          <p:cNvSpPr>
+            <a:spLocks noGrp="1" noRot="1" noChangeAspect="1" noMove="1" noResize="1" noEditPoints="1" noAdjustHandles="1" noChangeArrowheads="1" noChangeShapeType="1" noTextEdit="1"/>
+          </p:cNvSpPr>
+          <p:nvPr>
+            <p:extLst>
+              <p:ext uri="{386F3935-93C4-4BCD-93E2-E3B085C9AB24}">
+                <p16:designElem xmlns:p16="http://schemas.microsoft.com/office/powerpoint/2015/main" val="1"/>
+              </p:ext>
+            </p:extLst>
+          </p:nvPr>
+        </p:nvSpPr>
+        <p:spPr>
+          <a:xfrm rot="2700000">
+            <a:off x="427916" y="5728708"/>
+            <a:ext cx="485578" cy="485578"/>
+          </a:xfrm>
+          <a:prstGeom prst="rect">
+            <a:avLst/>
+          </a:prstGeom>
+          <a:solidFill>
+            <a:schemeClr val="accent1">
+              <a:alpha val="30000"/>
+            </a:schemeClr>
+          </a:solidFill>
+          <a:ln>
+            <a:noFill/>
+          </a:ln>
+        </p:spPr>
+        <p:style>
+          <a:lnRef idx="2">
+            <a:schemeClr val="accent1">
+              <a:shade val="50000"/>
+            </a:schemeClr>
+          </a:lnRef>
+          <a:fillRef idx="1">
+            <a:schemeClr val="accent1"/>
+          </a:fillRef>
+          <a:effectRef idx="0">
+            <a:schemeClr val="accent1"/>
+          </a:effectRef>
+          <a:fontRef idx="minor">
+            <a:schemeClr val="lt1"/>
+          </a:fontRef>
+        </p:style>
+        <p:txBody>
+          <a:bodyPr wrap="square" rtlCol="0" anchor="ctr">
+            <a:noAutofit/>
+          </a:bodyPr>
+          <a:lstStyle/>
+          <a:p>
+            <a:pPr algn="ctr"/>
+            <a:endParaRPr lang="en-US"/>
+          </a:p>
+        </p:txBody>
+      </p:sp>
+      <p:sp>
+        <p:nvSpPr>
+          <p:cNvPr id="9" name="Прямоугольник 8">
+            <a:extLst>
+              <a:ext uri="{FF2B5EF4-FFF2-40B4-BE49-F238E27FC236}">
+                <a16:creationId xmlns:a16="http://schemas.microsoft.com/office/drawing/2014/main" id="{3712C324-CF64-4BA9-B4C7-3C40E98046F7}"/>
+              </a:ext>
+            </a:extLst>
+          </p:cNvPr>
+          <p:cNvSpPr/>
+          <p:nvPr/>
+        </p:nvSpPr>
+        <p:spPr>
+          <a:xfrm>
+            <a:off x="11007253" y="6466177"/>
+            <a:ext cx="1184748" cy="369332"/>
+          </a:xfrm>
+          <a:prstGeom prst="rect">
+            <a:avLst/>
+          </a:prstGeom>
+        </p:spPr>
+        <p:txBody>
+          <a:bodyPr wrap="none">
+            <a:spAutoFit/>
+          </a:bodyPr>
+          <a:lstStyle/>
+          <a:p>
+            <a:r>
+              <a:rPr lang="ru-RU" dirty="0" err="1"/>
+              <a:t>Домен.РФ</a:t>
+            </a:r>
+            <a:endParaRPr lang="ru-RU" dirty="0"/>
+          </a:p>
+        </p:txBody>
+      </p:sp>
+    </p:spTree>
+    <p:extLst>
+      <p:ext uri="{BB962C8B-B14F-4D97-AF65-F5344CB8AC3E}">
+        <p14:creationId xmlns:p14="http://schemas.microsoft.com/office/powerpoint/2010/main" val="3847784540"/>
+      </p:ext>
+    </p:extLst>
+  </p:cSld>
+  <p:clrMapOvr>
+    <a:masterClrMapping/>
+  </p:clrMapOvr>
+</p:sld>
+</file>
+
+<file path=ppt/slides/slide12.xml><?xml version="1.0" encoding="utf-8"?>
+<p:sld xmlns:a="http://schemas.openxmlformats.org/drawingml/2006/main" xmlns:r="http://schemas.openxmlformats.org/officeDocument/2006/relationships" xmlns:p="http://schemas.openxmlformats.org/presentationml/2006/main">
+  <p:cSld>
+    <p:bg>
+      <p:bgPr>
+        <a:solidFill>
+          <a:schemeClr val="bg1"/>
+        </a:solidFill>
+        <a:effectLst/>
+      </p:bgPr>
+    </p:bg>
+    <p:spTree>
+      <p:nvGrpSpPr>
+        <p:cNvPr id="1" name=""/>
+        <p:cNvGrpSpPr/>
+        <p:nvPr/>
+      </p:nvGrpSpPr>
+      <p:grpSpPr>
+        <a:xfrm>
+          <a:off x="0" y="0"/>
+          <a:ext cx="0" cy="0"/>
+          <a:chOff x="0" y="0"/>
+          <a:chExt cx="0" cy="0"/>
+        </a:xfrm>
+      </p:grpSpPr>
+      <p:sp>
+        <p:nvSpPr>
+          <p:cNvPr id="8" name="Rectangle 7">
+            <a:extLst>
+              <a:ext uri="{FF2B5EF4-FFF2-40B4-BE49-F238E27FC236}">
+                <a16:creationId xmlns:a16="http://schemas.microsoft.com/office/drawing/2014/main" id="{2B566528-1B12-4246-9431-5C2D7D081168}"/>
+              </a:ext>
+              <a:ext uri="{C183D7F6-B498-43B3-948B-1728B52AA6E4}">
+                <adec:decorative xmlns:adec="http://schemas.microsoft.com/office/drawing/2017/decorative" val="1"/>
+              </a:ext>
+            </a:extLst>
+          </p:cNvPr>
+          <p:cNvSpPr>
+            <a:spLocks noGrp="1" noRot="1" noChangeAspect="1" noMove="1" noResize="1" noEditPoints="1" noAdjustHandles="1" noChangeArrowheads="1" noChangeShapeType="1" noTextEdit="1"/>
+          </p:cNvSpPr>
+          <p:nvPr>
+            <p:extLst>
+              <p:ext uri="{386F3935-93C4-4BCD-93E2-E3B085C9AB24}">
+                <p16:designElem xmlns:p16="http://schemas.microsoft.com/office/powerpoint/2015/main" val="1"/>
+              </p:ext>
+            </p:extLst>
+          </p:nvPr>
+        </p:nvSpPr>
+        <p:spPr>
+          <a:xfrm>
+            <a:off x="0" y="0"/>
+            <a:ext cx="12192000" cy="6858000"/>
+          </a:xfrm>
+          <a:prstGeom prst="rect">
+            <a:avLst/>
+          </a:prstGeom>
+          <a:solidFill>
+            <a:schemeClr val="bg1"/>
+          </a:solidFill>
+          <a:ln>
+            <a:noFill/>
+          </a:ln>
+        </p:spPr>
+        <p:style>
+          <a:lnRef idx="2">
+            <a:schemeClr val="accent1">
+              <a:shade val="50000"/>
+            </a:schemeClr>
+          </a:lnRef>
+          <a:fillRef idx="1">
+            <a:schemeClr val="accent1"/>
+          </a:fillRef>
+          <a:effectRef idx="0">
+            <a:schemeClr val="accent1"/>
+          </a:effectRef>
+          <a:fontRef idx="minor">
+            <a:schemeClr val="lt1"/>
+          </a:fontRef>
+        </p:style>
+        <p:txBody>
+          <a:bodyPr rtlCol="0" anchor="ctr"/>
+          <a:lstStyle/>
+          <a:p>
+            <a:pPr algn="ctr"/>
+            <a:endParaRPr lang="en-US" dirty="0"/>
+          </a:p>
+        </p:txBody>
+      </p:sp>
+      <p:sp>
+        <p:nvSpPr>
+          <p:cNvPr id="2" name="Заголовок 1">
+            <a:extLst>
+              <a:ext uri="{FF2B5EF4-FFF2-40B4-BE49-F238E27FC236}">
+                <a16:creationId xmlns:a16="http://schemas.microsoft.com/office/drawing/2014/main" id="{DDE03C63-9E5D-4122-9080-9823B4EFD0AC}"/>
+              </a:ext>
+            </a:extLst>
+          </p:cNvPr>
+          <p:cNvSpPr>
+            <a:spLocks noGrp="1"/>
+          </p:cNvSpPr>
+          <p:nvPr>
+            <p:ph type="title"/>
+          </p:nvPr>
+        </p:nvSpPr>
+        <p:spPr>
+          <a:xfrm>
+            <a:off x="643467" y="321734"/>
+            <a:ext cx="10905066" cy="1135737"/>
+          </a:xfrm>
+        </p:spPr>
+        <p:txBody>
+          <a:bodyPr>
+            <a:normAutofit/>
+          </a:bodyPr>
+          <a:lstStyle/>
+          <a:p>
+            <a:r>
+              <a:rPr lang="ru-RU" sz="3600" dirty="0"/>
+              <a:t>Интеграция</a:t>
+            </a:r>
+            <a:endParaRPr lang="en-US" sz="3600" dirty="0"/>
+          </a:p>
+        </p:txBody>
+      </p:sp>
+      <p:sp>
+        <p:nvSpPr>
+          <p:cNvPr id="3" name="Объект 2">
+            <a:extLst>
+              <a:ext uri="{FF2B5EF4-FFF2-40B4-BE49-F238E27FC236}">
+                <a16:creationId xmlns:a16="http://schemas.microsoft.com/office/drawing/2014/main" id="{DC321943-D56E-4D04-B8B9-C2F40998FEFD}"/>
+              </a:ext>
+            </a:extLst>
+          </p:cNvPr>
+          <p:cNvSpPr>
+            <a:spLocks noGrp="1"/>
+          </p:cNvSpPr>
+          <p:nvPr>
+            <p:ph idx="1"/>
+          </p:nvPr>
+        </p:nvSpPr>
+        <p:spPr>
+          <a:xfrm>
+            <a:off x="643467" y="1782981"/>
+            <a:ext cx="10905066" cy="4393982"/>
+          </a:xfrm>
+        </p:spPr>
+        <p:txBody>
+          <a:bodyPr>
+            <a:normAutofit/>
+          </a:bodyPr>
+          <a:lstStyle/>
+          <a:p>
+            <a:r>
+              <a:rPr lang="en-US" sz="2000" dirty="0"/>
+              <a:t>API </a:t>
+            </a:r>
+            <a:r>
+              <a:rPr lang="ru-RU" sz="2000" dirty="0"/>
+              <a:t>для внедрения в существующие ИТ системы </a:t>
+            </a:r>
+            <a:r>
+              <a:rPr lang="ru-RU" sz="2000" dirty="0" err="1"/>
+              <a:t>гос</a:t>
+            </a:r>
+            <a:r>
+              <a:rPr lang="ru-RU" sz="2000" dirty="0"/>
+              <a:t> служб.</a:t>
+            </a:r>
+          </a:p>
+          <a:p>
+            <a:r>
+              <a:rPr lang="en-US" sz="2000" dirty="0"/>
+              <a:t>API </a:t>
+            </a:r>
+            <a:r>
+              <a:rPr lang="ru-RU" sz="2000" dirty="0"/>
+              <a:t>для проверки почтового адреса.</a:t>
+            </a:r>
+          </a:p>
+        </p:txBody>
+      </p:sp>
+      <p:sp>
+        <p:nvSpPr>
+          <p:cNvPr id="10" name="Rectangle 9">
+            <a:extLst>
+              <a:ext uri="{FF2B5EF4-FFF2-40B4-BE49-F238E27FC236}">
+                <a16:creationId xmlns:a16="http://schemas.microsoft.com/office/drawing/2014/main" id="{2E80C965-DB6D-4F81-9E9E-B027384D0BD6}"/>
+              </a:ext>
+              <a:ext uri="{C183D7F6-B498-43B3-948B-1728B52AA6E4}">
+                <adec:decorative xmlns:adec="http://schemas.microsoft.com/office/drawing/2017/decorative" val="1"/>
+              </a:ext>
+            </a:extLst>
+          </p:cNvPr>
+          <p:cNvSpPr>
+            <a:spLocks noGrp="1" noRot="1" noChangeAspect="1" noMove="1" noResize="1" noEditPoints="1" noAdjustHandles="1" noChangeArrowheads="1" noChangeShapeType="1" noTextEdit="1"/>
+          </p:cNvSpPr>
+          <p:nvPr>
+            <p:extLst>
+              <p:ext uri="{386F3935-93C4-4BCD-93E2-E3B085C9AB24}">
+                <p16:designElem xmlns:p16="http://schemas.microsoft.com/office/powerpoint/2015/main" val="1"/>
+              </p:ext>
+            </p:extLst>
+          </p:nvPr>
+        </p:nvSpPr>
+        <p:spPr>
+          <a:xfrm rot="2700000">
+            <a:off x="11052629" y="2120024"/>
+            <a:ext cx="645368" cy="645368"/>
+          </a:xfrm>
+          <a:prstGeom prst="rect">
+            <a:avLst/>
+          </a:prstGeom>
+          <a:solidFill>
+            <a:schemeClr val="accent4">
+              <a:alpha val="30000"/>
+            </a:schemeClr>
+          </a:solidFill>
+          <a:ln>
+            <a:noFill/>
+          </a:ln>
+        </p:spPr>
+        <p:style>
+          <a:lnRef idx="2">
+            <a:schemeClr val="accent1">
+              <a:shade val="50000"/>
+            </a:schemeClr>
+          </a:lnRef>
+          <a:fillRef idx="1">
+            <a:schemeClr val="accent1"/>
+          </a:fillRef>
+          <a:effectRef idx="0">
+            <a:schemeClr val="accent1"/>
+          </a:effectRef>
+          <a:fontRef idx="minor">
+            <a:schemeClr val="lt1"/>
+          </a:fontRef>
+        </p:style>
+        <p:txBody>
+          <a:bodyPr rtlCol="0" anchor="ctr"/>
+          <a:lstStyle/>
+          <a:p>
+            <a:pPr algn="ctr"/>
+            <a:endParaRPr lang="en-US"/>
+          </a:p>
+        </p:txBody>
+      </p:sp>
+      <p:sp>
+        <p:nvSpPr>
+          <p:cNvPr id="12" name="Isosceles Triangle 11">
+            <a:extLst>
+              <a:ext uri="{FF2B5EF4-FFF2-40B4-BE49-F238E27FC236}">
+                <a16:creationId xmlns:a16="http://schemas.microsoft.com/office/drawing/2014/main" id="{A580F890-B085-4E95-96AA-55AEBEC5CE6E}"/>
+              </a:ext>
+              <a:ext uri="{C183D7F6-B498-43B3-948B-1728B52AA6E4}">
+                <adec:decorative xmlns:adec="http://schemas.microsoft.com/office/drawing/2017/decorative" val="1"/>
+              </a:ext>
+            </a:extLst>
+          </p:cNvPr>
+          <p:cNvSpPr>
+            <a:spLocks noGrp="1" noRot="1" noChangeAspect="1" noMove="1" noResize="1" noEditPoints="1" noAdjustHandles="1" noChangeArrowheads="1" noChangeShapeType="1" noTextEdit="1"/>
+          </p:cNvSpPr>
+          <p:nvPr>
+            <p:extLst>
+              <p:ext uri="{386F3935-93C4-4BCD-93E2-E3B085C9AB24}">
+                <p16:designElem xmlns:p16="http://schemas.microsoft.com/office/powerpoint/2015/main" val="1"/>
+              </p:ext>
+            </p:extLst>
+          </p:nvPr>
+        </p:nvSpPr>
+        <p:spPr>
+          <a:xfrm rot="16200000">
+            <a:off x="10289068" y="1343027"/>
+            <a:ext cx="2532832" cy="1273032"/>
+          </a:xfrm>
+          <a:prstGeom prst="triangle">
+            <a:avLst>
+              <a:gd name="adj" fmla="val 50000"/>
+            </a:avLst>
+          </a:prstGeom>
+          <a:solidFill>
+            <a:schemeClr val="accent4">
+              <a:alpha val="30000"/>
+            </a:schemeClr>
+          </a:solidFill>
+          <a:ln>
+            <a:noFill/>
+          </a:ln>
+        </p:spPr>
+        <p:style>
+          <a:lnRef idx="2">
+            <a:schemeClr val="accent1">
+              <a:shade val="50000"/>
+            </a:schemeClr>
+          </a:lnRef>
+          <a:fillRef idx="1">
+            <a:schemeClr val="accent1"/>
+          </a:fillRef>
+          <a:effectRef idx="0">
+            <a:schemeClr val="accent1"/>
+          </a:effectRef>
+          <a:fontRef idx="minor">
+            <a:schemeClr val="lt1"/>
+          </a:fontRef>
+        </p:style>
+        <p:txBody>
+          <a:bodyPr rtlCol="0" anchor="ctr"/>
+          <a:lstStyle/>
+          <a:p>
+            <a:pPr algn="ctr"/>
+            <a:endParaRPr lang="en-US"/>
+          </a:p>
+        </p:txBody>
+      </p:sp>
+      <p:sp>
+        <p:nvSpPr>
+          <p:cNvPr id="14" name="Isosceles Triangle 13">
+            <a:extLst>
+              <a:ext uri="{FF2B5EF4-FFF2-40B4-BE49-F238E27FC236}">
+                <a16:creationId xmlns:a16="http://schemas.microsoft.com/office/drawing/2014/main" id="{D3F51FEB-38FB-4F6C-9F7B-2F2AFAB65463}"/>
+              </a:ext>
+              <a:ext uri="{C183D7F6-B498-43B3-948B-1728B52AA6E4}">
+                <adec:decorative xmlns:adec="http://schemas.microsoft.com/office/drawing/2017/decorative" val="1"/>
+              </a:ext>
+            </a:extLst>
+          </p:cNvPr>
+          <p:cNvSpPr>
+            <a:spLocks noGrp="1" noRot="1" noChangeAspect="1" noMove="1" noResize="1" noEditPoints="1" noAdjustHandles="1" noChangeArrowheads="1" noChangeShapeType="1" noTextEdit="1"/>
+          </p:cNvSpPr>
+          <p:nvPr>
+            <p:extLst>
+              <p:ext uri="{386F3935-93C4-4BCD-93E2-E3B085C9AB24}">
+                <p16:designElem xmlns:p16="http://schemas.microsoft.com/office/powerpoint/2015/main" val="1"/>
+              </p:ext>
+            </p:extLst>
+          </p:nvPr>
+        </p:nvSpPr>
+        <p:spPr>
+          <a:xfrm rot="5400000">
+            <a:off x="-501760" y="5103257"/>
+            <a:ext cx="2017580" cy="1014060"/>
+          </a:xfrm>
+          <a:prstGeom prst="triangle">
+            <a:avLst>
+              <a:gd name="adj" fmla="val 50000"/>
+            </a:avLst>
+          </a:prstGeom>
+          <a:solidFill>
+            <a:schemeClr val="accent1">
+              <a:alpha val="30000"/>
+            </a:schemeClr>
+          </a:solidFill>
+          <a:ln>
+            <a:noFill/>
+          </a:ln>
+        </p:spPr>
+        <p:style>
+          <a:lnRef idx="2">
+            <a:schemeClr val="accent1">
+              <a:shade val="50000"/>
+            </a:schemeClr>
+          </a:lnRef>
+          <a:fillRef idx="1">
+            <a:schemeClr val="accent1"/>
+          </a:fillRef>
+          <a:effectRef idx="0">
+            <a:schemeClr val="accent1"/>
+          </a:effectRef>
+          <a:fontRef idx="minor">
+            <a:schemeClr val="lt1"/>
+          </a:fontRef>
+        </p:style>
+        <p:txBody>
+          <a:bodyPr wrap="square" rtlCol="0" anchor="ctr">
+            <a:noAutofit/>
+          </a:bodyPr>
+          <a:lstStyle/>
+          <a:p>
+            <a:pPr algn="ctr"/>
+            <a:endParaRPr lang="en-US"/>
+          </a:p>
+        </p:txBody>
+      </p:sp>
+      <p:sp>
+        <p:nvSpPr>
+          <p:cNvPr id="16" name="Rectangle 15">
+            <a:extLst>
+              <a:ext uri="{FF2B5EF4-FFF2-40B4-BE49-F238E27FC236}">
+                <a16:creationId xmlns:a16="http://schemas.microsoft.com/office/drawing/2014/main" id="{1E547BA6-BAE0-43BB-A7CA-60F69CE252F0}"/>
+              </a:ext>
+              <a:ext uri="{C183D7F6-B498-43B3-948B-1728B52AA6E4}">
+                <adec:decorative xmlns:adec="http://schemas.microsoft.com/office/drawing/2017/decorative" val="1"/>
+              </a:ext>
+            </a:extLst>
+          </p:cNvPr>
+          <p:cNvSpPr>
+            <a:spLocks noGrp="1" noRot="1" noChangeAspect="1" noMove="1" noResize="1" noEditPoints="1" noAdjustHandles="1" noChangeArrowheads="1" noChangeShapeType="1" noTextEdit="1"/>
+          </p:cNvSpPr>
+          <p:nvPr>
+            <p:extLst>
+              <p:ext uri="{386F3935-93C4-4BCD-93E2-E3B085C9AB24}">
+                <p16:designElem xmlns:p16="http://schemas.microsoft.com/office/powerpoint/2015/main" val="1"/>
+              </p:ext>
+            </p:extLst>
+          </p:nvPr>
+        </p:nvSpPr>
+        <p:spPr>
+          <a:xfrm rot="2700000">
+            <a:off x="427916" y="5728708"/>
+            <a:ext cx="485578" cy="485578"/>
+          </a:xfrm>
+          <a:prstGeom prst="rect">
+            <a:avLst/>
+          </a:prstGeom>
+          <a:solidFill>
+            <a:schemeClr val="accent1">
+              <a:alpha val="30000"/>
+            </a:schemeClr>
+          </a:solidFill>
+          <a:ln>
+            <a:noFill/>
+          </a:ln>
+        </p:spPr>
+        <p:style>
+          <a:lnRef idx="2">
+            <a:schemeClr val="accent1">
+              <a:shade val="50000"/>
+            </a:schemeClr>
+          </a:lnRef>
+          <a:fillRef idx="1">
+            <a:schemeClr val="accent1"/>
+          </a:fillRef>
+          <a:effectRef idx="0">
+            <a:schemeClr val="accent1"/>
+          </a:effectRef>
+          <a:fontRef idx="minor">
+            <a:schemeClr val="lt1"/>
+          </a:fontRef>
+        </p:style>
+        <p:txBody>
+          <a:bodyPr wrap="square" rtlCol="0" anchor="ctr">
+            <a:noAutofit/>
+          </a:bodyPr>
+          <a:lstStyle/>
+          <a:p>
+            <a:pPr algn="ctr"/>
+            <a:endParaRPr lang="en-US"/>
+          </a:p>
+        </p:txBody>
+      </p:sp>
+      <p:sp>
+        <p:nvSpPr>
+          <p:cNvPr id="9" name="Прямоугольник 8">
+            <a:extLst>
+              <a:ext uri="{FF2B5EF4-FFF2-40B4-BE49-F238E27FC236}">
+                <a16:creationId xmlns:a16="http://schemas.microsoft.com/office/drawing/2014/main" id="{756DF657-B73A-450F-82F0-F9DD525ED4FA}"/>
+              </a:ext>
+            </a:extLst>
+          </p:cNvPr>
+          <p:cNvSpPr/>
+          <p:nvPr/>
+        </p:nvSpPr>
+        <p:spPr>
+          <a:xfrm>
+            <a:off x="11007253" y="6466177"/>
+            <a:ext cx="1184748" cy="369332"/>
+          </a:xfrm>
+          <a:prstGeom prst="rect">
+            <a:avLst/>
+          </a:prstGeom>
+        </p:spPr>
+        <p:txBody>
+          <a:bodyPr wrap="none">
+            <a:spAutoFit/>
+          </a:bodyPr>
+          <a:lstStyle/>
+          <a:p>
+            <a:r>
+              <a:rPr lang="ru-RU" dirty="0" err="1"/>
+              <a:t>Домен.РФ</a:t>
+            </a:r>
+            <a:endParaRPr lang="ru-RU" dirty="0"/>
+          </a:p>
+        </p:txBody>
+      </p:sp>
+    </p:spTree>
+    <p:extLst>
+      <p:ext uri="{BB962C8B-B14F-4D97-AF65-F5344CB8AC3E}">
+        <p14:creationId xmlns:p14="http://schemas.microsoft.com/office/powerpoint/2010/main" val="4040384343"/>
+      </p:ext>
+    </p:extLst>
+  </p:cSld>
+  <p:clrMapOvr>
+    <a:masterClrMapping/>
+  </p:clrMapOvr>
+</p:sld>
+</file>
+
+<file path=ppt/slides/slide13.xml><?xml version="1.0" encoding="utf-8"?>
+<p:sld xmlns:a="http://schemas.openxmlformats.org/drawingml/2006/main" xmlns:r="http://schemas.openxmlformats.org/officeDocument/2006/relationships" xmlns:p="http://schemas.openxmlformats.org/presentationml/2006/main">
+  <p:cSld>
+    <p:bg>
+      <p:bgPr>
+        <a:solidFill>
+          <a:schemeClr val="bg1"/>
+        </a:solidFill>
+        <a:effectLst/>
+      </p:bgPr>
+    </p:bg>
+    <p:spTree>
+      <p:nvGrpSpPr>
+        <p:cNvPr id="1" name=""/>
+        <p:cNvGrpSpPr/>
+        <p:nvPr/>
+      </p:nvGrpSpPr>
+      <p:grpSpPr>
+        <a:xfrm>
+          <a:off x="0" y="0"/>
+          <a:ext cx="0" cy="0"/>
+          <a:chOff x="0" y="0"/>
+          <a:chExt cx="0" cy="0"/>
+        </a:xfrm>
+      </p:grpSpPr>
+      <p:sp>
+        <p:nvSpPr>
+          <p:cNvPr id="8" name="Rectangle 7">
+            <a:extLst>
+              <a:ext uri="{FF2B5EF4-FFF2-40B4-BE49-F238E27FC236}">
+                <a16:creationId xmlns:a16="http://schemas.microsoft.com/office/drawing/2014/main" id="{2B566528-1B12-4246-9431-5C2D7D081168}"/>
+              </a:ext>
+              <a:ext uri="{C183D7F6-B498-43B3-948B-1728B52AA6E4}">
+                <adec:decorative xmlns:adec="http://schemas.microsoft.com/office/drawing/2017/decorative" val="1"/>
+              </a:ext>
+            </a:extLst>
+          </p:cNvPr>
+          <p:cNvSpPr>
+            <a:spLocks noGrp="1" noRot="1" noChangeAspect="1" noMove="1" noResize="1" noEditPoints="1" noAdjustHandles="1" noChangeArrowheads="1" noChangeShapeType="1" noTextEdit="1"/>
+          </p:cNvSpPr>
+          <p:nvPr>
+            <p:extLst>
+              <p:ext uri="{386F3935-93C4-4BCD-93E2-E3B085C9AB24}">
+                <p16:designElem xmlns:p16="http://schemas.microsoft.com/office/powerpoint/2015/main" val="1"/>
+              </p:ext>
+            </p:extLst>
+          </p:nvPr>
+        </p:nvSpPr>
+        <p:spPr>
+          <a:xfrm>
+            <a:off x="0" y="0"/>
+            <a:ext cx="12192000" cy="6858000"/>
+          </a:xfrm>
+          <a:prstGeom prst="rect">
+            <a:avLst/>
+          </a:prstGeom>
+          <a:solidFill>
+            <a:schemeClr val="bg1"/>
+          </a:solidFill>
+          <a:ln>
+            <a:noFill/>
+          </a:ln>
+        </p:spPr>
+        <p:style>
+          <a:lnRef idx="2">
+            <a:schemeClr val="accent1">
+              <a:shade val="50000"/>
+            </a:schemeClr>
+          </a:lnRef>
+          <a:fillRef idx="1">
+            <a:schemeClr val="accent1"/>
+          </a:fillRef>
+          <a:effectRef idx="0">
+            <a:schemeClr val="accent1"/>
+          </a:effectRef>
+          <a:fontRef idx="minor">
+            <a:schemeClr val="lt1"/>
+          </a:fontRef>
+        </p:style>
+        <p:txBody>
+          <a:bodyPr rtlCol="0" anchor="ctr"/>
+          <a:lstStyle/>
+          <a:p>
+            <a:pPr algn="ctr"/>
+            <a:endParaRPr lang="en-US" dirty="0"/>
+          </a:p>
+        </p:txBody>
+      </p:sp>
+      <p:sp>
+        <p:nvSpPr>
+          <p:cNvPr id="2" name="Заголовок 1">
+            <a:extLst>
+              <a:ext uri="{FF2B5EF4-FFF2-40B4-BE49-F238E27FC236}">
+                <a16:creationId xmlns:a16="http://schemas.microsoft.com/office/drawing/2014/main" id="{DDE03C63-9E5D-4122-9080-9823B4EFD0AC}"/>
+              </a:ext>
+            </a:extLst>
+          </p:cNvPr>
+          <p:cNvSpPr>
+            <a:spLocks noGrp="1"/>
+          </p:cNvSpPr>
+          <p:nvPr>
+            <p:ph type="title"/>
+          </p:nvPr>
+        </p:nvSpPr>
+        <p:spPr>
+          <a:xfrm>
+            <a:off x="643467" y="321734"/>
+            <a:ext cx="10905066" cy="1135737"/>
+          </a:xfrm>
+        </p:spPr>
+        <p:txBody>
+          <a:bodyPr>
+            <a:normAutofit/>
+          </a:bodyPr>
+          <a:lstStyle/>
+          <a:p>
+            <a:r>
+              <a:rPr lang="ru-RU" sz="3600" dirty="0"/>
+              <a:t>Реализация</a:t>
+            </a:r>
+            <a:endParaRPr lang="en-US" sz="3600" dirty="0"/>
+          </a:p>
+        </p:txBody>
+      </p:sp>
+      <p:sp>
+        <p:nvSpPr>
+          <p:cNvPr id="3" name="Объект 2">
+            <a:extLst>
+              <a:ext uri="{FF2B5EF4-FFF2-40B4-BE49-F238E27FC236}">
+                <a16:creationId xmlns:a16="http://schemas.microsoft.com/office/drawing/2014/main" id="{DC321943-D56E-4D04-B8B9-C2F40998FEFD}"/>
+              </a:ext>
+            </a:extLst>
+          </p:cNvPr>
+          <p:cNvSpPr>
+            <a:spLocks noGrp="1"/>
+          </p:cNvSpPr>
+          <p:nvPr>
+            <p:ph idx="1"/>
+          </p:nvPr>
+        </p:nvSpPr>
+        <p:spPr>
+          <a:xfrm>
+            <a:off x="643467" y="1782981"/>
+            <a:ext cx="10905066" cy="4393982"/>
+          </a:xfrm>
+        </p:spPr>
+        <p:txBody>
+          <a:bodyPr>
+            <a:normAutofit/>
+          </a:bodyPr>
+          <a:lstStyle/>
+          <a:p>
+            <a:r>
+              <a:rPr lang="ru-RU" sz="2000" dirty="0"/>
+              <a:t>Изучение возможности применения имеющихся Фреймворков 20 часов.</a:t>
+            </a:r>
+          </a:p>
+          <a:p>
+            <a:r>
+              <a:rPr lang="ru-RU" sz="2000" dirty="0"/>
+              <a:t>Доработка Фреймворков</a:t>
+            </a:r>
+            <a:r>
+              <a:rPr lang="en-US" sz="2000" dirty="0"/>
+              <a:t> </a:t>
+            </a:r>
+            <a:r>
+              <a:rPr lang="ru-RU" sz="2000" dirty="0"/>
+              <a:t>обработки кириллических доменов либо создание своего 20 часов.</a:t>
+            </a:r>
+          </a:p>
+          <a:p>
+            <a:r>
+              <a:rPr lang="ru-RU" sz="2000" dirty="0"/>
+              <a:t>Создания фронт бэк, </a:t>
+            </a:r>
+            <a:r>
+              <a:rPr lang="en-US" sz="2000" dirty="0"/>
+              <a:t>API – </a:t>
+            </a:r>
+            <a:r>
+              <a:rPr lang="ru-RU" sz="2000" dirty="0"/>
+              <a:t>40 часов</a:t>
+            </a:r>
+          </a:p>
+          <a:p>
+            <a:r>
+              <a:rPr lang="ru-RU" sz="2000" dirty="0"/>
+              <a:t>Создания портала бэк-офис 40 часов.</a:t>
+            </a:r>
+          </a:p>
+          <a:p>
+            <a:r>
+              <a:rPr lang="ru-RU" sz="2000" dirty="0"/>
+              <a:t>Создание клиентской (Фронт) части портала уведомлений 10 часов.</a:t>
+            </a:r>
+          </a:p>
+          <a:p>
+            <a:r>
+              <a:rPr lang="ru-RU" sz="2000" dirty="0"/>
+              <a:t>Создание мобильного приложения взаимодействующее с </a:t>
+            </a:r>
+            <a:r>
+              <a:rPr lang="en-US" sz="2000" dirty="0"/>
+              <a:t>API.</a:t>
+            </a:r>
+            <a:endParaRPr lang="ru-RU" sz="2000" dirty="0"/>
+          </a:p>
+          <a:p>
+            <a:r>
+              <a:rPr lang="ru-RU" sz="2000" dirty="0"/>
+              <a:t>Доработка открытой почтовой системы 80 часов.</a:t>
+            </a:r>
+          </a:p>
+          <a:p>
+            <a:r>
+              <a:rPr lang="ru-RU" sz="2000" dirty="0"/>
+              <a:t>Внедрение почтовой системы 20 часов.</a:t>
+            </a:r>
+          </a:p>
+          <a:p>
+            <a:r>
+              <a:rPr lang="ru-RU" sz="2000" dirty="0"/>
+              <a:t>Тестирование и исправление 40 часов.</a:t>
+            </a:r>
+          </a:p>
+          <a:p>
+            <a:r>
+              <a:rPr lang="ru-RU" sz="2000" dirty="0"/>
+              <a:t>Контейнеризация, автоматизация распределения нагрузок 32 часа.</a:t>
+            </a:r>
+          </a:p>
+          <a:p>
+            <a:r>
+              <a:rPr lang="ru-RU" sz="2000" dirty="0"/>
+              <a:t>Переход в боевой режим через 3 месяца при команде в 5 человек.</a:t>
+            </a:r>
+          </a:p>
+        </p:txBody>
+      </p:sp>
+      <p:sp>
+        <p:nvSpPr>
+          <p:cNvPr id="10" name="Rectangle 9">
+            <a:extLst>
+              <a:ext uri="{FF2B5EF4-FFF2-40B4-BE49-F238E27FC236}">
+                <a16:creationId xmlns:a16="http://schemas.microsoft.com/office/drawing/2014/main" id="{2E80C965-DB6D-4F81-9E9E-B027384D0BD6}"/>
+              </a:ext>
+              <a:ext uri="{C183D7F6-B498-43B3-948B-1728B52AA6E4}">
+                <adec:decorative xmlns:adec="http://schemas.microsoft.com/office/drawing/2017/decorative" val="1"/>
+              </a:ext>
+            </a:extLst>
+          </p:cNvPr>
+          <p:cNvSpPr>
+            <a:spLocks noGrp="1" noRot="1" noChangeAspect="1" noMove="1" noResize="1" noEditPoints="1" noAdjustHandles="1" noChangeArrowheads="1" noChangeShapeType="1" noTextEdit="1"/>
+          </p:cNvSpPr>
+          <p:nvPr>
+            <p:extLst>
+              <p:ext uri="{386F3935-93C4-4BCD-93E2-E3B085C9AB24}">
+                <p16:designElem xmlns:p16="http://schemas.microsoft.com/office/powerpoint/2015/main" val="1"/>
+              </p:ext>
+            </p:extLst>
+          </p:nvPr>
+        </p:nvSpPr>
+        <p:spPr>
+          <a:xfrm rot="2700000">
+            <a:off x="11052629" y="2120024"/>
+            <a:ext cx="645368" cy="645368"/>
+          </a:xfrm>
+          <a:prstGeom prst="rect">
+            <a:avLst/>
+          </a:prstGeom>
+          <a:solidFill>
+            <a:schemeClr val="accent4">
+              <a:alpha val="30000"/>
+            </a:schemeClr>
+          </a:solidFill>
+          <a:ln>
+            <a:noFill/>
+          </a:ln>
+        </p:spPr>
+        <p:style>
+          <a:lnRef idx="2">
+            <a:schemeClr val="accent1">
+              <a:shade val="50000"/>
+            </a:schemeClr>
+          </a:lnRef>
+          <a:fillRef idx="1">
+            <a:schemeClr val="accent1"/>
+          </a:fillRef>
+          <a:effectRef idx="0">
+            <a:schemeClr val="accent1"/>
+          </a:effectRef>
+          <a:fontRef idx="minor">
+            <a:schemeClr val="lt1"/>
+          </a:fontRef>
+        </p:style>
+        <p:txBody>
+          <a:bodyPr rtlCol="0" anchor="ctr"/>
+          <a:lstStyle/>
+          <a:p>
+            <a:pPr algn="ctr"/>
+            <a:endParaRPr lang="en-US"/>
+          </a:p>
+        </p:txBody>
+      </p:sp>
+      <p:sp>
+        <p:nvSpPr>
+          <p:cNvPr id="12" name="Isosceles Triangle 11">
+            <a:extLst>
+              <a:ext uri="{FF2B5EF4-FFF2-40B4-BE49-F238E27FC236}">
+                <a16:creationId xmlns:a16="http://schemas.microsoft.com/office/drawing/2014/main" id="{A580F890-B085-4E95-96AA-55AEBEC5CE6E}"/>
+              </a:ext>
+              <a:ext uri="{C183D7F6-B498-43B3-948B-1728B52AA6E4}">
+                <adec:decorative xmlns:adec="http://schemas.microsoft.com/office/drawing/2017/decorative" val="1"/>
+              </a:ext>
+            </a:extLst>
+          </p:cNvPr>
+          <p:cNvSpPr>
+            <a:spLocks noGrp="1" noRot="1" noChangeAspect="1" noMove="1" noResize="1" noEditPoints="1" noAdjustHandles="1" noChangeArrowheads="1" noChangeShapeType="1" noTextEdit="1"/>
+          </p:cNvSpPr>
+          <p:nvPr>
+            <p:extLst>
+              <p:ext uri="{386F3935-93C4-4BCD-93E2-E3B085C9AB24}">
+                <p16:designElem xmlns:p16="http://schemas.microsoft.com/office/powerpoint/2015/main" val="1"/>
+              </p:ext>
+            </p:extLst>
+          </p:nvPr>
+        </p:nvSpPr>
+        <p:spPr>
+          <a:xfrm rot="16200000">
+            <a:off x="10289068" y="1343027"/>
+            <a:ext cx="2532832" cy="1273032"/>
+          </a:xfrm>
+          <a:prstGeom prst="triangle">
+            <a:avLst>
+              <a:gd name="adj" fmla="val 50000"/>
+            </a:avLst>
+          </a:prstGeom>
+          <a:solidFill>
+            <a:schemeClr val="accent4">
+              <a:alpha val="30000"/>
+            </a:schemeClr>
+          </a:solidFill>
+          <a:ln>
+            <a:noFill/>
+          </a:ln>
+        </p:spPr>
+        <p:style>
+          <a:lnRef idx="2">
+            <a:schemeClr val="accent1">
+              <a:shade val="50000"/>
+            </a:schemeClr>
+          </a:lnRef>
+          <a:fillRef idx="1">
+            <a:schemeClr val="accent1"/>
+          </a:fillRef>
+          <a:effectRef idx="0">
+            <a:schemeClr val="accent1"/>
+          </a:effectRef>
+          <a:fontRef idx="minor">
+            <a:schemeClr val="lt1"/>
+          </a:fontRef>
+        </p:style>
+        <p:txBody>
+          <a:bodyPr rtlCol="0" anchor="ctr"/>
+          <a:lstStyle/>
+          <a:p>
+            <a:pPr algn="ctr"/>
+            <a:endParaRPr lang="en-US"/>
+          </a:p>
+        </p:txBody>
+      </p:sp>
+      <p:sp>
+        <p:nvSpPr>
+          <p:cNvPr id="14" name="Isosceles Triangle 13">
+            <a:extLst>
+              <a:ext uri="{FF2B5EF4-FFF2-40B4-BE49-F238E27FC236}">
+                <a16:creationId xmlns:a16="http://schemas.microsoft.com/office/drawing/2014/main" id="{D3F51FEB-38FB-4F6C-9F7B-2F2AFAB65463}"/>
+              </a:ext>
+              <a:ext uri="{C183D7F6-B498-43B3-948B-1728B52AA6E4}">
+                <adec:decorative xmlns:adec="http://schemas.microsoft.com/office/drawing/2017/decorative" val="1"/>
+              </a:ext>
+            </a:extLst>
+          </p:cNvPr>
+          <p:cNvSpPr>
+            <a:spLocks noGrp="1" noRot="1" noChangeAspect="1" noMove="1" noResize="1" noEditPoints="1" noAdjustHandles="1" noChangeArrowheads="1" noChangeShapeType="1" noTextEdit="1"/>
+          </p:cNvSpPr>
+          <p:nvPr>
+            <p:extLst>
+              <p:ext uri="{386F3935-93C4-4BCD-93E2-E3B085C9AB24}">
+                <p16:designElem xmlns:p16="http://schemas.microsoft.com/office/powerpoint/2015/main" val="1"/>
+              </p:ext>
+            </p:extLst>
+          </p:nvPr>
+        </p:nvSpPr>
+        <p:spPr>
+          <a:xfrm rot="5400000">
+            <a:off x="-501760" y="5103257"/>
+            <a:ext cx="2017580" cy="1014060"/>
+          </a:xfrm>
+          <a:prstGeom prst="triangle">
+            <a:avLst>
+              <a:gd name="adj" fmla="val 50000"/>
+            </a:avLst>
+          </a:prstGeom>
+          <a:solidFill>
+            <a:schemeClr val="accent1">
+              <a:alpha val="30000"/>
+            </a:schemeClr>
+          </a:solidFill>
+          <a:ln>
+            <a:noFill/>
+          </a:ln>
+        </p:spPr>
+        <p:style>
+          <a:lnRef idx="2">
+            <a:schemeClr val="accent1">
+              <a:shade val="50000"/>
+            </a:schemeClr>
+          </a:lnRef>
+          <a:fillRef idx="1">
+            <a:schemeClr val="accent1"/>
+          </a:fillRef>
+          <a:effectRef idx="0">
+            <a:schemeClr val="accent1"/>
+          </a:effectRef>
+          <a:fontRef idx="minor">
+            <a:schemeClr val="lt1"/>
+          </a:fontRef>
+        </p:style>
+        <p:txBody>
+          <a:bodyPr wrap="square" rtlCol="0" anchor="ctr">
+            <a:noAutofit/>
+          </a:bodyPr>
+          <a:lstStyle/>
+          <a:p>
+            <a:pPr algn="ctr"/>
+            <a:endParaRPr lang="en-US"/>
+          </a:p>
+        </p:txBody>
+      </p:sp>
+      <p:sp>
+        <p:nvSpPr>
+          <p:cNvPr id="16" name="Rectangle 15">
+            <a:extLst>
+              <a:ext uri="{FF2B5EF4-FFF2-40B4-BE49-F238E27FC236}">
+                <a16:creationId xmlns:a16="http://schemas.microsoft.com/office/drawing/2014/main" id="{1E547BA6-BAE0-43BB-A7CA-60F69CE252F0}"/>
+              </a:ext>
+              <a:ext uri="{C183D7F6-B498-43B3-948B-1728B52AA6E4}">
+                <adec:decorative xmlns:adec="http://schemas.microsoft.com/office/drawing/2017/decorative" val="1"/>
+              </a:ext>
+            </a:extLst>
+          </p:cNvPr>
+          <p:cNvSpPr>
+            <a:spLocks noGrp="1" noRot="1" noChangeAspect="1" noMove="1" noResize="1" noEditPoints="1" noAdjustHandles="1" noChangeArrowheads="1" noChangeShapeType="1" noTextEdit="1"/>
+          </p:cNvSpPr>
+          <p:nvPr>
+            <p:extLst>
+              <p:ext uri="{386F3935-93C4-4BCD-93E2-E3B085C9AB24}">
+                <p16:designElem xmlns:p16="http://schemas.microsoft.com/office/powerpoint/2015/main" val="1"/>
+              </p:ext>
+            </p:extLst>
+          </p:nvPr>
+        </p:nvSpPr>
+        <p:spPr>
+          <a:xfrm rot="2700000">
+            <a:off x="427916" y="5728708"/>
+            <a:ext cx="485578" cy="485578"/>
+          </a:xfrm>
+          <a:prstGeom prst="rect">
+            <a:avLst/>
+          </a:prstGeom>
+          <a:solidFill>
+            <a:schemeClr val="accent1">
+              <a:alpha val="30000"/>
+            </a:schemeClr>
+          </a:solidFill>
+          <a:ln>
+            <a:noFill/>
+          </a:ln>
+        </p:spPr>
+        <p:style>
+          <a:lnRef idx="2">
+            <a:schemeClr val="accent1">
+              <a:shade val="50000"/>
+            </a:schemeClr>
+          </a:lnRef>
+          <a:fillRef idx="1">
+            <a:schemeClr val="accent1"/>
+          </a:fillRef>
+          <a:effectRef idx="0">
+            <a:schemeClr val="accent1"/>
+          </a:effectRef>
+          <a:fontRef idx="minor">
+            <a:schemeClr val="lt1"/>
+          </a:fontRef>
+        </p:style>
+        <p:txBody>
+          <a:bodyPr wrap="square" rtlCol="0" anchor="ctr">
+            <a:noAutofit/>
+          </a:bodyPr>
+          <a:lstStyle/>
+          <a:p>
+            <a:pPr algn="ctr"/>
+            <a:endParaRPr lang="en-US"/>
+          </a:p>
+        </p:txBody>
+      </p:sp>
+      <p:sp>
+        <p:nvSpPr>
+          <p:cNvPr id="9" name="Прямоугольник 8">
+            <a:extLst>
+              <a:ext uri="{FF2B5EF4-FFF2-40B4-BE49-F238E27FC236}">
+                <a16:creationId xmlns:a16="http://schemas.microsoft.com/office/drawing/2014/main" id="{BD6FBABE-EB86-446B-9138-B6213E7BCFDE}"/>
+              </a:ext>
+            </a:extLst>
+          </p:cNvPr>
+          <p:cNvSpPr/>
+          <p:nvPr/>
+        </p:nvSpPr>
+        <p:spPr>
+          <a:xfrm>
+            <a:off x="11007253" y="6466177"/>
+            <a:ext cx="1184748" cy="369332"/>
+          </a:xfrm>
+          <a:prstGeom prst="rect">
+            <a:avLst/>
+          </a:prstGeom>
+        </p:spPr>
+        <p:txBody>
+          <a:bodyPr wrap="none">
+            <a:spAutoFit/>
+          </a:bodyPr>
+          <a:lstStyle/>
+          <a:p>
+            <a:r>
+              <a:rPr lang="ru-RU" dirty="0" err="1"/>
+              <a:t>Домен.РФ</a:t>
+            </a:r>
+            <a:endParaRPr lang="ru-RU" dirty="0"/>
+          </a:p>
+        </p:txBody>
+      </p:sp>
+    </p:spTree>
+    <p:extLst>
+      <p:ext uri="{BB962C8B-B14F-4D97-AF65-F5344CB8AC3E}">
+        <p14:creationId xmlns:p14="http://schemas.microsoft.com/office/powerpoint/2010/main" val="2775544889"/>
+      </p:ext>
+    </p:extLst>
+  </p:cSld>
+  <p:clrMapOvr>
+    <a:masterClrMapping/>
+  </p:clrMapOvr>
+</p:sld>
+</file>
+
+<file path=ppt/slides/slide14.xml><?xml version="1.0" encoding="utf-8"?>
+<p:sld xmlns:a="http://schemas.openxmlformats.org/drawingml/2006/main" xmlns:r="http://schemas.openxmlformats.org/officeDocument/2006/relationships" xmlns:p="http://schemas.openxmlformats.org/presentationml/2006/main">
+  <p:cSld>
+    <p:bg>
+      <p:bgPr>
+        <a:solidFill>
+          <a:schemeClr val="bg1"/>
+        </a:solidFill>
+        <a:effectLst/>
+      </p:bgPr>
+    </p:bg>
+    <p:spTree>
+      <p:nvGrpSpPr>
+        <p:cNvPr id="1" name=""/>
+        <p:cNvGrpSpPr/>
+        <p:nvPr/>
+      </p:nvGrpSpPr>
+      <p:grpSpPr>
+        <a:xfrm>
+          <a:off x="0" y="0"/>
+          <a:ext cx="0" cy="0"/>
+          <a:chOff x="0" y="0"/>
+          <a:chExt cx="0" cy="0"/>
+        </a:xfrm>
+      </p:grpSpPr>
+      <p:sp>
+        <p:nvSpPr>
+          <p:cNvPr id="8" name="Rectangle 7">
+            <a:extLst>
+              <a:ext uri="{FF2B5EF4-FFF2-40B4-BE49-F238E27FC236}">
+                <a16:creationId xmlns:a16="http://schemas.microsoft.com/office/drawing/2014/main" id="{2B566528-1B12-4246-9431-5C2D7D081168}"/>
+              </a:ext>
+              <a:ext uri="{C183D7F6-B498-43B3-948B-1728B52AA6E4}">
+                <adec:decorative xmlns:adec="http://schemas.microsoft.com/office/drawing/2017/decorative" val="1"/>
+              </a:ext>
+            </a:extLst>
+          </p:cNvPr>
+          <p:cNvSpPr>
+            <a:spLocks noGrp="1" noRot="1" noChangeAspect="1" noMove="1" noResize="1" noEditPoints="1" noAdjustHandles="1" noChangeArrowheads="1" noChangeShapeType="1" noTextEdit="1"/>
+          </p:cNvSpPr>
+          <p:nvPr>
+            <p:extLst>
+              <p:ext uri="{386F3935-93C4-4BCD-93E2-E3B085C9AB24}">
+                <p16:designElem xmlns:p16="http://schemas.microsoft.com/office/powerpoint/2015/main" val="1"/>
+              </p:ext>
+            </p:extLst>
+          </p:nvPr>
+        </p:nvSpPr>
+        <p:spPr>
+          <a:xfrm>
+            <a:off x="0" y="0"/>
+            <a:ext cx="12192000" cy="6858000"/>
+          </a:xfrm>
+          <a:prstGeom prst="rect">
+            <a:avLst/>
+          </a:prstGeom>
+          <a:solidFill>
+            <a:schemeClr val="bg1"/>
+          </a:solidFill>
+          <a:ln>
+            <a:noFill/>
+          </a:ln>
+        </p:spPr>
+        <p:style>
+          <a:lnRef idx="2">
+            <a:schemeClr val="accent1">
+              <a:shade val="50000"/>
+            </a:schemeClr>
+          </a:lnRef>
+          <a:fillRef idx="1">
+            <a:schemeClr val="accent1"/>
+          </a:fillRef>
+          <a:effectRef idx="0">
+            <a:schemeClr val="accent1"/>
+          </a:effectRef>
+          <a:fontRef idx="minor">
+            <a:schemeClr val="lt1"/>
+          </a:fontRef>
+        </p:style>
+        <p:txBody>
+          <a:bodyPr rtlCol="0" anchor="ctr"/>
+          <a:lstStyle/>
+          <a:p>
+            <a:pPr algn="ctr"/>
+            <a:endParaRPr lang="en-US" dirty="0"/>
+          </a:p>
+        </p:txBody>
+      </p:sp>
+      <p:sp>
+        <p:nvSpPr>
+          <p:cNvPr id="2" name="Заголовок 1">
+            <a:extLst>
+              <a:ext uri="{FF2B5EF4-FFF2-40B4-BE49-F238E27FC236}">
+                <a16:creationId xmlns:a16="http://schemas.microsoft.com/office/drawing/2014/main" id="{DDE03C63-9E5D-4122-9080-9823B4EFD0AC}"/>
+              </a:ext>
+            </a:extLst>
+          </p:cNvPr>
+          <p:cNvSpPr>
+            <a:spLocks noGrp="1"/>
+          </p:cNvSpPr>
+          <p:nvPr>
+            <p:ph type="title"/>
+          </p:nvPr>
+        </p:nvSpPr>
+        <p:spPr>
+          <a:xfrm>
+            <a:off x="643467" y="321734"/>
+            <a:ext cx="10905066" cy="1135737"/>
+          </a:xfrm>
+        </p:spPr>
+        <p:txBody>
+          <a:bodyPr>
+            <a:normAutofit/>
+          </a:bodyPr>
+          <a:lstStyle/>
+          <a:p>
+            <a:r>
+              <a:rPr lang="ru-RU" sz="3600" dirty="0"/>
+              <a:t>Команда</a:t>
+            </a:r>
+            <a:endParaRPr lang="en-US" sz="3600" dirty="0"/>
+          </a:p>
+        </p:txBody>
+      </p:sp>
+      <p:sp>
+        <p:nvSpPr>
+          <p:cNvPr id="3" name="Объект 2">
+            <a:extLst>
+              <a:ext uri="{FF2B5EF4-FFF2-40B4-BE49-F238E27FC236}">
+                <a16:creationId xmlns:a16="http://schemas.microsoft.com/office/drawing/2014/main" id="{DC321943-D56E-4D04-B8B9-C2F40998FEFD}"/>
+              </a:ext>
+            </a:extLst>
+          </p:cNvPr>
+          <p:cNvSpPr>
+            <a:spLocks noGrp="1"/>
+          </p:cNvSpPr>
+          <p:nvPr>
+            <p:ph idx="1"/>
+          </p:nvPr>
+        </p:nvSpPr>
+        <p:spPr>
+          <a:xfrm>
+            <a:off x="643467" y="1782981"/>
+            <a:ext cx="10905066" cy="4393982"/>
+          </a:xfrm>
+        </p:spPr>
+        <p:txBody>
+          <a:bodyPr>
+            <a:normAutofit/>
+          </a:bodyPr>
+          <a:lstStyle/>
+          <a:p>
+            <a:r>
+              <a:rPr lang="ru-RU" sz="2000" dirty="0"/>
+              <a:t>Александр </a:t>
+            </a:r>
+            <a:r>
+              <a:rPr lang="en-US" sz="2000" dirty="0"/>
+              <a:t>@alexklippe </a:t>
+            </a:r>
+            <a:r>
+              <a:rPr lang="en-US" sz="2000" dirty="0">
+                <a:hlinkClick r:id="rId2"/>
+              </a:rPr>
+              <a:t>http://github.com/alexklippe</a:t>
+            </a:r>
+            <a:endParaRPr lang="en-US" sz="2000" dirty="0"/>
+          </a:p>
+          <a:p>
+            <a:r>
+              <a:rPr lang="ru-RU" sz="2000" dirty="0"/>
+              <a:t>Константин </a:t>
+            </a:r>
+            <a:r>
+              <a:rPr lang="en-US" sz="2000" dirty="0"/>
+              <a:t>@PcSdk </a:t>
+            </a:r>
+            <a:r>
+              <a:rPr lang="en-US" sz="2000" dirty="0">
+                <a:hlinkClick r:id="rId3"/>
+              </a:rPr>
+              <a:t>https://github.com/PcSdk/</a:t>
+            </a:r>
+            <a:endParaRPr lang="ru-RU" sz="2000" dirty="0"/>
+          </a:p>
+          <a:p>
+            <a:r>
+              <a:rPr lang="ru-RU" sz="2000" dirty="0"/>
+              <a:t>Стас </a:t>
+            </a:r>
+            <a:r>
+              <a:rPr lang="en-US" sz="2000" dirty="0"/>
+              <a:t>@mvdxk</a:t>
+            </a:r>
+            <a:endParaRPr lang="ru-RU" sz="2000" dirty="0"/>
+          </a:p>
+        </p:txBody>
+      </p:sp>
+      <p:sp>
+        <p:nvSpPr>
+          <p:cNvPr id="10" name="Rectangle 9">
+            <a:extLst>
+              <a:ext uri="{FF2B5EF4-FFF2-40B4-BE49-F238E27FC236}">
+                <a16:creationId xmlns:a16="http://schemas.microsoft.com/office/drawing/2014/main" id="{2E80C965-DB6D-4F81-9E9E-B027384D0BD6}"/>
+              </a:ext>
+              <a:ext uri="{C183D7F6-B498-43B3-948B-1728B52AA6E4}">
+                <adec:decorative xmlns:adec="http://schemas.microsoft.com/office/drawing/2017/decorative" val="1"/>
+              </a:ext>
+            </a:extLst>
+          </p:cNvPr>
+          <p:cNvSpPr>
+            <a:spLocks noGrp="1" noRot="1" noChangeAspect="1" noMove="1" noResize="1" noEditPoints="1" noAdjustHandles="1" noChangeArrowheads="1" noChangeShapeType="1" noTextEdit="1"/>
+          </p:cNvSpPr>
+          <p:nvPr>
+            <p:extLst>
+              <p:ext uri="{386F3935-93C4-4BCD-93E2-E3B085C9AB24}">
+                <p16:designElem xmlns:p16="http://schemas.microsoft.com/office/powerpoint/2015/main" val="1"/>
+              </p:ext>
+            </p:extLst>
+          </p:nvPr>
+        </p:nvSpPr>
+        <p:spPr>
+          <a:xfrm rot="2700000">
+            <a:off x="11052629" y="2120024"/>
+            <a:ext cx="645368" cy="645368"/>
+          </a:xfrm>
+          <a:prstGeom prst="rect">
+            <a:avLst/>
+          </a:prstGeom>
+          <a:solidFill>
+            <a:schemeClr val="accent4">
+              <a:alpha val="30000"/>
+            </a:schemeClr>
+          </a:solidFill>
+          <a:ln>
+            <a:noFill/>
+          </a:ln>
+        </p:spPr>
+        <p:style>
+          <a:lnRef idx="2">
+            <a:schemeClr val="accent1">
+              <a:shade val="50000"/>
+            </a:schemeClr>
+          </a:lnRef>
+          <a:fillRef idx="1">
+            <a:schemeClr val="accent1"/>
+          </a:fillRef>
+          <a:effectRef idx="0">
+            <a:schemeClr val="accent1"/>
+          </a:effectRef>
+          <a:fontRef idx="minor">
+            <a:schemeClr val="lt1"/>
+          </a:fontRef>
+        </p:style>
+        <p:txBody>
+          <a:bodyPr rtlCol="0" anchor="ctr"/>
+          <a:lstStyle/>
+          <a:p>
+            <a:pPr algn="ctr"/>
+            <a:endParaRPr lang="en-US"/>
+          </a:p>
+        </p:txBody>
+      </p:sp>
+      <p:sp>
+        <p:nvSpPr>
+          <p:cNvPr id="12" name="Isosceles Triangle 11">
+            <a:extLst>
+              <a:ext uri="{FF2B5EF4-FFF2-40B4-BE49-F238E27FC236}">
+                <a16:creationId xmlns:a16="http://schemas.microsoft.com/office/drawing/2014/main" id="{A580F890-B085-4E95-96AA-55AEBEC5CE6E}"/>
+              </a:ext>
+              <a:ext uri="{C183D7F6-B498-43B3-948B-1728B52AA6E4}">
+                <adec:decorative xmlns:adec="http://schemas.microsoft.com/office/drawing/2017/decorative" val="1"/>
+              </a:ext>
+            </a:extLst>
+          </p:cNvPr>
+          <p:cNvSpPr>
+            <a:spLocks noGrp="1" noRot="1" noChangeAspect="1" noMove="1" noResize="1" noEditPoints="1" noAdjustHandles="1" noChangeArrowheads="1" noChangeShapeType="1" noTextEdit="1"/>
+          </p:cNvSpPr>
+          <p:nvPr>
+            <p:extLst>
+              <p:ext uri="{386F3935-93C4-4BCD-93E2-E3B085C9AB24}">
+                <p16:designElem xmlns:p16="http://schemas.microsoft.com/office/powerpoint/2015/main" val="1"/>
+              </p:ext>
+            </p:extLst>
+          </p:nvPr>
+        </p:nvSpPr>
+        <p:spPr>
+          <a:xfrm rot="16200000">
+            <a:off x="10289068" y="1343027"/>
+            <a:ext cx="2532832" cy="1273032"/>
+          </a:xfrm>
+          <a:prstGeom prst="triangle">
+            <a:avLst>
+              <a:gd name="adj" fmla="val 50000"/>
+            </a:avLst>
+          </a:prstGeom>
+          <a:solidFill>
+            <a:schemeClr val="accent4">
+              <a:alpha val="30000"/>
+            </a:schemeClr>
+          </a:solidFill>
+          <a:ln>
+            <a:noFill/>
+          </a:ln>
+        </p:spPr>
+        <p:style>
+          <a:lnRef idx="2">
+            <a:schemeClr val="accent1">
+              <a:shade val="50000"/>
+            </a:schemeClr>
+          </a:lnRef>
+          <a:fillRef idx="1">
+            <a:schemeClr val="accent1"/>
+          </a:fillRef>
+          <a:effectRef idx="0">
+            <a:schemeClr val="accent1"/>
+          </a:effectRef>
+          <a:fontRef idx="minor">
+            <a:schemeClr val="lt1"/>
+          </a:fontRef>
+        </p:style>
+        <p:txBody>
+          <a:bodyPr rtlCol="0" anchor="ctr"/>
+          <a:lstStyle/>
+          <a:p>
+            <a:pPr algn="ctr"/>
+            <a:endParaRPr lang="en-US"/>
+          </a:p>
+        </p:txBody>
+      </p:sp>
+      <p:sp>
+        <p:nvSpPr>
+          <p:cNvPr id="14" name="Isosceles Triangle 13">
+            <a:extLst>
+              <a:ext uri="{FF2B5EF4-FFF2-40B4-BE49-F238E27FC236}">
+                <a16:creationId xmlns:a16="http://schemas.microsoft.com/office/drawing/2014/main" id="{D3F51FEB-38FB-4F6C-9F7B-2F2AFAB65463}"/>
+              </a:ext>
+              <a:ext uri="{C183D7F6-B498-43B3-948B-1728B52AA6E4}">
+                <adec:decorative xmlns:adec="http://schemas.microsoft.com/office/drawing/2017/decorative" val="1"/>
+              </a:ext>
+            </a:extLst>
+          </p:cNvPr>
+          <p:cNvSpPr>
+            <a:spLocks noGrp="1" noRot="1" noChangeAspect="1" noMove="1" noResize="1" noEditPoints="1" noAdjustHandles="1" noChangeArrowheads="1" noChangeShapeType="1" noTextEdit="1"/>
+          </p:cNvSpPr>
+          <p:nvPr>
+            <p:extLst>
+              <p:ext uri="{386F3935-93C4-4BCD-93E2-E3B085C9AB24}">
+                <p16:designElem xmlns:p16="http://schemas.microsoft.com/office/powerpoint/2015/main" val="1"/>
+              </p:ext>
+            </p:extLst>
+          </p:nvPr>
+        </p:nvSpPr>
+        <p:spPr>
+          <a:xfrm rot="5400000">
+            <a:off x="-501760" y="5103257"/>
+            <a:ext cx="2017580" cy="1014060"/>
+          </a:xfrm>
+          <a:prstGeom prst="triangle">
+            <a:avLst>
+              <a:gd name="adj" fmla="val 50000"/>
+            </a:avLst>
+          </a:prstGeom>
+          <a:solidFill>
+            <a:schemeClr val="accent1">
+              <a:alpha val="30000"/>
+            </a:schemeClr>
+          </a:solidFill>
+          <a:ln>
+            <a:noFill/>
+          </a:ln>
+        </p:spPr>
+        <p:style>
+          <a:lnRef idx="2">
+            <a:schemeClr val="accent1">
+              <a:shade val="50000"/>
+            </a:schemeClr>
+          </a:lnRef>
+          <a:fillRef idx="1">
+            <a:schemeClr val="accent1"/>
+          </a:fillRef>
+          <a:effectRef idx="0">
+            <a:schemeClr val="accent1"/>
+          </a:effectRef>
+          <a:fontRef idx="minor">
+            <a:schemeClr val="lt1"/>
+          </a:fontRef>
+        </p:style>
+        <p:txBody>
+          <a:bodyPr wrap="square" rtlCol="0" anchor="ctr">
+            <a:noAutofit/>
+          </a:bodyPr>
+          <a:lstStyle/>
+          <a:p>
+            <a:pPr algn="ctr"/>
+            <a:endParaRPr lang="en-US"/>
+          </a:p>
+        </p:txBody>
+      </p:sp>
+      <p:sp>
+        <p:nvSpPr>
+          <p:cNvPr id="16" name="Rectangle 15">
+            <a:extLst>
+              <a:ext uri="{FF2B5EF4-FFF2-40B4-BE49-F238E27FC236}">
+                <a16:creationId xmlns:a16="http://schemas.microsoft.com/office/drawing/2014/main" id="{1E547BA6-BAE0-43BB-A7CA-60F69CE252F0}"/>
+              </a:ext>
+              <a:ext uri="{C183D7F6-B498-43B3-948B-1728B52AA6E4}">
+                <adec:decorative xmlns:adec="http://schemas.microsoft.com/office/drawing/2017/decorative" val="1"/>
+              </a:ext>
+            </a:extLst>
+          </p:cNvPr>
+          <p:cNvSpPr>
+            <a:spLocks noGrp="1" noRot="1" noChangeAspect="1" noMove="1" noResize="1" noEditPoints="1" noAdjustHandles="1" noChangeArrowheads="1" noChangeShapeType="1" noTextEdit="1"/>
+          </p:cNvSpPr>
+          <p:nvPr>
+            <p:extLst>
+              <p:ext uri="{386F3935-93C4-4BCD-93E2-E3B085C9AB24}">
+                <p16:designElem xmlns:p16="http://schemas.microsoft.com/office/powerpoint/2015/main" val="1"/>
+              </p:ext>
+            </p:extLst>
+          </p:nvPr>
+        </p:nvSpPr>
+        <p:spPr>
+          <a:xfrm rot="2700000">
+            <a:off x="427916" y="5728708"/>
+            <a:ext cx="485578" cy="485578"/>
+          </a:xfrm>
+          <a:prstGeom prst="rect">
+            <a:avLst/>
+          </a:prstGeom>
+          <a:solidFill>
+            <a:schemeClr val="accent1">
+              <a:alpha val="30000"/>
+            </a:schemeClr>
+          </a:solidFill>
+          <a:ln>
+            <a:noFill/>
+          </a:ln>
+        </p:spPr>
+        <p:style>
+          <a:lnRef idx="2">
+            <a:schemeClr val="accent1">
+              <a:shade val="50000"/>
+            </a:schemeClr>
+          </a:lnRef>
+          <a:fillRef idx="1">
+            <a:schemeClr val="accent1"/>
+          </a:fillRef>
+          <a:effectRef idx="0">
+            <a:schemeClr val="accent1"/>
+          </a:effectRef>
+          <a:fontRef idx="minor">
+            <a:schemeClr val="lt1"/>
+          </a:fontRef>
+        </p:style>
+        <p:txBody>
+          <a:bodyPr wrap="square" rtlCol="0" anchor="ctr">
+            <a:noAutofit/>
+          </a:bodyPr>
+          <a:lstStyle/>
+          <a:p>
+            <a:pPr algn="ctr"/>
+            <a:endParaRPr lang="en-US"/>
+          </a:p>
+        </p:txBody>
+      </p:sp>
+      <p:sp>
+        <p:nvSpPr>
+          <p:cNvPr id="9" name="Прямоугольник 8">
+            <a:extLst>
+              <a:ext uri="{FF2B5EF4-FFF2-40B4-BE49-F238E27FC236}">
+                <a16:creationId xmlns:a16="http://schemas.microsoft.com/office/drawing/2014/main" id="{EEAD32AF-CB9A-421B-AE01-72389CE48BC1}"/>
+              </a:ext>
+            </a:extLst>
+          </p:cNvPr>
+          <p:cNvSpPr/>
+          <p:nvPr/>
+        </p:nvSpPr>
+        <p:spPr>
+          <a:xfrm>
+            <a:off x="11007253" y="6466177"/>
+            <a:ext cx="1184748" cy="369332"/>
+          </a:xfrm>
+          <a:prstGeom prst="rect">
+            <a:avLst/>
+          </a:prstGeom>
+        </p:spPr>
+        <p:txBody>
+          <a:bodyPr wrap="none">
+            <a:spAutoFit/>
+          </a:bodyPr>
+          <a:lstStyle/>
+          <a:p>
+            <a:r>
+              <a:rPr lang="ru-RU" dirty="0" err="1"/>
+              <a:t>Домен.РФ</a:t>
+            </a:r>
+            <a:endParaRPr lang="ru-RU" dirty="0"/>
+          </a:p>
+        </p:txBody>
+      </p:sp>
+    </p:spTree>
+    <p:extLst>
+      <p:ext uri="{BB962C8B-B14F-4D97-AF65-F5344CB8AC3E}">
+        <p14:creationId xmlns:p14="http://schemas.microsoft.com/office/powerpoint/2010/main" val="3310014899"/>
       </p:ext>
     </p:extLst>
   </p:cSld>
@@ -3926,6 +6522,41 @@
           <a:p>
             <a:pPr algn="ctr"/>
             <a:endParaRPr lang="en-US"/>
+          </a:p>
+        </p:txBody>
+      </p:sp>
+      <p:sp>
+        <p:nvSpPr>
+          <p:cNvPr id="4" name="Прямоугольник 3">
+            <a:extLst>
+              <a:ext uri="{FF2B5EF4-FFF2-40B4-BE49-F238E27FC236}">
+                <a16:creationId xmlns:a16="http://schemas.microsoft.com/office/drawing/2014/main" id="{1A4583EB-E6EE-4374-B47F-C199619AE14F}"/>
+              </a:ext>
+            </a:extLst>
+          </p:cNvPr>
+          <p:cNvSpPr/>
+          <p:nvPr/>
+        </p:nvSpPr>
+        <p:spPr>
+          <a:xfrm>
+            <a:off x="11007253" y="6466177"/>
+            <a:ext cx="1184748" cy="369332"/>
+          </a:xfrm>
+          <a:prstGeom prst="rect">
+            <a:avLst/>
+          </a:prstGeom>
+        </p:spPr>
+        <p:txBody>
+          <a:bodyPr wrap="none">
+            <a:spAutoFit/>
+          </a:bodyPr>
+          <a:lstStyle/>
+          <a:p>
+            <a:r>
+              <a:rPr lang="ru-RU" dirty="0" err="1"/>
+              <a:t>Домен.РФ</a:t>
+            </a:r>
+            <a:endParaRPr lang="ru-RU" dirty="0"/>
           </a:p>
         </p:txBody>
       </p:sp>
@@ -4397,6 +7028,41 @@
           </a:p>
         </p:txBody>
       </p:sp>
+      <p:sp>
+        <p:nvSpPr>
+          <p:cNvPr id="9" name="Прямоугольник 8">
+            <a:extLst>
+              <a:ext uri="{FF2B5EF4-FFF2-40B4-BE49-F238E27FC236}">
+                <a16:creationId xmlns:a16="http://schemas.microsoft.com/office/drawing/2014/main" id="{F9F3804A-0DCC-45BC-ADD4-C3CFCF3111F5}"/>
+              </a:ext>
+            </a:extLst>
+          </p:cNvPr>
+          <p:cNvSpPr/>
+          <p:nvPr/>
+        </p:nvSpPr>
+        <p:spPr>
+          <a:xfrm>
+            <a:off x="11007253" y="6466177"/>
+            <a:ext cx="1184748" cy="369332"/>
+          </a:xfrm>
+          <a:prstGeom prst="rect">
+            <a:avLst/>
+          </a:prstGeom>
+        </p:spPr>
+        <p:txBody>
+          <a:bodyPr wrap="none">
+            <a:spAutoFit/>
+          </a:bodyPr>
+          <a:lstStyle/>
+          <a:p>
+            <a:r>
+              <a:rPr lang="ru-RU" dirty="0" err="1"/>
+              <a:t>Домен.РФ</a:t>
+            </a:r>
+            <a:endParaRPr lang="ru-RU" dirty="0"/>
+          </a:p>
+        </p:txBody>
+      </p:sp>
     </p:spTree>
     <p:extLst>
       <p:ext uri="{BB962C8B-B14F-4D97-AF65-F5344CB8AC3E}">
@@ -4528,114 +7194,51 @@
           <a:p>
             <a:r>
               <a:rPr lang="ru-RU" sz="3600" dirty="0"/>
-              <a:t>Как мы решаем эти проблемы</a:t>
+              <a:t>Анализ решений для разработчиков</a:t>
             </a:r>
             <a:endParaRPr lang="en-US" sz="3600" dirty="0"/>
           </a:p>
         </p:txBody>
       </p:sp>
-      <p:sp>
-        <p:nvSpPr>
-          <p:cNvPr id="3" name="Объект 2">
-            <a:extLst>
-              <a:ext uri="{FF2B5EF4-FFF2-40B4-BE49-F238E27FC236}">
-                <a16:creationId xmlns:a16="http://schemas.microsoft.com/office/drawing/2014/main" id="{DC321943-D56E-4D04-B8B9-C2F40998FEFD}"/>
-              </a:ext>
-            </a:extLst>
-          </p:cNvPr>
-          <p:cNvSpPr>
-            <a:spLocks noGrp="1"/>
-          </p:cNvSpPr>
+      <p:pic>
+        <p:nvPicPr>
+          <p:cNvPr id="4" name="Объект 3">
+            <a:extLst>
+              <a:ext uri="{FF2B5EF4-FFF2-40B4-BE49-F238E27FC236}">
+                <a16:creationId xmlns:a16="http://schemas.microsoft.com/office/drawing/2014/main" id="{F6C77ED5-72D4-4B33-8BF5-2344CEE687FB}"/>
+              </a:ext>
+            </a:extLst>
+          </p:cNvPr>
+          <p:cNvPicPr>
+            <a:picLocks noGrp="1" noChangeAspect="1"/>
+          </p:cNvPicPr>
           <p:nvPr>
             <p:ph idx="1"/>
           </p:nvPr>
-        </p:nvSpPr>
+        </p:nvPicPr>
+        <p:blipFill>
+          <a:blip r:embed="rId2"/>
+          <a:stretch>
+            <a:fillRect/>
+          </a:stretch>
+        </p:blipFill>
         <p:spPr>
           <a:xfrm>
-            <a:off x="643467" y="1782981"/>
-            <a:ext cx="10905066" cy="4393982"/>
-          </a:xfrm>
-        </p:spPr>
-        <p:txBody>
-          <a:bodyPr>
-            <a:normAutofit/>
-          </a:bodyPr>
-          <a:lstStyle/>
-          <a:p>
-            <a:r>
-              <a:rPr lang="ru-RU" sz="2000" dirty="0"/>
-              <a:t>Создаем портал взаимодействия </a:t>
-            </a:r>
-            <a:r>
-              <a:rPr lang="ru-RU" sz="2000" dirty="0" err="1"/>
-              <a:t>гос</a:t>
-            </a:r>
-            <a:r>
-              <a:rPr lang="ru-RU" sz="2000" dirty="0"/>
-              <a:t> служб и пользователей. Создаем приложение, через которое будут приходить оповещения о </a:t>
-            </a:r>
-            <a:r>
-              <a:rPr lang="ru-RU" sz="2000" dirty="0" err="1"/>
-              <a:t>чс</a:t>
-            </a:r>
-            <a:r>
-              <a:rPr lang="ru-RU" sz="2000" dirty="0"/>
-              <a:t>, различные оповещения от поликлиник, и прочих учреждений, подключившихся к системе. Пользователи не против установки приложения и получения важных </a:t>
-            </a:r>
-            <a:r>
-              <a:rPr lang="ru-RU" sz="2000" dirty="0" err="1"/>
-              <a:t>пуш</a:t>
-            </a:r>
-            <a:r>
-              <a:rPr lang="ru-RU" sz="2000" dirty="0"/>
-              <a:t> уведомлений.</a:t>
-            </a:r>
-          </a:p>
-          <a:p>
-            <a:r>
-              <a:rPr lang="ru-RU" sz="2000" dirty="0"/>
-              <a:t>Мы создаем либо дорабатываем имеющиеся </a:t>
-            </a:r>
-            <a:r>
-              <a:rPr lang="ru-RU" sz="2000" dirty="0" err="1"/>
-              <a:t>фрэймворки</a:t>
-            </a:r>
-            <a:r>
-              <a:rPr lang="ru-RU" sz="2000" dirty="0"/>
-              <a:t> для соответствия действующим техническим требованиям, содержащие в себе проверки вводимой информации. Переводим вводимые данные в машинный формат пригодный для пересылки почты, хранения, обработки, и обратный перевод для корректного отображения.</a:t>
-            </a:r>
-          </a:p>
-          <a:p>
-            <a:r>
-              <a:rPr lang="ru-RU" sz="2000" dirty="0"/>
-              <a:t>Создаем или дорабатываем открытый почтовый сервис, к примеру </a:t>
-            </a:r>
-            <a:r>
-              <a:rPr lang="en-US" sz="2000" dirty="0"/>
-              <a:t>Round</a:t>
-            </a:r>
-            <a:r>
-              <a:rPr lang="ru-RU" sz="2000" dirty="0"/>
-              <a:t>С</a:t>
-            </a:r>
-            <a:r>
-              <a:rPr lang="en-US" sz="2000" dirty="0" err="1"/>
-              <a:t>ube</a:t>
-            </a:r>
-            <a:r>
-              <a:rPr lang="en-US" sz="2000" dirty="0"/>
-              <a:t>, </a:t>
-            </a:r>
-            <a:r>
-              <a:rPr lang="ru-RU" sz="2000" dirty="0"/>
-              <a:t>улучшаем дизайн, подготавливаем масштабируемую инфраструктуру для массового и безотказного использования используя контейнеризацию модулей и автоматизацию управления контейнерами.</a:t>
-            </a:r>
-          </a:p>
-          <a:p>
-            <a:endParaRPr lang="ru-RU" sz="2000" dirty="0"/>
-          </a:p>
-        </p:txBody>
-      </p:sp>
+            <a:off x="643467" y="1499053"/>
+            <a:ext cx="5352381" cy="2800000"/>
+          </a:xfrm>
+          <a:prstGeom prst="rect">
+            <a:avLst/>
+          </a:prstGeom>
+          <a:ln>
+            <a:solidFill>
+              <a:schemeClr val="accent1">
+                <a:lumMod val="75000"/>
+              </a:schemeClr>
+            </a:solidFill>
+          </a:ln>
+        </p:spPr>
+      </p:pic>
       <p:sp>
         <p:nvSpPr>
           <p:cNvPr id="10" name="Rectangle 9">
@@ -4904,10 +7507,138 @@
           </a:p>
         </p:txBody>
       </p:sp>
+      <p:pic>
+        <p:nvPicPr>
+          <p:cNvPr id="5" name="Рисунок 4">
+            <a:extLst>
+              <a:ext uri="{FF2B5EF4-FFF2-40B4-BE49-F238E27FC236}">
+                <a16:creationId xmlns:a16="http://schemas.microsoft.com/office/drawing/2014/main" id="{2DC270B8-1134-4C04-88AA-5B8781B266F5}"/>
+              </a:ext>
+            </a:extLst>
+          </p:cNvPr>
+          <p:cNvPicPr>
+            <a:picLocks noChangeAspect="1"/>
+          </p:cNvPicPr>
+          <p:nvPr/>
+        </p:nvPicPr>
+        <p:blipFill>
+          <a:blip r:embed="rId3"/>
+          <a:stretch>
+            <a:fillRect/>
+          </a:stretch>
+        </p:blipFill>
+        <p:spPr>
+          <a:xfrm>
+            <a:off x="6196154" y="3219116"/>
+            <a:ext cx="5285714" cy="2752381"/>
+          </a:xfrm>
+          <a:prstGeom prst="rect">
+            <a:avLst/>
+          </a:prstGeom>
+          <a:ln>
+            <a:solidFill>
+              <a:schemeClr val="accent1">
+                <a:lumMod val="75000"/>
+              </a:schemeClr>
+            </a:solidFill>
+          </a:ln>
+        </p:spPr>
+      </p:pic>
+      <p:sp>
+        <p:nvSpPr>
+          <p:cNvPr id="6" name="TextBox 5">
+            <a:extLst>
+              <a:ext uri="{FF2B5EF4-FFF2-40B4-BE49-F238E27FC236}">
+                <a16:creationId xmlns:a16="http://schemas.microsoft.com/office/drawing/2014/main" id="{23BF2649-FF7A-4DB9-8703-2224E13B685E}"/>
+              </a:ext>
+            </a:extLst>
+          </p:cNvPr>
+          <p:cNvSpPr txBox="1"/>
+          <p:nvPr/>
+        </p:nvSpPr>
+        <p:spPr>
+          <a:xfrm>
+            <a:off x="1389898" y="5628141"/>
+            <a:ext cx="3859518" cy="369332"/>
+          </a:xfrm>
+          <a:prstGeom prst="rect">
+            <a:avLst/>
+          </a:prstGeom>
+          <a:noFill/>
+        </p:spPr>
+        <p:txBody>
+          <a:bodyPr wrap="none" rtlCol="0">
+            <a:spAutoFit/>
+          </a:bodyPr>
+          <a:lstStyle/>
+          <a:p>
+            <a:r>
+              <a:rPr lang="en-US" dirty="0"/>
+              <a:t>OAuth, </a:t>
+            </a:r>
+            <a:r>
+              <a:rPr lang="ru-RU" dirty="0"/>
+              <a:t>открытые </a:t>
+            </a:r>
+            <a:r>
+              <a:rPr lang="en-US" dirty="0"/>
+              <a:t>API</a:t>
+            </a:r>
+            <a:r>
+              <a:rPr lang="ru-RU" dirty="0"/>
+              <a:t>:</a:t>
+            </a:r>
+            <a:r>
+              <a:rPr lang="en-US" dirty="0"/>
+              <a:t> </a:t>
+            </a:r>
+            <a:r>
+              <a:rPr lang="ru-RU" dirty="0"/>
+              <a:t>не поддержали</a:t>
+            </a:r>
+            <a:endParaRPr lang="en-US" dirty="0"/>
+          </a:p>
+        </p:txBody>
+      </p:sp>
+      <p:sp>
+        <p:nvSpPr>
+          <p:cNvPr id="13" name="Прямоугольник 12">
+            <a:extLst>
+              <a:ext uri="{FF2B5EF4-FFF2-40B4-BE49-F238E27FC236}">
+                <a16:creationId xmlns:a16="http://schemas.microsoft.com/office/drawing/2014/main" id="{7BEE5836-CD5A-4656-95F0-B80BD13F5E9E}"/>
+              </a:ext>
+            </a:extLst>
+          </p:cNvPr>
+          <p:cNvSpPr/>
+          <p:nvPr/>
+        </p:nvSpPr>
+        <p:spPr>
+          <a:xfrm>
+            <a:off x="11007253" y="6466177"/>
+            <a:ext cx="1184748" cy="369332"/>
+          </a:xfrm>
+          <a:prstGeom prst="rect">
+            <a:avLst/>
+          </a:prstGeom>
+        </p:spPr>
+        <p:txBody>
+          <a:bodyPr wrap="none">
+            <a:spAutoFit/>
+          </a:bodyPr>
+          <a:lstStyle/>
+          <a:p>
+            <a:r>
+              <a:rPr lang="ru-RU" dirty="0" err="1"/>
+              <a:t>Домен.РФ</a:t>
+            </a:r>
+            <a:endParaRPr lang="ru-RU" dirty="0"/>
+          </a:p>
+        </p:txBody>
+      </p:sp>
     </p:spTree>
     <p:extLst>
       <p:ext uri="{BB962C8B-B14F-4D97-AF65-F5344CB8AC3E}">
-        <p14:creationId xmlns:p14="http://schemas.microsoft.com/office/powerpoint/2010/main" val="957812012"/>
+        <p14:creationId xmlns:p14="http://schemas.microsoft.com/office/powerpoint/2010/main" val="1673820449"/>
       </p:ext>
     </p:extLst>
   </p:cSld>
@@ -5023,92 +7754,21 @@
         </p:nvSpPr>
         <p:spPr>
           <a:xfrm>
-            <a:off x="643467" y="321734"/>
-            <a:ext cx="10905066" cy="1135737"/>
+            <a:off x="576355" y="194649"/>
+            <a:ext cx="10773950" cy="559110"/>
           </a:xfrm>
         </p:spPr>
         <p:txBody>
           <a:bodyPr>
-            <a:normAutofit/>
+            <a:normAutofit fontScale="90000"/>
           </a:bodyPr>
           <a:lstStyle/>
           <a:p>
             <a:r>
               <a:rPr lang="ru-RU" sz="3600" dirty="0"/>
-              <a:t>Экономический эффект</a:t>
+              <a:t>Анализ решений для пользователей</a:t>
             </a:r>
             <a:endParaRPr lang="en-US" sz="3600" dirty="0"/>
-          </a:p>
-        </p:txBody>
-      </p:sp>
-      <p:sp>
-        <p:nvSpPr>
-          <p:cNvPr id="3" name="Объект 2">
-            <a:extLst>
-              <a:ext uri="{FF2B5EF4-FFF2-40B4-BE49-F238E27FC236}">
-                <a16:creationId xmlns:a16="http://schemas.microsoft.com/office/drawing/2014/main" id="{DC321943-D56E-4D04-B8B9-C2F40998FEFD}"/>
-              </a:ext>
-            </a:extLst>
-          </p:cNvPr>
-          <p:cNvSpPr>
-            <a:spLocks noGrp="1"/>
-          </p:cNvSpPr>
-          <p:nvPr>
-            <p:ph idx="1"/>
-          </p:nvPr>
-        </p:nvSpPr>
-        <p:spPr>
-          <a:xfrm>
-            <a:off x="643467" y="1782981"/>
-            <a:ext cx="10905066" cy="4393982"/>
-          </a:xfrm>
-        </p:spPr>
-        <p:txBody>
-          <a:bodyPr>
-            <a:normAutofit/>
-          </a:bodyPr>
-          <a:lstStyle/>
-          <a:p>
-            <a:r>
-              <a:rPr lang="ru-RU" sz="2000" dirty="0"/>
-              <a:t>Для работы с решением со стороны </a:t>
-            </a:r>
-            <a:r>
-              <a:rPr lang="ru-RU" sz="2000" dirty="0" err="1"/>
-              <a:t>гос</a:t>
-            </a:r>
-            <a:r>
-              <a:rPr lang="ru-RU" sz="2000" dirty="0"/>
-              <a:t> структур не требуется дополнительных сил кроме добавления </a:t>
-            </a:r>
-            <a:r>
-              <a:rPr lang="en-US" sz="2000" dirty="0"/>
-              <a:t>API </a:t>
-            </a:r>
-            <a:r>
-              <a:rPr lang="ru-RU" sz="2000" dirty="0"/>
-              <a:t>в свои информационные системы. При их отсутствии могут пользоваться порталом.</a:t>
-            </a:r>
-          </a:p>
-          <a:p>
-            <a:r>
-              <a:rPr lang="ru-RU" sz="2000" dirty="0"/>
-              <a:t>Разработанный </a:t>
-            </a:r>
-            <a:r>
-              <a:rPr lang="ru-RU" sz="2000" dirty="0" err="1"/>
-              <a:t>фрэймворк</a:t>
-            </a:r>
-            <a:r>
-              <a:rPr lang="ru-RU" sz="2000" dirty="0"/>
-              <a:t> поможет внедрить в действующие системы возможность обработки почтовых адресов на русском языке (либо другом национальном)</a:t>
-            </a:r>
-          </a:p>
-          <a:p>
-            <a:r>
-              <a:rPr lang="ru-RU" sz="2000" dirty="0"/>
-              <a:t>Портал может привлекать размещать рекламные предложения для определенных групп населения за вознаграждение, в отдельном разделе пользователя. Как показал опрос данный раздел не сильно разочаровывал бы пользователей при условии отсутствия лишних уведомлений.</a:t>
-            </a:r>
           </a:p>
         </p:txBody>
       </p:sp>
@@ -5380,10 +8040,341 @@
           </a:p>
         </p:txBody>
       </p:sp>
+      <p:pic>
+        <p:nvPicPr>
+          <p:cNvPr id="3" name="Рисунок 2">
+            <a:extLst>
+              <a:ext uri="{FF2B5EF4-FFF2-40B4-BE49-F238E27FC236}">
+                <a16:creationId xmlns:a16="http://schemas.microsoft.com/office/drawing/2014/main" id="{4152D83E-21AC-425C-8E27-ABCE9700840C}"/>
+              </a:ext>
+            </a:extLst>
+          </p:cNvPr>
+          <p:cNvPicPr>
+            <a:picLocks noChangeAspect="1"/>
+          </p:cNvPicPr>
+          <p:nvPr/>
+        </p:nvPicPr>
+        <p:blipFill>
+          <a:blip r:embed="rId2"/>
+          <a:stretch>
+            <a:fillRect/>
+          </a:stretch>
+        </p:blipFill>
+        <p:spPr>
+          <a:xfrm>
+            <a:off x="483149" y="789404"/>
+            <a:ext cx="3558082" cy="1888224"/>
+          </a:xfrm>
+          <a:prstGeom prst="rect">
+            <a:avLst/>
+          </a:prstGeom>
+          <a:ln>
+            <a:solidFill>
+              <a:schemeClr val="accent1">
+                <a:lumMod val="75000"/>
+              </a:schemeClr>
+            </a:solidFill>
+          </a:ln>
+        </p:spPr>
+      </p:pic>
+      <p:pic>
+        <p:nvPicPr>
+          <p:cNvPr id="11" name="Рисунок 10">
+            <a:extLst>
+              <a:ext uri="{FF2B5EF4-FFF2-40B4-BE49-F238E27FC236}">
+                <a16:creationId xmlns:a16="http://schemas.microsoft.com/office/drawing/2014/main" id="{C7208A09-FC10-4270-8276-CE75441362C0}"/>
+              </a:ext>
+            </a:extLst>
+          </p:cNvPr>
+          <p:cNvPicPr>
+            <a:picLocks noChangeAspect="1"/>
+          </p:cNvPicPr>
+          <p:nvPr/>
+        </p:nvPicPr>
+        <p:blipFill>
+          <a:blip r:embed="rId3"/>
+          <a:stretch>
+            <a:fillRect/>
+          </a:stretch>
+        </p:blipFill>
+        <p:spPr>
+          <a:xfrm>
+            <a:off x="4244887" y="776967"/>
+            <a:ext cx="3111273" cy="1900661"/>
+          </a:xfrm>
+          <a:prstGeom prst="rect">
+            <a:avLst/>
+          </a:prstGeom>
+          <a:ln>
+            <a:solidFill>
+              <a:schemeClr val="accent1">
+                <a:lumMod val="75000"/>
+              </a:schemeClr>
+            </a:solidFill>
+          </a:ln>
+        </p:spPr>
+      </p:pic>
+      <p:pic>
+        <p:nvPicPr>
+          <p:cNvPr id="13" name="Рисунок 12">
+            <a:extLst>
+              <a:ext uri="{FF2B5EF4-FFF2-40B4-BE49-F238E27FC236}">
+                <a16:creationId xmlns:a16="http://schemas.microsoft.com/office/drawing/2014/main" id="{C6D1FEDD-A1AD-40D8-B569-430BDE51446D}"/>
+              </a:ext>
+            </a:extLst>
+          </p:cNvPr>
+          <p:cNvPicPr>
+            <a:picLocks noChangeAspect="1"/>
+          </p:cNvPicPr>
+          <p:nvPr/>
+        </p:nvPicPr>
+        <p:blipFill>
+          <a:blip r:embed="rId4"/>
+          <a:stretch>
+            <a:fillRect/>
+          </a:stretch>
+        </p:blipFill>
+        <p:spPr>
+          <a:xfrm>
+            <a:off x="7570561" y="771857"/>
+            <a:ext cx="3215354" cy="1872156"/>
+          </a:xfrm>
+          <a:prstGeom prst="rect">
+            <a:avLst/>
+          </a:prstGeom>
+          <a:ln>
+            <a:solidFill>
+              <a:schemeClr val="accent1">
+                <a:lumMod val="75000"/>
+              </a:schemeClr>
+            </a:solidFill>
+          </a:ln>
+        </p:spPr>
+      </p:pic>
+      <p:pic>
+        <p:nvPicPr>
+          <p:cNvPr id="15" name="Рисунок 14">
+            <a:extLst>
+              <a:ext uri="{FF2B5EF4-FFF2-40B4-BE49-F238E27FC236}">
+                <a16:creationId xmlns:a16="http://schemas.microsoft.com/office/drawing/2014/main" id="{B5274ADA-108C-4073-AD91-03EDA60C8C61}"/>
+              </a:ext>
+            </a:extLst>
+          </p:cNvPr>
+          <p:cNvPicPr>
+            <a:picLocks noChangeAspect="1"/>
+          </p:cNvPicPr>
+          <p:nvPr/>
+        </p:nvPicPr>
+        <p:blipFill>
+          <a:blip r:embed="rId5"/>
+          <a:stretch>
+            <a:fillRect/>
+          </a:stretch>
+        </p:blipFill>
+        <p:spPr>
+          <a:xfrm>
+            <a:off x="507030" y="2737918"/>
+            <a:ext cx="3237446" cy="1803288"/>
+          </a:xfrm>
+          <a:prstGeom prst="rect">
+            <a:avLst/>
+          </a:prstGeom>
+          <a:ln>
+            <a:solidFill>
+              <a:schemeClr val="accent1">
+                <a:lumMod val="75000"/>
+              </a:schemeClr>
+            </a:solidFill>
+          </a:ln>
+        </p:spPr>
+      </p:pic>
+      <p:pic>
+        <p:nvPicPr>
+          <p:cNvPr id="17" name="Рисунок 16">
+            <a:extLst>
+              <a:ext uri="{FF2B5EF4-FFF2-40B4-BE49-F238E27FC236}">
+                <a16:creationId xmlns:a16="http://schemas.microsoft.com/office/drawing/2014/main" id="{96016B7D-2337-4229-B409-89229FACDC13}"/>
+              </a:ext>
+            </a:extLst>
+          </p:cNvPr>
+          <p:cNvPicPr>
+            <a:picLocks noChangeAspect="1"/>
+          </p:cNvPicPr>
+          <p:nvPr/>
+        </p:nvPicPr>
+        <p:blipFill>
+          <a:blip r:embed="rId6"/>
+          <a:stretch>
+            <a:fillRect/>
+          </a:stretch>
+        </p:blipFill>
+        <p:spPr>
+          <a:xfrm>
+            <a:off x="4241947" y="2785071"/>
+            <a:ext cx="3114213" cy="1756135"/>
+          </a:xfrm>
+          <a:prstGeom prst="rect">
+            <a:avLst/>
+          </a:prstGeom>
+          <a:ln>
+            <a:solidFill>
+              <a:schemeClr val="accent1">
+                <a:lumMod val="75000"/>
+              </a:schemeClr>
+            </a:solidFill>
+          </a:ln>
+        </p:spPr>
+      </p:pic>
+      <p:pic>
+        <p:nvPicPr>
+          <p:cNvPr id="18" name="Рисунок 17">
+            <a:extLst>
+              <a:ext uri="{FF2B5EF4-FFF2-40B4-BE49-F238E27FC236}">
+                <a16:creationId xmlns:a16="http://schemas.microsoft.com/office/drawing/2014/main" id="{846A8E99-5FF9-40FC-B595-E9E8EB0FFA47}"/>
+              </a:ext>
+            </a:extLst>
+          </p:cNvPr>
+          <p:cNvPicPr>
+            <a:picLocks noChangeAspect="1"/>
+          </p:cNvPicPr>
+          <p:nvPr/>
+        </p:nvPicPr>
+        <p:blipFill>
+          <a:blip r:embed="rId7"/>
+          <a:stretch>
+            <a:fillRect/>
+          </a:stretch>
+        </p:blipFill>
+        <p:spPr>
+          <a:xfrm>
+            <a:off x="7570561" y="2737918"/>
+            <a:ext cx="3215354" cy="1803288"/>
+          </a:xfrm>
+          <a:prstGeom prst="rect">
+            <a:avLst/>
+          </a:prstGeom>
+          <a:ln>
+            <a:solidFill>
+              <a:schemeClr val="accent1">
+                <a:lumMod val="75000"/>
+              </a:schemeClr>
+            </a:solidFill>
+          </a:ln>
+        </p:spPr>
+      </p:pic>
+      <p:pic>
+        <p:nvPicPr>
+          <p:cNvPr id="19" name="Рисунок 18">
+            <a:extLst>
+              <a:ext uri="{FF2B5EF4-FFF2-40B4-BE49-F238E27FC236}">
+                <a16:creationId xmlns:a16="http://schemas.microsoft.com/office/drawing/2014/main" id="{54B50D5B-C2B6-45CC-8DDD-B1B6D2C3EE67}"/>
+              </a:ext>
+            </a:extLst>
+          </p:cNvPr>
+          <p:cNvPicPr>
+            <a:picLocks noChangeAspect="1"/>
+          </p:cNvPicPr>
+          <p:nvPr/>
+        </p:nvPicPr>
+        <p:blipFill>
+          <a:blip r:embed="rId8"/>
+          <a:stretch>
+            <a:fillRect/>
+          </a:stretch>
+        </p:blipFill>
+        <p:spPr>
+          <a:xfrm>
+            <a:off x="1830915" y="4668104"/>
+            <a:ext cx="3610244" cy="2062997"/>
+          </a:xfrm>
+          <a:prstGeom prst="rect">
+            <a:avLst/>
+          </a:prstGeom>
+          <a:ln>
+            <a:solidFill>
+              <a:schemeClr val="accent1">
+                <a:lumMod val="75000"/>
+              </a:schemeClr>
+            </a:solidFill>
+          </a:ln>
+        </p:spPr>
+      </p:pic>
+      <p:pic>
+        <p:nvPicPr>
+          <p:cNvPr id="20" name="Рисунок 19">
+            <a:extLst>
+              <a:ext uri="{FF2B5EF4-FFF2-40B4-BE49-F238E27FC236}">
+                <a16:creationId xmlns:a16="http://schemas.microsoft.com/office/drawing/2014/main" id="{5D767BFA-D5C8-4432-B7BC-DBE6F706C484}"/>
+              </a:ext>
+            </a:extLst>
+          </p:cNvPr>
+          <p:cNvPicPr>
+            <a:picLocks noChangeAspect="1"/>
+          </p:cNvPicPr>
+          <p:nvPr/>
+        </p:nvPicPr>
+        <p:blipFill>
+          <a:blip r:embed="rId9"/>
+          <a:stretch>
+            <a:fillRect/>
+          </a:stretch>
+        </p:blipFill>
+        <p:spPr>
+          <a:xfrm>
+            <a:off x="5872944" y="4601497"/>
+            <a:ext cx="3524627" cy="2158444"/>
+          </a:xfrm>
+          <a:prstGeom prst="rect">
+            <a:avLst/>
+          </a:prstGeom>
+          <a:ln>
+            <a:solidFill>
+              <a:schemeClr val="accent1">
+                <a:lumMod val="75000"/>
+              </a:schemeClr>
+            </a:solidFill>
+          </a:ln>
+        </p:spPr>
+      </p:pic>
+      <p:sp>
+        <p:nvSpPr>
+          <p:cNvPr id="21" name="Прямоугольник 20">
+            <a:extLst>
+              <a:ext uri="{FF2B5EF4-FFF2-40B4-BE49-F238E27FC236}">
+                <a16:creationId xmlns:a16="http://schemas.microsoft.com/office/drawing/2014/main" id="{BB65876D-1601-4AF7-8545-E51C887CB8E1}"/>
+              </a:ext>
+            </a:extLst>
+          </p:cNvPr>
+          <p:cNvSpPr/>
+          <p:nvPr/>
+        </p:nvSpPr>
+        <p:spPr>
+          <a:xfrm>
+            <a:off x="11007253" y="6466177"/>
+            <a:ext cx="1184748" cy="369332"/>
+          </a:xfrm>
+          <a:prstGeom prst="rect">
+            <a:avLst/>
+          </a:prstGeom>
+        </p:spPr>
+        <p:txBody>
+          <a:bodyPr wrap="none">
+            <a:spAutoFit/>
+          </a:bodyPr>
+          <a:lstStyle/>
+          <a:p>
+            <a:r>
+              <a:rPr lang="ru-RU" dirty="0" err="1"/>
+              <a:t>Домен.РФ</a:t>
+            </a:r>
+            <a:endParaRPr lang="ru-RU" dirty="0"/>
+          </a:p>
+        </p:txBody>
+      </p:sp>
     </p:spTree>
     <p:extLst>
       <p:ext uri="{BB962C8B-B14F-4D97-AF65-F5344CB8AC3E}">
-        <p14:creationId xmlns:p14="http://schemas.microsoft.com/office/powerpoint/2010/main" val="4270710040"/>
+        <p14:creationId xmlns:p14="http://schemas.microsoft.com/office/powerpoint/2010/main" val="1280589586"/>
       </p:ext>
     </p:extLst>
   </p:cSld>
@@ -5511,7 +8502,7 @@
           <a:p>
             <a:r>
               <a:rPr lang="ru-RU" sz="3600" dirty="0"/>
-              <a:t>Реализация</a:t>
+              <a:t>Как мы решаем эти проблемы</a:t>
             </a:r>
             <a:endParaRPr lang="en-US" sz="3600" dirty="0"/>
           </a:p>
@@ -5547,89 +8538,75 @@
           <a:p>
             <a:r>
               <a:rPr lang="ru-RU" sz="2000" dirty="0"/>
-              <a:t>Изучение возможности применения имеющихся Фреймворков 20 часов.</a:t>
-            </a:r>
-          </a:p>
-          <a:p>
+              <a:t>Создаем портал взаимодействия </a:t>
+            </a:r>
+            <a:r>
+              <a:rPr lang="ru-RU" sz="2000" dirty="0" err="1"/>
+              <a:t>гос</a:t>
+            </a:r>
             <a:r>
               <a:rPr lang="ru-RU" sz="2000" dirty="0"/>
-              <a:t>Доработка Фреймворков</a:t>
+              <a:t> служб и пользователей. Создаем приложение, через которое будут приходить оповещения о </a:t>
+            </a:r>
+            <a:r>
+              <a:rPr lang="ru-RU" sz="2000" dirty="0" err="1"/>
+              <a:t>чс</a:t>
+            </a:r>
+            <a:r>
+              <a:rPr lang="ru-RU" sz="2000" dirty="0"/>
+              <a:t>, различные оповещения от поликлиник, и прочих учреждений, подключившихся к системе. Пользователи не против установки приложения и получения важных </a:t>
+            </a:r>
+            <a:r>
+              <a:rPr lang="ru-RU" sz="2000" dirty="0" err="1"/>
+              <a:t>пуш</a:t>
+            </a:r>
+            <a:r>
+              <a:rPr lang="ru-RU" sz="2000" dirty="0"/>
+              <a:t> уведомлений.</a:t>
+            </a:r>
+          </a:p>
+          <a:p>
+            <a:r>
+              <a:rPr lang="ru-RU" sz="2000" dirty="0"/>
+              <a:t>Мы создаем либо дорабатываем имеющиеся </a:t>
+            </a:r>
+            <a:r>
+              <a:rPr lang="ru-RU" sz="2000" dirty="0" err="1"/>
+              <a:t>фрэймворки</a:t>
+            </a:r>
+            <a:r>
+              <a:rPr lang="ru-RU" sz="2000" dirty="0"/>
+              <a:t> для соответствия действующим техническим требованиям, содержащие в себе проверки вводимой информации. Переводим вводимые данные в машинный формат пригодный для пересылки почты, хранения, обработки, и обратный перевод для корректного отображения.</a:t>
+            </a:r>
+          </a:p>
+          <a:p>
+            <a:r>
+              <a:rPr lang="ru-RU" sz="2000" dirty="0"/>
+              <a:t>Создаем или дорабатываем открытый почтовый сервис, к примеру </a:t>
             </a:r>
             <a:r>
               <a:rPr lang="en-US" sz="2000" dirty="0"/>
-              <a:t> </a:t>
+              <a:t>Round</a:t>
             </a:r>
             <a:r>
               <a:rPr lang="ru-RU" sz="2000" dirty="0"/>
-              <a:t>обработки кириллических доменов либо создание своего 20 часов.</a:t>
-            </a:r>
-          </a:p>
-          <a:p>
+              <a:t>С</a:t>
+            </a:r>
+            <a:r>
+              <a:rPr lang="en-US" sz="2000" dirty="0" err="1"/>
+              <a:t>ube</a:t>
+            </a:r>
+            <a:r>
+              <a:rPr lang="en-US" sz="2000" dirty="0"/>
+              <a:t>, </a:t>
+            </a:r>
             <a:r>
               <a:rPr lang="ru-RU" sz="2000" dirty="0"/>
-              <a:t>Создания фронт бэк, </a:t>
-            </a:r>
-            <a:r>
-              <a:rPr lang="en-US" sz="2000" dirty="0"/>
-              <a:t>API – </a:t>
-            </a:r>
-            <a:r>
-              <a:rPr lang="ru-RU" sz="2000" dirty="0"/>
-              <a:t>40 часов</a:t>
-            </a:r>
-          </a:p>
-          <a:p>
-            <a:r>
-              <a:rPr lang="ru-RU" sz="2000" dirty="0"/>
-              <a:t>Создания портала бэк-офис 40 часов.</a:t>
-            </a:r>
-          </a:p>
-          <a:p>
-            <a:r>
-              <a:rPr lang="ru-RU" sz="2000" dirty="0"/>
-              <a:t>Создание клиентской (Фронт) части портала уведомлений 10 часов.</a:t>
-            </a:r>
-          </a:p>
-          <a:p>
-            <a:r>
-              <a:rPr lang="ru-RU" sz="2000" dirty="0"/>
-              <a:t>Создание мобильного приложения взаимодействующее с </a:t>
-            </a:r>
-            <a:r>
-              <a:rPr lang="en-US" sz="2000" dirty="0"/>
-              <a:t>API.</a:t>
-            </a:r>
+              <a:t>улучшаем дизайн, подготавливаем масштабируемую инфраструктуру для массового и безотказного использования используя контейнеризацию модулей и автоматизацию управления контейнерами.</a:t>
+            </a:r>
+          </a:p>
+          <a:p>
             <a:endParaRPr lang="ru-RU" sz="2000" dirty="0"/>
-          </a:p>
-          <a:p>
-            <a:r>
-              <a:rPr lang="ru-RU" sz="2000" dirty="0"/>
-              <a:t>Доработка открытой почтовой системы 80 часов.</a:t>
-            </a:r>
-          </a:p>
-          <a:p>
-            <a:r>
-              <a:rPr lang="ru-RU" sz="2000" dirty="0"/>
-              <a:t>Внедрение почтовой системы 20 часов.</a:t>
-            </a:r>
-          </a:p>
-          <a:p>
-            <a:r>
-              <a:rPr lang="ru-RU" sz="2000" dirty="0"/>
-              <a:t>Тестирование и исправление 40 часов.</a:t>
-            </a:r>
-          </a:p>
-          <a:p>
-            <a:r>
-              <a:rPr lang="ru-RU" sz="2000" dirty="0"/>
-              <a:t>Контейнеризация, автоматизация распределения нагрузок 32 часа.</a:t>
-            </a:r>
-          </a:p>
-          <a:p>
-            <a:r>
-              <a:rPr lang="ru-RU" sz="2000" dirty="0"/>
-              <a:t>Переход в боевой режим через 3 месяца при команде в 5 человек.</a:t>
-            </a:r>
           </a:p>
         </p:txBody>
       </p:sp>
@@ -5901,10 +8878,45 @@
           </a:p>
         </p:txBody>
       </p:sp>
+      <p:sp>
+        <p:nvSpPr>
+          <p:cNvPr id="9" name="Прямоугольник 8">
+            <a:extLst>
+              <a:ext uri="{FF2B5EF4-FFF2-40B4-BE49-F238E27FC236}">
+                <a16:creationId xmlns:a16="http://schemas.microsoft.com/office/drawing/2014/main" id="{55B636DD-BD08-4215-8841-E46C6F2E8E38}"/>
+              </a:ext>
+            </a:extLst>
+          </p:cNvPr>
+          <p:cNvSpPr/>
+          <p:nvPr/>
+        </p:nvSpPr>
+        <p:spPr>
+          <a:xfrm>
+            <a:off x="11007253" y="6466177"/>
+            <a:ext cx="1184748" cy="369332"/>
+          </a:xfrm>
+          <a:prstGeom prst="rect">
+            <a:avLst/>
+          </a:prstGeom>
+        </p:spPr>
+        <p:txBody>
+          <a:bodyPr wrap="none">
+            <a:spAutoFit/>
+          </a:bodyPr>
+          <a:lstStyle/>
+          <a:p>
+            <a:r>
+              <a:rPr lang="ru-RU" dirty="0" err="1"/>
+              <a:t>Домен.РФ</a:t>
+            </a:r>
+            <a:endParaRPr lang="ru-RU" dirty="0"/>
+          </a:p>
+        </p:txBody>
+      </p:sp>
     </p:spTree>
     <p:extLst>
       <p:ext uri="{BB962C8B-B14F-4D97-AF65-F5344CB8AC3E}">
-        <p14:creationId xmlns:p14="http://schemas.microsoft.com/office/powerpoint/2010/main" val="2775544889"/>
+        <p14:creationId xmlns:p14="http://schemas.microsoft.com/office/powerpoint/2010/main" val="957812012"/>
       </p:ext>
     </p:extLst>
   </p:cSld>
@@ -6032,63 +9044,52 @@
           <a:p>
             <a:r>
               <a:rPr lang="ru-RU" sz="3600" dirty="0"/>
-              <a:t>Масштабируемость</a:t>
+              <a:t>Наши </a:t>
+            </a:r>
+            <a:r>
+              <a:rPr lang="ru-RU" sz="3600" dirty="0" err="1"/>
+              <a:t>макеты:Мобильное</a:t>
+            </a:r>
+            <a:r>
+              <a:rPr lang="ru-RU" sz="3600" dirty="0"/>
+              <a:t> приложение</a:t>
             </a:r>
             <a:endParaRPr lang="en-US" sz="3600" dirty="0"/>
           </a:p>
         </p:txBody>
       </p:sp>
-      <p:sp>
-        <p:nvSpPr>
-          <p:cNvPr id="3" name="Объект 2">
-            <a:extLst>
-              <a:ext uri="{FF2B5EF4-FFF2-40B4-BE49-F238E27FC236}">
-                <a16:creationId xmlns:a16="http://schemas.microsoft.com/office/drawing/2014/main" id="{DC321943-D56E-4D04-B8B9-C2F40998FEFD}"/>
-              </a:ext>
-            </a:extLst>
-          </p:cNvPr>
-          <p:cNvSpPr>
-            <a:spLocks noGrp="1"/>
-          </p:cNvSpPr>
+      <p:pic>
+        <p:nvPicPr>
+          <p:cNvPr id="4" name="Объект 3">
+            <a:extLst>
+              <a:ext uri="{FF2B5EF4-FFF2-40B4-BE49-F238E27FC236}">
+                <a16:creationId xmlns:a16="http://schemas.microsoft.com/office/drawing/2014/main" id="{2245D537-8554-4B32-811C-43B3355C2CBD}"/>
+              </a:ext>
+            </a:extLst>
+          </p:cNvPr>
+          <p:cNvPicPr>
+            <a:picLocks noGrp="1" noChangeAspect="1"/>
+          </p:cNvPicPr>
           <p:nvPr>
             <p:ph idx="1"/>
           </p:nvPr>
-        </p:nvSpPr>
+        </p:nvPicPr>
+        <p:blipFill>
+          <a:blip r:embed="rId2"/>
+          <a:stretch>
+            <a:fillRect/>
+          </a:stretch>
+        </p:blipFill>
         <p:spPr>
           <a:xfrm>
-            <a:off x="643467" y="1782981"/>
-            <a:ext cx="10905066" cy="4393982"/>
-          </a:xfrm>
-        </p:spPr>
-        <p:txBody>
-          <a:bodyPr>
-            <a:normAutofit/>
-          </a:bodyPr>
-          <a:lstStyle/>
-          <a:p>
-            <a:r>
-              <a:rPr lang="ru-RU" sz="2000" dirty="0"/>
-              <a:t>Мы используем докер для контейнеризации</a:t>
-            </a:r>
-          </a:p>
-          <a:p>
-            <a:r>
-              <a:rPr lang="ru-RU" sz="2000" dirty="0" err="1"/>
-              <a:t>Кубернейтс</a:t>
-            </a:r>
-            <a:r>
-              <a:rPr lang="ru-RU" sz="2000" dirty="0"/>
-              <a:t> для автоматического масштабирования и разворачивания либо освобождения дополнительных мощностей.</a:t>
-            </a:r>
-          </a:p>
-          <a:p>
-            <a:r>
-              <a:rPr lang="ru-RU" sz="2000" dirty="0"/>
-              <a:t>Кластер баз данных для распределения нагрузок записи – чтения.</a:t>
-            </a:r>
-          </a:p>
-        </p:txBody>
-      </p:sp>
+            <a:off x="828407" y="1779205"/>
+            <a:ext cx="5414547" cy="4394200"/>
+          </a:xfrm>
+          <a:prstGeom prst="rect">
+            <a:avLst/>
+          </a:prstGeom>
+        </p:spPr>
+      </p:pic>
       <p:sp>
         <p:nvSpPr>
           <p:cNvPr id="10" name="Rectangle 9">
@@ -6357,10 +9358,75 @@
           </a:p>
         </p:txBody>
       </p:sp>
+      <p:pic>
+        <p:nvPicPr>
+          <p:cNvPr id="5" name="Рисунок 4">
+            <a:extLst>
+              <a:ext uri="{FF2B5EF4-FFF2-40B4-BE49-F238E27FC236}">
+                <a16:creationId xmlns:a16="http://schemas.microsoft.com/office/drawing/2014/main" id="{08A4AF58-8928-4220-A8A3-542B924D5A73}"/>
+              </a:ext>
+            </a:extLst>
+          </p:cNvPr>
+          <p:cNvPicPr>
+            <a:picLocks noChangeAspect="1"/>
+          </p:cNvPicPr>
+          <p:nvPr/>
+        </p:nvPicPr>
+        <p:blipFill>
+          <a:blip r:embed="rId3"/>
+          <a:stretch>
+            <a:fillRect/>
+          </a:stretch>
+        </p:blipFill>
+        <p:spPr>
+          <a:xfrm>
+            <a:off x="6455536" y="1779205"/>
+            <a:ext cx="5477492" cy="4394200"/>
+          </a:xfrm>
+          <a:prstGeom prst="rect">
+            <a:avLst/>
+          </a:prstGeom>
+        </p:spPr>
+      </p:pic>
+      <p:sp>
+        <p:nvSpPr>
+          <p:cNvPr id="11" name="Прямоугольник 10">
+            <a:extLst>
+              <a:ext uri="{FF2B5EF4-FFF2-40B4-BE49-F238E27FC236}">
+                <a16:creationId xmlns:a16="http://schemas.microsoft.com/office/drawing/2014/main" id="{B8418CE4-A367-497C-8408-4FC66E7C35C3}"/>
+              </a:ext>
+            </a:extLst>
+          </p:cNvPr>
+          <p:cNvSpPr/>
+          <p:nvPr/>
+        </p:nvSpPr>
+        <p:spPr>
+          <a:xfrm>
+            <a:off x="11007253" y="6466177"/>
+            <a:ext cx="1184748" cy="369332"/>
+          </a:xfrm>
+          <a:prstGeom prst="rect">
+            <a:avLst/>
+          </a:prstGeom>
+        </p:spPr>
+        <p:txBody>
+          <a:bodyPr wrap="none">
+            <a:spAutoFit/>
+          </a:bodyPr>
+          <a:lstStyle/>
+          <a:p>
+            <a:r>
+              <a:rPr lang="ru-RU" dirty="0" err="1"/>
+              <a:t>Домен.РФ</a:t>
+            </a:r>
+            <a:endParaRPr lang="ru-RU" dirty="0"/>
+          </a:p>
+        </p:txBody>
+      </p:sp>
     </p:spTree>
     <p:extLst>
       <p:ext uri="{BB962C8B-B14F-4D97-AF65-F5344CB8AC3E}">
-        <p14:creationId xmlns:p14="http://schemas.microsoft.com/office/powerpoint/2010/main" val="1091263399"/>
+        <p14:creationId xmlns:p14="http://schemas.microsoft.com/office/powerpoint/2010/main" val="2002238341"/>
       </p:ext>
     </p:extLst>
   </p:cSld>
@@ -6488,83 +9554,9 @@
           <a:p>
             <a:r>
               <a:rPr lang="ru-RU" sz="3600" dirty="0"/>
-              <a:t>Команда</a:t>
+              <a:t>Наши макеты: Мобильное приложение</a:t>
             </a:r>
             <a:endParaRPr lang="en-US" sz="3600" dirty="0"/>
-          </a:p>
-        </p:txBody>
-      </p:sp>
-      <p:sp>
-        <p:nvSpPr>
-          <p:cNvPr id="3" name="Объект 2">
-            <a:extLst>
-              <a:ext uri="{FF2B5EF4-FFF2-40B4-BE49-F238E27FC236}">
-                <a16:creationId xmlns:a16="http://schemas.microsoft.com/office/drawing/2014/main" id="{DC321943-D56E-4D04-B8B9-C2F40998FEFD}"/>
-              </a:ext>
-            </a:extLst>
-          </p:cNvPr>
-          <p:cNvSpPr>
-            <a:spLocks noGrp="1"/>
-          </p:cNvSpPr>
-          <p:nvPr>
-            <p:ph idx="1"/>
-          </p:nvPr>
-        </p:nvSpPr>
-        <p:spPr>
-          <a:xfrm>
-            <a:off x="643467" y="1782981"/>
-            <a:ext cx="10905066" cy="4393982"/>
-          </a:xfrm>
-        </p:spPr>
-        <p:txBody>
-          <a:bodyPr>
-            <a:normAutofit/>
-          </a:bodyPr>
-          <a:lstStyle/>
-          <a:p>
-            <a:r>
-              <a:rPr lang="ru-RU" sz="2000" dirty="0"/>
-              <a:t>Александр </a:t>
-            </a:r>
-            <a:r>
-              <a:rPr lang="en-US" sz="2000" dirty="0"/>
-              <a:t>@alexklippe </a:t>
-            </a:r>
-            <a:r>
-              <a:rPr lang="en-US" sz="2000" dirty="0">
-                <a:hlinkClick r:id="rId2"/>
-              </a:rPr>
-              <a:t>http://github.com/alexklippe</a:t>
-            </a:r>
-            <a:endParaRPr lang="en-US" sz="2000" dirty="0"/>
-          </a:p>
-          <a:p>
-            <a:r>
-              <a:rPr lang="ru-RU" sz="2000" dirty="0"/>
-              <a:t>Константин </a:t>
-            </a:r>
-            <a:r>
-              <a:rPr lang="en-US" sz="2000" dirty="0"/>
-              <a:t>@PcSdk </a:t>
-            </a:r>
-            <a:r>
-              <a:rPr lang="en-US" sz="2000" dirty="0">
-                <a:hlinkClick r:id="rId3"/>
-              </a:rPr>
-              <a:t>https://github.com/PcSdk/</a:t>
-            </a:r>
-            <a:endParaRPr lang="ru-RU" sz="2000" dirty="0"/>
-          </a:p>
-          <a:p>
-            <a:r>
-              <a:rPr lang="ru-RU" sz="2000" dirty="0"/>
-              <a:t>Стас </a:t>
-            </a:r>
-            <a:r>
-              <a:rPr lang="en-US" sz="2000" dirty="0"/>
-              <a:t>@mvdxk</a:t>
-            </a:r>
-            <a:endParaRPr lang="ru-RU" sz="2000" dirty="0"/>
           </a:p>
         </p:txBody>
       </p:sp>
@@ -6836,10 +9828,588 @@
           </a:p>
         </p:txBody>
       </p:sp>
+      <p:pic>
+        <p:nvPicPr>
+          <p:cNvPr id="7" name="Объект 6">
+            <a:extLst>
+              <a:ext uri="{FF2B5EF4-FFF2-40B4-BE49-F238E27FC236}">
+                <a16:creationId xmlns:a16="http://schemas.microsoft.com/office/drawing/2014/main" id="{0059291F-69F3-4DEB-9659-3EAF357F4DB4}"/>
+              </a:ext>
+            </a:extLst>
+          </p:cNvPr>
+          <p:cNvPicPr>
+            <a:picLocks noGrp="1" noChangeAspect="1"/>
+          </p:cNvPicPr>
+          <p:nvPr>
+            <p:ph idx="1"/>
+          </p:nvPr>
+        </p:nvPicPr>
+        <p:blipFill>
+          <a:blip r:embed="rId2"/>
+          <a:stretch>
+            <a:fillRect/>
+          </a:stretch>
+        </p:blipFill>
+        <p:spPr>
+          <a:xfrm>
+            <a:off x="3386747" y="1825625"/>
+            <a:ext cx="5418505" cy="4351338"/>
+          </a:xfrm>
+          <a:prstGeom prst="rect">
+            <a:avLst/>
+          </a:prstGeom>
+        </p:spPr>
+      </p:pic>
+      <p:sp>
+        <p:nvSpPr>
+          <p:cNvPr id="13" name="Прямоугольник 12">
+            <a:extLst>
+              <a:ext uri="{FF2B5EF4-FFF2-40B4-BE49-F238E27FC236}">
+                <a16:creationId xmlns:a16="http://schemas.microsoft.com/office/drawing/2014/main" id="{CA2814FD-52E0-4391-9265-2EF8D4803C61}"/>
+              </a:ext>
+            </a:extLst>
+          </p:cNvPr>
+          <p:cNvSpPr/>
+          <p:nvPr/>
+        </p:nvSpPr>
+        <p:spPr>
+          <a:xfrm>
+            <a:off x="11007253" y="6466177"/>
+            <a:ext cx="1184748" cy="369332"/>
+          </a:xfrm>
+          <a:prstGeom prst="rect">
+            <a:avLst/>
+          </a:prstGeom>
+        </p:spPr>
+        <p:txBody>
+          <a:bodyPr wrap="none">
+            <a:spAutoFit/>
+          </a:bodyPr>
+          <a:lstStyle/>
+          <a:p>
+            <a:r>
+              <a:rPr lang="ru-RU" dirty="0" err="1"/>
+              <a:t>Домен.РФ</a:t>
+            </a:r>
+            <a:endParaRPr lang="ru-RU" dirty="0"/>
+          </a:p>
+        </p:txBody>
+      </p:sp>
     </p:spTree>
     <p:extLst>
       <p:ext uri="{BB962C8B-B14F-4D97-AF65-F5344CB8AC3E}">
-        <p14:creationId xmlns:p14="http://schemas.microsoft.com/office/powerpoint/2010/main" val="3310014899"/>
+        <p14:creationId xmlns:p14="http://schemas.microsoft.com/office/powerpoint/2010/main" val="3620149312"/>
+      </p:ext>
+    </p:extLst>
+  </p:cSld>
+  <p:clrMapOvr>
+    <a:masterClrMapping/>
+  </p:clrMapOvr>
+</p:sld>
+</file>
+
+<file path=ppt/slides/slide9.xml><?xml version="1.0" encoding="utf-8"?>
+<p:sld xmlns:a="http://schemas.openxmlformats.org/drawingml/2006/main" xmlns:r="http://schemas.openxmlformats.org/officeDocument/2006/relationships" xmlns:p="http://schemas.openxmlformats.org/presentationml/2006/main">
+  <p:cSld>
+    <p:bg>
+      <p:bgPr>
+        <a:solidFill>
+          <a:schemeClr val="bg1"/>
+        </a:solidFill>
+        <a:effectLst/>
+      </p:bgPr>
+    </p:bg>
+    <p:spTree>
+      <p:nvGrpSpPr>
+        <p:cNvPr id="1" name=""/>
+        <p:cNvGrpSpPr/>
+        <p:nvPr/>
+      </p:nvGrpSpPr>
+      <p:grpSpPr>
+        <a:xfrm>
+          <a:off x="0" y="0"/>
+          <a:ext cx="0" cy="0"/>
+          <a:chOff x="0" y="0"/>
+          <a:chExt cx="0" cy="0"/>
+        </a:xfrm>
+      </p:grpSpPr>
+      <p:sp>
+        <p:nvSpPr>
+          <p:cNvPr id="8" name="Rectangle 7">
+            <a:extLst>
+              <a:ext uri="{FF2B5EF4-FFF2-40B4-BE49-F238E27FC236}">
+                <a16:creationId xmlns:a16="http://schemas.microsoft.com/office/drawing/2014/main" id="{2B566528-1B12-4246-9431-5C2D7D081168}"/>
+              </a:ext>
+              <a:ext uri="{C183D7F6-B498-43B3-948B-1728B52AA6E4}">
+                <adec:decorative xmlns:adec="http://schemas.microsoft.com/office/drawing/2017/decorative" val="1"/>
+              </a:ext>
+            </a:extLst>
+          </p:cNvPr>
+          <p:cNvSpPr>
+            <a:spLocks noGrp="1" noRot="1" noChangeAspect="1" noMove="1" noResize="1" noEditPoints="1" noAdjustHandles="1" noChangeArrowheads="1" noChangeShapeType="1" noTextEdit="1"/>
+          </p:cNvSpPr>
+          <p:nvPr>
+            <p:extLst>
+              <p:ext uri="{386F3935-93C4-4BCD-93E2-E3B085C9AB24}">
+                <p16:designElem xmlns:p16="http://schemas.microsoft.com/office/powerpoint/2015/main" val="1"/>
+              </p:ext>
+            </p:extLst>
+          </p:nvPr>
+        </p:nvSpPr>
+        <p:spPr>
+          <a:xfrm>
+            <a:off x="0" y="0"/>
+            <a:ext cx="12192000" cy="6858000"/>
+          </a:xfrm>
+          <a:prstGeom prst="rect">
+            <a:avLst/>
+          </a:prstGeom>
+          <a:solidFill>
+            <a:schemeClr val="bg1"/>
+          </a:solidFill>
+          <a:ln>
+            <a:noFill/>
+          </a:ln>
+        </p:spPr>
+        <p:style>
+          <a:lnRef idx="2">
+            <a:schemeClr val="accent1">
+              <a:shade val="50000"/>
+            </a:schemeClr>
+          </a:lnRef>
+          <a:fillRef idx="1">
+            <a:schemeClr val="accent1"/>
+          </a:fillRef>
+          <a:effectRef idx="0">
+            <a:schemeClr val="accent1"/>
+          </a:effectRef>
+          <a:fontRef idx="minor">
+            <a:schemeClr val="lt1"/>
+          </a:fontRef>
+        </p:style>
+        <p:txBody>
+          <a:bodyPr rtlCol="0" anchor="ctr"/>
+          <a:lstStyle/>
+          <a:p>
+            <a:pPr algn="ctr"/>
+            <a:endParaRPr lang="en-US" dirty="0"/>
+          </a:p>
+        </p:txBody>
+      </p:sp>
+      <p:sp>
+        <p:nvSpPr>
+          <p:cNvPr id="2" name="Заголовок 1">
+            <a:extLst>
+              <a:ext uri="{FF2B5EF4-FFF2-40B4-BE49-F238E27FC236}">
+                <a16:creationId xmlns:a16="http://schemas.microsoft.com/office/drawing/2014/main" id="{DDE03C63-9E5D-4122-9080-9823B4EFD0AC}"/>
+              </a:ext>
+            </a:extLst>
+          </p:cNvPr>
+          <p:cNvSpPr>
+            <a:spLocks noGrp="1"/>
+          </p:cNvSpPr>
+          <p:nvPr>
+            <p:ph type="title"/>
+          </p:nvPr>
+        </p:nvSpPr>
+        <p:spPr>
+          <a:xfrm>
+            <a:off x="643467" y="321734"/>
+            <a:ext cx="10905066" cy="1135737"/>
+          </a:xfrm>
+        </p:spPr>
+        <p:txBody>
+          <a:bodyPr>
+            <a:normAutofit/>
+          </a:bodyPr>
+          <a:lstStyle/>
+          <a:p>
+            <a:r>
+              <a:rPr lang="ru-RU" sz="3600" dirty="0"/>
+              <a:t>Экономический эффект</a:t>
+            </a:r>
+            <a:endParaRPr lang="en-US" sz="3600" dirty="0"/>
+          </a:p>
+        </p:txBody>
+      </p:sp>
+      <p:sp>
+        <p:nvSpPr>
+          <p:cNvPr id="3" name="Объект 2">
+            <a:extLst>
+              <a:ext uri="{FF2B5EF4-FFF2-40B4-BE49-F238E27FC236}">
+                <a16:creationId xmlns:a16="http://schemas.microsoft.com/office/drawing/2014/main" id="{DC321943-D56E-4D04-B8B9-C2F40998FEFD}"/>
+              </a:ext>
+            </a:extLst>
+          </p:cNvPr>
+          <p:cNvSpPr>
+            <a:spLocks noGrp="1"/>
+          </p:cNvSpPr>
+          <p:nvPr>
+            <p:ph idx="1"/>
+          </p:nvPr>
+        </p:nvSpPr>
+        <p:spPr>
+          <a:xfrm>
+            <a:off x="643467" y="1782981"/>
+            <a:ext cx="10905066" cy="4393982"/>
+          </a:xfrm>
+        </p:spPr>
+        <p:txBody>
+          <a:bodyPr>
+            <a:normAutofit/>
+          </a:bodyPr>
+          <a:lstStyle/>
+          <a:p>
+            <a:r>
+              <a:rPr lang="ru-RU" sz="2000" dirty="0"/>
+              <a:t>Для работы с решением со стороны </a:t>
+            </a:r>
+            <a:r>
+              <a:rPr lang="ru-RU" sz="2000" dirty="0" err="1"/>
+              <a:t>гос</a:t>
+            </a:r>
+            <a:r>
+              <a:rPr lang="ru-RU" sz="2000" dirty="0"/>
+              <a:t> структур не требуется дополнительных сил кроме добавления </a:t>
+            </a:r>
+            <a:r>
+              <a:rPr lang="en-US" sz="2000" dirty="0"/>
+              <a:t>API </a:t>
+            </a:r>
+            <a:r>
+              <a:rPr lang="ru-RU" sz="2000" dirty="0"/>
+              <a:t>в свои информационные системы. При их отсутствии могут пользоваться порталом.</a:t>
+            </a:r>
+          </a:p>
+          <a:p>
+            <a:r>
+              <a:rPr lang="ru-RU" sz="2000" dirty="0"/>
+              <a:t>Разработанный </a:t>
+            </a:r>
+            <a:r>
+              <a:rPr lang="ru-RU" sz="2000" dirty="0" err="1"/>
+              <a:t>фрэймворк</a:t>
+            </a:r>
+            <a:r>
+              <a:rPr lang="ru-RU" sz="2000" dirty="0"/>
+              <a:t> поможет внедрить в действующие системы возможность обработки почтовых адресов на русском языке (либо другом национальном)</a:t>
+            </a:r>
+          </a:p>
+          <a:p>
+            <a:r>
+              <a:rPr lang="ru-RU" sz="2000" dirty="0"/>
+              <a:t>Портал может привлекать размещать рекламные предложения для определенных групп населения за вознаграждение, в отдельном разделе пользователя. Как показал опрос данный раздел не сильно разочаровывал бы пользователей при условии отсутствия лишних уведомлений.</a:t>
+            </a:r>
+          </a:p>
+        </p:txBody>
+      </p:sp>
+      <p:sp>
+        <p:nvSpPr>
+          <p:cNvPr id="10" name="Rectangle 9">
+            <a:extLst>
+              <a:ext uri="{FF2B5EF4-FFF2-40B4-BE49-F238E27FC236}">
+                <a16:creationId xmlns:a16="http://schemas.microsoft.com/office/drawing/2014/main" id="{2E80C965-DB6D-4F81-9E9E-B027384D0BD6}"/>
+              </a:ext>
+              <a:ext uri="{C183D7F6-B498-43B3-948B-1728B52AA6E4}">
+                <adec:decorative xmlns:adec="http://schemas.microsoft.com/office/drawing/2017/decorative" val="1"/>
+              </a:ext>
+            </a:extLst>
+          </p:cNvPr>
+          <p:cNvSpPr>
+            <a:spLocks noGrp="1" noRot="1" noChangeAspect="1" noMove="1" noResize="1" noEditPoints="1" noAdjustHandles="1" noChangeArrowheads="1" noChangeShapeType="1" noTextEdit="1"/>
+          </p:cNvSpPr>
+          <p:nvPr>
+            <p:extLst>
+              <p:ext uri="{386F3935-93C4-4BCD-93E2-E3B085C9AB24}">
+                <p16:designElem xmlns:p16="http://schemas.microsoft.com/office/powerpoint/2015/main" val="1"/>
+              </p:ext>
+            </p:extLst>
+          </p:nvPr>
+        </p:nvSpPr>
+        <p:spPr>
+          <a:xfrm rot="2700000">
+            <a:off x="11052629" y="2120024"/>
+            <a:ext cx="645368" cy="645368"/>
+          </a:xfrm>
+          <a:prstGeom prst="rect">
+            <a:avLst/>
+          </a:prstGeom>
+          <a:solidFill>
+            <a:schemeClr val="accent4">
+              <a:alpha val="30000"/>
+            </a:schemeClr>
+          </a:solidFill>
+          <a:ln>
+            <a:noFill/>
+          </a:ln>
+        </p:spPr>
+        <p:style>
+          <a:lnRef idx="2">
+            <a:schemeClr val="accent1">
+              <a:shade val="50000"/>
+            </a:schemeClr>
+          </a:lnRef>
+          <a:fillRef idx="1">
+            <a:schemeClr val="accent1"/>
+          </a:fillRef>
+          <a:effectRef idx="0">
+            <a:schemeClr val="accent1"/>
+          </a:effectRef>
+          <a:fontRef idx="minor">
+            <a:schemeClr val="lt1"/>
+          </a:fontRef>
+        </p:style>
+        <p:txBody>
+          <a:bodyPr rtlCol="0" anchor="ctr"/>
+          <a:lstStyle/>
+          <a:p>
+            <a:pPr algn="ctr"/>
+            <a:endParaRPr lang="en-US"/>
+          </a:p>
+        </p:txBody>
+      </p:sp>
+      <p:sp>
+        <p:nvSpPr>
+          <p:cNvPr id="12" name="Isosceles Triangle 11">
+            <a:extLst>
+              <a:ext uri="{FF2B5EF4-FFF2-40B4-BE49-F238E27FC236}">
+                <a16:creationId xmlns:a16="http://schemas.microsoft.com/office/drawing/2014/main" id="{A580F890-B085-4E95-96AA-55AEBEC5CE6E}"/>
+              </a:ext>
+              <a:ext uri="{C183D7F6-B498-43B3-948B-1728B52AA6E4}">
+                <adec:decorative xmlns:adec="http://schemas.microsoft.com/office/drawing/2017/decorative" val="1"/>
+              </a:ext>
+            </a:extLst>
+          </p:cNvPr>
+          <p:cNvSpPr>
+            <a:spLocks noGrp="1" noRot="1" noChangeAspect="1" noMove="1" noResize="1" noEditPoints="1" noAdjustHandles="1" noChangeArrowheads="1" noChangeShapeType="1" noTextEdit="1"/>
+          </p:cNvSpPr>
+          <p:nvPr>
+            <p:extLst>
+              <p:ext uri="{386F3935-93C4-4BCD-93E2-E3B085C9AB24}">
+                <p16:designElem xmlns:p16="http://schemas.microsoft.com/office/powerpoint/2015/main" val="1"/>
+              </p:ext>
+            </p:extLst>
+          </p:nvPr>
+        </p:nvSpPr>
+        <p:spPr>
+          <a:xfrm rot="16200000">
+            <a:off x="10289068" y="1343027"/>
+            <a:ext cx="2532832" cy="1273032"/>
+          </a:xfrm>
+          <a:prstGeom prst="triangle">
+            <a:avLst>
+              <a:gd name="adj" fmla="val 50000"/>
+            </a:avLst>
+          </a:prstGeom>
+          <a:solidFill>
+            <a:schemeClr val="accent4">
+              <a:alpha val="30000"/>
+            </a:schemeClr>
+          </a:solidFill>
+          <a:ln>
+            <a:noFill/>
+          </a:ln>
+        </p:spPr>
+        <p:style>
+          <a:lnRef idx="2">
+            <a:schemeClr val="accent1">
+              <a:shade val="50000"/>
+            </a:schemeClr>
+          </a:lnRef>
+          <a:fillRef idx="1">
+            <a:schemeClr val="accent1"/>
+          </a:fillRef>
+          <a:effectRef idx="0">
+            <a:schemeClr val="accent1"/>
+          </a:effectRef>
+          <a:fontRef idx="minor">
+            <a:schemeClr val="lt1"/>
+          </a:fontRef>
+        </p:style>
+        <p:txBody>
+          <a:bodyPr rtlCol="0" anchor="ctr"/>
+          <a:lstStyle/>
+          <a:p>
+            <a:pPr algn="ctr"/>
+            <a:endParaRPr lang="en-US"/>
+          </a:p>
+        </p:txBody>
+      </p:sp>
+      <p:sp>
+        <p:nvSpPr>
+          <p:cNvPr id="14" name="Isosceles Triangle 13">
+            <a:extLst>
+              <a:ext uri="{FF2B5EF4-FFF2-40B4-BE49-F238E27FC236}">
+                <a16:creationId xmlns:a16="http://schemas.microsoft.com/office/drawing/2014/main" id="{D3F51FEB-38FB-4F6C-9F7B-2F2AFAB65463}"/>
+              </a:ext>
+              <a:ext uri="{C183D7F6-B498-43B3-948B-1728B52AA6E4}">
+                <adec:decorative xmlns:adec="http://schemas.microsoft.com/office/drawing/2017/decorative" val="1"/>
+              </a:ext>
+            </a:extLst>
+          </p:cNvPr>
+          <p:cNvSpPr>
+            <a:spLocks noGrp="1" noRot="1" noChangeAspect="1" noMove="1" noResize="1" noEditPoints="1" noAdjustHandles="1" noChangeArrowheads="1" noChangeShapeType="1" noTextEdit="1"/>
+          </p:cNvSpPr>
+          <p:nvPr>
+            <p:extLst>
+              <p:ext uri="{386F3935-93C4-4BCD-93E2-E3B085C9AB24}">
+                <p16:designElem xmlns:p16="http://schemas.microsoft.com/office/powerpoint/2015/main" val="1"/>
+              </p:ext>
+            </p:extLst>
+          </p:nvPr>
+        </p:nvSpPr>
+        <p:spPr>
+          <a:xfrm rot="5400000">
+            <a:off x="-501760" y="5103257"/>
+            <a:ext cx="2017580" cy="1014060"/>
+          </a:xfrm>
+          <a:prstGeom prst="triangle">
+            <a:avLst>
+              <a:gd name="adj" fmla="val 50000"/>
+            </a:avLst>
+          </a:prstGeom>
+          <a:solidFill>
+            <a:schemeClr val="accent1">
+              <a:alpha val="30000"/>
+            </a:schemeClr>
+          </a:solidFill>
+          <a:ln>
+            <a:noFill/>
+          </a:ln>
+        </p:spPr>
+        <p:style>
+          <a:lnRef idx="2">
+            <a:schemeClr val="accent1">
+              <a:shade val="50000"/>
+            </a:schemeClr>
+          </a:lnRef>
+          <a:fillRef idx="1">
+            <a:schemeClr val="accent1"/>
+          </a:fillRef>
+          <a:effectRef idx="0">
+            <a:schemeClr val="accent1"/>
+          </a:effectRef>
+          <a:fontRef idx="minor">
+            <a:schemeClr val="lt1"/>
+          </a:fontRef>
+        </p:style>
+        <p:txBody>
+          <a:bodyPr wrap="square" rtlCol="0" anchor="ctr">
+            <a:noAutofit/>
+          </a:bodyPr>
+          <a:lstStyle/>
+          <a:p>
+            <a:pPr algn="ctr"/>
+            <a:endParaRPr lang="en-US"/>
+          </a:p>
+        </p:txBody>
+      </p:sp>
+      <p:sp>
+        <p:nvSpPr>
+          <p:cNvPr id="16" name="Rectangle 15">
+            <a:extLst>
+              <a:ext uri="{FF2B5EF4-FFF2-40B4-BE49-F238E27FC236}">
+                <a16:creationId xmlns:a16="http://schemas.microsoft.com/office/drawing/2014/main" id="{1E547BA6-BAE0-43BB-A7CA-60F69CE252F0}"/>
+              </a:ext>
+              <a:ext uri="{C183D7F6-B498-43B3-948B-1728B52AA6E4}">
+                <adec:decorative xmlns:adec="http://schemas.microsoft.com/office/drawing/2017/decorative" val="1"/>
+              </a:ext>
+            </a:extLst>
+          </p:cNvPr>
+          <p:cNvSpPr>
+            <a:spLocks noGrp="1" noRot="1" noChangeAspect="1" noMove="1" noResize="1" noEditPoints="1" noAdjustHandles="1" noChangeArrowheads="1" noChangeShapeType="1" noTextEdit="1"/>
+          </p:cNvSpPr>
+          <p:nvPr>
+            <p:extLst>
+              <p:ext uri="{386F3935-93C4-4BCD-93E2-E3B085C9AB24}">
+                <p16:designElem xmlns:p16="http://schemas.microsoft.com/office/powerpoint/2015/main" val="1"/>
+              </p:ext>
+            </p:extLst>
+          </p:nvPr>
+        </p:nvSpPr>
+        <p:spPr>
+          <a:xfrm rot="2700000">
+            <a:off x="427916" y="5728708"/>
+            <a:ext cx="485578" cy="485578"/>
+          </a:xfrm>
+          <a:prstGeom prst="rect">
+            <a:avLst/>
+          </a:prstGeom>
+          <a:solidFill>
+            <a:schemeClr val="accent1">
+              <a:alpha val="30000"/>
+            </a:schemeClr>
+          </a:solidFill>
+          <a:ln>
+            <a:noFill/>
+          </a:ln>
+        </p:spPr>
+        <p:style>
+          <a:lnRef idx="2">
+            <a:schemeClr val="accent1">
+              <a:shade val="50000"/>
+            </a:schemeClr>
+          </a:lnRef>
+          <a:fillRef idx="1">
+            <a:schemeClr val="accent1"/>
+          </a:fillRef>
+          <a:effectRef idx="0">
+            <a:schemeClr val="accent1"/>
+          </a:effectRef>
+          <a:fontRef idx="minor">
+            <a:schemeClr val="lt1"/>
+          </a:fontRef>
+        </p:style>
+        <p:txBody>
+          <a:bodyPr wrap="square" rtlCol="0" anchor="ctr">
+            <a:noAutofit/>
+          </a:bodyPr>
+          <a:lstStyle/>
+          <a:p>
+            <a:pPr algn="ctr"/>
+            <a:endParaRPr lang="en-US"/>
+          </a:p>
+        </p:txBody>
+      </p:sp>
+      <p:sp>
+        <p:nvSpPr>
+          <p:cNvPr id="9" name="Прямоугольник 8">
+            <a:extLst>
+              <a:ext uri="{FF2B5EF4-FFF2-40B4-BE49-F238E27FC236}">
+                <a16:creationId xmlns:a16="http://schemas.microsoft.com/office/drawing/2014/main" id="{D70EF061-B8A7-4220-8ACB-FF9B5D753341}"/>
+              </a:ext>
+            </a:extLst>
+          </p:cNvPr>
+          <p:cNvSpPr/>
+          <p:nvPr/>
+        </p:nvSpPr>
+        <p:spPr>
+          <a:xfrm>
+            <a:off x="11007253" y="6466177"/>
+            <a:ext cx="1184748" cy="369332"/>
+          </a:xfrm>
+          <a:prstGeom prst="rect">
+            <a:avLst/>
+          </a:prstGeom>
+        </p:spPr>
+        <p:txBody>
+          <a:bodyPr wrap="none">
+            <a:spAutoFit/>
+          </a:bodyPr>
+          <a:lstStyle/>
+          <a:p>
+            <a:r>
+              <a:rPr lang="ru-RU" dirty="0" err="1"/>
+              <a:t>Домен.РФ</a:t>
+            </a:r>
+            <a:endParaRPr lang="ru-RU" dirty="0"/>
+          </a:p>
+        </p:txBody>
+      </p:sp>
+    </p:spTree>
+    <p:extLst>
+      <p:ext uri="{BB962C8B-B14F-4D97-AF65-F5344CB8AC3E}">
+        <p14:creationId xmlns:p14="http://schemas.microsoft.com/office/powerpoint/2010/main" val="4270710040"/>
       </p:ext>
     </p:extLst>
   </p:cSld>

--- a/Презентация_Команда Scrypted_кейс1.pptx
+++ b/Презентация_Команда Scrypted_кейс1.pptx
@@ -15,10 +15,9 @@
     <p:sldId id="265" r:id="rId9"/>
     <p:sldId id="259" r:id="rId10"/>
     <p:sldId id="262" r:id="rId11"/>
-    <p:sldId id="266" r:id="rId12"/>
-    <p:sldId id="267" r:id="rId13"/>
-    <p:sldId id="260" r:id="rId14"/>
-    <p:sldId id="263" r:id="rId15"/>
+    <p:sldId id="267" r:id="rId12"/>
+    <p:sldId id="260" r:id="rId13"/>
+    <p:sldId id="263" r:id="rId14"/>
   </p:sldIdLst>
   <p:sldSz cx="12192000" cy="6858000"/>
   <p:notesSz cx="6858000" cy="9144000"/>
@@ -117,6 +116,11 @@
       </a:defRPr>
     </a:lvl9pPr>
   </p:defaultTextStyle>
+  <p:extLst>
+    <p:ext uri="{EFAFB233-063F-42B5-8137-9DF3F51BA10A}">
+      <p15:sldGuideLst xmlns:p15="http://schemas.microsoft.com/office/powerpoint/2012/main"/>
+    </p:ext>
+  </p:extLst>
 </p:presentation>
 </file>
 
@@ -3357,39 +3361,6 @@
       </p:grpSpPr>
       <p:sp>
         <p:nvSpPr>
-          <p:cNvPr id="2" name="Заголовок 1">
-            <a:extLst>
-              <a:ext uri="{FF2B5EF4-FFF2-40B4-BE49-F238E27FC236}">
-                <a16:creationId xmlns:a16="http://schemas.microsoft.com/office/drawing/2014/main" id="{FC4BC3EB-FC4C-49E8-A923-F83F833CAD01}"/>
-              </a:ext>
-            </a:extLst>
-          </p:cNvPr>
-          <p:cNvSpPr>
-            <a:spLocks noGrp="1"/>
-          </p:cNvSpPr>
-          <p:nvPr>
-            <p:ph type="ctrTitle"/>
-          </p:nvPr>
-        </p:nvSpPr>
-        <p:spPr/>
-        <p:txBody>
-          <a:bodyPr/>
-          <a:lstStyle/>
-          <a:p>
-            <a:r>
-              <a:rPr lang="ru-RU" dirty="0"/>
-              <a:t>Команда </a:t>
-            </a:r>
-            <a:r>
-              <a:rPr lang="en-US" dirty="0" err="1"/>
-              <a:t>Scrypted</a:t>
-            </a:r>
-            <a:endParaRPr lang="en-US" dirty="0"/>
-          </a:p>
-        </p:txBody>
-      </p:sp>
-      <p:sp>
-        <p:nvSpPr>
           <p:cNvPr id="3" name="Подзаголовок 2">
             <a:extLst>
               <a:ext uri="{FF2B5EF4-FFF2-40B4-BE49-F238E27FC236}">
@@ -3460,6 +3431,165 @@
               <a:t>Домен.РФ</a:t>
             </a:r>
             <a:endParaRPr lang="ru-RU" dirty="0"/>
+          </a:p>
+        </p:txBody>
+      </p:sp>
+      <p:pic>
+        <p:nvPicPr>
+          <p:cNvPr id="5" name="Рисунок 4">
+            <a:extLst>
+              <a:ext uri="{FF2B5EF4-FFF2-40B4-BE49-F238E27FC236}">
+                <a16:creationId xmlns:a16="http://schemas.microsoft.com/office/drawing/2014/main" id="{F6954A7D-4192-4BF4-A32F-6B29F1E5CB45}"/>
+              </a:ext>
+            </a:extLst>
+          </p:cNvPr>
+          <p:cNvPicPr>
+            <a:picLocks noChangeAspect="1"/>
+          </p:cNvPicPr>
+          <p:nvPr/>
+        </p:nvPicPr>
+        <p:blipFill>
+          <a:blip r:embed="rId2">
+            <a:extLst>
+              <a:ext uri="{28A0092B-C50C-407E-A947-70E740481C1C}">
+                <a14:useLocalDpi xmlns:a14="http://schemas.microsoft.com/office/drawing/2010/main" val="0"/>
+              </a:ext>
+            </a:extLst>
+          </a:blip>
+          <a:stretch>
+            <a:fillRect/>
+          </a:stretch>
+        </p:blipFill>
+        <p:spPr>
+          <a:xfrm>
+            <a:off x="2286476" y="1384479"/>
+            <a:ext cx="7619047" cy="2869841"/>
+          </a:xfrm>
+          <a:prstGeom prst="rect">
+            <a:avLst/>
+          </a:prstGeom>
+        </p:spPr>
+      </p:pic>
+      <p:pic>
+        <p:nvPicPr>
+          <p:cNvPr id="6" name="Picture 2" descr="ÐÐ°ÑÑÐ¸Ð½ÐºÐ¸ Ð¿Ð¾ Ð·Ð°Ð¿ÑÐ¾ÑÑ ÑÐ¸ÑÑÐ¾Ð²Ð¾Ð¹ Ð¿ÑÐ¾ÑÑÐ² png">
+            <a:extLst>
+              <a:ext uri="{FF2B5EF4-FFF2-40B4-BE49-F238E27FC236}">
+                <a16:creationId xmlns:a16="http://schemas.microsoft.com/office/drawing/2014/main" id="{6D5B5B3C-71E9-456D-A68B-29AF9B191D27}"/>
+              </a:ext>
+            </a:extLst>
+          </p:cNvPr>
+          <p:cNvPicPr>
+            <a:picLocks noChangeAspect="1" noChangeArrowheads="1"/>
+          </p:cNvPicPr>
+          <p:nvPr/>
+        </p:nvPicPr>
+        <p:blipFill rotWithShape="1">
+          <a:blip r:embed="rId3">
+            <a:extLst>
+              <a:ext uri="{28A0092B-C50C-407E-A947-70E740481C1C}">
+                <a14:useLocalDpi xmlns:a14="http://schemas.microsoft.com/office/drawing/2010/main" val="0"/>
+              </a:ext>
+            </a:extLst>
+          </a:blip>
+          <a:srcRect t="15798"/>
+          <a:stretch/>
+        </p:blipFill>
+        <p:spPr bwMode="auto">
+          <a:xfrm>
+            <a:off x="349732" y="252278"/>
+            <a:ext cx="1936744" cy="885515"/>
+          </a:xfrm>
+          <a:prstGeom prst="rect">
+            <a:avLst/>
+          </a:prstGeom>
+          <a:noFill/>
+          <a:extLst>
+            <a:ext uri="{909E8E84-426E-40DD-AFC4-6F175D3DCCD1}">
+              <a14:hiddenFill xmlns:a14="http://schemas.microsoft.com/office/drawing/2010/main">
+                <a:solidFill>
+                  <a:srgbClr val="FFFFFF"/>
+                </a:solidFill>
+              </a14:hiddenFill>
+            </a:ext>
+          </a:extLst>
+        </p:spPr>
+      </p:pic>
+      <p:sp>
+        <p:nvSpPr>
+          <p:cNvPr id="7" name="Прямоугольник 6">
+            <a:extLst>
+              <a:ext uri="{FF2B5EF4-FFF2-40B4-BE49-F238E27FC236}">
+                <a16:creationId xmlns:a16="http://schemas.microsoft.com/office/drawing/2014/main" id="{E9440525-2B29-4AD8-9356-5FD4B4E3C361}"/>
+              </a:ext>
+            </a:extLst>
+          </p:cNvPr>
+          <p:cNvSpPr/>
+          <p:nvPr/>
+        </p:nvSpPr>
+        <p:spPr>
+          <a:xfrm>
+            <a:off x="2484582" y="371869"/>
+            <a:ext cx="6096000" cy="646331"/>
+          </a:xfrm>
+          <a:prstGeom prst="rect">
+            <a:avLst/>
+          </a:prstGeom>
+        </p:spPr>
+        <p:txBody>
+          <a:bodyPr>
+            <a:spAutoFit/>
+          </a:bodyPr>
+          <a:lstStyle/>
+          <a:p>
+            <a:r>
+              <a:rPr lang="ru-RU" dirty="0"/>
+              <a:t>Универсальное принятие доменных имен и</a:t>
+            </a:r>
+          </a:p>
+          <a:p>
+            <a:r>
+              <a:rPr lang="ru-RU" dirty="0"/>
+              <a:t>почтовых адресов в приложениях и сервисах</a:t>
+            </a:r>
+            <a:endParaRPr lang="en-US" dirty="0"/>
+          </a:p>
+        </p:txBody>
+      </p:sp>
+      <p:sp>
+        <p:nvSpPr>
+          <p:cNvPr id="8" name="Прямоугольник 7">
+            <a:extLst>
+              <a:ext uri="{FF2B5EF4-FFF2-40B4-BE49-F238E27FC236}">
+                <a16:creationId xmlns:a16="http://schemas.microsoft.com/office/drawing/2014/main" id="{9257D594-4C85-4BF0-8FF1-D6CE099C8D08}"/>
+              </a:ext>
+            </a:extLst>
+          </p:cNvPr>
+          <p:cNvSpPr/>
+          <p:nvPr/>
+        </p:nvSpPr>
+        <p:spPr>
+          <a:xfrm>
+            <a:off x="4041398" y="4888468"/>
+            <a:ext cx="4109202" cy="369332"/>
+          </a:xfrm>
+          <a:prstGeom prst="rect">
+            <a:avLst/>
+          </a:prstGeom>
+        </p:spPr>
+        <p:txBody>
+          <a:bodyPr wrap="none">
+            <a:spAutoFit/>
+          </a:bodyPr>
+          <a:lstStyle/>
+          <a:p>
+            <a:r>
+              <a:rPr lang="en-US" dirty="0">
+                <a:hlinkClick r:id="rId4"/>
+              </a:rPr>
+              <a:t>https://github.com/alexklippe/scryptedv2</a:t>
+            </a:r>
+            <a:endParaRPr lang="en-US" dirty="0"/>
           </a:p>
         </p:txBody>
       </p:sp>
@@ -4146,6 +4276,16 @@
               <a:t>для проверки почтового адреса.</a:t>
             </a:r>
           </a:p>
+          <a:p>
+            <a:r>
+              <a:rPr lang="en-US" sz="2000" dirty="0"/>
+              <a:t>OAuth </a:t>
+            </a:r>
+            <a:r>
+              <a:rPr lang="ru-RU" sz="2000" dirty="0"/>
+              <a:t>для авторизации с помощью сервиса.</a:t>
+            </a:r>
+          </a:p>
         </p:txBody>
       </p:sp>
       <p:sp>
@@ -4421,7 +4561,7 @@
           <p:cNvPr id="9" name="Прямоугольник 8">
             <a:extLst>
               <a:ext uri="{FF2B5EF4-FFF2-40B4-BE49-F238E27FC236}">
-                <a16:creationId xmlns:a16="http://schemas.microsoft.com/office/drawing/2014/main" id="{3712C324-CF64-4BA9-B4C7-3C40E98046F7}"/>
+                <a16:creationId xmlns:a16="http://schemas.microsoft.com/office/drawing/2014/main" id="{756DF657-B73A-450F-82F0-F9DD525ED4FA}"/>
               </a:ext>
             </a:extLst>
           </p:cNvPr>
@@ -4454,7 +4594,7 @@
     </p:spTree>
     <p:extLst>
       <p:ext uri="{BB962C8B-B14F-4D97-AF65-F5344CB8AC3E}">
-        <p14:creationId xmlns:p14="http://schemas.microsoft.com/office/powerpoint/2010/main" val="3847784540"/>
+        <p14:creationId xmlns:p14="http://schemas.microsoft.com/office/powerpoint/2010/main" val="4040384343"/>
       </p:ext>
     </p:extLst>
   </p:cSld>
@@ -4582,7 +4722,7 @@
           <a:p>
             <a:r>
               <a:rPr lang="ru-RU" sz="3600" dirty="0"/>
-              <a:t>Интеграция</a:t>
+              <a:t>Трудозатраты</a:t>
             </a:r>
             <a:endParaRPr lang="en-US" sz="3600" dirty="0"/>
           </a:p>
@@ -4617,30 +4757,89 @@
           <a:lstStyle/>
           <a:p>
             <a:r>
+              <a:rPr lang="ru-RU" sz="2000" dirty="0"/>
+              <a:t>Изучение возможности применения имеющихся Фреймворков 20 часов.</a:t>
+            </a:r>
+          </a:p>
+          <a:p>
+            <a:r>
+              <a:rPr lang="ru-RU" sz="2000" dirty="0"/>
+              <a:t>Доработка Фреймворков</a:t>
+            </a:r>
+            <a:r>
               <a:rPr lang="en-US" sz="2000" dirty="0"/>
-              <a:t>API </a:t>
+              <a:t> </a:t>
             </a:r>
             <a:r>
               <a:rPr lang="ru-RU" sz="2000" dirty="0"/>
-              <a:t>для внедрения в существующие ИТ системы </a:t>
-            </a:r>
-            <a:r>
-              <a:rPr lang="ru-RU" sz="2000" dirty="0" err="1"/>
-              <a:t>гос</a:t>
-            </a:r>
+              <a:t>обработки кириллических доменов либо создание своего 20 часов.</a:t>
+            </a:r>
+          </a:p>
+          <a:p>
             <a:r>
               <a:rPr lang="ru-RU" sz="2000" dirty="0"/>
-              <a:t> служб.</a:t>
-            </a:r>
-          </a:p>
-          <a:p>
+              <a:t>Создания фронт бэк, </a:t>
+            </a:r>
             <a:r>
               <a:rPr lang="en-US" sz="2000" dirty="0"/>
-              <a:t>API </a:t>
+              <a:t>API – </a:t>
             </a:r>
             <a:r>
               <a:rPr lang="ru-RU" sz="2000" dirty="0"/>
-              <a:t>для проверки почтового адреса.</a:t>
+              <a:t>40 часов</a:t>
+            </a:r>
+          </a:p>
+          <a:p>
+            <a:r>
+              <a:rPr lang="ru-RU" sz="2000" dirty="0"/>
+              <a:t>Создания портала бэк-офис 40 часов.</a:t>
+            </a:r>
+          </a:p>
+          <a:p>
+            <a:r>
+              <a:rPr lang="ru-RU" sz="2000" dirty="0"/>
+              <a:t>Создание клиентской (Фронт) части портала уведомлений 10 часов.</a:t>
+            </a:r>
+          </a:p>
+          <a:p>
+            <a:r>
+              <a:rPr lang="ru-RU" sz="2000" dirty="0"/>
+              <a:t>Создание мобильного приложения взаимодействующее с </a:t>
+            </a:r>
+            <a:r>
+              <a:rPr lang="en-US" sz="2000" dirty="0"/>
+              <a:t>API.</a:t>
+            </a:r>
+            <a:endParaRPr lang="ru-RU" sz="2000" dirty="0"/>
+          </a:p>
+          <a:p>
+            <a:r>
+              <a:rPr lang="ru-RU" sz="2000" dirty="0"/>
+              <a:t>Доработка открытой почтовой системы 80 часов.</a:t>
+            </a:r>
+          </a:p>
+          <a:p>
+            <a:r>
+              <a:rPr lang="ru-RU" sz="2000" dirty="0"/>
+              <a:t>Внедрение почтовой системы 20 часов.</a:t>
+            </a:r>
+          </a:p>
+          <a:p>
+            <a:r>
+              <a:rPr lang="ru-RU" sz="2000" dirty="0"/>
+              <a:t>Тестирование и исправление 40 часов.</a:t>
+            </a:r>
+          </a:p>
+          <a:p>
+            <a:r>
+              <a:rPr lang="ru-RU" sz="2000" dirty="0"/>
+              <a:t>Контейнеризация, автоматизация распределения нагрузок 32 часа.</a:t>
+            </a:r>
+          </a:p>
+          <a:p>
+            <a:r>
+              <a:rPr lang="ru-RU" sz="2000" dirty="0"/>
+              <a:t>Переход в боевой режим через 3 месяца при команде в 5 человек.</a:t>
             </a:r>
           </a:p>
         </p:txBody>
@@ -4918,7 +5117,7 @@
           <p:cNvPr id="9" name="Прямоугольник 8">
             <a:extLst>
               <a:ext uri="{FF2B5EF4-FFF2-40B4-BE49-F238E27FC236}">
-                <a16:creationId xmlns:a16="http://schemas.microsoft.com/office/drawing/2014/main" id="{756DF657-B73A-450F-82F0-F9DD525ED4FA}"/>
+                <a16:creationId xmlns:a16="http://schemas.microsoft.com/office/drawing/2014/main" id="{BD6FBABE-EB86-446B-9138-B6213E7BCFDE}"/>
               </a:ext>
             </a:extLst>
           </p:cNvPr>
@@ -4951,7 +5150,7 @@
     </p:spTree>
     <p:extLst>
       <p:ext uri="{BB962C8B-B14F-4D97-AF65-F5344CB8AC3E}">
-        <p14:creationId xmlns:p14="http://schemas.microsoft.com/office/powerpoint/2010/main" val="4040384343"/>
+        <p14:creationId xmlns:p14="http://schemas.microsoft.com/office/powerpoint/2010/main" val="2775544889"/>
       </p:ext>
     </p:extLst>
   </p:cSld>
@@ -5079,125 +5278,9 @@
           <a:p>
             <a:r>
               <a:rPr lang="ru-RU" sz="3600" dirty="0"/>
-              <a:t>Реализация</a:t>
+              <a:t>Команда</a:t>
             </a:r>
             <a:endParaRPr lang="en-US" sz="3600" dirty="0"/>
-          </a:p>
-        </p:txBody>
-      </p:sp>
-      <p:sp>
-        <p:nvSpPr>
-          <p:cNvPr id="3" name="Объект 2">
-            <a:extLst>
-              <a:ext uri="{FF2B5EF4-FFF2-40B4-BE49-F238E27FC236}">
-                <a16:creationId xmlns:a16="http://schemas.microsoft.com/office/drawing/2014/main" id="{DC321943-D56E-4D04-B8B9-C2F40998FEFD}"/>
-              </a:ext>
-            </a:extLst>
-          </p:cNvPr>
-          <p:cNvSpPr>
-            <a:spLocks noGrp="1"/>
-          </p:cNvSpPr>
-          <p:nvPr>
-            <p:ph idx="1"/>
-          </p:nvPr>
-        </p:nvSpPr>
-        <p:spPr>
-          <a:xfrm>
-            <a:off x="643467" y="1782981"/>
-            <a:ext cx="10905066" cy="4393982"/>
-          </a:xfrm>
-        </p:spPr>
-        <p:txBody>
-          <a:bodyPr>
-            <a:normAutofit/>
-          </a:bodyPr>
-          <a:lstStyle/>
-          <a:p>
-            <a:r>
-              <a:rPr lang="ru-RU" sz="2000" dirty="0"/>
-              <a:t>Изучение возможности применения имеющихся Фреймворков 20 часов.</a:t>
-            </a:r>
-          </a:p>
-          <a:p>
-            <a:r>
-              <a:rPr lang="ru-RU" sz="2000" dirty="0"/>
-              <a:t>Доработка Фреймворков</a:t>
-            </a:r>
-            <a:r>
-              <a:rPr lang="en-US" sz="2000" dirty="0"/>
-              <a:t> </a:t>
-            </a:r>
-            <a:r>
-              <a:rPr lang="ru-RU" sz="2000" dirty="0"/>
-              <a:t>обработки кириллических доменов либо создание своего 20 часов.</a:t>
-            </a:r>
-          </a:p>
-          <a:p>
-            <a:r>
-              <a:rPr lang="ru-RU" sz="2000" dirty="0"/>
-              <a:t>Создания фронт бэк, </a:t>
-            </a:r>
-            <a:r>
-              <a:rPr lang="en-US" sz="2000" dirty="0"/>
-              <a:t>API – </a:t>
-            </a:r>
-            <a:r>
-              <a:rPr lang="ru-RU" sz="2000" dirty="0"/>
-              <a:t>40 часов</a:t>
-            </a:r>
-          </a:p>
-          <a:p>
-            <a:r>
-              <a:rPr lang="ru-RU" sz="2000" dirty="0"/>
-              <a:t>Создания портала бэк-офис 40 часов.</a:t>
-            </a:r>
-          </a:p>
-          <a:p>
-            <a:r>
-              <a:rPr lang="ru-RU" sz="2000" dirty="0"/>
-              <a:t>Создание клиентской (Фронт) части портала уведомлений 10 часов.</a:t>
-            </a:r>
-          </a:p>
-          <a:p>
-            <a:r>
-              <a:rPr lang="ru-RU" sz="2000" dirty="0"/>
-              <a:t>Создание мобильного приложения взаимодействующее с </a:t>
-            </a:r>
-            <a:r>
-              <a:rPr lang="en-US" sz="2000" dirty="0"/>
-              <a:t>API.</a:t>
-            </a:r>
-            <a:endParaRPr lang="ru-RU" sz="2000" dirty="0"/>
-          </a:p>
-          <a:p>
-            <a:r>
-              <a:rPr lang="ru-RU" sz="2000" dirty="0"/>
-              <a:t>Доработка открытой почтовой системы 80 часов.</a:t>
-            </a:r>
-          </a:p>
-          <a:p>
-            <a:r>
-              <a:rPr lang="ru-RU" sz="2000" dirty="0"/>
-              <a:t>Внедрение почтовой системы 20 часов.</a:t>
-            </a:r>
-          </a:p>
-          <a:p>
-            <a:r>
-              <a:rPr lang="ru-RU" sz="2000" dirty="0"/>
-              <a:t>Тестирование и исправление 40 часов.</a:t>
-            </a:r>
-          </a:p>
-          <a:p>
-            <a:r>
-              <a:rPr lang="ru-RU" sz="2000" dirty="0"/>
-              <a:t>Контейнеризация, автоматизация распределения нагрузок 32 часа.</a:t>
-            </a:r>
-          </a:p>
-          <a:p>
-            <a:r>
-              <a:rPr lang="ru-RU" sz="2000" dirty="0"/>
-              <a:t>Переход в боевой режим через 3 месяца при команде в 5 человек.</a:t>
-            </a:r>
           </a:p>
         </p:txBody>
       </p:sp>
@@ -5474,7 +5557,7 @@
           <p:cNvPr id="9" name="Прямоугольник 8">
             <a:extLst>
               <a:ext uri="{FF2B5EF4-FFF2-40B4-BE49-F238E27FC236}">
-                <a16:creationId xmlns:a16="http://schemas.microsoft.com/office/drawing/2014/main" id="{BD6FBABE-EB86-446B-9138-B6213E7BCFDE}"/>
+                <a16:creationId xmlns:a16="http://schemas.microsoft.com/office/drawing/2014/main" id="{EEAD32AF-CB9A-421B-AE01-72389CE48BC1}"/>
               </a:ext>
             </a:extLst>
           </p:cNvPr>
@@ -5504,517 +5587,1091 @@
           </a:p>
         </p:txBody>
       </p:sp>
-    </p:spTree>
-    <p:extLst>
-      <p:ext uri="{BB962C8B-B14F-4D97-AF65-F5344CB8AC3E}">
-        <p14:creationId xmlns:p14="http://schemas.microsoft.com/office/powerpoint/2010/main" val="2775544889"/>
-      </p:ext>
-    </p:extLst>
-  </p:cSld>
-  <p:clrMapOvr>
-    <a:masterClrMapping/>
-  </p:clrMapOvr>
-</p:sld>
-</file>
-
-<file path=ppt/slides/slide14.xml><?xml version="1.0" encoding="utf-8"?>
-<p:sld xmlns:a="http://schemas.openxmlformats.org/drawingml/2006/main" xmlns:r="http://schemas.openxmlformats.org/officeDocument/2006/relationships" xmlns:p="http://schemas.openxmlformats.org/presentationml/2006/main">
-  <p:cSld>
-    <p:bg>
-      <p:bgPr>
-        <a:solidFill>
-          <a:schemeClr val="bg1"/>
-        </a:solidFill>
-        <a:effectLst/>
-      </p:bgPr>
-    </p:bg>
-    <p:spTree>
-      <p:nvGrpSpPr>
-        <p:cNvPr id="1" name=""/>
-        <p:cNvGrpSpPr/>
-        <p:nvPr/>
-      </p:nvGrpSpPr>
-      <p:grpSpPr>
-        <a:xfrm>
-          <a:off x="0" y="0"/>
-          <a:ext cx="0" cy="0"/>
-          <a:chOff x="0" y="0"/>
-          <a:chExt cx="0" cy="0"/>
-        </a:xfrm>
-      </p:grpSpPr>
-      <p:sp>
-        <p:nvSpPr>
-          <p:cNvPr id="8" name="Rectangle 7">
-            <a:extLst>
-              <a:ext uri="{FF2B5EF4-FFF2-40B4-BE49-F238E27FC236}">
-                <a16:creationId xmlns:a16="http://schemas.microsoft.com/office/drawing/2014/main" id="{2B566528-1B12-4246-9431-5C2D7D081168}"/>
-              </a:ext>
-              <a:ext uri="{C183D7F6-B498-43B3-948B-1728B52AA6E4}">
-                <adec:decorative xmlns:adec="http://schemas.microsoft.com/office/drawing/2017/decorative" val="1"/>
-              </a:ext>
-            </a:extLst>
-          </p:cNvPr>
-          <p:cNvSpPr>
-            <a:spLocks noGrp="1" noRot="1" noChangeAspect="1" noMove="1" noResize="1" noEditPoints="1" noAdjustHandles="1" noChangeArrowheads="1" noChangeShapeType="1" noTextEdit="1"/>
-          </p:cNvSpPr>
-          <p:nvPr>
-            <p:extLst>
-              <p:ext uri="{386F3935-93C4-4BCD-93E2-E3B085C9AB24}">
-                <p16:designElem xmlns:p16="http://schemas.microsoft.com/office/powerpoint/2015/main" val="1"/>
-              </p:ext>
-            </p:extLst>
-          </p:nvPr>
-        </p:nvSpPr>
+      <p:pic>
+        <p:nvPicPr>
+          <p:cNvPr id="11" name="Google Shape;197;p23">
+            <a:extLst>
+              <a:ext uri="{FF2B5EF4-FFF2-40B4-BE49-F238E27FC236}">
+                <a16:creationId xmlns:a16="http://schemas.microsoft.com/office/drawing/2014/main" id="{3DFA7992-876E-4DC4-8268-A42F33E4755B}"/>
+              </a:ext>
+            </a:extLst>
+          </p:cNvPr>
+          <p:cNvPicPr preferRelativeResize="0"/>
+          <p:nvPr/>
+        </p:nvPicPr>
+        <p:blipFill>
+          <a:blip r:embed="rId2">
+            <a:extLst>
+              <a:ext uri="{28A0092B-C50C-407E-A947-70E740481C1C}">
+                <a14:useLocalDpi xmlns:a14="http://schemas.microsoft.com/office/drawing/2010/main" val="0"/>
+              </a:ext>
+            </a:extLst>
+          </a:blip>
+          <a:stretch>
+            <a:fillRect/>
+          </a:stretch>
+        </p:blipFill>
         <p:spPr>
           <a:xfrm>
-            <a:off x="0" y="0"/>
-            <a:ext cx="12192000" cy="6858000"/>
+            <a:off x="3110989" y="1601659"/>
+            <a:ext cx="1644300" cy="1644300"/>
+          </a:xfrm>
+          <a:prstGeom prst="ellipse">
+            <a:avLst/>
+          </a:prstGeom>
+          <a:noFill/>
+          <a:ln>
+            <a:noFill/>
+          </a:ln>
+        </p:spPr>
+      </p:pic>
+      <p:pic>
+        <p:nvPicPr>
+          <p:cNvPr id="13" name="Google Shape;199;p23">
+            <a:extLst>
+              <a:ext uri="{FF2B5EF4-FFF2-40B4-BE49-F238E27FC236}">
+                <a16:creationId xmlns:a16="http://schemas.microsoft.com/office/drawing/2014/main" id="{632E421D-CA94-4770-A70F-231C19FEFBE5}"/>
+              </a:ext>
+            </a:extLst>
+          </p:cNvPr>
+          <p:cNvPicPr preferRelativeResize="0"/>
+          <p:nvPr/>
+        </p:nvPicPr>
+        <p:blipFill>
+          <a:blip r:embed="rId3">
+            <a:extLst>
+              <a:ext uri="{28A0092B-C50C-407E-A947-70E740481C1C}">
+                <a14:useLocalDpi xmlns:a14="http://schemas.microsoft.com/office/drawing/2010/main" val="0"/>
+              </a:ext>
+            </a:extLst>
+          </a:blip>
+          <a:stretch>
+            <a:fillRect/>
+          </a:stretch>
+        </p:blipFill>
+        <p:spPr>
+          <a:xfrm>
+            <a:off x="4950915" y="1601659"/>
+            <a:ext cx="1644300" cy="1644300"/>
+          </a:xfrm>
+          <a:prstGeom prst="ellipse">
+            <a:avLst/>
+          </a:prstGeom>
+          <a:noFill/>
+          <a:ln>
+            <a:noFill/>
+          </a:ln>
+        </p:spPr>
+      </p:pic>
+      <p:pic>
+        <p:nvPicPr>
+          <p:cNvPr id="15" name="Google Shape;199;p23">
+            <a:extLst>
+              <a:ext uri="{FF2B5EF4-FFF2-40B4-BE49-F238E27FC236}">
+                <a16:creationId xmlns:a16="http://schemas.microsoft.com/office/drawing/2014/main" id="{E84582A9-23C6-417D-8E23-50F8B3812C0E}"/>
+              </a:ext>
+            </a:extLst>
+          </p:cNvPr>
+          <p:cNvPicPr preferRelativeResize="0"/>
+          <p:nvPr/>
+        </p:nvPicPr>
+        <p:blipFill>
+          <a:blip r:embed="rId4">
+            <a:extLst>
+              <a:ext uri="{28A0092B-C50C-407E-A947-70E740481C1C}">
+                <a14:useLocalDpi xmlns:a14="http://schemas.microsoft.com/office/drawing/2010/main" val="0"/>
+              </a:ext>
+            </a:extLst>
+          </a:blip>
+          <a:stretch>
+            <a:fillRect/>
+          </a:stretch>
+        </p:blipFill>
+        <p:spPr>
+          <a:xfrm>
+            <a:off x="6807146" y="1616222"/>
+            <a:ext cx="1644300" cy="1644300"/>
+          </a:xfrm>
+          <a:prstGeom prst="ellipse">
+            <a:avLst/>
+          </a:prstGeom>
+          <a:noFill/>
+          <a:ln>
+            <a:noFill/>
+          </a:ln>
+        </p:spPr>
+      </p:pic>
+      <p:sp>
+        <p:nvSpPr>
+          <p:cNvPr id="20" name="Google Shape;200;p23">
+            <a:extLst>
+              <a:ext uri="{FF2B5EF4-FFF2-40B4-BE49-F238E27FC236}">
+                <a16:creationId xmlns:a16="http://schemas.microsoft.com/office/drawing/2014/main" id="{9696A120-3AE6-41C5-8101-4FECAB433B06}"/>
+              </a:ext>
+            </a:extLst>
+          </p:cNvPr>
+          <p:cNvSpPr txBox="1">
+            <a:spLocks/>
+          </p:cNvSpPr>
+          <p:nvPr/>
+        </p:nvSpPr>
+        <p:spPr>
+          <a:xfrm>
+            <a:off x="2844439" y="3318249"/>
+            <a:ext cx="2177400" cy="436200"/>
           </a:xfrm>
           <a:prstGeom prst="rect">
             <a:avLst/>
           </a:prstGeom>
-          <a:solidFill>
-            <a:schemeClr val="bg1"/>
-          </a:solidFill>
+          <a:noFill/>
           <a:ln>
             <a:noFill/>
           </a:ln>
         </p:spPr>
-        <p:style>
-          <a:lnRef idx="2">
-            <a:schemeClr val="accent1">
-              <a:shade val="50000"/>
-            </a:schemeClr>
-          </a:lnRef>
-          <a:fillRef idx="1">
-            <a:schemeClr val="accent1"/>
-          </a:fillRef>
-          <a:effectRef idx="0">
-            <a:schemeClr val="accent1"/>
-          </a:effectRef>
-          <a:fontRef idx="minor">
-            <a:schemeClr val="lt1"/>
-          </a:fontRef>
-        </p:style>
-        <p:txBody>
-          <a:bodyPr rtlCol="0" anchor="ctr"/>
-          <a:lstStyle/>
-          <a:p>
-            <a:pPr algn="ctr"/>
-            <a:endParaRPr lang="en-US" dirty="0"/>
-          </a:p>
-        </p:txBody>
-      </p:sp>
-      <p:sp>
-        <p:nvSpPr>
-          <p:cNvPr id="2" name="Заголовок 1">
-            <a:extLst>
-              <a:ext uri="{FF2B5EF4-FFF2-40B4-BE49-F238E27FC236}">
-                <a16:creationId xmlns:a16="http://schemas.microsoft.com/office/drawing/2014/main" id="{DDE03C63-9E5D-4122-9080-9823B4EFD0AC}"/>
-              </a:ext>
-            </a:extLst>
-          </p:cNvPr>
-          <p:cNvSpPr>
-            <a:spLocks noGrp="1"/>
-          </p:cNvSpPr>
-          <p:nvPr>
-            <p:ph type="title"/>
-          </p:nvPr>
+        <p:txBody>
+          <a:bodyPr spcFirstLastPara="1" wrap="square" lIns="91425" tIns="91425" rIns="91425" bIns="91425" anchor="t" anchorCtr="0">
+            <a:noAutofit/>
+          </a:bodyPr>
+          <a:lstStyle>
+            <a:defPPr marR="0" lvl="0" algn="l" rtl="0">
+              <a:lnSpc>
+                <a:spcPct val="100000"/>
+              </a:lnSpc>
+              <a:spcBef>
+                <a:spcPts val="0"/>
+              </a:spcBef>
+              <a:spcAft>
+                <a:spcPts val="0"/>
+              </a:spcAft>
+            </a:defPPr>
+            <a:lvl1pPr marR="0" lvl="0" algn="l" rtl="0">
+              <a:lnSpc>
+                <a:spcPct val="100000"/>
+              </a:lnSpc>
+              <a:spcBef>
+                <a:spcPts val="0"/>
+              </a:spcBef>
+              <a:spcAft>
+                <a:spcPts val="0"/>
+              </a:spcAft>
+              <a:buClr>
+                <a:srgbClr val="000000"/>
+              </a:buClr>
+              <a:buFont typeface="Arial"/>
+              <a:defRPr sz="1400" b="0" i="0" u="none" strike="noStrike" cap="none">
+                <a:solidFill>
+                  <a:srgbClr val="000000"/>
+                </a:solidFill>
+                <a:latin typeface="Arial"/>
+                <a:ea typeface="Arial"/>
+                <a:cs typeface="Arial"/>
+                <a:sym typeface="Arial"/>
+              </a:defRPr>
+            </a:lvl1pPr>
+            <a:lvl2pPr marR="0" lvl="1" algn="l" rtl="0">
+              <a:lnSpc>
+                <a:spcPct val="100000"/>
+              </a:lnSpc>
+              <a:spcBef>
+                <a:spcPts val="0"/>
+              </a:spcBef>
+              <a:spcAft>
+                <a:spcPts val="0"/>
+              </a:spcAft>
+              <a:buClr>
+                <a:srgbClr val="000000"/>
+              </a:buClr>
+              <a:buFont typeface="Arial"/>
+              <a:defRPr sz="1400" b="0" i="0" u="none" strike="noStrike" cap="none">
+                <a:solidFill>
+                  <a:srgbClr val="000000"/>
+                </a:solidFill>
+                <a:latin typeface="Arial"/>
+                <a:ea typeface="Arial"/>
+                <a:cs typeface="Arial"/>
+                <a:sym typeface="Arial"/>
+              </a:defRPr>
+            </a:lvl2pPr>
+            <a:lvl3pPr marR="0" lvl="2" algn="l" rtl="0">
+              <a:lnSpc>
+                <a:spcPct val="100000"/>
+              </a:lnSpc>
+              <a:spcBef>
+                <a:spcPts val="0"/>
+              </a:spcBef>
+              <a:spcAft>
+                <a:spcPts val="0"/>
+              </a:spcAft>
+              <a:buClr>
+                <a:srgbClr val="000000"/>
+              </a:buClr>
+              <a:buFont typeface="Arial"/>
+              <a:defRPr sz="1400" b="0" i="0" u="none" strike="noStrike" cap="none">
+                <a:solidFill>
+                  <a:srgbClr val="000000"/>
+                </a:solidFill>
+                <a:latin typeface="Arial"/>
+                <a:ea typeface="Arial"/>
+                <a:cs typeface="Arial"/>
+                <a:sym typeface="Arial"/>
+              </a:defRPr>
+            </a:lvl3pPr>
+            <a:lvl4pPr marR="0" lvl="3" algn="l" rtl="0">
+              <a:lnSpc>
+                <a:spcPct val="100000"/>
+              </a:lnSpc>
+              <a:spcBef>
+                <a:spcPts val="0"/>
+              </a:spcBef>
+              <a:spcAft>
+                <a:spcPts val="0"/>
+              </a:spcAft>
+              <a:buClr>
+                <a:srgbClr val="000000"/>
+              </a:buClr>
+              <a:buFont typeface="Arial"/>
+              <a:defRPr sz="1400" b="0" i="0" u="none" strike="noStrike" cap="none">
+                <a:solidFill>
+                  <a:srgbClr val="000000"/>
+                </a:solidFill>
+                <a:latin typeface="Arial"/>
+                <a:ea typeface="Arial"/>
+                <a:cs typeface="Arial"/>
+                <a:sym typeface="Arial"/>
+              </a:defRPr>
+            </a:lvl4pPr>
+            <a:lvl5pPr marR="0" lvl="4" algn="l" rtl="0">
+              <a:lnSpc>
+                <a:spcPct val="100000"/>
+              </a:lnSpc>
+              <a:spcBef>
+                <a:spcPts val="0"/>
+              </a:spcBef>
+              <a:spcAft>
+                <a:spcPts val="0"/>
+              </a:spcAft>
+              <a:buClr>
+                <a:srgbClr val="000000"/>
+              </a:buClr>
+              <a:buFont typeface="Arial"/>
+              <a:defRPr sz="1400" b="0" i="0" u="none" strike="noStrike" cap="none">
+                <a:solidFill>
+                  <a:srgbClr val="000000"/>
+                </a:solidFill>
+                <a:latin typeface="Arial"/>
+                <a:ea typeface="Arial"/>
+                <a:cs typeface="Arial"/>
+                <a:sym typeface="Arial"/>
+              </a:defRPr>
+            </a:lvl5pPr>
+            <a:lvl6pPr marR="0" lvl="5" algn="l" rtl="0">
+              <a:lnSpc>
+                <a:spcPct val="100000"/>
+              </a:lnSpc>
+              <a:spcBef>
+                <a:spcPts val="0"/>
+              </a:spcBef>
+              <a:spcAft>
+                <a:spcPts val="0"/>
+              </a:spcAft>
+              <a:buClr>
+                <a:srgbClr val="000000"/>
+              </a:buClr>
+              <a:buFont typeface="Arial"/>
+              <a:defRPr sz="1400" b="0" i="0" u="none" strike="noStrike" cap="none">
+                <a:solidFill>
+                  <a:srgbClr val="000000"/>
+                </a:solidFill>
+                <a:latin typeface="Arial"/>
+                <a:ea typeface="Arial"/>
+                <a:cs typeface="Arial"/>
+                <a:sym typeface="Arial"/>
+              </a:defRPr>
+            </a:lvl6pPr>
+            <a:lvl7pPr marR="0" lvl="6" algn="l" rtl="0">
+              <a:lnSpc>
+                <a:spcPct val="100000"/>
+              </a:lnSpc>
+              <a:spcBef>
+                <a:spcPts val="0"/>
+              </a:spcBef>
+              <a:spcAft>
+                <a:spcPts val="0"/>
+              </a:spcAft>
+              <a:buClr>
+                <a:srgbClr val="000000"/>
+              </a:buClr>
+              <a:buFont typeface="Arial"/>
+              <a:defRPr sz="1400" b="0" i="0" u="none" strike="noStrike" cap="none">
+                <a:solidFill>
+                  <a:srgbClr val="000000"/>
+                </a:solidFill>
+                <a:latin typeface="Arial"/>
+                <a:ea typeface="Arial"/>
+                <a:cs typeface="Arial"/>
+                <a:sym typeface="Arial"/>
+              </a:defRPr>
+            </a:lvl7pPr>
+            <a:lvl8pPr marR="0" lvl="7" algn="l" rtl="0">
+              <a:lnSpc>
+                <a:spcPct val="100000"/>
+              </a:lnSpc>
+              <a:spcBef>
+                <a:spcPts val="0"/>
+              </a:spcBef>
+              <a:spcAft>
+                <a:spcPts val="0"/>
+              </a:spcAft>
+              <a:buClr>
+                <a:srgbClr val="000000"/>
+              </a:buClr>
+              <a:buFont typeface="Arial"/>
+              <a:defRPr sz="1400" b="0" i="0" u="none" strike="noStrike" cap="none">
+                <a:solidFill>
+                  <a:srgbClr val="000000"/>
+                </a:solidFill>
+                <a:latin typeface="Arial"/>
+                <a:ea typeface="Arial"/>
+                <a:cs typeface="Arial"/>
+                <a:sym typeface="Arial"/>
+              </a:defRPr>
+            </a:lvl8pPr>
+            <a:lvl9pPr marR="0" lvl="8" algn="l" rtl="0">
+              <a:lnSpc>
+                <a:spcPct val="100000"/>
+              </a:lnSpc>
+              <a:spcBef>
+                <a:spcPts val="0"/>
+              </a:spcBef>
+              <a:spcAft>
+                <a:spcPts val="0"/>
+              </a:spcAft>
+              <a:buClr>
+                <a:srgbClr val="000000"/>
+              </a:buClr>
+              <a:buFont typeface="Arial"/>
+              <a:defRPr sz="1400" b="0" i="0" u="none" strike="noStrike" cap="none">
+                <a:solidFill>
+                  <a:srgbClr val="000000"/>
+                </a:solidFill>
+                <a:latin typeface="Arial"/>
+                <a:ea typeface="Arial"/>
+                <a:cs typeface="Arial"/>
+                <a:sym typeface="Arial"/>
+              </a:defRPr>
+            </a:lvl9pPr>
+          </a:lstStyle>
+          <a:p>
+            <a:pPr marL="0" indent="0" algn="ctr">
+              <a:spcAft>
+                <a:spcPts val="1600"/>
+              </a:spcAft>
+              <a:buFont typeface="Average"/>
+              <a:buNone/>
+            </a:pPr>
+            <a:r>
+              <a:rPr lang="ru-RU" sz="1700" b="1" dirty="0">
+                <a:solidFill>
+                  <a:schemeClr val="dk1"/>
+                </a:solidFill>
+              </a:rPr>
+              <a:t>Станислав</a:t>
+            </a:r>
+            <a:endParaRPr lang="en-US" sz="1700" b="1" dirty="0">
+              <a:solidFill>
+                <a:schemeClr val="dk1"/>
+              </a:solidFill>
+            </a:endParaRPr>
+          </a:p>
+          <a:p>
+            <a:pPr algn="ctr">
+              <a:spcAft>
+                <a:spcPts val="1600"/>
+              </a:spcAft>
+            </a:pPr>
+            <a:r>
+              <a:rPr lang="en-US" sz="1800" dirty="0"/>
+              <a:t>@mvdxk</a:t>
+            </a:r>
+            <a:endParaRPr lang="en-US" sz="1700" b="1" dirty="0">
+              <a:solidFill>
+                <a:schemeClr val="dk1"/>
+              </a:solidFill>
+            </a:endParaRPr>
+          </a:p>
+          <a:p>
+            <a:pPr marL="0" indent="0" algn="ctr">
+              <a:spcAft>
+                <a:spcPts val="1600"/>
+              </a:spcAft>
+              <a:buFont typeface="Average"/>
+              <a:buNone/>
+            </a:pPr>
+            <a:r>
+              <a:rPr lang="en-US" sz="1700" b="1" dirty="0">
+                <a:solidFill>
+                  <a:schemeClr val="dk1"/>
+                </a:solidFill>
+              </a:rPr>
+              <a:t>Front End</a:t>
+            </a:r>
+            <a:endParaRPr lang="en-US" sz="1400" dirty="0">
+              <a:solidFill>
+                <a:schemeClr val="dk1"/>
+              </a:solidFill>
+            </a:endParaRPr>
+          </a:p>
+        </p:txBody>
+      </p:sp>
+      <p:sp>
+        <p:nvSpPr>
+          <p:cNvPr id="21" name="Google Shape;200;p23">
+            <a:extLst>
+              <a:ext uri="{FF2B5EF4-FFF2-40B4-BE49-F238E27FC236}">
+                <a16:creationId xmlns:a16="http://schemas.microsoft.com/office/drawing/2014/main" id="{2F5E449F-AE2F-4CE7-A494-CD9F39FD7487}"/>
+              </a:ext>
+            </a:extLst>
+          </p:cNvPr>
+          <p:cNvSpPr txBox="1">
+            <a:spLocks/>
+          </p:cNvSpPr>
+          <p:nvPr/>
         </p:nvSpPr>
         <p:spPr>
           <a:xfrm>
-            <a:off x="643467" y="321734"/>
-            <a:ext cx="10905066" cy="1135737"/>
-          </a:xfrm>
-        </p:spPr>
-        <p:txBody>
-          <a:bodyPr>
-            <a:normAutofit/>
-          </a:bodyPr>
-          <a:lstStyle/>
-          <a:p>
-            <a:r>
-              <a:rPr lang="ru-RU" sz="3600" dirty="0"/>
-              <a:t>Команда</a:t>
-            </a:r>
-            <a:endParaRPr lang="en-US" sz="3600" dirty="0"/>
-          </a:p>
-        </p:txBody>
-      </p:sp>
-      <p:sp>
-        <p:nvSpPr>
-          <p:cNvPr id="3" name="Объект 2">
-            <a:extLst>
-              <a:ext uri="{FF2B5EF4-FFF2-40B4-BE49-F238E27FC236}">
-                <a16:creationId xmlns:a16="http://schemas.microsoft.com/office/drawing/2014/main" id="{DC321943-D56E-4D04-B8B9-C2F40998FEFD}"/>
-              </a:ext>
-            </a:extLst>
-          </p:cNvPr>
-          <p:cNvSpPr>
-            <a:spLocks noGrp="1"/>
-          </p:cNvSpPr>
-          <p:nvPr>
-            <p:ph idx="1"/>
-          </p:nvPr>
-        </p:nvSpPr>
-        <p:spPr>
-          <a:xfrm>
-            <a:off x="643467" y="1782981"/>
-            <a:ext cx="10905066" cy="4393982"/>
-          </a:xfrm>
-        </p:spPr>
-        <p:txBody>
-          <a:bodyPr>
-            <a:normAutofit/>
-          </a:bodyPr>
-          <a:lstStyle/>
-          <a:p>
-            <a:r>
-              <a:rPr lang="ru-RU" sz="2000" dirty="0"/>
-              <a:t>Александр </a:t>
-            </a:r>
-            <a:r>
-              <a:rPr lang="en-US" sz="2000" dirty="0"/>
-              <a:t>@alexklippe </a:t>
-            </a:r>
-            <a:r>
-              <a:rPr lang="en-US" sz="2000" dirty="0">
-                <a:hlinkClick r:id="rId2"/>
-              </a:rPr>
-              <a:t>http://github.com/alexklippe</a:t>
-            </a:r>
-            <a:endParaRPr lang="en-US" sz="2000" dirty="0"/>
-          </a:p>
-          <a:p>
-            <a:r>
-              <a:rPr lang="ru-RU" sz="2000" dirty="0"/>
-              <a:t>Константин </a:t>
-            </a:r>
-            <a:r>
-              <a:rPr lang="en-US" sz="2000" dirty="0"/>
-              <a:t>@PcSdk </a:t>
-            </a:r>
-            <a:r>
-              <a:rPr lang="en-US" sz="2000" dirty="0">
-                <a:hlinkClick r:id="rId3"/>
-              </a:rPr>
-              <a:t>https://github.com/PcSdk/</a:t>
-            </a:r>
-            <a:endParaRPr lang="ru-RU" sz="2000" dirty="0"/>
-          </a:p>
-          <a:p>
-            <a:r>
-              <a:rPr lang="ru-RU" sz="2000" dirty="0"/>
-              <a:t>Стас </a:t>
-            </a:r>
-            <a:r>
-              <a:rPr lang="en-US" sz="2000" dirty="0"/>
-              <a:t>@mvdxk</a:t>
-            </a:r>
-            <a:endParaRPr lang="ru-RU" sz="2000" dirty="0"/>
-          </a:p>
-        </p:txBody>
-      </p:sp>
-      <p:sp>
-        <p:nvSpPr>
-          <p:cNvPr id="10" name="Rectangle 9">
-            <a:extLst>
-              <a:ext uri="{FF2B5EF4-FFF2-40B4-BE49-F238E27FC236}">
-                <a16:creationId xmlns:a16="http://schemas.microsoft.com/office/drawing/2014/main" id="{2E80C965-DB6D-4F81-9E9E-B027384D0BD6}"/>
-              </a:ext>
-              <a:ext uri="{C183D7F6-B498-43B3-948B-1728B52AA6E4}">
-                <adec:decorative xmlns:adec="http://schemas.microsoft.com/office/drawing/2017/decorative" val="1"/>
-              </a:ext>
-            </a:extLst>
-          </p:cNvPr>
-          <p:cNvSpPr>
-            <a:spLocks noGrp="1" noRot="1" noChangeAspect="1" noMove="1" noResize="1" noEditPoints="1" noAdjustHandles="1" noChangeArrowheads="1" noChangeShapeType="1" noTextEdit="1"/>
-          </p:cNvSpPr>
-          <p:nvPr>
-            <p:extLst>
-              <p:ext uri="{386F3935-93C4-4BCD-93E2-E3B085C9AB24}">
-                <p16:designElem xmlns:p16="http://schemas.microsoft.com/office/powerpoint/2015/main" val="1"/>
-              </p:ext>
-            </p:extLst>
-          </p:nvPr>
-        </p:nvSpPr>
-        <p:spPr>
-          <a:xfrm rot="2700000">
-            <a:off x="11052629" y="2120024"/>
-            <a:ext cx="645368" cy="645368"/>
+            <a:off x="4684365" y="3318249"/>
+            <a:ext cx="2177400" cy="436200"/>
           </a:xfrm>
           <a:prstGeom prst="rect">
             <a:avLst/>
           </a:prstGeom>
-          <a:solidFill>
-            <a:schemeClr val="accent4">
-              <a:alpha val="30000"/>
-            </a:schemeClr>
-          </a:solidFill>
+          <a:noFill/>
           <a:ln>
             <a:noFill/>
           </a:ln>
         </p:spPr>
-        <p:style>
-          <a:lnRef idx="2">
-            <a:schemeClr val="accent1">
-              <a:shade val="50000"/>
-            </a:schemeClr>
-          </a:lnRef>
-          <a:fillRef idx="1">
-            <a:schemeClr val="accent1"/>
-          </a:fillRef>
-          <a:effectRef idx="0">
-            <a:schemeClr val="accent1"/>
-          </a:effectRef>
-          <a:fontRef idx="minor">
-            <a:schemeClr val="lt1"/>
-          </a:fontRef>
-        </p:style>
-        <p:txBody>
-          <a:bodyPr rtlCol="0" anchor="ctr"/>
-          <a:lstStyle/>
-          <a:p>
-            <a:pPr algn="ctr"/>
-            <a:endParaRPr lang="en-US"/>
-          </a:p>
-        </p:txBody>
-      </p:sp>
-      <p:sp>
-        <p:nvSpPr>
-          <p:cNvPr id="12" name="Isosceles Triangle 11">
-            <a:extLst>
-              <a:ext uri="{FF2B5EF4-FFF2-40B4-BE49-F238E27FC236}">
-                <a16:creationId xmlns:a16="http://schemas.microsoft.com/office/drawing/2014/main" id="{A580F890-B085-4E95-96AA-55AEBEC5CE6E}"/>
-              </a:ext>
-              <a:ext uri="{C183D7F6-B498-43B3-948B-1728B52AA6E4}">
-                <adec:decorative xmlns:adec="http://schemas.microsoft.com/office/drawing/2017/decorative" val="1"/>
-              </a:ext>
-            </a:extLst>
-          </p:cNvPr>
-          <p:cNvSpPr>
-            <a:spLocks noGrp="1" noRot="1" noChangeAspect="1" noMove="1" noResize="1" noEditPoints="1" noAdjustHandles="1" noChangeArrowheads="1" noChangeShapeType="1" noTextEdit="1"/>
-          </p:cNvSpPr>
-          <p:nvPr>
-            <p:extLst>
-              <p:ext uri="{386F3935-93C4-4BCD-93E2-E3B085C9AB24}">
-                <p16:designElem xmlns:p16="http://schemas.microsoft.com/office/powerpoint/2015/main" val="1"/>
-              </p:ext>
-            </p:extLst>
-          </p:nvPr>
-        </p:nvSpPr>
-        <p:spPr>
-          <a:xfrm rot="16200000">
-            <a:off x="10289068" y="1343027"/>
-            <a:ext cx="2532832" cy="1273032"/>
-          </a:xfrm>
-          <a:prstGeom prst="triangle">
-            <a:avLst>
-              <a:gd name="adj" fmla="val 50000"/>
-            </a:avLst>
+        <p:txBody>
+          <a:bodyPr spcFirstLastPara="1" wrap="square" lIns="91425" tIns="91425" rIns="91425" bIns="91425" anchor="t" anchorCtr="0">
+            <a:noAutofit/>
+          </a:bodyPr>
+          <a:lstStyle>
+            <a:defPPr marR="0" lvl="0" algn="l" rtl="0">
+              <a:lnSpc>
+                <a:spcPct val="100000"/>
+              </a:lnSpc>
+              <a:spcBef>
+                <a:spcPts val="0"/>
+              </a:spcBef>
+              <a:spcAft>
+                <a:spcPts val="0"/>
+              </a:spcAft>
+            </a:defPPr>
+            <a:lvl1pPr marR="0" lvl="0" algn="l" rtl="0">
+              <a:lnSpc>
+                <a:spcPct val="100000"/>
+              </a:lnSpc>
+              <a:spcBef>
+                <a:spcPts val="0"/>
+              </a:spcBef>
+              <a:spcAft>
+                <a:spcPts val="0"/>
+              </a:spcAft>
+              <a:buClr>
+                <a:srgbClr val="000000"/>
+              </a:buClr>
+              <a:buFont typeface="Arial"/>
+              <a:defRPr sz="1400" b="0" i="0" u="none" strike="noStrike" cap="none">
+                <a:solidFill>
+                  <a:srgbClr val="000000"/>
+                </a:solidFill>
+                <a:latin typeface="Arial"/>
+                <a:ea typeface="Arial"/>
+                <a:cs typeface="Arial"/>
+                <a:sym typeface="Arial"/>
+              </a:defRPr>
+            </a:lvl1pPr>
+            <a:lvl2pPr marR="0" lvl="1" algn="l" rtl="0">
+              <a:lnSpc>
+                <a:spcPct val="100000"/>
+              </a:lnSpc>
+              <a:spcBef>
+                <a:spcPts val="0"/>
+              </a:spcBef>
+              <a:spcAft>
+                <a:spcPts val="0"/>
+              </a:spcAft>
+              <a:buClr>
+                <a:srgbClr val="000000"/>
+              </a:buClr>
+              <a:buFont typeface="Arial"/>
+              <a:defRPr sz="1400" b="0" i="0" u="none" strike="noStrike" cap="none">
+                <a:solidFill>
+                  <a:srgbClr val="000000"/>
+                </a:solidFill>
+                <a:latin typeface="Arial"/>
+                <a:ea typeface="Arial"/>
+                <a:cs typeface="Arial"/>
+                <a:sym typeface="Arial"/>
+              </a:defRPr>
+            </a:lvl2pPr>
+            <a:lvl3pPr marR="0" lvl="2" algn="l" rtl="0">
+              <a:lnSpc>
+                <a:spcPct val="100000"/>
+              </a:lnSpc>
+              <a:spcBef>
+                <a:spcPts val="0"/>
+              </a:spcBef>
+              <a:spcAft>
+                <a:spcPts val="0"/>
+              </a:spcAft>
+              <a:buClr>
+                <a:srgbClr val="000000"/>
+              </a:buClr>
+              <a:buFont typeface="Arial"/>
+              <a:defRPr sz="1400" b="0" i="0" u="none" strike="noStrike" cap="none">
+                <a:solidFill>
+                  <a:srgbClr val="000000"/>
+                </a:solidFill>
+                <a:latin typeface="Arial"/>
+                <a:ea typeface="Arial"/>
+                <a:cs typeface="Arial"/>
+                <a:sym typeface="Arial"/>
+              </a:defRPr>
+            </a:lvl3pPr>
+            <a:lvl4pPr marR="0" lvl="3" algn="l" rtl="0">
+              <a:lnSpc>
+                <a:spcPct val="100000"/>
+              </a:lnSpc>
+              <a:spcBef>
+                <a:spcPts val="0"/>
+              </a:spcBef>
+              <a:spcAft>
+                <a:spcPts val="0"/>
+              </a:spcAft>
+              <a:buClr>
+                <a:srgbClr val="000000"/>
+              </a:buClr>
+              <a:buFont typeface="Arial"/>
+              <a:defRPr sz="1400" b="0" i="0" u="none" strike="noStrike" cap="none">
+                <a:solidFill>
+                  <a:srgbClr val="000000"/>
+                </a:solidFill>
+                <a:latin typeface="Arial"/>
+                <a:ea typeface="Arial"/>
+                <a:cs typeface="Arial"/>
+                <a:sym typeface="Arial"/>
+              </a:defRPr>
+            </a:lvl4pPr>
+            <a:lvl5pPr marR="0" lvl="4" algn="l" rtl="0">
+              <a:lnSpc>
+                <a:spcPct val="100000"/>
+              </a:lnSpc>
+              <a:spcBef>
+                <a:spcPts val="0"/>
+              </a:spcBef>
+              <a:spcAft>
+                <a:spcPts val="0"/>
+              </a:spcAft>
+              <a:buClr>
+                <a:srgbClr val="000000"/>
+              </a:buClr>
+              <a:buFont typeface="Arial"/>
+              <a:defRPr sz="1400" b="0" i="0" u="none" strike="noStrike" cap="none">
+                <a:solidFill>
+                  <a:srgbClr val="000000"/>
+                </a:solidFill>
+                <a:latin typeface="Arial"/>
+                <a:ea typeface="Arial"/>
+                <a:cs typeface="Arial"/>
+                <a:sym typeface="Arial"/>
+              </a:defRPr>
+            </a:lvl5pPr>
+            <a:lvl6pPr marR="0" lvl="5" algn="l" rtl="0">
+              <a:lnSpc>
+                <a:spcPct val="100000"/>
+              </a:lnSpc>
+              <a:spcBef>
+                <a:spcPts val="0"/>
+              </a:spcBef>
+              <a:spcAft>
+                <a:spcPts val="0"/>
+              </a:spcAft>
+              <a:buClr>
+                <a:srgbClr val="000000"/>
+              </a:buClr>
+              <a:buFont typeface="Arial"/>
+              <a:defRPr sz="1400" b="0" i="0" u="none" strike="noStrike" cap="none">
+                <a:solidFill>
+                  <a:srgbClr val="000000"/>
+                </a:solidFill>
+                <a:latin typeface="Arial"/>
+                <a:ea typeface="Arial"/>
+                <a:cs typeface="Arial"/>
+                <a:sym typeface="Arial"/>
+              </a:defRPr>
+            </a:lvl6pPr>
+            <a:lvl7pPr marR="0" lvl="6" algn="l" rtl="0">
+              <a:lnSpc>
+                <a:spcPct val="100000"/>
+              </a:lnSpc>
+              <a:spcBef>
+                <a:spcPts val="0"/>
+              </a:spcBef>
+              <a:spcAft>
+                <a:spcPts val="0"/>
+              </a:spcAft>
+              <a:buClr>
+                <a:srgbClr val="000000"/>
+              </a:buClr>
+              <a:buFont typeface="Arial"/>
+              <a:defRPr sz="1400" b="0" i="0" u="none" strike="noStrike" cap="none">
+                <a:solidFill>
+                  <a:srgbClr val="000000"/>
+                </a:solidFill>
+                <a:latin typeface="Arial"/>
+                <a:ea typeface="Arial"/>
+                <a:cs typeface="Arial"/>
+                <a:sym typeface="Arial"/>
+              </a:defRPr>
+            </a:lvl7pPr>
+            <a:lvl8pPr marR="0" lvl="7" algn="l" rtl="0">
+              <a:lnSpc>
+                <a:spcPct val="100000"/>
+              </a:lnSpc>
+              <a:spcBef>
+                <a:spcPts val="0"/>
+              </a:spcBef>
+              <a:spcAft>
+                <a:spcPts val="0"/>
+              </a:spcAft>
+              <a:buClr>
+                <a:srgbClr val="000000"/>
+              </a:buClr>
+              <a:buFont typeface="Arial"/>
+              <a:defRPr sz="1400" b="0" i="0" u="none" strike="noStrike" cap="none">
+                <a:solidFill>
+                  <a:srgbClr val="000000"/>
+                </a:solidFill>
+                <a:latin typeface="Arial"/>
+                <a:ea typeface="Arial"/>
+                <a:cs typeface="Arial"/>
+                <a:sym typeface="Arial"/>
+              </a:defRPr>
+            </a:lvl8pPr>
+            <a:lvl9pPr marR="0" lvl="8" algn="l" rtl="0">
+              <a:lnSpc>
+                <a:spcPct val="100000"/>
+              </a:lnSpc>
+              <a:spcBef>
+                <a:spcPts val="0"/>
+              </a:spcBef>
+              <a:spcAft>
+                <a:spcPts val="0"/>
+              </a:spcAft>
+              <a:buClr>
+                <a:srgbClr val="000000"/>
+              </a:buClr>
+              <a:buFont typeface="Arial"/>
+              <a:defRPr sz="1400" b="0" i="0" u="none" strike="noStrike" cap="none">
+                <a:solidFill>
+                  <a:srgbClr val="000000"/>
+                </a:solidFill>
+                <a:latin typeface="Arial"/>
+                <a:ea typeface="Arial"/>
+                <a:cs typeface="Arial"/>
+                <a:sym typeface="Arial"/>
+              </a:defRPr>
+            </a:lvl9pPr>
+          </a:lstStyle>
+          <a:p>
+            <a:pPr marL="0" indent="0" algn="ctr">
+              <a:spcAft>
+                <a:spcPts val="1600"/>
+              </a:spcAft>
+              <a:buFont typeface="Average"/>
+              <a:buNone/>
+            </a:pPr>
+            <a:r>
+              <a:rPr lang="ru-RU" sz="1700" b="1" dirty="0">
+                <a:solidFill>
+                  <a:schemeClr val="dk1"/>
+                </a:solidFill>
+              </a:rPr>
+              <a:t>Константин</a:t>
+            </a:r>
+            <a:endParaRPr lang="en-US" sz="1700" b="1" dirty="0">
+              <a:solidFill>
+                <a:schemeClr val="dk1"/>
+              </a:solidFill>
+            </a:endParaRPr>
+          </a:p>
+          <a:p>
+            <a:pPr algn="ctr">
+              <a:spcAft>
+                <a:spcPts val="1600"/>
+              </a:spcAft>
+            </a:pPr>
+            <a:r>
+              <a:rPr lang="en-US" sz="1800" dirty="0"/>
+              <a:t>@PcSdk</a:t>
+            </a:r>
+            <a:endParaRPr lang="en-US" sz="1700" b="1" dirty="0">
+              <a:solidFill>
+                <a:schemeClr val="dk1"/>
+              </a:solidFill>
+            </a:endParaRPr>
+          </a:p>
+          <a:p>
+            <a:pPr marL="0" indent="0" algn="ctr">
+              <a:spcAft>
+                <a:spcPts val="1600"/>
+              </a:spcAft>
+              <a:buFont typeface="Average"/>
+              <a:buNone/>
+            </a:pPr>
+            <a:r>
+              <a:rPr lang="en-US" sz="1700" b="1" dirty="0">
+                <a:solidFill>
+                  <a:schemeClr val="dk1"/>
+                </a:solidFill>
+              </a:rPr>
+              <a:t>Back End</a:t>
+            </a:r>
+            <a:endParaRPr lang="en-US" sz="1400" dirty="0">
+              <a:solidFill>
+                <a:schemeClr val="dk1"/>
+              </a:solidFill>
+            </a:endParaRPr>
+          </a:p>
+        </p:txBody>
+      </p:sp>
+      <p:sp>
+        <p:nvSpPr>
+          <p:cNvPr id="22" name="Google Shape;200;p23">
+            <a:extLst>
+              <a:ext uri="{FF2B5EF4-FFF2-40B4-BE49-F238E27FC236}">
+                <a16:creationId xmlns:a16="http://schemas.microsoft.com/office/drawing/2014/main" id="{63B2287E-4F06-40F8-9A1D-1F554BFC6FF9}"/>
+              </a:ext>
+            </a:extLst>
+          </p:cNvPr>
+          <p:cNvSpPr txBox="1">
+            <a:spLocks/>
+          </p:cNvSpPr>
+          <p:nvPr/>
+        </p:nvSpPr>
+        <p:spPr>
+          <a:xfrm>
+            <a:off x="6540596" y="3318249"/>
+            <a:ext cx="2177400" cy="436200"/>
+          </a:xfrm>
+          <a:prstGeom prst="rect">
+            <a:avLst/>
           </a:prstGeom>
-          <a:solidFill>
-            <a:schemeClr val="accent4">
-              <a:alpha val="30000"/>
-            </a:schemeClr>
-          </a:solidFill>
+          <a:noFill/>
           <a:ln>
             <a:noFill/>
           </a:ln>
         </p:spPr>
-        <p:style>
-          <a:lnRef idx="2">
-            <a:schemeClr val="accent1">
-              <a:shade val="50000"/>
-            </a:schemeClr>
-          </a:lnRef>
-          <a:fillRef idx="1">
-            <a:schemeClr val="accent1"/>
-          </a:fillRef>
-          <a:effectRef idx="0">
-            <a:schemeClr val="accent1"/>
-          </a:effectRef>
-          <a:fontRef idx="minor">
-            <a:schemeClr val="lt1"/>
-          </a:fontRef>
-        </p:style>
-        <p:txBody>
-          <a:bodyPr rtlCol="0" anchor="ctr"/>
-          <a:lstStyle/>
-          <a:p>
-            <a:pPr algn="ctr"/>
-            <a:endParaRPr lang="en-US"/>
-          </a:p>
-        </p:txBody>
-      </p:sp>
-      <p:sp>
-        <p:nvSpPr>
-          <p:cNvPr id="14" name="Isosceles Triangle 13">
-            <a:extLst>
-              <a:ext uri="{FF2B5EF4-FFF2-40B4-BE49-F238E27FC236}">
-                <a16:creationId xmlns:a16="http://schemas.microsoft.com/office/drawing/2014/main" id="{D3F51FEB-38FB-4F6C-9F7B-2F2AFAB65463}"/>
-              </a:ext>
-              <a:ext uri="{C183D7F6-B498-43B3-948B-1728B52AA6E4}">
-                <adec:decorative xmlns:adec="http://schemas.microsoft.com/office/drawing/2017/decorative" val="1"/>
-              </a:ext>
-            </a:extLst>
-          </p:cNvPr>
-          <p:cNvSpPr>
-            <a:spLocks noGrp="1" noRot="1" noChangeAspect="1" noMove="1" noResize="1" noEditPoints="1" noAdjustHandles="1" noChangeArrowheads="1" noChangeShapeType="1" noTextEdit="1"/>
-          </p:cNvSpPr>
-          <p:nvPr>
-            <p:extLst>
-              <p:ext uri="{386F3935-93C4-4BCD-93E2-E3B085C9AB24}">
-                <p16:designElem xmlns:p16="http://schemas.microsoft.com/office/powerpoint/2015/main" val="1"/>
-              </p:ext>
-            </p:extLst>
-          </p:nvPr>
-        </p:nvSpPr>
-        <p:spPr>
-          <a:xfrm rot="5400000">
-            <a:off x="-501760" y="5103257"/>
-            <a:ext cx="2017580" cy="1014060"/>
-          </a:xfrm>
-          <a:prstGeom prst="triangle">
-            <a:avLst>
-              <a:gd name="adj" fmla="val 50000"/>
-            </a:avLst>
-          </a:prstGeom>
-          <a:solidFill>
-            <a:schemeClr val="accent1">
-              <a:alpha val="30000"/>
-            </a:schemeClr>
-          </a:solidFill>
-          <a:ln>
-            <a:noFill/>
-          </a:ln>
-        </p:spPr>
-        <p:style>
-          <a:lnRef idx="2">
-            <a:schemeClr val="accent1">
-              <a:shade val="50000"/>
-            </a:schemeClr>
-          </a:lnRef>
-          <a:fillRef idx="1">
-            <a:schemeClr val="accent1"/>
-          </a:fillRef>
-          <a:effectRef idx="0">
-            <a:schemeClr val="accent1"/>
-          </a:effectRef>
-          <a:fontRef idx="minor">
-            <a:schemeClr val="lt1"/>
-          </a:fontRef>
-        </p:style>
-        <p:txBody>
-          <a:bodyPr wrap="square" rtlCol="0" anchor="ctr">
+        <p:txBody>
+          <a:bodyPr spcFirstLastPara="1" wrap="square" lIns="91425" tIns="91425" rIns="91425" bIns="91425" anchor="t" anchorCtr="0">
             <a:noAutofit/>
           </a:bodyPr>
-          <a:lstStyle/>
-          <a:p>
-            <a:pPr algn="ctr"/>
-            <a:endParaRPr lang="en-US"/>
-          </a:p>
-        </p:txBody>
-      </p:sp>
-      <p:sp>
-        <p:nvSpPr>
-          <p:cNvPr id="16" name="Rectangle 15">
-            <a:extLst>
-              <a:ext uri="{FF2B5EF4-FFF2-40B4-BE49-F238E27FC236}">
-                <a16:creationId xmlns:a16="http://schemas.microsoft.com/office/drawing/2014/main" id="{1E547BA6-BAE0-43BB-A7CA-60F69CE252F0}"/>
-              </a:ext>
-              <a:ext uri="{C183D7F6-B498-43B3-948B-1728B52AA6E4}">
-                <adec:decorative xmlns:adec="http://schemas.microsoft.com/office/drawing/2017/decorative" val="1"/>
-              </a:ext>
-            </a:extLst>
-          </p:cNvPr>
-          <p:cNvSpPr>
-            <a:spLocks noGrp="1" noRot="1" noChangeAspect="1" noMove="1" noResize="1" noEditPoints="1" noAdjustHandles="1" noChangeArrowheads="1" noChangeShapeType="1" noTextEdit="1"/>
-          </p:cNvSpPr>
-          <p:nvPr>
-            <p:extLst>
-              <p:ext uri="{386F3935-93C4-4BCD-93E2-E3B085C9AB24}">
-                <p16:designElem xmlns:p16="http://schemas.microsoft.com/office/powerpoint/2015/main" val="1"/>
-              </p:ext>
-            </p:extLst>
-          </p:nvPr>
-        </p:nvSpPr>
-        <p:spPr>
-          <a:xfrm rot="2700000">
-            <a:off x="427916" y="5728708"/>
-            <a:ext cx="485578" cy="485578"/>
-          </a:xfrm>
-          <a:prstGeom prst="rect">
-            <a:avLst/>
-          </a:prstGeom>
-          <a:solidFill>
-            <a:schemeClr val="accent1">
-              <a:alpha val="30000"/>
-            </a:schemeClr>
-          </a:solidFill>
-          <a:ln>
-            <a:noFill/>
-          </a:ln>
-        </p:spPr>
-        <p:style>
-          <a:lnRef idx="2">
-            <a:schemeClr val="accent1">
-              <a:shade val="50000"/>
-            </a:schemeClr>
-          </a:lnRef>
-          <a:fillRef idx="1">
-            <a:schemeClr val="accent1"/>
-          </a:fillRef>
-          <a:effectRef idx="0">
-            <a:schemeClr val="accent1"/>
-          </a:effectRef>
-          <a:fontRef idx="minor">
-            <a:schemeClr val="lt1"/>
-          </a:fontRef>
-        </p:style>
-        <p:txBody>
-          <a:bodyPr wrap="square" rtlCol="0" anchor="ctr">
-            <a:noAutofit/>
-          </a:bodyPr>
-          <a:lstStyle/>
-          <a:p>
-            <a:pPr algn="ctr"/>
-            <a:endParaRPr lang="en-US"/>
-          </a:p>
-        </p:txBody>
-      </p:sp>
-      <p:sp>
-        <p:nvSpPr>
-          <p:cNvPr id="9" name="Прямоугольник 8">
-            <a:extLst>
-              <a:ext uri="{FF2B5EF4-FFF2-40B4-BE49-F238E27FC236}">
-                <a16:creationId xmlns:a16="http://schemas.microsoft.com/office/drawing/2014/main" id="{EEAD32AF-CB9A-421B-AE01-72389CE48BC1}"/>
-              </a:ext>
-            </a:extLst>
-          </p:cNvPr>
-          <p:cNvSpPr/>
-          <p:nvPr/>
-        </p:nvSpPr>
-        <p:spPr>
-          <a:xfrm>
-            <a:off x="11007253" y="6466177"/>
-            <a:ext cx="1184748" cy="369332"/>
-          </a:xfrm>
-          <a:prstGeom prst="rect">
-            <a:avLst/>
-          </a:prstGeom>
-        </p:spPr>
-        <p:txBody>
-          <a:bodyPr wrap="none">
-            <a:spAutoFit/>
-          </a:bodyPr>
-          <a:lstStyle/>
-          <a:p>
-            <a:r>
-              <a:rPr lang="ru-RU" dirty="0" err="1"/>
-              <a:t>Домен.РФ</a:t>
-            </a:r>
-            <a:endParaRPr lang="ru-RU" dirty="0"/>
+          <a:lstStyle>
+            <a:defPPr marR="0" lvl="0" algn="l" rtl="0">
+              <a:lnSpc>
+                <a:spcPct val="100000"/>
+              </a:lnSpc>
+              <a:spcBef>
+                <a:spcPts val="0"/>
+              </a:spcBef>
+              <a:spcAft>
+                <a:spcPts val="0"/>
+              </a:spcAft>
+            </a:defPPr>
+            <a:lvl1pPr marR="0" lvl="0" algn="l" rtl="0">
+              <a:lnSpc>
+                <a:spcPct val="100000"/>
+              </a:lnSpc>
+              <a:spcBef>
+                <a:spcPts val="0"/>
+              </a:spcBef>
+              <a:spcAft>
+                <a:spcPts val="0"/>
+              </a:spcAft>
+              <a:buClr>
+                <a:srgbClr val="000000"/>
+              </a:buClr>
+              <a:buFont typeface="Arial"/>
+              <a:defRPr sz="1400" b="0" i="0" u="none" strike="noStrike" cap="none">
+                <a:solidFill>
+                  <a:srgbClr val="000000"/>
+                </a:solidFill>
+                <a:latin typeface="Arial"/>
+                <a:ea typeface="Arial"/>
+                <a:cs typeface="Arial"/>
+                <a:sym typeface="Arial"/>
+              </a:defRPr>
+            </a:lvl1pPr>
+            <a:lvl2pPr marR="0" lvl="1" algn="l" rtl="0">
+              <a:lnSpc>
+                <a:spcPct val="100000"/>
+              </a:lnSpc>
+              <a:spcBef>
+                <a:spcPts val="0"/>
+              </a:spcBef>
+              <a:spcAft>
+                <a:spcPts val="0"/>
+              </a:spcAft>
+              <a:buClr>
+                <a:srgbClr val="000000"/>
+              </a:buClr>
+              <a:buFont typeface="Arial"/>
+              <a:defRPr sz="1400" b="0" i="0" u="none" strike="noStrike" cap="none">
+                <a:solidFill>
+                  <a:srgbClr val="000000"/>
+                </a:solidFill>
+                <a:latin typeface="Arial"/>
+                <a:ea typeface="Arial"/>
+                <a:cs typeface="Arial"/>
+                <a:sym typeface="Arial"/>
+              </a:defRPr>
+            </a:lvl2pPr>
+            <a:lvl3pPr marR="0" lvl="2" algn="l" rtl="0">
+              <a:lnSpc>
+                <a:spcPct val="100000"/>
+              </a:lnSpc>
+              <a:spcBef>
+                <a:spcPts val="0"/>
+              </a:spcBef>
+              <a:spcAft>
+                <a:spcPts val="0"/>
+              </a:spcAft>
+              <a:buClr>
+                <a:srgbClr val="000000"/>
+              </a:buClr>
+              <a:buFont typeface="Arial"/>
+              <a:defRPr sz="1400" b="0" i="0" u="none" strike="noStrike" cap="none">
+                <a:solidFill>
+                  <a:srgbClr val="000000"/>
+                </a:solidFill>
+                <a:latin typeface="Arial"/>
+                <a:ea typeface="Arial"/>
+                <a:cs typeface="Arial"/>
+                <a:sym typeface="Arial"/>
+              </a:defRPr>
+            </a:lvl3pPr>
+            <a:lvl4pPr marR="0" lvl="3" algn="l" rtl="0">
+              <a:lnSpc>
+                <a:spcPct val="100000"/>
+              </a:lnSpc>
+              <a:spcBef>
+                <a:spcPts val="0"/>
+              </a:spcBef>
+              <a:spcAft>
+                <a:spcPts val="0"/>
+              </a:spcAft>
+              <a:buClr>
+                <a:srgbClr val="000000"/>
+              </a:buClr>
+              <a:buFont typeface="Arial"/>
+              <a:defRPr sz="1400" b="0" i="0" u="none" strike="noStrike" cap="none">
+                <a:solidFill>
+                  <a:srgbClr val="000000"/>
+                </a:solidFill>
+                <a:latin typeface="Arial"/>
+                <a:ea typeface="Arial"/>
+                <a:cs typeface="Arial"/>
+                <a:sym typeface="Arial"/>
+              </a:defRPr>
+            </a:lvl4pPr>
+            <a:lvl5pPr marR="0" lvl="4" algn="l" rtl="0">
+              <a:lnSpc>
+                <a:spcPct val="100000"/>
+              </a:lnSpc>
+              <a:spcBef>
+                <a:spcPts val="0"/>
+              </a:spcBef>
+              <a:spcAft>
+                <a:spcPts val="0"/>
+              </a:spcAft>
+              <a:buClr>
+                <a:srgbClr val="000000"/>
+              </a:buClr>
+              <a:buFont typeface="Arial"/>
+              <a:defRPr sz="1400" b="0" i="0" u="none" strike="noStrike" cap="none">
+                <a:solidFill>
+                  <a:srgbClr val="000000"/>
+                </a:solidFill>
+                <a:latin typeface="Arial"/>
+                <a:ea typeface="Arial"/>
+                <a:cs typeface="Arial"/>
+                <a:sym typeface="Arial"/>
+              </a:defRPr>
+            </a:lvl5pPr>
+            <a:lvl6pPr marR="0" lvl="5" algn="l" rtl="0">
+              <a:lnSpc>
+                <a:spcPct val="100000"/>
+              </a:lnSpc>
+              <a:spcBef>
+                <a:spcPts val="0"/>
+              </a:spcBef>
+              <a:spcAft>
+                <a:spcPts val="0"/>
+              </a:spcAft>
+              <a:buClr>
+                <a:srgbClr val="000000"/>
+              </a:buClr>
+              <a:buFont typeface="Arial"/>
+              <a:defRPr sz="1400" b="0" i="0" u="none" strike="noStrike" cap="none">
+                <a:solidFill>
+                  <a:srgbClr val="000000"/>
+                </a:solidFill>
+                <a:latin typeface="Arial"/>
+                <a:ea typeface="Arial"/>
+                <a:cs typeface="Arial"/>
+                <a:sym typeface="Arial"/>
+              </a:defRPr>
+            </a:lvl6pPr>
+            <a:lvl7pPr marR="0" lvl="6" algn="l" rtl="0">
+              <a:lnSpc>
+                <a:spcPct val="100000"/>
+              </a:lnSpc>
+              <a:spcBef>
+                <a:spcPts val="0"/>
+              </a:spcBef>
+              <a:spcAft>
+                <a:spcPts val="0"/>
+              </a:spcAft>
+              <a:buClr>
+                <a:srgbClr val="000000"/>
+              </a:buClr>
+              <a:buFont typeface="Arial"/>
+              <a:defRPr sz="1400" b="0" i="0" u="none" strike="noStrike" cap="none">
+                <a:solidFill>
+                  <a:srgbClr val="000000"/>
+                </a:solidFill>
+                <a:latin typeface="Arial"/>
+                <a:ea typeface="Arial"/>
+                <a:cs typeface="Arial"/>
+                <a:sym typeface="Arial"/>
+              </a:defRPr>
+            </a:lvl7pPr>
+            <a:lvl8pPr marR="0" lvl="7" algn="l" rtl="0">
+              <a:lnSpc>
+                <a:spcPct val="100000"/>
+              </a:lnSpc>
+              <a:spcBef>
+                <a:spcPts val="0"/>
+              </a:spcBef>
+              <a:spcAft>
+                <a:spcPts val="0"/>
+              </a:spcAft>
+              <a:buClr>
+                <a:srgbClr val="000000"/>
+              </a:buClr>
+              <a:buFont typeface="Arial"/>
+              <a:defRPr sz="1400" b="0" i="0" u="none" strike="noStrike" cap="none">
+                <a:solidFill>
+                  <a:srgbClr val="000000"/>
+                </a:solidFill>
+                <a:latin typeface="Arial"/>
+                <a:ea typeface="Arial"/>
+                <a:cs typeface="Arial"/>
+                <a:sym typeface="Arial"/>
+              </a:defRPr>
+            </a:lvl8pPr>
+            <a:lvl9pPr marR="0" lvl="8" algn="l" rtl="0">
+              <a:lnSpc>
+                <a:spcPct val="100000"/>
+              </a:lnSpc>
+              <a:spcBef>
+                <a:spcPts val="0"/>
+              </a:spcBef>
+              <a:spcAft>
+                <a:spcPts val="0"/>
+              </a:spcAft>
+              <a:buClr>
+                <a:srgbClr val="000000"/>
+              </a:buClr>
+              <a:buFont typeface="Arial"/>
+              <a:defRPr sz="1400" b="0" i="0" u="none" strike="noStrike" cap="none">
+                <a:solidFill>
+                  <a:srgbClr val="000000"/>
+                </a:solidFill>
+                <a:latin typeface="Arial"/>
+                <a:ea typeface="Arial"/>
+                <a:cs typeface="Arial"/>
+                <a:sym typeface="Arial"/>
+              </a:defRPr>
+            </a:lvl9pPr>
+          </a:lstStyle>
+          <a:p>
+            <a:pPr marL="0" indent="0" algn="ctr">
+              <a:spcAft>
+                <a:spcPts val="1600"/>
+              </a:spcAft>
+              <a:buFont typeface="Average"/>
+              <a:buNone/>
+            </a:pPr>
+            <a:r>
+              <a:rPr lang="ru-RU" sz="1700" b="1" dirty="0">
+                <a:solidFill>
+                  <a:schemeClr val="dk1"/>
+                </a:solidFill>
+              </a:rPr>
+              <a:t>Александр</a:t>
+            </a:r>
+            <a:endParaRPr lang="en-US" sz="1700" b="1" dirty="0">
+              <a:solidFill>
+                <a:schemeClr val="dk1"/>
+              </a:solidFill>
+            </a:endParaRPr>
+          </a:p>
+          <a:p>
+            <a:pPr algn="ctr">
+              <a:spcAft>
+                <a:spcPts val="1600"/>
+              </a:spcAft>
+            </a:pPr>
+            <a:r>
+              <a:rPr lang="en-US" sz="1800" dirty="0"/>
+              <a:t>@Alexklippe</a:t>
+            </a:r>
+            <a:endParaRPr lang="en-US" sz="1700" b="1" dirty="0">
+              <a:solidFill>
+                <a:schemeClr val="dk1"/>
+              </a:solidFill>
+            </a:endParaRPr>
+          </a:p>
+          <a:p>
+            <a:pPr marL="0" indent="0" algn="ctr">
+              <a:spcAft>
+                <a:spcPts val="1600"/>
+              </a:spcAft>
+              <a:buFont typeface="Average"/>
+              <a:buNone/>
+            </a:pPr>
+            <a:r>
+              <a:rPr lang="en-US" sz="1700" b="1" dirty="0" err="1">
+                <a:solidFill>
+                  <a:schemeClr val="dk1"/>
+                </a:solidFill>
+              </a:rPr>
+              <a:t>SysAdmin</a:t>
+            </a:r>
+            <a:r>
+              <a:rPr lang="en-US" sz="1700" b="1" dirty="0">
+                <a:solidFill>
+                  <a:schemeClr val="dk1"/>
+                </a:solidFill>
+              </a:rPr>
+              <a:t>, UX/UI, Manager</a:t>
+            </a:r>
+            <a:endParaRPr lang="en-US" sz="1400" dirty="0">
+              <a:solidFill>
+                <a:schemeClr val="dk1"/>
+              </a:solidFill>
+            </a:endParaRPr>
           </a:p>
         </p:txBody>
       </p:sp>
@@ -10084,15 +10741,7 @@
           <a:p>
             <a:r>
               <a:rPr lang="ru-RU" sz="2000" dirty="0"/>
-              <a:t>Разработанный </a:t>
-            </a:r>
-            <a:r>
-              <a:rPr lang="ru-RU" sz="2000" dirty="0" err="1"/>
-              <a:t>фрэймворк</a:t>
-            </a:r>
-            <a:r>
-              <a:rPr lang="ru-RU" sz="2000" dirty="0"/>
-              <a:t> поможет внедрить в действующие системы возможность обработки почтовых адресов на русском языке (либо другом национальном)</a:t>
+              <a:t>Разработанный Фреймворк поможет внедрить в действующие системы возможность обработки почтовых адресов на русском языке (либо другом национальном)</a:t>
             </a:r>
           </a:p>
           <a:p>

--- a/Презентация_Команда Scrypted_кейс1.pptx
+++ b/Презентация_Команда Scrypted_кейс1.pptx
@@ -4,6 +4,9 @@
   <p:sldMasterIdLst>
     <p:sldMasterId id="2147483648" r:id="rId1"/>
   </p:sldMasterIdLst>
+  <p:notesMasterIdLst>
+    <p:notesMasterId r:id="rId15"/>
+  </p:notesMasterIdLst>
   <p:sldIdLst>
     <p:sldId id="256" r:id="rId2"/>
     <p:sldId id="257" r:id="rId3"/>
@@ -122,6 +125,1855 @@
     </p:ext>
   </p:extLst>
 </p:presentation>
+</file>
+
+<file path=ppt/notesMasters/notesMaster1.xml><?xml version="1.0" encoding="utf-8"?>
+<p:notesMaster xmlns:a="http://schemas.openxmlformats.org/drawingml/2006/main" xmlns:r="http://schemas.openxmlformats.org/officeDocument/2006/relationships" xmlns:p="http://schemas.openxmlformats.org/presentationml/2006/main">
+  <p:cSld>
+    <p:bg>
+      <p:bgRef idx="1001">
+        <a:schemeClr val="bg1"/>
+      </p:bgRef>
+    </p:bg>
+    <p:spTree>
+      <p:nvGrpSpPr>
+        <p:cNvPr id="1" name=""/>
+        <p:cNvGrpSpPr/>
+        <p:nvPr/>
+      </p:nvGrpSpPr>
+      <p:grpSpPr>
+        <a:xfrm>
+          <a:off x="0" y="0"/>
+          <a:ext cx="0" cy="0"/>
+          <a:chOff x="0" y="0"/>
+          <a:chExt cx="0" cy="0"/>
+        </a:xfrm>
+      </p:grpSpPr>
+      <p:sp>
+        <p:nvSpPr>
+          <p:cNvPr id="2" name="Верхний колонтитул 1"/>
+          <p:cNvSpPr>
+            <a:spLocks noGrp="1"/>
+          </p:cNvSpPr>
+          <p:nvPr>
+            <p:ph type="hdr" sz="quarter"/>
+          </p:nvPr>
+        </p:nvSpPr>
+        <p:spPr>
+          <a:xfrm>
+            <a:off x="0" y="0"/>
+            <a:ext cx="2971800" cy="458788"/>
+          </a:xfrm>
+          <a:prstGeom prst="rect">
+            <a:avLst/>
+          </a:prstGeom>
+        </p:spPr>
+        <p:txBody>
+          <a:bodyPr vert="horz" lIns="91440" tIns="45720" rIns="91440" bIns="45720" rtlCol="0"/>
+          <a:lstStyle>
+            <a:lvl1pPr algn="l">
+              <a:defRPr sz="1200"/>
+            </a:lvl1pPr>
+          </a:lstStyle>
+          <a:p>
+            <a:endParaRPr lang="en-US"/>
+          </a:p>
+        </p:txBody>
+      </p:sp>
+      <p:sp>
+        <p:nvSpPr>
+          <p:cNvPr id="3" name="Дата 2"/>
+          <p:cNvSpPr>
+            <a:spLocks noGrp="1"/>
+          </p:cNvSpPr>
+          <p:nvPr>
+            <p:ph type="dt" idx="1"/>
+          </p:nvPr>
+        </p:nvSpPr>
+        <p:spPr>
+          <a:xfrm>
+            <a:off x="3884613" y="0"/>
+            <a:ext cx="2971800" cy="458788"/>
+          </a:xfrm>
+          <a:prstGeom prst="rect">
+            <a:avLst/>
+          </a:prstGeom>
+        </p:spPr>
+        <p:txBody>
+          <a:bodyPr vert="horz" lIns="91440" tIns="45720" rIns="91440" bIns="45720" rtlCol="0"/>
+          <a:lstStyle>
+            <a:lvl1pPr algn="r">
+              <a:defRPr sz="1200"/>
+            </a:lvl1pPr>
+          </a:lstStyle>
+          <a:p>
+            <a:fld id="{79177F48-C92F-47D2-9273-31D830D531F7}" type="datetimeFigureOut">
+              <a:rPr lang="en-US" smtClean="0"/>
+              <a:t>6/20/2020</a:t>
+            </a:fld>
+            <a:endParaRPr lang="en-US"/>
+          </a:p>
+        </p:txBody>
+      </p:sp>
+      <p:sp>
+        <p:nvSpPr>
+          <p:cNvPr id="4" name="Образ слайда 3"/>
+          <p:cNvSpPr>
+            <a:spLocks noGrp="1" noRot="1" noChangeAspect="1"/>
+          </p:cNvSpPr>
+          <p:nvPr>
+            <p:ph type="sldImg" idx="2"/>
+          </p:nvPr>
+        </p:nvSpPr>
+        <p:spPr>
+          <a:xfrm>
+            <a:off x="685800" y="1143000"/>
+            <a:ext cx="5486400" cy="3086100"/>
+          </a:xfrm>
+          <a:prstGeom prst="rect">
+            <a:avLst/>
+          </a:prstGeom>
+          <a:noFill/>
+          <a:ln w="12700">
+            <a:solidFill>
+              <a:prstClr val="black"/>
+            </a:solidFill>
+          </a:ln>
+        </p:spPr>
+        <p:txBody>
+          <a:bodyPr vert="horz" lIns="91440" tIns="45720" rIns="91440" bIns="45720" rtlCol="0" anchor="ctr"/>
+          <a:lstStyle/>
+          <a:p>
+            <a:endParaRPr lang="en-US"/>
+          </a:p>
+        </p:txBody>
+      </p:sp>
+      <p:sp>
+        <p:nvSpPr>
+          <p:cNvPr id="5" name="Заметки 4"/>
+          <p:cNvSpPr>
+            <a:spLocks noGrp="1"/>
+          </p:cNvSpPr>
+          <p:nvPr>
+            <p:ph type="body" sz="quarter" idx="3"/>
+          </p:nvPr>
+        </p:nvSpPr>
+        <p:spPr>
+          <a:xfrm>
+            <a:off x="685800" y="4400550"/>
+            <a:ext cx="5486400" cy="3600450"/>
+          </a:xfrm>
+          <a:prstGeom prst="rect">
+            <a:avLst/>
+          </a:prstGeom>
+        </p:spPr>
+        <p:txBody>
+          <a:bodyPr vert="horz" lIns="91440" tIns="45720" rIns="91440" bIns="45720" rtlCol="0"/>
+          <a:lstStyle/>
+          <a:p>
+            <a:pPr lvl="0"/>
+            <a:r>
+              <a:rPr lang="ru-RU"/>
+              <a:t>Образец текста</a:t>
+            </a:r>
+          </a:p>
+          <a:p>
+            <a:pPr lvl="1"/>
+            <a:r>
+              <a:rPr lang="ru-RU"/>
+              <a:t>Второй уровень</a:t>
+            </a:r>
+          </a:p>
+          <a:p>
+            <a:pPr lvl="2"/>
+            <a:r>
+              <a:rPr lang="ru-RU"/>
+              <a:t>Третий уровень</a:t>
+            </a:r>
+          </a:p>
+          <a:p>
+            <a:pPr lvl="3"/>
+            <a:r>
+              <a:rPr lang="ru-RU"/>
+              <a:t>Четвертый уровень</a:t>
+            </a:r>
+          </a:p>
+          <a:p>
+            <a:pPr lvl="4"/>
+            <a:r>
+              <a:rPr lang="ru-RU"/>
+              <a:t>Пятый уровень</a:t>
+            </a:r>
+            <a:endParaRPr lang="en-US"/>
+          </a:p>
+        </p:txBody>
+      </p:sp>
+      <p:sp>
+        <p:nvSpPr>
+          <p:cNvPr id="6" name="Нижний колонтитул 5"/>
+          <p:cNvSpPr>
+            <a:spLocks noGrp="1"/>
+          </p:cNvSpPr>
+          <p:nvPr>
+            <p:ph type="ftr" sz="quarter" idx="4"/>
+          </p:nvPr>
+        </p:nvSpPr>
+        <p:spPr>
+          <a:xfrm>
+            <a:off x="0" y="8685213"/>
+            <a:ext cx="2971800" cy="458787"/>
+          </a:xfrm>
+          <a:prstGeom prst="rect">
+            <a:avLst/>
+          </a:prstGeom>
+        </p:spPr>
+        <p:txBody>
+          <a:bodyPr vert="horz" lIns="91440" tIns="45720" rIns="91440" bIns="45720" rtlCol="0" anchor="b"/>
+          <a:lstStyle>
+            <a:lvl1pPr algn="l">
+              <a:defRPr sz="1200"/>
+            </a:lvl1pPr>
+          </a:lstStyle>
+          <a:p>
+            <a:endParaRPr lang="en-US"/>
+          </a:p>
+        </p:txBody>
+      </p:sp>
+      <p:sp>
+        <p:nvSpPr>
+          <p:cNvPr id="7" name="Номер слайда 6"/>
+          <p:cNvSpPr>
+            <a:spLocks noGrp="1"/>
+          </p:cNvSpPr>
+          <p:nvPr>
+            <p:ph type="sldNum" sz="quarter" idx="5"/>
+          </p:nvPr>
+        </p:nvSpPr>
+        <p:spPr>
+          <a:xfrm>
+            <a:off x="3884613" y="8685213"/>
+            <a:ext cx="2971800" cy="458787"/>
+          </a:xfrm>
+          <a:prstGeom prst="rect">
+            <a:avLst/>
+          </a:prstGeom>
+        </p:spPr>
+        <p:txBody>
+          <a:bodyPr vert="horz" lIns="91440" tIns="45720" rIns="91440" bIns="45720" rtlCol="0" anchor="b"/>
+          <a:lstStyle>
+            <a:lvl1pPr algn="r">
+              <a:defRPr sz="1200"/>
+            </a:lvl1pPr>
+          </a:lstStyle>
+          <a:p>
+            <a:fld id="{D5651501-B923-4696-AE39-89BF42D47D12}" type="slidenum">
+              <a:rPr lang="en-US" smtClean="0"/>
+              <a:t>‹#›</a:t>
+            </a:fld>
+            <a:endParaRPr lang="en-US"/>
+          </a:p>
+        </p:txBody>
+      </p:sp>
+    </p:spTree>
+    <p:extLst>
+      <p:ext uri="{BB962C8B-B14F-4D97-AF65-F5344CB8AC3E}">
+        <p14:creationId xmlns:p14="http://schemas.microsoft.com/office/powerpoint/2010/main" val="1560624956"/>
+      </p:ext>
+    </p:extLst>
+  </p:cSld>
+  <p:clrMap bg1="lt1" tx1="dk1" bg2="lt2" tx2="dk2" accent1="accent1" accent2="accent2" accent3="accent3" accent4="accent4" accent5="accent5" accent6="accent6" hlink="hlink" folHlink="folHlink"/>
+  <p:notesStyle>
+    <a:lvl1pPr marL="0" algn="l" defTabSz="914400" rtl="0" eaLnBrk="1" latinLnBrk="0" hangingPunct="1">
+      <a:defRPr sz="1200" kern="1200">
+        <a:solidFill>
+          <a:schemeClr val="tx1"/>
+        </a:solidFill>
+        <a:latin typeface="+mn-lt"/>
+        <a:ea typeface="+mn-ea"/>
+        <a:cs typeface="+mn-cs"/>
+      </a:defRPr>
+    </a:lvl1pPr>
+    <a:lvl2pPr marL="457200" algn="l" defTabSz="914400" rtl="0" eaLnBrk="1" latinLnBrk="0" hangingPunct="1">
+      <a:defRPr sz="1200" kern="1200">
+        <a:solidFill>
+          <a:schemeClr val="tx1"/>
+        </a:solidFill>
+        <a:latin typeface="+mn-lt"/>
+        <a:ea typeface="+mn-ea"/>
+        <a:cs typeface="+mn-cs"/>
+      </a:defRPr>
+    </a:lvl2pPr>
+    <a:lvl3pPr marL="914400" algn="l" defTabSz="914400" rtl="0" eaLnBrk="1" latinLnBrk="0" hangingPunct="1">
+      <a:defRPr sz="1200" kern="1200">
+        <a:solidFill>
+          <a:schemeClr val="tx1"/>
+        </a:solidFill>
+        <a:latin typeface="+mn-lt"/>
+        <a:ea typeface="+mn-ea"/>
+        <a:cs typeface="+mn-cs"/>
+      </a:defRPr>
+    </a:lvl3pPr>
+    <a:lvl4pPr marL="1371600" algn="l" defTabSz="914400" rtl="0" eaLnBrk="1" latinLnBrk="0" hangingPunct="1">
+      <a:defRPr sz="1200" kern="1200">
+        <a:solidFill>
+          <a:schemeClr val="tx1"/>
+        </a:solidFill>
+        <a:latin typeface="+mn-lt"/>
+        <a:ea typeface="+mn-ea"/>
+        <a:cs typeface="+mn-cs"/>
+      </a:defRPr>
+    </a:lvl4pPr>
+    <a:lvl5pPr marL="1828800" algn="l" defTabSz="914400" rtl="0" eaLnBrk="1" latinLnBrk="0" hangingPunct="1">
+      <a:defRPr sz="1200" kern="1200">
+        <a:solidFill>
+          <a:schemeClr val="tx1"/>
+        </a:solidFill>
+        <a:latin typeface="+mn-lt"/>
+        <a:ea typeface="+mn-ea"/>
+        <a:cs typeface="+mn-cs"/>
+      </a:defRPr>
+    </a:lvl5pPr>
+    <a:lvl6pPr marL="2286000" algn="l" defTabSz="914400" rtl="0" eaLnBrk="1" latinLnBrk="0" hangingPunct="1">
+      <a:defRPr sz="1200" kern="1200">
+        <a:solidFill>
+          <a:schemeClr val="tx1"/>
+        </a:solidFill>
+        <a:latin typeface="+mn-lt"/>
+        <a:ea typeface="+mn-ea"/>
+        <a:cs typeface="+mn-cs"/>
+      </a:defRPr>
+    </a:lvl6pPr>
+    <a:lvl7pPr marL="2743200" algn="l" defTabSz="914400" rtl="0" eaLnBrk="1" latinLnBrk="0" hangingPunct="1">
+      <a:defRPr sz="1200" kern="1200">
+        <a:solidFill>
+          <a:schemeClr val="tx1"/>
+        </a:solidFill>
+        <a:latin typeface="+mn-lt"/>
+        <a:ea typeface="+mn-ea"/>
+        <a:cs typeface="+mn-cs"/>
+      </a:defRPr>
+    </a:lvl7pPr>
+    <a:lvl8pPr marL="3200400" algn="l" defTabSz="914400" rtl="0" eaLnBrk="1" latinLnBrk="0" hangingPunct="1">
+      <a:defRPr sz="1200" kern="1200">
+        <a:solidFill>
+          <a:schemeClr val="tx1"/>
+        </a:solidFill>
+        <a:latin typeface="+mn-lt"/>
+        <a:ea typeface="+mn-ea"/>
+        <a:cs typeface="+mn-cs"/>
+      </a:defRPr>
+    </a:lvl8pPr>
+    <a:lvl9pPr marL="3657600" algn="l" defTabSz="914400" rtl="0" eaLnBrk="1" latinLnBrk="0" hangingPunct="1">
+      <a:defRPr sz="1200" kern="1200">
+        <a:solidFill>
+          <a:schemeClr val="tx1"/>
+        </a:solidFill>
+        <a:latin typeface="+mn-lt"/>
+        <a:ea typeface="+mn-ea"/>
+        <a:cs typeface="+mn-cs"/>
+      </a:defRPr>
+    </a:lvl9pPr>
+  </p:notesStyle>
+</p:notesMaster>
+</file>
+
+<file path=ppt/notesSlides/notesSlide1.xml><?xml version="1.0" encoding="utf-8"?>
+<p:notes xmlns:a="http://schemas.openxmlformats.org/drawingml/2006/main" xmlns:r="http://schemas.openxmlformats.org/officeDocument/2006/relationships" xmlns:p="http://schemas.openxmlformats.org/presentationml/2006/main">
+  <p:cSld>
+    <p:spTree>
+      <p:nvGrpSpPr>
+        <p:cNvPr id="1" name=""/>
+        <p:cNvGrpSpPr/>
+        <p:nvPr/>
+      </p:nvGrpSpPr>
+      <p:grpSpPr>
+        <a:xfrm>
+          <a:off x="0" y="0"/>
+          <a:ext cx="0" cy="0"/>
+          <a:chOff x="0" y="0"/>
+          <a:chExt cx="0" cy="0"/>
+        </a:xfrm>
+      </p:grpSpPr>
+      <p:sp>
+        <p:nvSpPr>
+          <p:cNvPr id="2" name="Образ слайда 1"/>
+          <p:cNvSpPr>
+            <a:spLocks noGrp="1" noRot="1" noChangeAspect="1"/>
+          </p:cNvSpPr>
+          <p:nvPr>
+            <p:ph type="sldImg"/>
+          </p:nvPr>
+        </p:nvSpPr>
+        <p:spPr/>
+      </p:sp>
+      <p:sp>
+        <p:nvSpPr>
+          <p:cNvPr id="3" name="Заметки 2"/>
+          <p:cNvSpPr>
+            <a:spLocks noGrp="1"/>
+          </p:cNvSpPr>
+          <p:nvPr>
+            <p:ph type="body" idx="1"/>
+          </p:nvPr>
+        </p:nvSpPr>
+        <p:spPr/>
+        <p:txBody>
+          <a:bodyPr/>
+          <a:lstStyle/>
+          <a:p>
+            <a:r>
+              <a:rPr lang="ru-RU" dirty="0"/>
+              <a:t>Здравствуйте. Мы команда </a:t>
+            </a:r>
+            <a:r>
+              <a:rPr lang="en-US" dirty="0" err="1"/>
+              <a:t>Scrypted</a:t>
+            </a:r>
+            <a:r>
+              <a:rPr lang="en-US" dirty="0"/>
+              <a:t> </a:t>
+            </a:r>
+            <a:r>
+              <a:rPr lang="ru-RU" dirty="0"/>
+              <a:t>и мы готовы представить наше решение.</a:t>
+            </a:r>
+            <a:endParaRPr lang="en-US" dirty="0"/>
+          </a:p>
+        </p:txBody>
+      </p:sp>
+      <p:sp>
+        <p:nvSpPr>
+          <p:cNvPr id="4" name="Номер слайда 3"/>
+          <p:cNvSpPr>
+            <a:spLocks noGrp="1"/>
+          </p:cNvSpPr>
+          <p:nvPr>
+            <p:ph type="sldNum" sz="quarter" idx="5"/>
+          </p:nvPr>
+        </p:nvSpPr>
+        <p:spPr/>
+        <p:txBody>
+          <a:bodyPr/>
+          <a:lstStyle/>
+          <a:p>
+            <a:fld id="{D5651501-B923-4696-AE39-89BF42D47D12}" type="slidenum">
+              <a:rPr lang="en-US" smtClean="0"/>
+              <a:t>1</a:t>
+            </a:fld>
+            <a:endParaRPr lang="en-US"/>
+          </a:p>
+        </p:txBody>
+      </p:sp>
+    </p:spTree>
+    <p:extLst>
+      <p:ext uri="{BB962C8B-B14F-4D97-AF65-F5344CB8AC3E}">
+        <p14:creationId xmlns:p14="http://schemas.microsoft.com/office/powerpoint/2010/main" val="4226592835"/>
+      </p:ext>
+    </p:extLst>
+  </p:cSld>
+  <p:clrMapOvr>
+    <a:masterClrMapping/>
+  </p:clrMapOvr>
+</p:notes>
+</file>
+
+<file path=ppt/notesSlides/notesSlide10.xml><?xml version="1.0" encoding="utf-8"?>
+<p:notes xmlns:a="http://schemas.openxmlformats.org/drawingml/2006/main" xmlns:r="http://schemas.openxmlformats.org/officeDocument/2006/relationships" xmlns:p="http://schemas.openxmlformats.org/presentationml/2006/main">
+  <p:cSld>
+    <p:spTree>
+      <p:nvGrpSpPr>
+        <p:cNvPr id="1" name=""/>
+        <p:cNvGrpSpPr/>
+        <p:nvPr/>
+      </p:nvGrpSpPr>
+      <p:grpSpPr>
+        <a:xfrm>
+          <a:off x="0" y="0"/>
+          <a:ext cx="0" cy="0"/>
+          <a:chOff x="0" y="0"/>
+          <a:chExt cx="0" cy="0"/>
+        </a:xfrm>
+      </p:grpSpPr>
+      <p:sp>
+        <p:nvSpPr>
+          <p:cNvPr id="2" name="Образ слайда 1"/>
+          <p:cNvSpPr>
+            <a:spLocks noGrp="1" noRot="1" noChangeAspect="1"/>
+          </p:cNvSpPr>
+          <p:nvPr>
+            <p:ph type="sldImg"/>
+          </p:nvPr>
+        </p:nvSpPr>
+        <p:spPr/>
+      </p:sp>
+      <p:sp>
+        <p:nvSpPr>
+          <p:cNvPr id="3" name="Заметки 2"/>
+          <p:cNvSpPr>
+            <a:spLocks noGrp="1"/>
+          </p:cNvSpPr>
+          <p:nvPr>
+            <p:ph type="body" idx="1"/>
+          </p:nvPr>
+        </p:nvSpPr>
+        <p:spPr/>
+        <p:txBody>
+          <a:bodyPr/>
+          <a:lstStyle/>
+          <a:p>
+            <a:r>
+              <a:rPr lang="ru-RU" dirty="0"/>
+              <a:t>Мы также при разработке и внедрении придерживаемся принципов масштабируемости на базе </a:t>
+            </a:r>
+            <a:r>
+              <a:rPr lang="en-US" dirty="0"/>
+              <a:t>docker </a:t>
+            </a:r>
+            <a:r>
+              <a:rPr lang="ru-RU" dirty="0"/>
+              <a:t>и </a:t>
+            </a:r>
+            <a:r>
+              <a:rPr lang="ru-RU" dirty="0" err="1"/>
+              <a:t>кубернэтс</a:t>
+            </a:r>
+            <a:r>
+              <a:rPr lang="ru-RU" dirty="0"/>
+              <a:t> и кластерные базы данных. Можем использовать свободное по, российские ОС и облачные технологии защищенные в соответствии с законом о защите персональных данных.</a:t>
+            </a:r>
+            <a:endParaRPr lang="en-US" dirty="0"/>
+          </a:p>
+        </p:txBody>
+      </p:sp>
+      <p:sp>
+        <p:nvSpPr>
+          <p:cNvPr id="4" name="Номер слайда 3"/>
+          <p:cNvSpPr>
+            <a:spLocks noGrp="1"/>
+          </p:cNvSpPr>
+          <p:nvPr>
+            <p:ph type="sldNum" sz="quarter" idx="5"/>
+          </p:nvPr>
+        </p:nvSpPr>
+        <p:spPr/>
+        <p:txBody>
+          <a:bodyPr/>
+          <a:lstStyle/>
+          <a:p>
+            <a:fld id="{D5651501-B923-4696-AE39-89BF42D47D12}" type="slidenum">
+              <a:rPr lang="en-US" smtClean="0"/>
+              <a:t>10</a:t>
+            </a:fld>
+            <a:endParaRPr lang="en-US"/>
+          </a:p>
+        </p:txBody>
+      </p:sp>
+    </p:spTree>
+    <p:extLst>
+      <p:ext uri="{BB962C8B-B14F-4D97-AF65-F5344CB8AC3E}">
+        <p14:creationId xmlns:p14="http://schemas.microsoft.com/office/powerpoint/2010/main" val="1486525574"/>
+      </p:ext>
+    </p:extLst>
+  </p:cSld>
+  <p:clrMapOvr>
+    <a:masterClrMapping/>
+  </p:clrMapOvr>
+</p:notes>
+</file>
+
+<file path=ppt/notesSlides/notesSlide11.xml><?xml version="1.0" encoding="utf-8"?>
+<p:notes xmlns:a="http://schemas.openxmlformats.org/drawingml/2006/main" xmlns:r="http://schemas.openxmlformats.org/officeDocument/2006/relationships" xmlns:p="http://schemas.openxmlformats.org/presentationml/2006/main">
+  <p:cSld>
+    <p:spTree>
+      <p:nvGrpSpPr>
+        <p:cNvPr id="1" name=""/>
+        <p:cNvGrpSpPr/>
+        <p:nvPr/>
+      </p:nvGrpSpPr>
+      <p:grpSpPr>
+        <a:xfrm>
+          <a:off x="0" y="0"/>
+          <a:ext cx="0" cy="0"/>
+          <a:chOff x="0" y="0"/>
+          <a:chExt cx="0" cy="0"/>
+        </a:xfrm>
+      </p:grpSpPr>
+      <p:sp>
+        <p:nvSpPr>
+          <p:cNvPr id="2" name="Образ слайда 1"/>
+          <p:cNvSpPr>
+            <a:spLocks noGrp="1" noRot="1" noChangeAspect="1"/>
+          </p:cNvSpPr>
+          <p:nvPr>
+            <p:ph type="sldImg"/>
+          </p:nvPr>
+        </p:nvSpPr>
+        <p:spPr/>
+      </p:sp>
+      <p:sp>
+        <p:nvSpPr>
+          <p:cNvPr id="3" name="Заметки 2"/>
+          <p:cNvSpPr>
+            <a:spLocks noGrp="1"/>
+          </p:cNvSpPr>
+          <p:nvPr>
+            <p:ph type="body" idx="1"/>
+          </p:nvPr>
+        </p:nvSpPr>
+        <p:spPr/>
+        <p:txBody>
+          <a:bodyPr/>
+          <a:lstStyle/>
+          <a:p>
+            <a:r>
+              <a:rPr lang="ru-RU" dirty="0"/>
+              <a:t>В итоге наших разработок интеграцию в сторонние ИТ решения можно производить через </a:t>
+            </a:r>
+            <a:r>
+              <a:rPr lang="en-US" dirty="0"/>
+              <a:t>API, </a:t>
+            </a:r>
+            <a:r>
+              <a:rPr lang="ru-RU" dirty="0" err="1"/>
+              <a:t>Фрэймворки</a:t>
+            </a:r>
+            <a:r>
+              <a:rPr lang="ru-RU" dirty="0"/>
+              <a:t>, </a:t>
+            </a:r>
+            <a:r>
+              <a:rPr lang="en-US" dirty="0"/>
+              <a:t>OAuth</a:t>
+            </a:r>
+          </a:p>
+        </p:txBody>
+      </p:sp>
+      <p:sp>
+        <p:nvSpPr>
+          <p:cNvPr id="4" name="Номер слайда 3"/>
+          <p:cNvSpPr>
+            <a:spLocks noGrp="1"/>
+          </p:cNvSpPr>
+          <p:nvPr>
+            <p:ph type="sldNum" sz="quarter" idx="5"/>
+          </p:nvPr>
+        </p:nvSpPr>
+        <p:spPr/>
+        <p:txBody>
+          <a:bodyPr/>
+          <a:lstStyle/>
+          <a:p>
+            <a:fld id="{D5651501-B923-4696-AE39-89BF42D47D12}" type="slidenum">
+              <a:rPr lang="en-US" smtClean="0"/>
+              <a:t>11</a:t>
+            </a:fld>
+            <a:endParaRPr lang="en-US"/>
+          </a:p>
+        </p:txBody>
+      </p:sp>
+    </p:spTree>
+    <p:extLst>
+      <p:ext uri="{BB962C8B-B14F-4D97-AF65-F5344CB8AC3E}">
+        <p14:creationId xmlns:p14="http://schemas.microsoft.com/office/powerpoint/2010/main" val="1225032639"/>
+      </p:ext>
+    </p:extLst>
+  </p:cSld>
+  <p:clrMapOvr>
+    <a:masterClrMapping/>
+  </p:clrMapOvr>
+</p:notes>
+</file>
+
+<file path=ppt/notesSlides/notesSlide12.xml><?xml version="1.0" encoding="utf-8"?>
+<p:notes xmlns:a="http://schemas.openxmlformats.org/drawingml/2006/main" xmlns:r="http://schemas.openxmlformats.org/officeDocument/2006/relationships" xmlns:p="http://schemas.openxmlformats.org/presentationml/2006/main">
+  <p:cSld>
+    <p:spTree>
+      <p:nvGrpSpPr>
+        <p:cNvPr id="1" name=""/>
+        <p:cNvGrpSpPr/>
+        <p:nvPr/>
+      </p:nvGrpSpPr>
+      <p:grpSpPr>
+        <a:xfrm>
+          <a:off x="0" y="0"/>
+          <a:ext cx="0" cy="0"/>
+          <a:chOff x="0" y="0"/>
+          <a:chExt cx="0" cy="0"/>
+        </a:xfrm>
+      </p:grpSpPr>
+      <p:sp>
+        <p:nvSpPr>
+          <p:cNvPr id="2" name="Образ слайда 1"/>
+          <p:cNvSpPr>
+            <a:spLocks noGrp="1" noRot="1" noChangeAspect="1"/>
+          </p:cNvSpPr>
+          <p:nvPr>
+            <p:ph type="sldImg"/>
+          </p:nvPr>
+        </p:nvSpPr>
+        <p:spPr/>
+      </p:sp>
+      <p:sp>
+        <p:nvSpPr>
+          <p:cNvPr id="3" name="Заметки 2"/>
+          <p:cNvSpPr>
+            <a:spLocks noGrp="1"/>
+          </p:cNvSpPr>
+          <p:nvPr>
+            <p:ph type="body" idx="1"/>
+          </p:nvPr>
+        </p:nvSpPr>
+        <p:spPr/>
+        <p:txBody>
+          <a:bodyPr/>
+          <a:lstStyle/>
+          <a:p>
+            <a:r>
+              <a:rPr lang="ru-RU" dirty="0"/>
+              <a:t>По трудозатратам примерный расчет показал, что на разработку решения требуется 3 месяца при команде в 5 человек.</a:t>
+            </a:r>
+            <a:endParaRPr lang="en-US" dirty="0"/>
+          </a:p>
+        </p:txBody>
+      </p:sp>
+      <p:sp>
+        <p:nvSpPr>
+          <p:cNvPr id="4" name="Номер слайда 3"/>
+          <p:cNvSpPr>
+            <a:spLocks noGrp="1"/>
+          </p:cNvSpPr>
+          <p:nvPr>
+            <p:ph type="sldNum" sz="quarter" idx="5"/>
+          </p:nvPr>
+        </p:nvSpPr>
+        <p:spPr/>
+        <p:txBody>
+          <a:bodyPr/>
+          <a:lstStyle/>
+          <a:p>
+            <a:fld id="{D5651501-B923-4696-AE39-89BF42D47D12}" type="slidenum">
+              <a:rPr lang="en-US" smtClean="0"/>
+              <a:t>12</a:t>
+            </a:fld>
+            <a:endParaRPr lang="en-US"/>
+          </a:p>
+        </p:txBody>
+      </p:sp>
+    </p:spTree>
+    <p:extLst>
+      <p:ext uri="{BB962C8B-B14F-4D97-AF65-F5344CB8AC3E}">
+        <p14:creationId xmlns:p14="http://schemas.microsoft.com/office/powerpoint/2010/main" val="3411476763"/>
+      </p:ext>
+    </p:extLst>
+  </p:cSld>
+  <p:clrMapOvr>
+    <a:masterClrMapping/>
+  </p:clrMapOvr>
+</p:notes>
+</file>
+
+<file path=ppt/notesSlides/notesSlide13.xml><?xml version="1.0" encoding="utf-8"?>
+<p:notes xmlns:a="http://schemas.openxmlformats.org/drawingml/2006/main" xmlns:r="http://schemas.openxmlformats.org/officeDocument/2006/relationships" xmlns:p="http://schemas.openxmlformats.org/presentationml/2006/main">
+  <p:cSld>
+    <p:spTree>
+      <p:nvGrpSpPr>
+        <p:cNvPr id="1" name=""/>
+        <p:cNvGrpSpPr/>
+        <p:nvPr/>
+      </p:nvGrpSpPr>
+      <p:grpSpPr>
+        <a:xfrm>
+          <a:off x="0" y="0"/>
+          <a:ext cx="0" cy="0"/>
+          <a:chOff x="0" y="0"/>
+          <a:chExt cx="0" cy="0"/>
+        </a:xfrm>
+      </p:grpSpPr>
+      <p:sp>
+        <p:nvSpPr>
+          <p:cNvPr id="2" name="Образ слайда 1"/>
+          <p:cNvSpPr>
+            <a:spLocks noGrp="1" noRot="1" noChangeAspect="1"/>
+          </p:cNvSpPr>
+          <p:nvPr>
+            <p:ph type="sldImg"/>
+          </p:nvPr>
+        </p:nvSpPr>
+        <p:spPr/>
+      </p:sp>
+      <p:sp>
+        <p:nvSpPr>
+          <p:cNvPr id="3" name="Заметки 2"/>
+          <p:cNvSpPr>
+            <a:spLocks noGrp="1"/>
+          </p:cNvSpPr>
+          <p:nvPr>
+            <p:ph type="body" idx="1"/>
+          </p:nvPr>
+        </p:nvSpPr>
+        <p:spPr/>
+        <p:txBody>
+          <a:bodyPr/>
+          <a:lstStyle/>
+          <a:p>
+            <a:r>
+              <a:rPr lang="ru-RU" dirty="0"/>
+              <a:t>На этом презентация закончена. Спасибо за внимание.</a:t>
+            </a:r>
+            <a:endParaRPr lang="en-US" dirty="0"/>
+          </a:p>
+        </p:txBody>
+      </p:sp>
+      <p:sp>
+        <p:nvSpPr>
+          <p:cNvPr id="4" name="Номер слайда 3"/>
+          <p:cNvSpPr>
+            <a:spLocks noGrp="1"/>
+          </p:cNvSpPr>
+          <p:nvPr>
+            <p:ph type="sldNum" sz="quarter" idx="5"/>
+          </p:nvPr>
+        </p:nvSpPr>
+        <p:spPr/>
+        <p:txBody>
+          <a:bodyPr/>
+          <a:lstStyle/>
+          <a:p>
+            <a:fld id="{D5651501-B923-4696-AE39-89BF42D47D12}" type="slidenum">
+              <a:rPr lang="en-US" smtClean="0"/>
+              <a:t>13</a:t>
+            </a:fld>
+            <a:endParaRPr lang="en-US"/>
+          </a:p>
+        </p:txBody>
+      </p:sp>
+    </p:spTree>
+    <p:extLst>
+      <p:ext uri="{BB962C8B-B14F-4D97-AF65-F5344CB8AC3E}">
+        <p14:creationId xmlns:p14="http://schemas.microsoft.com/office/powerpoint/2010/main" val="839754422"/>
+      </p:ext>
+    </p:extLst>
+  </p:cSld>
+  <p:clrMapOvr>
+    <a:masterClrMapping/>
+  </p:clrMapOvr>
+</p:notes>
+</file>
+
+<file path=ppt/notesSlides/notesSlide2.xml><?xml version="1.0" encoding="utf-8"?>
+<p:notes xmlns:a="http://schemas.openxmlformats.org/drawingml/2006/main" xmlns:r="http://schemas.openxmlformats.org/officeDocument/2006/relationships" xmlns:p="http://schemas.openxmlformats.org/presentationml/2006/main">
+  <p:cSld>
+    <p:spTree>
+      <p:nvGrpSpPr>
+        <p:cNvPr id="1" name=""/>
+        <p:cNvGrpSpPr/>
+        <p:nvPr/>
+      </p:nvGrpSpPr>
+      <p:grpSpPr>
+        <a:xfrm>
+          <a:off x="0" y="0"/>
+          <a:ext cx="0" cy="0"/>
+          <a:chOff x="0" y="0"/>
+          <a:chExt cx="0" cy="0"/>
+        </a:xfrm>
+      </p:grpSpPr>
+      <p:sp>
+        <p:nvSpPr>
+          <p:cNvPr id="2" name="Образ слайда 1"/>
+          <p:cNvSpPr>
+            <a:spLocks noGrp="1" noRot="1" noChangeAspect="1"/>
+          </p:cNvSpPr>
+          <p:nvPr>
+            <p:ph type="sldImg"/>
+          </p:nvPr>
+        </p:nvSpPr>
+        <p:spPr/>
+      </p:sp>
+      <p:sp>
+        <p:nvSpPr>
+          <p:cNvPr id="3" name="Заметки 2"/>
+          <p:cNvSpPr>
+            <a:spLocks noGrp="1"/>
+          </p:cNvSpPr>
+          <p:nvPr>
+            <p:ph type="body" idx="1"/>
+          </p:nvPr>
+        </p:nvSpPr>
+        <p:spPr/>
+        <p:txBody>
+          <a:bodyPr/>
+          <a:lstStyle/>
+          <a:p>
+            <a:r>
+              <a:rPr lang="ru-RU" dirty="0"/>
+              <a:t>Результатом нашей работы является доработанный </a:t>
+            </a:r>
+            <a:r>
+              <a:rPr lang="ru-RU" dirty="0" err="1"/>
+              <a:t>фрэймворк</a:t>
+            </a:r>
+            <a:r>
+              <a:rPr lang="ru-RU" dirty="0"/>
+              <a:t>, который позволяет разработчикам программных продуктов использовать в полной мере почтовые адреса пользователей на кириллице.</a:t>
+            </a:r>
+          </a:p>
+          <a:p>
+            <a:r>
+              <a:rPr lang="ru-RU" dirty="0"/>
+              <a:t>На базе этого </a:t>
+            </a:r>
+            <a:r>
+              <a:rPr lang="ru-RU" dirty="0" err="1"/>
+              <a:t>фрэмворка</a:t>
+            </a:r>
+            <a:r>
+              <a:rPr lang="ru-RU" dirty="0"/>
+              <a:t> мы создали уникальную экосистему, которая позволяет в едином пространстве коммуницировать с государственными службами, получать важные уведомления в едином пространстве, и использовать почтовые адреса на кириллице. Также наше решение может послужить примером для сторонних разработчиков – внедряющих возможности использования национальных доменов в свои решения.</a:t>
+            </a:r>
+            <a:endParaRPr lang="en-US" dirty="0"/>
+          </a:p>
+        </p:txBody>
+      </p:sp>
+      <p:sp>
+        <p:nvSpPr>
+          <p:cNvPr id="4" name="Номер слайда 3"/>
+          <p:cNvSpPr>
+            <a:spLocks noGrp="1"/>
+          </p:cNvSpPr>
+          <p:nvPr>
+            <p:ph type="sldNum" sz="quarter" idx="5"/>
+          </p:nvPr>
+        </p:nvSpPr>
+        <p:spPr/>
+        <p:txBody>
+          <a:bodyPr/>
+          <a:lstStyle/>
+          <a:p>
+            <a:fld id="{D5651501-B923-4696-AE39-89BF42D47D12}" type="slidenum">
+              <a:rPr lang="en-US" smtClean="0"/>
+              <a:t>2</a:t>
+            </a:fld>
+            <a:endParaRPr lang="en-US"/>
+          </a:p>
+        </p:txBody>
+      </p:sp>
+    </p:spTree>
+    <p:extLst>
+      <p:ext uri="{BB962C8B-B14F-4D97-AF65-F5344CB8AC3E}">
+        <p14:creationId xmlns:p14="http://schemas.microsoft.com/office/powerpoint/2010/main" val="2273029297"/>
+      </p:ext>
+    </p:extLst>
+  </p:cSld>
+  <p:clrMapOvr>
+    <a:masterClrMapping/>
+  </p:clrMapOvr>
+</p:notes>
+</file>
+
+<file path=ppt/notesSlides/notesSlide3.xml><?xml version="1.0" encoding="utf-8"?>
+<p:notes xmlns:a="http://schemas.openxmlformats.org/drawingml/2006/main" xmlns:r="http://schemas.openxmlformats.org/officeDocument/2006/relationships" xmlns:p="http://schemas.openxmlformats.org/presentationml/2006/main">
+  <p:cSld>
+    <p:spTree>
+      <p:nvGrpSpPr>
+        <p:cNvPr id="1" name=""/>
+        <p:cNvGrpSpPr/>
+        <p:nvPr/>
+      </p:nvGrpSpPr>
+      <p:grpSpPr>
+        <a:xfrm>
+          <a:off x="0" y="0"/>
+          <a:ext cx="0" cy="0"/>
+          <a:chOff x="0" y="0"/>
+          <a:chExt cx="0" cy="0"/>
+        </a:xfrm>
+      </p:grpSpPr>
+      <p:sp>
+        <p:nvSpPr>
+          <p:cNvPr id="2" name="Образ слайда 1"/>
+          <p:cNvSpPr>
+            <a:spLocks noGrp="1" noRot="1" noChangeAspect="1"/>
+          </p:cNvSpPr>
+          <p:nvPr>
+            <p:ph type="sldImg"/>
+          </p:nvPr>
+        </p:nvSpPr>
+        <p:spPr/>
+      </p:sp>
+      <p:sp>
+        <p:nvSpPr>
+          <p:cNvPr id="3" name="Заметки 2"/>
+          <p:cNvSpPr>
+            <a:spLocks noGrp="1"/>
+          </p:cNvSpPr>
+          <p:nvPr>
+            <p:ph type="body" idx="1"/>
+          </p:nvPr>
+        </p:nvSpPr>
+        <p:spPr/>
+        <p:txBody>
+          <a:bodyPr/>
+          <a:lstStyle/>
+          <a:p>
+            <a:r>
+              <a:rPr lang="ru-RU" dirty="0"/>
+              <a:t>Для выявления текущих проблем Мы провели мониторинг различных </a:t>
+            </a:r>
+            <a:r>
+              <a:rPr lang="ru-RU" dirty="0" err="1"/>
+              <a:t>фрэймворков</a:t>
+            </a:r>
+            <a:r>
+              <a:rPr lang="ru-RU" dirty="0"/>
+              <a:t> и выявили, что они не полностью приспособлены к почтовым адресам в национальных зонах.</a:t>
+            </a:r>
+          </a:p>
+          <a:p>
+            <a:r>
+              <a:rPr lang="ru-RU" dirty="0"/>
+              <a:t>Также мало публичных сервисов использующих национальные домены.</a:t>
+            </a:r>
+            <a:endParaRPr lang="en-US" dirty="0"/>
+          </a:p>
+        </p:txBody>
+      </p:sp>
+      <p:sp>
+        <p:nvSpPr>
+          <p:cNvPr id="4" name="Номер слайда 3"/>
+          <p:cNvSpPr>
+            <a:spLocks noGrp="1"/>
+          </p:cNvSpPr>
+          <p:nvPr>
+            <p:ph type="sldNum" sz="quarter" idx="5"/>
+          </p:nvPr>
+        </p:nvSpPr>
+        <p:spPr/>
+        <p:txBody>
+          <a:bodyPr/>
+          <a:lstStyle/>
+          <a:p>
+            <a:fld id="{D5651501-B923-4696-AE39-89BF42D47D12}" type="slidenum">
+              <a:rPr lang="en-US" smtClean="0"/>
+              <a:t>3</a:t>
+            </a:fld>
+            <a:endParaRPr lang="en-US"/>
+          </a:p>
+        </p:txBody>
+      </p:sp>
+    </p:spTree>
+    <p:extLst>
+      <p:ext uri="{BB962C8B-B14F-4D97-AF65-F5344CB8AC3E}">
+        <p14:creationId xmlns:p14="http://schemas.microsoft.com/office/powerpoint/2010/main" val="3594404100"/>
+      </p:ext>
+    </p:extLst>
+  </p:cSld>
+  <p:clrMapOvr>
+    <a:masterClrMapping/>
+  </p:clrMapOvr>
+</p:notes>
+</file>
+
+<file path=ppt/notesSlides/notesSlide4.xml><?xml version="1.0" encoding="utf-8"?>
+<p:notes xmlns:a="http://schemas.openxmlformats.org/drawingml/2006/main" xmlns:r="http://schemas.openxmlformats.org/officeDocument/2006/relationships" xmlns:p="http://schemas.openxmlformats.org/presentationml/2006/main">
+  <p:cSld>
+    <p:spTree>
+      <p:nvGrpSpPr>
+        <p:cNvPr id="1" name=""/>
+        <p:cNvGrpSpPr/>
+        <p:nvPr/>
+      </p:nvGrpSpPr>
+      <p:grpSpPr>
+        <a:xfrm>
+          <a:off x="0" y="0"/>
+          <a:ext cx="0" cy="0"/>
+          <a:chOff x="0" y="0"/>
+          <a:chExt cx="0" cy="0"/>
+        </a:xfrm>
+      </p:grpSpPr>
+      <p:sp>
+        <p:nvSpPr>
+          <p:cNvPr id="2" name="Образ слайда 1"/>
+          <p:cNvSpPr>
+            <a:spLocks noGrp="1" noRot="1" noChangeAspect="1"/>
+          </p:cNvSpPr>
+          <p:nvPr>
+            <p:ph type="sldImg"/>
+          </p:nvPr>
+        </p:nvSpPr>
+        <p:spPr/>
+      </p:sp>
+      <p:sp>
+        <p:nvSpPr>
+          <p:cNvPr id="3" name="Заметки 2"/>
+          <p:cNvSpPr>
+            <a:spLocks noGrp="1"/>
+          </p:cNvSpPr>
+          <p:nvPr>
+            <p:ph type="body" idx="1"/>
+          </p:nvPr>
+        </p:nvSpPr>
+        <p:spPr/>
+        <p:txBody>
+          <a:bodyPr/>
+          <a:lstStyle/>
+          <a:p>
+            <a:r>
+              <a:rPr lang="ru-RU" dirty="0"/>
+              <a:t>Мы провели опрос среди разработчиков и пользователей и выяснили, что разработчики охотно бы использовали доработанные </a:t>
+            </a:r>
+            <a:r>
+              <a:rPr lang="ru-RU" dirty="0" err="1"/>
+              <a:t>фрэймворки</a:t>
+            </a:r>
+            <a:r>
+              <a:rPr lang="ru-RU" dirty="0"/>
+              <a:t> в своих решениях. При этом они не желают добавлять авторизацию с помощью </a:t>
+            </a:r>
+            <a:r>
+              <a:rPr lang="en-US" dirty="0"/>
+              <a:t>OAuth</a:t>
+            </a:r>
+          </a:p>
+        </p:txBody>
+      </p:sp>
+      <p:sp>
+        <p:nvSpPr>
+          <p:cNvPr id="4" name="Номер слайда 3"/>
+          <p:cNvSpPr>
+            <a:spLocks noGrp="1"/>
+          </p:cNvSpPr>
+          <p:nvPr>
+            <p:ph type="sldNum" sz="quarter" idx="5"/>
+          </p:nvPr>
+        </p:nvSpPr>
+        <p:spPr/>
+        <p:txBody>
+          <a:bodyPr/>
+          <a:lstStyle/>
+          <a:p>
+            <a:fld id="{D5651501-B923-4696-AE39-89BF42D47D12}" type="slidenum">
+              <a:rPr lang="en-US" smtClean="0"/>
+              <a:t>4</a:t>
+            </a:fld>
+            <a:endParaRPr lang="en-US"/>
+          </a:p>
+        </p:txBody>
+      </p:sp>
+    </p:spTree>
+    <p:extLst>
+      <p:ext uri="{BB962C8B-B14F-4D97-AF65-F5344CB8AC3E}">
+        <p14:creationId xmlns:p14="http://schemas.microsoft.com/office/powerpoint/2010/main" val="1441913576"/>
+      </p:ext>
+    </p:extLst>
+  </p:cSld>
+  <p:clrMapOvr>
+    <a:masterClrMapping/>
+  </p:clrMapOvr>
+</p:notes>
+</file>
+
+<file path=ppt/notesSlides/notesSlide5.xml><?xml version="1.0" encoding="utf-8"?>
+<p:notes xmlns:a="http://schemas.openxmlformats.org/drawingml/2006/main" xmlns:r="http://schemas.openxmlformats.org/officeDocument/2006/relationships" xmlns:p="http://schemas.openxmlformats.org/presentationml/2006/main">
+  <p:cSld>
+    <p:spTree>
+      <p:nvGrpSpPr>
+        <p:cNvPr id="1" name=""/>
+        <p:cNvGrpSpPr/>
+        <p:nvPr/>
+      </p:nvGrpSpPr>
+      <p:grpSpPr>
+        <a:xfrm>
+          <a:off x="0" y="0"/>
+          <a:ext cx="0" cy="0"/>
+          <a:chOff x="0" y="0"/>
+          <a:chExt cx="0" cy="0"/>
+        </a:xfrm>
+      </p:grpSpPr>
+      <p:sp>
+        <p:nvSpPr>
+          <p:cNvPr id="2" name="Образ слайда 1"/>
+          <p:cNvSpPr>
+            <a:spLocks noGrp="1" noRot="1" noChangeAspect="1"/>
+          </p:cNvSpPr>
+          <p:nvPr>
+            <p:ph type="sldImg"/>
+          </p:nvPr>
+        </p:nvSpPr>
+        <p:spPr/>
+      </p:sp>
+      <p:sp>
+        <p:nvSpPr>
+          <p:cNvPr id="3" name="Заметки 2"/>
+          <p:cNvSpPr>
+            <a:spLocks noGrp="1"/>
+          </p:cNvSpPr>
+          <p:nvPr>
+            <p:ph type="body" idx="1"/>
+          </p:nvPr>
+        </p:nvSpPr>
+        <p:spPr/>
+        <p:txBody>
+          <a:bodyPr/>
+          <a:lstStyle/>
+          <a:p>
+            <a:pPr marL="0" marR="0" lvl="0" indent="0" algn="l" defTabSz="914400" rtl="0" eaLnBrk="1" fontAlgn="auto" latinLnBrk="0" hangingPunct="1">
+              <a:lnSpc>
+                <a:spcPct val="100000"/>
+              </a:lnSpc>
+              <a:spcBef>
+                <a:spcPts val="0"/>
+              </a:spcBef>
+              <a:spcAft>
+                <a:spcPts val="0"/>
+              </a:spcAft>
+              <a:buClrTx/>
+              <a:buSzTx/>
+              <a:buFontTx/>
+              <a:buNone/>
+              <a:tabLst/>
+              <a:defRPr/>
+            </a:pPr>
+            <a:r>
+              <a:rPr lang="ru-RU" dirty="0"/>
+              <a:t>Однако опрос потенциальных пользователей показал, что они охотно бы пользовались авторизаций </a:t>
+            </a:r>
+            <a:r>
+              <a:rPr lang="en-US" dirty="0"/>
+              <a:t>OAuth </a:t>
+            </a:r>
+            <a:r>
+              <a:rPr lang="ru-RU" dirty="0"/>
+              <a:t>нашего решения и желали бы отслеживать прошедшие авторизации с помощью данной технологии. Пользователи готовы получить почтовый адрес на кириллице, даже при получении государственных услуг при этом не хотят получить пароль в распечатанном виде;</a:t>
+            </a:r>
+          </a:p>
+          <a:p>
+            <a:r>
+              <a:rPr lang="ru-RU" dirty="0"/>
+              <a:t>. Также хотели бы использовать единый портал для коммуникации с государственными службами, получения от них уведомлений, при этом готовы установить приложение с возможностью </a:t>
+            </a:r>
+            <a:r>
+              <a:rPr lang="ru-RU" dirty="0" err="1"/>
+              <a:t>пуш</a:t>
+            </a:r>
+            <a:r>
+              <a:rPr lang="ru-RU" dirty="0"/>
+              <a:t> уведомлений о важных для них событиях. </a:t>
+            </a:r>
+            <a:endParaRPr lang="en-US" dirty="0"/>
+          </a:p>
+        </p:txBody>
+      </p:sp>
+      <p:sp>
+        <p:nvSpPr>
+          <p:cNvPr id="4" name="Номер слайда 3"/>
+          <p:cNvSpPr>
+            <a:spLocks noGrp="1"/>
+          </p:cNvSpPr>
+          <p:nvPr>
+            <p:ph type="sldNum" sz="quarter" idx="5"/>
+          </p:nvPr>
+        </p:nvSpPr>
+        <p:spPr/>
+        <p:txBody>
+          <a:bodyPr/>
+          <a:lstStyle/>
+          <a:p>
+            <a:fld id="{D5651501-B923-4696-AE39-89BF42D47D12}" type="slidenum">
+              <a:rPr lang="en-US" smtClean="0"/>
+              <a:t>5</a:t>
+            </a:fld>
+            <a:endParaRPr lang="en-US"/>
+          </a:p>
+        </p:txBody>
+      </p:sp>
+    </p:spTree>
+    <p:extLst>
+      <p:ext uri="{BB962C8B-B14F-4D97-AF65-F5344CB8AC3E}">
+        <p14:creationId xmlns:p14="http://schemas.microsoft.com/office/powerpoint/2010/main" val="3868364012"/>
+      </p:ext>
+    </p:extLst>
+  </p:cSld>
+  <p:clrMapOvr>
+    <a:masterClrMapping/>
+  </p:clrMapOvr>
+</p:notes>
+</file>
+
+<file path=ppt/notesSlides/notesSlide6.xml><?xml version="1.0" encoding="utf-8"?>
+<p:notes xmlns:a="http://schemas.openxmlformats.org/drawingml/2006/main" xmlns:r="http://schemas.openxmlformats.org/officeDocument/2006/relationships" xmlns:p="http://schemas.openxmlformats.org/presentationml/2006/main">
+  <p:cSld>
+    <p:spTree>
+      <p:nvGrpSpPr>
+        <p:cNvPr id="1" name=""/>
+        <p:cNvGrpSpPr/>
+        <p:nvPr/>
+      </p:nvGrpSpPr>
+      <p:grpSpPr>
+        <a:xfrm>
+          <a:off x="0" y="0"/>
+          <a:ext cx="0" cy="0"/>
+          <a:chOff x="0" y="0"/>
+          <a:chExt cx="0" cy="0"/>
+        </a:xfrm>
+      </p:grpSpPr>
+      <p:sp>
+        <p:nvSpPr>
+          <p:cNvPr id="2" name="Образ слайда 1"/>
+          <p:cNvSpPr>
+            <a:spLocks noGrp="1" noRot="1" noChangeAspect="1"/>
+          </p:cNvSpPr>
+          <p:nvPr>
+            <p:ph type="sldImg"/>
+          </p:nvPr>
+        </p:nvSpPr>
+        <p:spPr/>
+      </p:sp>
+      <p:sp>
+        <p:nvSpPr>
+          <p:cNvPr id="3" name="Заметки 2"/>
+          <p:cNvSpPr>
+            <a:spLocks noGrp="1"/>
+          </p:cNvSpPr>
+          <p:nvPr>
+            <p:ph type="body" idx="1"/>
+          </p:nvPr>
+        </p:nvSpPr>
+        <p:spPr/>
+        <p:txBody>
+          <a:bodyPr/>
+          <a:lstStyle/>
+          <a:p>
+            <a:pPr marL="0" marR="0" lvl="0" indent="0" algn="l" defTabSz="914400" rtl="0" eaLnBrk="1" fontAlgn="auto" latinLnBrk="0" hangingPunct="1">
+              <a:lnSpc>
+                <a:spcPct val="100000"/>
+              </a:lnSpc>
+              <a:spcBef>
+                <a:spcPts val="0"/>
+              </a:spcBef>
+              <a:spcAft>
+                <a:spcPts val="0"/>
+              </a:spcAft>
+              <a:buClrTx/>
+              <a:buSzTx/>
+              <a:buFontTx/>
+              <a:buNone/>
+              <a:tabLst/>
+              <a:defRPr/>
+            </a:pPr>
+            <a:r>
+              <a:rPr lang="ru-RU" sz="1200" dirty="0"/>
+              <a:t>По результатам опроса Мы приняли решение доработать имеющиеся </a:t>
+            </a:r>
+            <a:r>
+              <a:rPr lang="ru-RU" sz="1200" dirty="0" err="1"/>
+              <a:t>фрэймворки</a:t>
+            </a:r>
+            <a:r>
+              <a:rPr lang="ru-RU" sz="1200" dirty="0"/>
+              <a:t> для соответствия действующим техническим требованиям, содержащие в себе проверки вводимой информации. Переводим вводимые данные в машинный формат пригодный для пересылки почты, хранения, обработки, и обратный перевод для корректного отображения. Доработанные действующие </a:t>
+            </a:r>
+            <a:r>
+              <a:rPr lang="ru-RU" sz="1200" dirty="0" err="1"/>
+              <a:t>фрэймворки</a:t>
+            </a:r>
+            <a:r>
+              <a:rPr lang="ru-RU" sz="1200" dirty="0"/>
+              <a:t> разработчикам будет </a:t>
+            </a:r>
+            <a:r>
+              <a:rPr lang="ru-RU" sz="1200" dirty="0" err="1"/>
+              <a:t>проче</a:t>
+            </a:r>
+            <a:r>
+              <a:rPr lang="ru-RU" sz="1200" dirty="0"/>
+              <a:t> внедрить в готовые решения в виде обновлений и минимальных доработок.</a:t>
+            </a:r>
+          </a:p>
+          <a:p>
+            <a:endParaRPr lang="ru-RU" dirty="0"/>
+          </a:p>
+          <a:p>
+            <a:pPr marL="0" marR="0" lvl="0" indent="0" algn="l" defTabSz="914400" rtl="0" eaLnBrk="1" fontAlgn="auto" latinLnBrk="0" hangingPunct="1">
+              <a:lnSpc>
+                <a:spcPct val="100000"/>
+              </a:lnSpc>
+              <a:spcBef>
+                <a:spcPts val="0"/>
+              </a:spcBef>
+              <a:spcAft>
+                <a:spcPts val="0"/>
+              </a:spcAft>
+              <a:buClrTx/>
+              <a:buSzTx/>
+              <a:buFontTx/>
+              <a:buNone/>
+              <a:tabLst/>
+              <a:defRPr/>
+            </a:pPr>
+            <a:r>
+              <a:rPr lang="ru-RU" sz="1200" dirty="0"/>
+              <a:t>Создаем портал и приложение, через которое будут приходить оповещения о </a:t>
+            </a:r>
+            <a:r>
+              <a:rPr lang="ru-RU" sz="1200" dirty="0" err="1"/>
+              <a:t>чс</a:t>
+            </a:r>
+            <a:r>
+              <a:rPr lang="ru-RU" sz="1200" dirty="0"/>
+              <a:t>, различные оповещения от поликлиник, и прочих учреждений, подключившихся к системе. </a:t>
+            </a:r>
+          </a:p>
+          <a:p>
+            <a:endParaRPr lang="ru-RU" dirty="0"/>
+          </a:p>
+          <a:p>
+            <a:pPr marL="0" marR="0" lvl="0" indent="0" algn="l" defTabSz="914400" rtl="0" eaLnBrk="1" fontAlgn="auto" latinLnBrk="0" hangingPunct="1">
+              <a:lnSpc>
+                <a:spcPct val="100000"/>
+              </a:lnSpc>
+              <a:spcBef>
+                <a:spcPts val="0"/>
+              </a:spcBef>
+              <a:spcAft>
+                <a:spcPts val="0"/>
+              </a:spcAft>
+              <a:buClrTx/>
+              <a:buSzTx/>
+              <a:buFontTx/>
+              <a:buNone/>
+              <a:tabLst/>
+              <a:defRPr/>
+            </a:pPr>
+            <a:r>
+              <a:rPr lang="ru-RU" sz="1200" dirty="0"/>
+              <a:t>Создаем или дорабатываем открытый почтовый сервис, к примеру </a:t>
+            </a:r>
+            <a:r>
+              <a:rPr lang="en-US" sz="1200" dirty="0"/>
+              <a:t>Round</a:t>
+            </a:r>
+            <a:r>
+              <a:rPr lang="ru-RU" sz="1200" dirty="0"/>
+              <a:t>С</a:t>
+            </a:r>
+            <a:r>
+              <a:rPr lang="en-US" sz="1200" dirty="0" err="1"/>
+              <a:t>ube</a:t>
+            </a:r>
+            <a:r>
+              <a:rPr lang="ru-RU" sz="1200" dirty="0"/>
+              <a:t>, для корректной обработки адресов в кириллическом формате. И который мог бы являться примером для разработки других </a:t>
+            </a:r>
+            <a:r>
+              <a:rPr lang="ru-RU" sz="1200" dirty="0" err="1"/>
+              <a:t>ит</a:t>
+            </a:r>
+            <a:r>
+              <a:rPr lang="ru-RU" sz="1200" dirty="0"/>
+              <a:t> решений.</a:t>
+            </a:r>
+          </a:p>
+          <a:p>
+            <a:endParaRPr lang="en-US" dirty="0"/>
+          </a:p>
+        </p:txBody>
+      </p:sp>
+      <p:sp>
+        <p:nvSpPr>
+          <p:cNvPr id="4" name="Номер слайда 3"/>
+          <p:cNvSpPr>
+            <a:spLocks noGrp="1"/>
+          </p:cNvSpPr>
+          <p:nvPr>
+            <p:ph type="sldNum" sz="quarter" idx="5"/>
+          </p:nvPr>
+        </p:nvSpPr>
+        <p:spPr/>
+        <p:txBody>
+          <a:bodyPr/>
+          <a:lstStyle/>
+          <a:p>
+            <a:fld id="{D5651501-B923-4696-AE39-89BF42D47D12}" type="slidenum">
+              <a:rPr lang="en-US" smtClean="0"/>
+              <a:t>6</a:t>
+            </a:fld>
+            <a:endParaRPr lang="en-US"/>
+          </a:p>
+        </p:txBody>
+      </p:sp>
+    </p:spTree>
+    <p:extLst>
+      <p:ext uri="{BB962C8B-B14F-4D97-AF65-F5344CB8AC3E}">
+        <p14:creationId xmlns:p14="http://schemas.microsoft.com/office/powerpoint/2010/main" val="3613899030"/>
+      </p:ext>
+    </p:extLst>
+  </p:cSld>
+  <p:clrMapOvr>
+    <a:masterClrMapping/>
+  </p:clrMapOvr>
+</p:notes>
+</file>
+
+<file path=ppt/notesSlides/notesSlide7.xml><?xml version="1.0" encoding="utf-8"?>
+<p:notes xmlns:a="http://schemas.openxmlformats.org/drawingml/2006/main" xmlns:r="http://schemas.openxmlformats.org/officeDocument/2006/relationships" xmlns:p="http://schemas.openxmlformats.org/presentationml/2006/main">
+  <p:cSld>
+    <p:spTree>
+      <p:nvGrpSpPr>
+        <p:cNvPr id="1" name=""/>
+        <p:cNvGrpSpPr/>
+        <p:nvPr/>
+      </p:nvGrpSpPr>
+      <p:grpSpPr>
+        <a:xfrm>
+          <a:off x="0" y="0"/>
+          <a:ext cx="0" cy="0"/>
+          <a:chOff x="0" y="0"/>
+          <a:chExt cx="0" cy="0"/>
+        </a:xfrm>
+      </p:grpSpPr>
+      <p:sp>
+        <p:nvSpPr>
+          <p:cNvPr id="2" name="Образ слайда 1"/>
+          <p:cNvSpPr>
+            <a:spLocks noGrp="1" noRot="1" noChangeAspect="1"/>
+          </p:cNvSpPr>
+          <p:nvPr>
+            <p:ph type="sldImg"/>
+          </p:nvPr>
+        </p:nvSpPr>
+        <p:spPr/>
+      </p:sp>
+      <p:sp>
+        <p:nvSpPr>
+          <p:cNvPr id="3" name="Заметки 2"/>
+          <p:cNvSpPr>
+            <a:spLocks noGrp="1"/>
+          </p:cNvSpPr>
+          <p:nvPr>
+            <p:ph type="body" idx="1"/>
+          </p:nvPr>
+        </p:nvSpPr>
+        <p:spPr/>
+        <p:txBody>
+          <a:bodyPr/>
+          <a:lstStyle/>
+          <a:p>
+            <a:r>
+              <a:rPr lang="ru-RU" dirty="0"/>
+              <a:t>На начальном этапе мы дорабатываем и тестируем </a:t>
+            </a:r>
+            <a:r>
+              <a:rPr lang="ru-RU" dirty="0" err="1"/>
+              <a:t>Фрэймворк</a:t>
+            </a:r>
+            <a:r>
+              <a:rPr lang="ru-RU" dirty="0"/>
+              <a:t>, внедряем регистрацию и авторизацию с подтверждением почтового адреса</a:t>
+            </a:r>
+          </a:p>
+          <a:p>
+            <a:r>
+              <a:rPr lang="ru-RU" dirty="0"/>
+              <a:t>Добавляем интерфейс уведомлений.</a:t>
+            </a:r>
+          </a:p>
+        </p:txBody>
+      </p:sp>
+      <p:sp>
+        <p:nvSpPr>
+          <p:cNvPr id="4" name="Номер слайда 3"/>
+          <p:cNvSpPr>
+            <a:spLocks noGrp="1"/>
+          </p:cNvSpPr>
+          <p:nvPr>
+            <p:ph type="sldNum" sz="quarter" idx="5"/>
+          </p:nvPr>
+        </p:nvSpPr>
+        <p:spPr/>
+        <p:txBody>
+          <a:bodyPr/>
+          <a:lstStyle/>
+          <a:p>
+            <a:fld id="{D5651501-B923-4696-AE39-89BF42D47D12}" type="slidenum">
+              <a:rPr lang="en-US" smtClean="0"/>
+              <a:t>7</a:t>
+            </a:fld>
+            <a:endParaRPr lang="en-US"/>
+          </a:p>
+        </p:txBody>
+      </p:sp>
+    </p:spTree>
+    <p:extLst>
+      <p:ext uri="{BB962C8B-B14F-4D97-AF65-F5344CB8AC3E}">
+        <p14:creationId xmlns:p14="http://schemas.microsoft.com/office/powerpoint/2010/main" val="3115193532"/>
+      </p:ext>
+    </p:extLst>
+  </p:cSld>
+  <p:clrMapOvr>
+    <a:masterClrMapping/>
+  </p:clrMapOvr>
+</p:notes>
+</file>
+
+<file path=ppt/notesSlides/notesSlide8.xml><?xml version="1.0" encoding="utf-8"?>
+<p:notes xmlns:a="http://schemas.openxmlformats.org/drawingml/2006/main" xmlns:r="http://schemas.openxmlformats.org/officeDocument/2006/relationships" xmlns:p="http://schemas.openxmlformats.org/presentationml/2006/main">
+  <p:cSld>
+    <p:spTree>
+      <p:nvGrpSpPr>
+        <p:cNvPr id="1" name=""/>
+        <p:cNvGrpSpPr/>
+        <p:nvPr/>
+      </p:nvGrpSpPr>
+      <p:grpSpPr>
+        <a:xfrm>
+          <a:off x="0" y="0"/>
+          <a:ext cx="0" cy="0"/>
+          <a:chOff x="0" y="0"/>
+          <a:chExt cx="0" cy="0"/>
+        </a:xfrm>
+      </p:grpSpPr>
+      <p:sp>
+        <p:nvSpPr>
+          <p:cNvPr id="2" name="Образ слайда 1"/>
+          <p:cNvSpPr>
+            <a:spLocks noGrp="1" noRot="1" noChangeAspect="1"/>
+          </p:cNvSpPr>
+          <p:nvPr>
+            <p:ph type="sldImg"/>
+          </p:nvPr>
+        </p:nvSpPr>
+        <p:spPr/>
+      </p:sp>
+      <p:sp>
+        <p:nvSpPr>
+          <p:cNvPr id="3" name="Заметки 2"/>
+          <p:cNvSpPr>
+            <a:spLocks noGrp="1"/>
+          </p:cNvSpPr>
+          <p:nvPr>
+            <p:ph type="body" idx="1"/>
+          </p:nvPr>
+        </p:nvSpPr>
+        <p:spPr/>
+        <p:txBody>
+          <a:bodyPr/>
+          <a:lstStyle/>
+          <a:p>
+            <a:r>
+              <a:rPr lang="ru-RU" dirty="0"/>
+              <a:t>Историю авторизаций на сторонних порталах </a:t>
+            </a:r>
+          </a:p>
+          <a:p>
+            <a:r>
+              <a:rPr lang="ru-RU" dirty="0"/>
+              <a:t>И в качестве источника возможного дохода раздел с предложениями от партнеров, размещающие маркетинговые предложения, без надоедливых уведомлений и спама.</a:t>
+            </a:r>
+          </a:p>
+          <a:p>
+            <a:pPr marL="0" marR="0" lvl="0" indent="0" algn="l" defTabSz="914400" rtl="0" eaLnBrk="1" fontAlgn="auto" latinLnBrk="0" hangingPunct="1">
+              <a:lnSpc>
+                <a:spcPct val="100000"/>
+              </a:lnSpc>
+              <a:spcBef>
+                <a:spcPts val="0"/>
+              </a:spcBef>
+              <a:spcAft>
+                <a:spcPts val="0"/>
+              </a:spcAft>
+              <a:buClrTx/>
+              <a:buSzTx/>
+              <a:buFontTx/>
+              <a:buNone/>
+              <a:tabLst/>
+              <a:defRPr/>
+            </a:pPr>
+            <a:r>
+              <a:rPr lang="ru-RU" dirty="0"/>
+              <a:t>Позже внедряем собственную почтовую службу.</a:t>
+            </a:r>
+            <a:endParaRPr lang="en-US" dirty="0"/>
+          </a:p>
+          <a:p>
+            <a:endParaRPr lang="en-US" dirty="0"/>
+          </a:p>
+        </p:txBody>
+      </p:sp>
+      <p:sp>
+        <p:nvSpPr>
+          <p:cNvPr id="4" name="Номер слайда 3"/>
+          <p:cNvSpPr>
+            <a:spLocks noGrp="1"/>
+          </p:cNvSpPr>
+          <p:nvPr>
+            <p:ph type="sldNum" sz="quarter" idx="5"/>
+          </p:nvPr>
+        </p:nvSpPr>
+        <p:spPr/>
+        <p:txBody>
+          <a:bodyPr/>
+          <a:lstStyle/>
+          <a:p>
+            <a:fld id="{D5651501-B923-4696-AE39-89BF42D47D12}" type="slidenum">
+              <a:rPr lang="en-US" smtClean="0"/>
+              <a:t>8</a:t>
+            </a:fld>
+            <a:endParaRPr lang="en-US"/>
+          </a:p>
+        </p:txBody>
+      </p:sp>
+    </p:spTree>
+    <p:extLst>
+      <p:ext uri="{BB962C8B-B14F-4D97-AF65-F5344CB8AC3E}">
+        <p14:creationId xmlns:p14="http://schemas.microsoft.com/office/powerpoint/2010/main" val="1833120377"/>
+      </p:ext>
+    </p:extLst>
+  </p:cSld>
+  <p:clrMapOvr>
+    <a:masterClrMapping/>
+  </p:clrMapOvr>
+</p:notes>
+</file>
+
+<file path=ppt/notesSlides/notesSlide9.xml><?xml version="1.0" encoding="utf-8"?>
+<p:notes xmlns:a="http://schemas.openxmlformats.org/drawingml/2006/main" xmlns:r="http://schemas.openxmlformats.org/officeDocument/2006/relationships" xmlns:p="http://schemas.openxmlformats.org/presentationml/2006/main">
+  <p:cSld>
+    <p:spTree>
+      <p:nvGrpSpPr>
+        <p:cNvPr id="1" name=""/>
+        <p:cNvGrpSpPr/>
+        <p:nvPr/>
+      </p:nvGrpSpPr>
+      <p:grpSpPr>
+        <a:xfrm>
+          <a:off x="0" y="0"/>
+          <a:ext cx="0" cy="0"/>
+          <a:chOff x="0" y="0"/>
+          <a:chExt cx="0" cy="0"/>
+        </a:xfrm>
+      </p:grpSpPr>
+      <p:sp>
+        <p:nvSpPr>
+          <p:cNvPr id="2" name="Образ слайда 1"/>
+          <p:cNvSpPr>
+            <a:spLocks noGrp="1" noRot="1" noChangeAspect="1"/>
+          </p:cNvSpPr>
+          <p:nvPr>
+            <p:ph type="sldImg"/>
+          </p:nvPr>
+        </p:nvSpPr>
+        <p:spPr/>
+      </p:sp>
+      <p:sp>
+        <p:nvSpPr>
+          <p:cNvPr id="3" name="Заметки 2"/>
+          <p:cNvSpPr>
+            <a:spLocks noGrp="1"/>
+          </p:cNvSpPr>
+          <p:nvPr>
+            <p:ph type="body" idx="1"/>
+          </p:nvPr>
+        </p:nvSpPr>
+        <p:spPr/>
+        <p:txBody>
+          <a:bodyPr/>
+          <a:lstStyle/>
+          <a:p>
+            <a:pPr marL="0" marR="0" lvl="0" indent="0" algn="l" defTabSz="914400" rtl="0" eaLnBrk="1" fontAlgn="auto" latinLnBrk="0" hangingPunct="1">
+              <a:lnSpc>
+                <a:spcPct val="100000"/>
+              </a:lnSpc>
+              <a:spcBef>
+                <a:spcPts val="0"/>
+              </a:spcBef>
+              <a:spcAft>
+                <a:spcPts val="0"/>
+              </a:spcAft>
+              <a:buClrTx/>
+              <a:buSzTx/>
+              <a:buFontTx/>
+              <a:buNone/>
+              <a:tabLst/>
+              <a:defRPr/>
+            </a:pPr>
+            <a:r>
+              <a:rPr lang="ru-RU" sz="1200" dirty="0"/>
+              <a:t>Для работы с решением со стороны </a:t>
+            </a:r>
+            <a:r>
+              <a:rPr lang="ru-RU" sz="1200" dirty="0" err="1"/>
+              <a:t>гос</a:t>
+            </a:r>
+            <a:r>
+              <a:rPr lang="ru-RU" sz="1200" dirty="0"/>
+              <a:t> структур не требуется дополнительных сил кроме добавления </a:t>
+            </a:r>
+            <a:r>
+              <a:rPr lang="en-US" sz="1200" dirty="0"/>
+              <a:t>API </a:t>
+            </a:r>
+            <a:r>
+              <a:rPr lang="ru-RU" sz="1200" dirty="0"/>
+              <a:t>в свои информационные системы для отправки уведомлений пользователям. При их отсутствии </a:t>
+            </a:r>
+            <a:r>
+              <a:rPr lang="ru-RU" sz="1200" dirty="0" err="1"/>
+              <a:t>гос</a:t>
+            </a:r>
+            <a:r>
+              <a:rPr lang="ru-RU" sz="1200" dirty="0"/>
+              <a:t> службы могут пользоваться нашим порталом.</a:t>
+            </a:r>
+          </a:p>
+          <a:p>
+            <a:endParaRPr lang="ru-RU" dirty="0"/>
+          </a:p>
+          <a:p>
+            <a:r>
+              <a:rPr lang="ru-RU" dirty="0"/>
+              <a:t>В нашей системе можно внедрить страницу с персональными маркетинговыми программами партнеров за вознаграждение, в отдельном разделе при условии отсутствия уведомлений. </a:t>
+            </a:r>
+            <a:r>
+              <a:rPr lang="ru-RU" sz="1200" dirty="0"/>
+              <a:t>(Как показал опрос данный раздел не сильно разочаровывал бы пользователей при условии отсутствия лишних уведомлений.)</a:t>
+            </a:r>
+            <a:endParaRPr lang="en-US" dirty="0"/>
+          </a:p>
+        </p:txBody>
+      </p:sp>
+      <p:sp>
+        <p:nvSpPr>
+          <p:cNvPr id="4" name="Номер слайда 3"/>
+          <p:cNvSpPr>
+            <a:spLocks noGrp="1"/>
+          </p:cNvSpPr>
+          <p:nvPr>
+            <p:ph type="sldNum" sz="quarter" idx="5"/>
+          </p:nvPr>
+        </p:nvSpPr>
+        <p:spPr/>
+        <p:txBody>
+          <a:bodyPr/>
+          <a:lstStyle/>
+          <a:p>
+            <a:fld id="{D5651501-B923-4696-AE39-89BF42D47D12}" type="slidenum">
+              <a:rPr lang="en-US" smtClean="0"/>
+              <a:t>9</a:t>
+            </a:fld>
+            <a:endParaRPr lang="en-US"/>
+          </a:p>
+        </p:txBody>
+      </p:sp>
+    </p:spTree>
+    <p:extLst>
+      <p:ext uri="{BB962C8B-B14F-4D97-AF65-F5344CB8AC3E}">
+        <p14:creationId xmlns:p14="http://schemas.microsoft.com/office/powerpoint/2010/main" val="4066187499"/>
+      </p:ext>
+    </p:extLst>
+  </p:cSld>
+  <p:clrMapOvr>
+    <a:masterClrMapping/>
+  </p:clrMapOvr>
+</p:notes>
 </file>
 
 <file path=ppt/slideLayouts/slideLayout1.xml><?xml version="1.0" encoding="utf-8"?>
@@ -3449,7 +5301,7 @@
           <p:nvPr/>
         </p:nvPicPr>
         <p:blipFill>
-          <a:blip r:embed="rId2">
+          <a:blip r:embed="rId3">
             <a:extLst>
               <a:ext uri="{28A0092B-C50C-407E-A947-70E740481C1C}">
                 <a14:useLocalDpi xmlns:a14="http://schemas.microsoft.com/office/drawing/2010/main" val="0"/>
@@ -3485,7 +5337,7 @@
           <p:nvPr/>
         </p:nvPicPr>
         <p:blipFill rotWithShape="1">
-          <a:blip r:embed="rId3">
+          <a:blip r:embed="rId4">
             <a:extLst>
               <a:ext uri="{28A0092B-C50C-407E-A947-70E740481C1C}">
                 <a14:useLocalDpi xmlns:a14="http://schemas.microsoft.com/office/drawing/2010/main" val="0"/>
@@ -3585,7 +5437,7 @@
           <a:p>
             <a:r>
               <a:rPr lang="en-US" dirty="0">
-                <a:hlinkClick r:id="rId4"/>
+                <a:hlinkClick r:id="rId5"/>
               </a:rPr>
               <a:t>https://github.com/alexklippe/scryptedv2</a:t>
             </a:r>
@@ -3760,7 +5612,7 @@
           <a:p>
             <a:r>
               <a:rPr lang="ru-RU" sz="2000" dirty="0"/>
-              <a:t>Мы используем докер для контейнеризации</a:t>
+              <a:t>Мы используем докер для контейнеризации;</a:t>
             </a:r>
           </a:p>
           <a:p>
@@ -3770,7 +5622,7 @@
             </a:r>
             <a:r>
               <a:rPr lang="ru-RU" sz="2000" dirty="0"/>
-              <a:t> для автоматического масштабирования и разворачивания либо освобождения дополнительных мощностей.</a:t>
+              <a:t> для автоматического масштабирования и разворачивания либо освобождения дополнительных мощностей;</a:t>
             </a:r>
           </a:p>
           <a:p>
@@ -4215,7 +6067,7 @@
           <a:p>
             <a:r>
               <a:rPr lang="ru-RU" sz="3600" dirty="0"/>
-              <a:t>Интеграция</a:t>
+              <a:t>Интеграция в готовые ИТ решения</a:t>
             </a:r>
             <a:endParaRPr lang="en-US" sz="3600" dirty="0"/>
           </a:p>
@@ -4249,21 +6101,26 @@
           </a:bodyPr>
           <a:lstStyle/>
           <a:p>
+            <a:endParaRPr lang="ru-RU" sz="2000" dirty="0"/>
+          </a:p>
+          <a:p>
+            <a:r>
+              <a:rPr lang="ru-RU" sz="2000" dirty="0" err="1"/>
+              <a:t>Фрэймворки</a:t>
+            </a:r>
+            <a:r>
+              <a:rPr lang="ru-RU" sz="2000" dirty="0"/>
+              <a:t> для замены в действующих решениях;</a:t>
+            </a:r>
+          </a:p>
+          <a:p>
             <a:r>
               <a:rPr lang="en-US" sz="2000" dirty="0"/>
               <a:t>API </a:t>
             </a:r>
             <a:r>
               <a:rPr lang="ru-RU" sz="2000" dirty="0"/>
-              <a:t>для внедрения в существующие ИТ системы </a:t>
-            </a:r>
-            <a:r>
-              <a:rPr lang="ru-RU" sz="2000" dirty="0" err="1"/>
-              <a:t>гос</a:t>
-            </a:r>
-            <a:r>
-              <a:rPr lang="ru-RU" sz="2000" dirty="0"/>
-              <a:t> служб.</a:t>
+              <a:t>для внедрения в существующие ИТ системы;</a:t>
             </a:r>
           </a:p>
           <a:p>
@@ -4283,7 +6140,7 @@
             </a:r>
             <a:r>
               <a:rPr lang="ru-RU" sz="2000" dirty="0"/>
-              <a:t>для авторизации с помощью сервиса.</a:t>
+              <a:t> для авторизации с помощью сервиса на сторонних порталах.</a:t>
             </a:r>
           </a:p>
         </p:txBody>
@@ -5600,7 +7457,7 @@
           <p:nvPr/>
         </p:nvPicPr>
         <p:blipFill>
-          <a:blip r:embed="rId2">
+          <a:blip r:embed="rId3">
             <a:extLst>
               <a:ext uri="{28A0092B-C50C-407E-A947-70E740481C1C}">
                 <a14:useLocalDpi xmlns:a14="http://schemas.microsoft.com/office/drawing/2010/main" val="0"/>
@@ -5638,7 +7495,7 @@
           <p:nvPr/>
         </p:nvPicPr>
         <p:blipFill>
-          <a:blip r:embed="rId3">
+          <a:blip r:embed="rId4">
             <a:extLst>
               <a:ext uri="{28A0092B-C50C-407E-A947-70E740481C1C}">
                 <a14:useLocalDpi xmlns:a14="http://schemas.microsoft.com/office/drawing/2010/main" val="0"/>
@@ -5676,7 +7533,7 @@
           <p:nvPr/>
         </p:nvPicPr>
         <p:blipFill>
-          <a:blip r:embed="rId4">
+          <a:blip r:embed="rId5">
             <a:extLst>
               <a:ext uri="{28A0092B-C50C-407E-A947-70E740481C1C}">
                 <a14:useLocalDpi xmlns:a14="http://schemas.microsoft.com/office/drawing/2010/main" val="0"/>
@@ -6805,10 +8662,10 @@
           <a:lstStyle/>
           <a:p>
             <a:r>
-              <a:rPr lang="ru-RU" sz="3600"/>
-              <a:t>Тизер</a:t>
-            </a:r>
-            <a:endParaRPr lang="en-US" sz="3600"/>
+              <a:rPr lang="ru-RU" sz="3600" dirty="0"/>
+              <a:t>Наш проект</a:t>
+            </a:r>
+            <a:endParaRPr lang="en-US" sz="3600" dirty="0"/>
           </a:p>
         </p:txBody>
       </p:sp>
@@ -6842,75 +8699,42 @@
           <a:p>
             <a:r>
               <a:rPr lang="ru-RU" sz="2000" dirty="0"/>
-              <a:t>Веб портал для </a:t>
+              <a:t>Доработали имеющийся </a:t>
+            </a:r>
+            <a:r>
+              <a:rPr lang="en-US" sz="2000" b="1" dirty="0"/>
+              <a:t>Framework</a:t>
+            </a:r>
+            <a:r>
+              <a:rPr lang="en-US" sz="2000" dirty="0"/>
+              <a:t> </a:t>
+            </a:r>
+            <a:r>
+              <a:rPr lang="ru-RU" sz="2000" dirty="0"/>
+              <a:t>для разработчиков программных продуктов, который приспособлен для производства ИТ продуктов в кириллической и других национальных зонах.</a:t>
+            </a:r>
+          </a:p>
+          <a:p>
+            <a:r>
+              <a:rPr lang="ru-RU" sz="2000" dirty="0"/>
+              <a:t>На базе нашего фреймворка создали </a:t>
+            </a:r>
+            <a:r>
+              <a:rPr lang="ru-RU" sz="2000" b="1" dirty="0"/>
+              <a:t>Уникальную Экосистему </a:t>
+            </a:r>
+            <a:r>
+              <a:rPr lang="ru-RU" sz="2000" dirty="0"/>
+              <a:t>взаимодействия государства и общества. Она состоит из сервиса уведомлений и почтового движка, которые позволяют получать уведомления от государственных учреждений в приложении, портале и на личный е-</a:t>
             </a:r>
             <a:r>
               <a:rPr lang="ru-RU" sz="2000" dirty="0" err="1"/>
-              <a:t>гос</a:t>
+              <a:t>майл</a:t>
             </a:r>
             <a:r>
               <a:rPr lang="ru-RU" sz="2000" dirty="0"/>
-              <a:t> служб и пользователей. </a:t>
-            </a:r>
-            <a:r>
-              <a:rPr lang="ru-RU" sz="2000" dirty="0" err="1"/>
-              <a:t>Гос</a:t>
-            </a:r>
-            <a:r>
-              <a:rPr lang="ru-RU" sz="2000" dirty="0"/>
-              <a:t> службы подают уведомления массовым пользователям с возможностью выбора групп как по географическим либо иным социальным признакам.</a:t>
-            </a:r>
-          </a:p>
-          <a:p>
-            <a:r>
-              <a:rPr lang="ru-RU" sz="2000" dirty="0"/>
-              <a:t>Подача уведомлений/оповещение как на самом портале, приложении, так и с помощью </a:t>
-            </a:r>
-            <a:r>
-              <a:rPr lang="en-US" sz="2000" dirty="0"/>
-              <a:t>API </a:t>
-            </a:r>
-            <a:r>
-              <a:rPr lang="ru-RU" sz="2000" dirty="0"/>
-              <a:t>интегрировав в свои решения.</a:t>
-            </a:r>
-          </a:p>
-          <a:p>
-            <a:r>
-              <a:rPr lang="ru-RU" sz="2000" dirty="0"/>
-              <a:t>Возможность пользоваться русскоязычной е-почтой</a:t>
-            </a:r>
-          </a:p>
-          <a:p>
-            <a:r>
-              <a:rPr lang="en-US" sz="2000" dirty="0"/>
-              <a:t>Framework </a:t>
-            </a:r>
-            <a:r>
-              <a:rPr lang="ru-RU" sz="2000" dirty="0"/>
-              <a:t>для разработчиков и веб портал с примером его использования.</a:t>
-            </a:r>
-          </a:p>
-          <a:p>
-            <a:r>
-              <a:rPr lang="ru-RU" sz="2000" dirty="0"/>
-              <a:t>Экосистема использования русского языка в адресации, взаимодействие </a:t>
-            </a:r>
-            <a:r>
-              <a:rPr lang="ru-RU" sz="2000" dirty="0" err="1"/>
-              <a:t>гос</a:t>
-            </a:r>
-            <a:r>
-              <a:rPr lang="ru-RU" sz="2000" dirty="0"/>
-              <a:t> служб с пользователями портала, оперативное оповещение.</a:t>
-            </a:r>
-          </a:p>
-          <a:p>
-            <a:r>
-              <a:rPr lang="ru-RU" sz="2000" dirty="0"/>
-              <a:t>У пользователей есть интерес к использованию кириллических доменов и адресов почты на русском языке. Помогает неуверенным пользователям использовать больше возможностей сети Интернет.</a:t>
-            </a:r>
-            <a:endParaRPr lang="en-US" sz="2000" dirty="0"/>
+              <a:t>, использовать почту и авторизоваться на подключенных сайтах с помощью адресов на кириллице.</a:t>
+            </a:r>
           </a:p>
         </p:txBody>
       </p:sp>
@@ -7348,7 +9172,7 @@
           <a:p>
             <a:r>
               <a:rPr lang="ru-RU" sz="3600" dirty="0"/>
-              <a:t>Проблемы</a:t>
+              <a:t>Текущие проблемы</a:t>
             </a:r>
             <a:endParaRPr lang="en-US" sz="3600" dirty="0"/>
           </a:p>
@@ -7372,8 +9196,8 @@
         </p:nvSpPr>
         <p:spPr>
           <a:xfrm>
-            <a:off x="643467" y="1782981"/>
-            <a:ext cx="10905066" cy="4393982"/>
+            <a:off x="643467" y="1779205"/>
+            <a:ext cx="10646094" cy="4397758"/>
           </a:xfrm>
         </p:spPr>
         <p:txBody>
@@ -7384,29 +9208,15 @@
           <a:p>
             <a:r>
               <a:rPr lang="ru-RU" sz="2000" dirty="0"/>
-              <a:t>При проведенном опросе выяснилось, что в обществе есть запрос на единое пространство получения оповещений и уведомлений от </a:t>
-            </a:r>
-            <a:r>
-              <a:rPr lang="ru-RU" sz="2000" dirty="0" err="1"/>
-              <a:t>гос</a:t>
+              <a:t>В имеющихся решениях не полностью поддерживается использование кириллицы в написании почтовых адресов</a:t>
+            </a:r>
+            <a:r>
+              <a:rPr lang="en-US" sz="2000" dirty="0"/>
+              <a:t> </a:t>
             </a:r>
             <a:r>
               <a:rPr lang="ru-RU" sz="2000" dirty="0"/>
-              <a:t> структур. </a:t>
-            </a:r>
-          </a:p>
-          <a:p>
-            <a:r>
-              <a:rPr lang="ru-RU" sz="2000" dirty="0"/>
-              <a:t>В имеющихся решениях не полностью поддерживается </a:t>
-            </a:r>
-            <a:r>
-              <a:rPr lang="en-US" sz="2000" dirty="0"/>
-              <a:t>EAI </a:t>
-            </a:r>
-            <a:r>
-              <a:rPr lang="ru-RU" sz="2000" dirty="0"/>
-              <a:t>и возникают сложности.</a:t>
+              <a:t>и возникают сложности с отправкой писем на такие адреса.</a:t>
             </a:r>
           </a:p>
           <a:p>
@@ -7874,15 +9684,15 @@
           </p:nvPr>
         </p:nvPicPr>
         <p:blipFill>
-          <a:blip r:embed="rId2"/>
+          <a:blip r:embed="rId3"/>
           <a:stretch>
             <a:fillRect/>
           </a:stretch>
         </p:blipFill>
         <p:spPr>
           <a:xfrm>
-            <a:off x="643467" y="1499053"/>
-            <a:ext cx="5352381" cy="2800000"/>
+            <a:off x="7480494" y="3729761"/>
+            <a:ext cx="3981877" cy="2083046"/>
           </a:xfrm>
           <a:prstGeom prst="rect">
             <a:avLst/>
@@ -8179,15 +9989,15 @@
           <p:nvPr/>
         </p:nvPicPr>
         <p:blipFill>
-          <a:blip r:embed="rId3"/>
+          <a:blip r:embed="rId4"/>
           <a:stretch>
             <a:fillRect/>
           </a:stretch>
         </p:blipFill>
         <p:spPr>
           <a:xfrm>
-            <a:off x="6196154" y="3219116"/>
-            <a:ext cx="5285714" cy="2752381"/>
+            <a:off x="6461489" y="1375976"/>
+            <a:ext cx="4097137" cy="2133464"/>
           </a:xfrm>
           <a:prstGeom prst="rect">
             <a:avLst/>
@@ -8215,8 +10025,8 @@
         </p:nvSpPr>
         <p:spPr>
           <a:xfrm>
-            <a:off x="1389898" y="5628141"/>
-            <a:ext cx="3859518" cy="369332"/>
+            <a:off x="802670" y="1993880"/>
+            <a:ext cx="5203848" cy="2585323"/>
           </a:xfrm>
           <a:prstGeom prst="rect">
             <a:avLst/>
@@ -8224,36 +10034,69 @@
           <a:noFill/>
         </p:spPr>
         <p:txBody>
-          <a:bodyPr wrap="none" rtlCol="0">
+          <a:bodyPr wrap="square" rtlCol="0">
             <a:spAutoFit/>
           </a:bodyPr>
           <a:lstStyle/>
           <a:p>
             <a:r>
+              <a:rPr lang="ru-RU" dirty="0"/>
+              <a:t>Результат опроса:</a:t>
+            </a:r>
+          </a:p>
+          <a:p>
+            <a:endParaRPr lang="ru-RU" dirty="0"/>
+          </a:p>
+          <a:p>
+            <a:endParaRPr lang="ru-RU" dirty="0"/>
+          </a:p>
+          <a:p>
+            <a:pPr marL="285750" indent="-285750">
+              <a:buFont typeface="Arial" panose="020B0604020202020204" pitchFamily="34" charset="0"/>
+              <a:buChar char="•"/>
+            </a:pPr>
+            <a:r>
+              <a:rPr lang="ru-RU" dirty="0"/>
+              <a:t>Готовы использовать работающий Фреймворк;</a:t>
+            </a:r>
+          </a:p>
+          <a:p>
+            <a:pPr marL="285750" indent="-285750">
+              <a:buFont typeface="Arial" panose="020B0604020202020204" pitchFamily="34" charset="0"/>
+              <a:buChar char="•"/>
+            </a:pPr>
+            <a:endParaRPr lang="ru-RU" dirty="0"/>
+          </a:p>
+          <a:p>
+            <a:pPr marL="285750" indent="-285750">
+              <a:buFont typeface="Arial" panose="020B0604020202020204" pitchFamily="34" charset="0"/>
+              <a:buChar char="•"/>
+            </a:pPr>
+            <a:r>
+              <a:rPr lang="ru-RU" dirty="0"/>
+              <a:t>Разработчики </a:t>
+            </a:r>
+            <a:r>
+              <a:rPr lang="ru-RU" u="sng" dirty="0"/>
+              <a:t>не хотят </a:t>
+            </a:r>
+            <a:r>
+              <a:rPr lang="ru-RU" dirty="0"/>
+              <a:t>внедрять дополнительный способ авторизации </a:t>
+            </a:r>
+            <a:r>
               <a:rPr lang="en-US" dirty="0"/>
-              <a:t>OAuth, </a:t>
-            </a:r>
-            <a:r>
-              <a:rPr lang="ru-RU" dirty="0"/>
-              <a:t>открытые </a:t>
-            </a:r>
-            <a:r>
-              <a:rPr lang="en-US" dirty="0"/>
-              <a:t>API</a:t>
-            </a:r>
-            <a:r>
-              <a:rPr lang="ru-RU" dirty="0"/>
-              <a:t>:</a:t>
-            </a:r>
-            <a:r>
-              <a:rPr lang="en-US" dirty="0"/>
-              <a:t> </a:t>
-            </a:r>
-            <a:r>
-              <a:rPr lang="ru-RU" dirty="0"/>
-              <a:t>не поддержали</a:t>
-            </a:r>
-            <a:endParaRPr lang="en-US" dirty="0"/>
+              <a:t>OAuth</a:t>
+            </a:r>
+            <a:endParaRPr lang="ru-RU" dirty="0"/>
+          </a:p>
+          <a:p>
+            <a:pPr lvl="1"/>
+            <a:endParaRPr lang="ru-RU" dirty="0"/>
+          </a:p>
+          <a:p>
+            <a:pPr lvl="1"/>
+            <a:endParaRPr lang="ru-RU" dirty="0"/>
           </a:p>
         </p:txBody>
       </p:sp>
@@ -8289,6 +10132,47 @@
               <a:t>Домен.РФ</a:t>
             </a:r>
             <a:endParaRPr lang="ru-RU" dirty="0"/>
+          </a:p>
+        </p:txBody>
+      </p:sp>
+      <p:sp>
+        <p:nvSpPr>
+          <p:cNvPr id="3" name="Прямоугольник 2">
+            <a:extLst>
+              <a:ext uri="{FF2B5EF4-FFF2-40B4-BE49-F238E27FC236}">
+                <a16:creationId xmlns:a16="http://schemas.microsoft.com/office/drawing/2014/main" id="{7B3D2526-1A0F-458E-978E-0346B3BE58CF}"/>
+              </a:ext>
+            </a:extLst>
+          </p:cNvPr>
+          <p:cNvSpPr/>
+          <p:nvPr/>
+        </p:nvSpPr>
+        <p:spPr>
+          <a:xfrm>
+            <a:off x="3607108" y="6130187"/>
+            <a:ext cx="6951518" cy="369332"/>
+          </a:xfrm>
+          <a:prstGeom prst="rect">
+            <a:avLst/>
+          </a:prstGeom>
+        </p:spPr>
+        <p:txBody>
+          <a:bodyPr wrap="square">
+            <a:spAutoFit/>
+          </a:bodyPr>
+          <a:lstStyle/>
+          <a:p>
+            <a:r>
+              <a:rPr lang="ru-RU" dirty="0"/>
+              <a:t>* Полная инфографика доступна по адресу </a:t>
+            </a:r>
+            <a:r>
+              <a:rPr lang="en-US" dirty="0">
+                <a:hlinkClick r:id="rId5"/>
+              </a:rPr>
+              <a:t>https://vk.cc/aw3L3u</a:t>
+            </a:r>
+            <a:endParaRPr lang="en-US" dirty="0"/>
           </a:p>
         </p:txBody>
       </p:sp>
@@ -8712,15 +10596,27 @@
           <p:nvPr/>
         </p:nvPicPr>
         <p:blipFill>
-          <a:blip r:embed="rId2"/>
+          <a:blip r:embed="rId3">
+            <a:extLst>
+              <a:ext uri="{BEBA8EAE-BF5A-486C-A8C5-ECC9F3942E4B}">
+                <a14:imgProps xmlns:a14="http://schemas.microsoft.com/office/drawing/2010/main">
+                  <a14:imgLayer r:embed="rId4">
+                    <a14:imgEffect>
+                      <a14:artisticBlur/>
+                    </a14:imgEffect>
+                  </a14:imgLayer>
+                </a14:imgProps>
+              </a:ext>
+            </a:extLst>
+          </a:blip>
           <a:stretch>
             <a:fillRect/>
           </a:stretch>
         </p:blipFill>
         <p:spPr>
           <a:xfrm>
-            <a:off x="483149" y="789404"/>
-            <a:ext cx="3558082" cy="1888224"/>
+            <a:off x="7035048" y="798788"/>
+            <a:ext cx="2092174" cy="1110287"/>
           </a:xfrm>
           <a:prstGeom prst="rect">
             <a:avLst/>
@@ -8749,15 +10645,27 @@
           <p:nvPr/>
         </p:nvPicPr>
         <p:blipFill>
-          <a:blip r:embed="rId3"/>
+          <a:blip r:embed="rId5">
+            <a:extLst>
+              <a:ext uri="{BEBA8EAE-BF5A-486C-A8C5-ECC9F3942E4B}">
+                <a14:imgProps xmlns:a14="http://schemas.microsoft.com/office/drawing/2010/main">
+                  <a14:imgLayer r:embed="rId6">
+                    <a14:imgEffect>
+                      <a14:artisticBlur/>
+                    </a14:imgEffect>
+                  </a14:imgLayer>
+                </a14:imgProps>
+              </a:ext>
+            </a:extLst>
+          </a:blip>
           <a:stretch>
             <a:fillRect/>
           </a:stretch>
         </p:blipFill>
         <p:spPr>
           <a:xfrm>
-            <a:off x="4244887" y="776967"/>
-            <a:ext cx="3111273" cy="1900661"/>
+            <a:off x="8800000" y="961607"/>
+            <a:ext cx="1758626" cy="1074336"/>
           </a:xfrm>
           <a:prstGeom prst="rect">
             <a:avLst/>
@@ -8786,15 +10694,27 @@
           <p:nvPr/>
         </p:nvPicPr>
         <p:blipFill>
-          <a:blip r:embed="rId4"/>
+          <a:blip r:embed="rId7">
+            <a:extLst>
+              <a:ext uri="{BEBA8EAE-BF5A-486C-A8C5-ECC9F3942E4B}">
+                <a14:imgProps xmlns:a14="http://schemas.microsoft.com/office/drawing/2010/main">
+                  <a14:imgLayer r:embed="rId8">
+                    <a14:imgEffect>
+                      <a14:artisticBlur/>
+                    </a14:imgEffect>
+                  </a14:imgLayer>
+                </a14:imgProps>
+              </a:ext>
+            </a:extLst>
+          </a:blip>
           <a:stretch>
             <a:fillRect/>
           </a:stretch>
         </p:blipFill>
         <p:spPr>
           <a:xfrm>
-            <a:off x="7570561" y="771857"/>
-            <a:ext cx="3215354" cy="1872156"/>
+            <a:off x="7156697" y="1779743"/>
+            <a:ext cx="1820269" cy="1059861"/>
           </a:xfrm>
           <a:prstGeom prst="rect">
             <a:avLst/>
@@ -8823,15 +10743,27 @@
           <p:nvPr/>
         </p:nvPicPr>
         <p:blipFill>
-          <a:blip r:embed="rId5"/>
+          <a:blip r:embed="rId9">
+            <a:extLst>
+              <a:ext uri="{BEBA8EAE-BF5A-486C-A8C5-ECC9F3942E4B}">
+                <a14:imgProps xmlns:a14="http://schemas.microsoft.com/office/drawing/2010/main">
+                  <a14:imgLayer r:embed="rId10">
+                    <a14:imgEffect>
+                      <a14:artisticBlur/>
+                    </a14:imgEffect>
+                  </a14:imgLayer>
+                </a14:imgProps>
+              </a:ext>
+            </a:extLst>
+          </a:blip>
           <a:stretch>
             <a:fillRect/>
           </a:stretch>
         </p:blipFill>
         <p:spPr>
           <a:xfrm>
-            <a:off x="507030" y="2737918"/>
-            <a:ext cx="3237446" cy="1803288"/>
+            <a:off x="8358298" y="1986363"/>
+            <a:ext cx="2146157" cy="1195430"/>
           </a:xfrm>
           <a:prstGeom prst="rect">
             <a:avLst/>
@@ -8860,15 +10792,27 @@
           <p:nvPr/>
         </p:nvPicPr>
         <p:blipFill>
-          <a:blip r:embed="rId6"/>
+          <a:blip r:embed="rId11">
+            <a:extLst>
+              <a:ext uri="{BEBA8EAE-BF5A-486C-A8C5-ECC9F3942E4B}">
+                <a14:imgProps xmlns:a14="http://schemas.microsoft.com/office/drawing/2010/main">
+                  <a14:imgLayer r:embed="rId12">
+                    <a14:imgEffect>
+                      <a14:artisticBlur/>
+                    </a14:imgEffect>
+                  </a14:imgLayer>
+                </a14:imgProps>
+              </a:ext>
+            </a:extLst>
+          </a:blip>
           <a:stretch>
             <a:fillRect/>
           </a:stretch>
         </p:blipFill>
         <p:spPr>
           <a:xfrm>
-            <a:off x="4241947" y="2785071"/>
-            <a:ext cx="3114213" cy="1756135"/>
+            <a:off x="7406722" y="2772617"/>
+            <a:ext cx="2024654" cy="1141722"/>
           </a:xfrm>
           <a:prstGeom prst="rect">
             <a:avLst/>
@@ -8897,15 +10841,27 @@
           <p:nvPr/>
         </p:nvPicPr>
         <p:blipFill>
-          <a:blip r:embed="rId7"/>
+          <a:blip r:embed="rId13">
+            <a:extLst>
+              <a:ext uri="{BEBA8EAE-BF5A-486C-A8C5-ECC9F3942E4B}">
+                <a14:imgProps xmlns:a14="http://schemas.microsoft.com/office/drawing/2010/main">
+                  <a14:imgLayer r:embed="rId14">
+                    <a14:imgEffect>
+                      <a14:artisticBlur/>
+                    </a14:imgEffect>
+                  </a14:imgLayer>
+                </a14:imgProps>
+              </a:ext>
+            </a:extLst>
+          </a:blip>
           <a:stretch>
             <a:fillRect/>
           </a:stretch>
         </p:blipFill>
         <p:spPr>
           <a:xfrm>
-            <a:off x="7570561" y="2737918"/>
-            <a:ext cx="3215354" cy="1803288"/>
+            <a:off x="8674426" y="3126123"/>
+            <a:ext cx="2128927" cy="1193980"/>
           </a:xfrm>
           <a:prstGeom prst="rect">
             <a:avLst/>
@@ -8934,15 +10890,27 @@
           <p:nvPr/>
         </p:nvPicPr>
         <p:blipFill>
-          <a:blip r:embed="rId8"/>
+          <a:blip r:embed="rId15">
+            <a:extLst>
+              <a:ext uri="{BEBA8EAE-BF5A-486C-A8C5-ECC9F3942E4B}">
+                <a14:imgProps xmlns:a14="http://schemas.microsoft.com/office/drawing/2010/main">
+                  <a14:imgLayer r:embed="rId16">
+                    <a14:imgEffect>
+                      <a14:artisticBlur/>
+                    </a14:imgEffect>
+                  </a14:imgLayer>
+                </a14:imgProps>
+              </a:ext>
+            </a:extLst>
+          </a:blip>
           <a:stretch>
             <a:fillRect/>
           </a:stretch>
         </p:blipFill>
         <p:spPr>
           <a:xfrm>
-            <a:off x="1830915" y="4668104"/>
-            <a:ext cx="3610244" cy="2062997"/>
+            <a:off x="7285779" y="3805065"/>
+            <a:ext cx="2024654" cy="1156945"/>
           </a:xfrm>
           <a:prstGeom prst="rect">
             <a:avLst/>
@@ -8971,15 +10939,27 @@
           <p:nvPr/>
         </p:nvPicPr>
         <p:blipFill>
-          <a:blip r:embed="rId9"/>
+          <a:blip r:embed="rId17">
+            <a:extLst>
+              <a:ext uri="{BEBA8EAE-BF5A-486C-A8C5-ECC9F3942E4B}">
+                <a14:imgProps xmlns:a14="http://schemas.microsoft.com/office/drawing/2010/main">
+                  <a14:imgLayer r:embed="rId18">
+                    <a14:imgEffect>
+                      <a14:artisticBlur/>
+                    </a14:imgEffect>
+                  </a14:imgLayer>
+                </a14:imgProps>
+              </a:ext>
+            </a:extLst>
+          </a:blip>
           <a:stretch>
             <a:fillRect/>
           </a:stretch>
         </p:blipFill>
         <p:spPr>
           <a:xfrm>
-            <a:off x="5872944" y="4601497"/>
-            <a:ext cx="3524627" cy="2158444"/>
+            <a:off x="8890670" y="4293181"/>
+            <a:ext cx="1857282" cy="1137380"/>
           </a:xfrm>
           <a:prstGeom prst="rect">
             <a:avLst/>
@@ -9028,6 +11008,396 @@
           </a:p>
         </p:txBody>
       </p:sp>
+      <p:sp>
+        <p:nvSpPr>
+          <p:cNvPr id="4" name="TextBox 3">
+            <a:extLst>
+              <a:ext uri="{FF2B5EF4-FFF2-40B4-BE49-F238E27FC236}">
+                <a16:creationId xmlns:a16="http://schemas.microsoft.com/office/drawing/2014/main" id="{CFE77901-DF9E-407C-B7A8-37763A08BF56}"/>
+              </a:ext>
+            </a:extLst>
+          </p:cNvPr>
+          <p:cNvSpPr txBox="1"/>
+          <p:nvPr/>
+        </p:nvSpPr>
+        <p:spPr>
+          <a:xfrm>
+            <a:off x="712875" y="946939"/>
+            <a:ext cx="5797974" cy="4293483"/>
+          </a:xfrm>
+          <a:prstGeom prst="rect">
+            <a:avLst/>
+          </a:prstGeom>
+          <a:noFill/>
+        </p:spPr>
+        <p:txBody>
+          <a:bodyPr wrap="square" rtlCol="0">
+            <a:spAutoFit/>
+          </a:bodyPr>
+          <a:lstStyle/>
+          <a:p>
+            <a:pPr marL="288000" indent="-288000">
+              <a:spcBef>
+                <a:spcPts val="1800"/>
+              </a:spcBef>
+              <a:buFont typeface="Arial" panose="020B0604020202020204" pitchFamily="34" charset="0"/>
+              <a:buChar char="•"/>
+            </a:pPr>
+            <a:r>
+              <a:rPr lang="ru-RU" dirty="0"/>
+              <a:t>Есть </a:t>
+            </a:r>
+            <a:r>
+              <a:rPr lang="ru-RU" b="1" dirty="0"/>
+              <a:t>запрос на использование единого портала уведомлений</a:t>
+            </a:r>
+            <a:r>
+              <a:rPr lang="ru-RU" dirty="0"/>
+              <a:t> от государственных учреждений;</a:t>
+            </a:r>
+          </a:p>
+          <a:p>
+            <a:pPr marL="288000" indent="-288000">
+              <a:spcBef>
+                <a:spcPts val="1800"/>
+              </a:spcBef>
+              <a:buFont typeface="Arial" panose="020B0604020202020204" pitchFamily="34" charset="0"/>
+              <a:buChar char="•"/>
+            </a:pPr>
+            <a:r>
+              <a:rPr lang="ru-RU" dirty="0"/>
+              <a:t>Готовы </a:t>
+            </a:r>
+            <a:r>
+              <a:rPr lang="ru-RU" b="1" dirty="0"/>
+              <a:t>получить адрес почты на кириллице;</a:t>
+            </a:r>
+          </a:p>
+          <a:p>
+            <a:pPr marL="288000" indent="-288000">
+              <a:spcBef>
+                <a:spcPts val="1800"/>
+              </a:spcBef>
+              <a:buFont typeface="Arial" panose="020B0604020202020204" pitchFamily="34" charset="0"/>
+              <a:buChar char="•"/>
+            </a:pPr>
+            <a:r>
+              <a:rPr lang="ru-RU" dirty="0"/>
+              <a:t>Готовы </a:t>
+            </a:r>
+            <a:r>
+              <a:rPr lang="ru-RU" b="1" dirty="0"/>
+              <a:t>получать уведомления </a:t>
+            </a:r>
+            <a:r>
+              <a:rPr lang="ru-RU" dirty="0"/>
+              <a:t>от государственных учреждений </a:t>
+            </a:r>
+            <a:r>
+              <a:rPr lang="ru-RU" b="1" dirty="0"/>
+              <a:t>в одном месте</a:t>
+            </a:r>
+            <a:r>
+              <a:rPr lang="ru-RU" dirty="0"/>
+              <a:t>;</a:t>
+            </a:r>
+          </a:p>
+          <a:p>
+            <a:pPr marL="288000" indent="-288000">
+              <a:spcBef>
+                <a:spcPts val="1800"/>
+              </a:spcBef>
+              <a:buFont typeface="Arial" panose="020B0604020202020204" pitchFamily="34" charset="0"/>
+              <a:buChar char="•"/>
+            </a:pPr>
+            <a:r>
+              <a:rPr lang="ru-RU" dirty="0"/>
+              <a:t>Готовы </a:t>
+            </a:r>
+            <a:r>
+              <a:rPr lang="ru-RU" b="1" dirty="0"/>
+              <a:t>установить себе мобильное приложение </a:t>
+            </a:r>
+            <a:r>
+              <a:rPr lang="ru-RU" dirty="0"/>
+              <a:t>с </a:t>
+            </a:r>
+            <a:r>
+              <a:rPr lang="ru-RU" dirty="0" err="1"/>
+              <a:t>пуш</a:t>
+            </a:r>
+            <a:r>
+              <a:rPr lang="ru-RU" dirty="0"/>
+              <a:t> уведомлениями от государственных структур;</a:t>
+            </a:r>
+          </a:p>
+          <a:p>
+            <a:pPr marL="288000" indent="-288000">
+              <a:spcBef>
+                <a:spcPts val="1800"/>
+              </a:spcBef>
+              <a:buFont typeface="Arial" panose="020B0604020202020204" pitchFamily="34" charset="0"/>
+              <a:buChar char="•"/>
+            </a:pPr>
+            <a:r>
+              <a:rPr lang="ru-RU" dirty="0"/>
+              <a:t>Желают </a:t>
+            </a:r>
+            <a:r>
+              <a:rPr lang="ru-RU" b="1" dirty="0"/>
+              <a:t>получать уведомления </a:t>
+            </a:r>
+            <a:r>
+              <a:rPr lang="ru-RU" dirty="0"/>
+              <a:t>о фактах авторизации на сторонних сайтах;</a:t>
+            </a:r>
+          </a:p>
+          <a:p>
+            <a:pPr marL="288000" indent="-288000">
+              <a:spcBef>
+                <a:spcPts val="1800"/>
+              </a:spcBef>
+              <a:buFont typeface="Arial" panose="020B0604020202020204" pitchFamily="34" charset="0"/>
+              <a:buChar char="•"/>
+            </a:pPr>
+            <a:r>
+              <a:rPr lang="ru-RU" dirty="0"/>
+              <a:t>Интересует </a:t>
+            </a:r>
+            <a:r>
+              <a:rPr lang="ru-RU" b="1" dirty="0"/>
+              <a:t>история авторизаций </a:t>
+            </a:r>
+            <a:r>
+              <a:rPr lang="ru-RU" dirty="0"/>
+              <a:t>на сторонних порталах;</a:t>
+            </a:r>
+            <a:endParaRPr lang="en-US" dirty="0"/>
+          </a:p>
+        </p:txBody>
+      </p:sp>
+      <p:sp>
+        <p:nvSpPr>
+          <p:cNvPr id="5" name="TextBox 4">
+            <a:extLst>
+              <a:ext uri="{FF2B5EF4-FFF2-40B4-BE49-F238E27FC236}">
+                <a16:creationId xmlns:a16="http://schemas.microsoft.com/office/drawing/2014/main" id="{87A09F00-2AFC-4BF9-91D0-C3CCA29C43A4}"/>
+              </a:ext>
+            </a:extLst>
+          </p:cNvPr>
+          <p:cNvSpPr txBox="1"/>
+          <p:nvPr/>
+        </p:nvSpPr>
+        <p:spPr>
+          <a:xfrm>
+            <a:off x="5187940" y="5867446"/>
+            <a:ext cx="6462218" cy="369332"/>
+          </a:xfrm>
+          <a:prstGeom prst="rect">
+            <a:avLst/>
+          </a:prstGeom>
+          <a:noFill/>
+        </p:spPr>
+        <p:txBody>
+          <a:bodyPr wrap="none" rtlCol="0">
+            <a:spAutoFit/>
+          </a:bodyPr>
+          <a:lstStyle/>
+          <a:p>
+            <a:r>
+              <a:rPr lang="ru-RU" dirty="0"/>
+              <a:t>* Полная инфографика доступна по адресу </a:t>
+            </a:r>
+            <a:r>
+              <a:rPr lang="en-US" dirty="0">
+                <a:hlinkClick r:id="rId19"/>
+              </a:rPr>
+              <a:t>https://vk.cc/aw3L3u</a:t>
+            </a:r>
+            <a:endParaRPr lang="en-US" dirty="0"/>
+          </a:p>
+        </p:txBody>
+      </p:sp>
+      <p:cxnSp>
+        <p:nvCxnSpPr>
+          <p:cNvPr id="7" name="Прямая соединительная линия 6">
+            <a:extLst>
+              <a:ext uri="{FF2B5EF4-FFF2-40B4-BE49-F238E27FC236}">
+                <a16:creationId xmlns:a16="http://schemas.microsoft.com/office/drawing/2014/main" id="{AD932DDC-B54F-4AF9-B712-E1292C71DC48}"/>
+              </a:ext>
+            </a:extLst>
+          </p:cNvPr>
+          <p:cNvCxnSpPr/>
+          <p:nvPr/>
+        </p:nvCxnSpPr>
+        <p:spPr>
+          <a:xfrm>
+            <a:off x="2139193" y="1574499"/>
+            <a:ext cx="2625795" cy="0"/>
+          </a:xfrm>
+          <a:prstGeom prst="line">
+            <a:avLst/>
+          </a:prstGeom>
+        </p:spPr>
+        <p:style>
+          <a:lnRef idx="1">
+            <a:schemeClr val="accent1"/>
+          </a:lnRef>
+          <a:fillRef idx="0">
+            <a:schemeClr val="accent1"/>
+          </a:fillRef>
+          <a:effectRef idx="0">
+            <a:schemeClr val="accent1"/>
+          </a:effectRef>
+          <a:fontRef idx="minor">
+            <a:schemeClr val="tx1"/>
+          </a:fontRef>
+        </p:style>
+      </p:cxnSp>
+      <p:cxnSp>
+        <p:nvCxnSpPr>
+          <p:cNvPr id="22" name="Прямая соединительная линия 21">
+            <a:extLst>
+              <a:ext uri="{FF2B5EF4-FFF2-40B4-BE49-F238E27FC236}">
+                <a16:creationId xmlns:a16="http://schemas.microsoft.com/office/drawing/2014/main" id="{40F3BB1B-E8E2-4E31-A651-C30C05FAD7FD}"/>
+              </a:ext>
+            </a:extLst>
+          </p:cNvPr>
+          <p:cNvCxnSpPr/>
+          <p:nvPr/>
+        </p:nvCxnSpPr>
+        <p:spPr>
+          <a:xfrm>
+            <a:off x="2139193" y="2185165"/>
+            <a:ext cx="2625795" cy="0"/>
+          </a:xfrm>
+          <a:prstGeom prst="line">
+            <a:avLst/>
+          </a:prstGeom>
+        </p:spPr>
+        <p:style>
+          <a:lnRef idx="1">
+            <a:schemeClr val="accent1"/>
+          </a:lnRef>
+          <a:fillRef idx="0">
+            <a:schemeClr val="accent1"/>
+          </a:fillRef>
+          <a:effectRef idx="0">
+            <a:schemeClr val="accent1"/>
+          </a:effectRef>
+          <a:fontRef idx="minor">
+            <a:schemeClr val="tx1"/>
+          </a:fontRef>
+        </p:style>
+      </p:cxnSp>
+      <p:cxnSp>
+        <p:nvCxnSpPr>
+          <p:cNvPr id="23" name="Прямая соединительная линия 22">
+            <a:extLst>
+              <a:ext uri="{FF2B5EF4-FFF2-40B4-BE49-F238E27FC236}">
+                <a16:creationId xmlns:a16="http://schemas.microsoft.com/office/drawing/2014/main" id="{F26D8C47-97A9-4289-8276-430651CBBC7A}"/>
+              </a:ext>
+            </a:extLst>
+          </p:cNvPr>
+          <p:cNvCxnSpPr/>
+          <p:nvPr/>
+        </p:nvCxnSpPr>
+        <p:spPr>
+          <a:xfrm>
+            <a:off x="2139193" y="3013869"/>
+            <a:ext cx="2625795" cy="0"/>
+          </a:xfrm>
+          <a:prstGeom prst="line">
+            <a:avLst/>
+          </a:prstGeom>
+        </p:spPr>
+        <p:style>
+          <a:lnRef idx="1">
+            <a:schemeClr val="accent1"/>
+          </a:lnRef>
+          <a:fillRef idx="0">
+            <a:schemeClr val="accent1"/>
+          </a:fillRef>
+          <a:effectRef idx="0">
+            <a:schemeClr val="accent1"/>
+          </a:effectRef>
+          <a:fontRef idx="minor">
+            <a:schemeClr val="tx1"/>
+          </a:fontRef>
+        </p:style>
+      </p:cxnSp>
+      <p:cxnSp>
+        <p:nvCxnSpPr>
+          <p:cNvPr id="24" name="Прямая соединительная линия 23">
+            <a:extLst>
+              <a:ext uri="{FF2B5EF4-FFF2-40B4-BE49-F238E27FC236}">
+                <a16:creationId xmlns:a16="http://schemas.microsoft.com/office/drawing/2014/main" id="{3F76732B-0438-4CD4-BB59-DFE1756A6EE6}"/>
+              </a:ext>
+            </a:extLst>
+          </p:cNvPr>
+          <p:cNvCxnSpPr/>
+          <p:nvPr/>
+        </p:nvCxnSpPr>
+        <p:spPr>
+          <a:xfrm>
+            <a:off x="2139193" y="3804710"/>
+            <a:ext cx="2625795" cy="0"/>
+          </a:xfrm>
+          <a:prstGeom prst="line">
+            <a:avLst/>
+          </a:prstGeom>
+        </p:spPr>
+        <p:style>
+          <a:lnRef idx="1">
+            <a:schemeClr val="accent1"/>
+          </a:lnRef>
+          <a:fillRef idx="0">
+            <a:schemeClr val="accent1"/>
+          </a:fillRef>
+          <a:effectRef idx="0">
+            <a:schemeClr val="accent1"/>
+          </a:effectRef>
+          <a:fontRef idx="minor">
+            <a:schemeClr val="tx1"/>
+          </a:fontRef>
+        </p:style>
+      </p:cxnSp>
+      <p:cxnSp>
+        <p:nvCxnSpPr>
+          <p:cNvPr id="25" name="Прямая соединительная линия 24">
+            <a:extLst>
+              <a:ext uri="{FF2B5EF4-FFF2-40B4-BE49-F238E27FC236}">
+                <a16:creationId xmlns:a16="http://schemas.microsoft.com/office/drawing/2014/main" id="{8E31D8D3-B11F-4EA2-AC60-56ABAD6C1791}"/>
+              </a:ext>
+            </a:extLst>
+          </p:cNvPr>
+          <p:cNvCxnSpPr/>
+          <p:nvPr/>
+        </p:nvCxnSpPr>
+        <p:spPr>
+          <a:xfrm>
+            <a:off x="2139193" y="4594250"/>
+            <a:ext cx="2625795" cy="0"/>
+          </a:xfrm>
+          <a:prstGeom prst="line">
+            <a:avLst/>
+          </a:prstGeom>
+        </p:spPr>
+        <p:style>
+          <a:lnRef idx="1">
+            <a:schemeClr val="accent1"/>
+          </a:lnRef>
+          <a:fillRef idx="0">
+            <a:schemeClr val="accent1"/>
+          </a:fillRef>
+          <a:effectRef idx="0">
+            <a:schemeClr val="accent1"/>
+          </a:effectRef>
+          <a:fontRef idx="minor">
+            <a:schemeClr val="tx1"/>
+          </a:fontRef>
+        </p:style>
+      </p:cxnSp>
     </p:spTree>
     <p:extLst>
       <p:ext uri="{BB962C8B-B14F-4D97-AF65-F5344CB8AC3E}">
@@ -9159,7 +11529,7 @@
           <a:p>
             <a:r>
               <a:rPr lang="ru-RU" sz="3600" dirty="0"/>
-              <a:t>Как мы решаем эти проблемы</a:t>
+              <a:t>Как мы решаем полученные запросы</a:t>
             </a:r>
             <a:endParaRPr lang="en-US" sz="3600" dirty="0"/>
           </a:p>
@@ -9193,53 +11563,44 @@
           </a:bodyPr>
           <a:lstStyle/>
           <a:p>
+            <a:pPr>
+              <a:spcBef>
+                <a:spcPts val="1800"/>
+              </a:spcBef>
+            </a:pPr>
             <a:r>
               <a:rPr lang="ru-RU" sz="2000" dirty="0"/>
-              <a:t>Создаем портал взаимодействия </a:t>
+              <a:t>Мы создаем либо дорабатываем имеющиеся Фреймворки для соответствия действующим техническим требованиям;</a:t>
+            </a:r>
+          </a:p>
+          <a:p>
+            <a:pPr>
+              <a:spcBef>
+                <a:spcPts val="1800"/>
+              </a:spcBef>
+            </a:pPr>
+            <a:r>
+              <a:rPr lang="ru-RU" sz="2000" dirty="0"/>
+              <a:t>На базе </a:t>
             </a:r>
             <a:r>
               <a:rPr lang="ru-RU" sz="2000" dirty="0" err="1"/>
-              <a:t>гос</a:t>
+              <a:t>Фрэймворка</a:t>
             </a:r>
             <a:r>
               <a:rPr lang="ru-RU" sz="2000" dirty="0"/>
-              <a:t> служб и пользователей. Создаем приложение, через которое будут приходить оповещения о </a:t>
-            </a:r>
-            <a:r>
-              <a:rPr lang="ru-RU" sz="2000" dirty="0" err="1"/>
-              <a:t>чс</a:t>
-            </a:r>
+              <a:t> Создаем портал и приложение для взаимодействия государственных служб и граждан. </a:t>
+            </a:r>
+          </a:p>
+          <a:p>
+            <a:pPr>
+              <a:spcBef>
+                <a:spcPts val="1800"/>
+              </a:spcBef>
+            </a:pPr>
             <a:r>
               <a:rPr lang="ru-RU" sz="2000" dirty="0"/>
-              <a:t>, различные оповещения от поликлиник, и прочих учреждений, подключившихся к системе. Пользователи не против установки приложения и получения важных </a:t>
-            </a:r>
-            <a:r>
-              <a:rPr lang="ru-RU" sz="2000" dirty="0" err="1"/>
-              <a:t>пуш</a:t>
-            </a:r>
-            <a:r>
-              <a:rPr lang="ru-RU" sz="2000" dirty="0"/>
-              <a:t> уведомлений.</a:t>
-            </a:r>
-          </a:p>
-          <a:p>
-            <a:r>
-              <a:rPr lang="ru-RU" sz="2000" dirty="0"/>
-              <a:t>Мы создаем либо дорабатываем имеющиеся </a:t>
-            </a:r>
-            <a:r>
-              <a:rPr lang="ru-RU" sz="2000" dirty="0" err="1"/>
-              <a:t>фрэймворки</a:t>
-            </a:r>
-            <a:r>
-              <a:rPr lang="ru-RU" sz="2000" dirty="0"/>
-              <a:t> для соответствия действующим техническим требованиям, содержащие в себе проверки вводимой информации. Переводим вводимые данные в машинный формат пригодный для пересылки почты, хранения, обработки, и обратный перевод для корректного отображения.</a:t>
-            </a:r>
-          </a:p>
-          <a:p>
-            <a:r>
-              <a:rPr lang="ru-RU" sz="2000" dirty="0"/>
-              <a:t>Создаем или дорабатываем открытый почтовый сервис, к примеру </a:t>
+              <a:t>Дорабатываем открытый почтовый сервис, к примеру </a:t>
             </a:r>
             <a:r>
               <a:rPr lang="en-US" sz="2000" dirty="0"/>
@@ -9254,12 +11615,8 @@
               <a:t>ube</a:t>
             </a:r>
             <a:r>
-              <a:rPr lang="en-US" sz="2000" dirty="0"/>
-              <a:t>, </a:t>
-            </a:r>
-            <a:r>
               <a:rPr lang="ru-RU" sz="2000" dirty="0"/>
-              <a:t>улучшаем дизайн, подготавливаем масштабируемую инфраструктуру для массового и безотказного использования используя контейнеризацию модулей и автоматизацию управления контейнерами.</a:t>
+              <a:t>, для корректной обработки адресов в кириллическом формате.</a:t>
             </a:r>
           </a:p>
           <a:p>
@@ -9732,14 +12089,14 @@
           </p:nvPr>
         </p:nvPicPr>
         <p:blipFill>
-          <a:blip r:embed="rId2"/>
+          <a:blip r:embed="rId3"/>
           <a:stretch>
             <a:fillRect/>
           </a:stretch>
         </p:blipFill>
         <p:spPr>
           <a:xfrm>
-            <a:off x="828407" y="1779205"/>
+            <a:off x="1591524" y="1779205"/>
             <a:ext cx="5414547" cy="4394200"/>
           </a:xfrm>
           <a:prstGeom prst="rect">
@@ -10029,16 +12386,15 @@
           </p:cNvPicPr>
           <p:nvPr/>
         </p:nvPicPr>
-        <p:blipFill>
-          <a:blip r:embed="rId3"/>
-          <a:stretch>
-            <a:fillRect/>
-          </a:stretch>
+        <p:blipFill rotWithShape="1">
+          <a:blip r:embed="rId4"/>
+          <a:srcRect r="49753"/>
+          <a:stretch/>
         </p:blipFill>
         <p:spPr>
           <a:xfrm>
-            <a:off x="6455536" y="1779205"/>
-            <a:ext cx="5477492" cy="4394200"/>
+            <a:off x="7218653" y="1779205"/>
+            <a:ext cx="2752259" cy="4394200"/>
           </a:xfrm>
           <a:prstGeom prst="rect">
             <a:avLst/>
@@ -10502,14 +12858,14 @@
           </p:nvPr>
         </p:nvPicPr>
         <p:blipFill>
-          <a:blip r:embed="rId2"/>
+          <a:blip r:embed="rId3"/>
           <a:stretch>
             <a:fillRect/>
           </a:stretch>
         </p:blipFill>
         <p:spPr>
           <a:xfrm>
-            <a:off x="3386747" y="1825625"/>
+            <a:off x="2004514" y="1620159"/>
             <a:ext cx="5418505" cy="4351338"/>
           </a:xfrm>
           <a:prstGeom prst="rect">
@@ -10552,6 +12908,36 @@
           </a:p>
         </p:txBody>
       </p:sp>
+      <p:pic>
+        <p:nvPicPr>
+          <p:cNvPr id="3" name="Рисунок 2">
+            <a:extLst>
+              <a:ext uri="{FF2B5EF4-FFF2-40B4-BE49-F238E27FC236}">
+                <a16:creationId xmlns:a16="http://schemas.microsoft.com/office/drawing/2014/main" id="{47C2BA0A-769F-4698-A35D-C9B9E9C16218}"/>
+              </a:ext>
+            </a:extLst>
+          </p:cNvPr>
+          <p:cNvPicPr>
+            <a:picLocks noChangeAspect="1"/>
+          </p:cNvPicPr>
+          <p:nvPr/>
+        </p:nvPicPr>
+        <p:blipFill>
+          <a:blip r:embed="rId4"/>
+          <a:stretch>
+            <a:fillRect/>
+          </a:stretch>
+        </p:blipFill>
+        <p:spPr>
+          <a:xfrm>
+            <a:off x="7709443" y="1620159"/>
+            <a:ext cx="2550263" cy="4351338"/>
+          </a:xfrm>
+          <a:prstGeom prst="rect">
+            <a:avLst/>
+          </a:prstGeom>
+        </p:spPr>
+      </p:pic>
     </p:spTree>
     <p:extLst>
       <p:ext uri="{BB962C8B-B14F-4D97-AF65-F5344CB8AC3E}">
@@ -10719,15 +13105,13 @@
           <a:p>
             <a:r>
               <a:rPr lang="ru-RU" sz="2000" dirty="0"/>
-              <a:t>Для работы с решением со стороны </a:t>
-            </a:r>
-            <a:r>
-              <a:rPr lang="ru-RU" sz="2000" dirty="0" err="1"/>
-              <a:t>гос</a:t>
-            </a:r>
+              <a:t>Доработанный Фреймворк поможет внедрить в действующие системы возможность обработки почтовых адресов на русском языке (либо другом национальном);</a:t>
+            </a:r>
+          </a:p>
+          <a:p>
             <a:r>
               <a:rPr lang="ru-RU" sz="2000" dirty="0"/>
-              <a:t> структур не требуется дополнительных сил кроме добавления </a:t>
+              <a:t>Со стороны государственных структур не требуется дополнительных сил кроме добавления </a:t>
             </a:r>
             <a:r>
               <a:rPr lang="en-US" sz="2000" dirty="0"/>
@@ -10735,19 +13119,19 @@
             </a:r>
             <a:r>
               <a:rPr lang="ru-RU" sz="2000" dirty="0"/>
-              <a:t>в свои информационные системы. При их отсутствии могут пользоваться порталом.</a:t>
+              <a:t>в свои информационные системы. </a:t>
             </a:r>
           </a:p>
           <a:p>
             <a:r>
               <a:rPr lang="ru-RU" sz="2000" dirty="0"/>
-              <a:t>Разработанный Фреймворк поможет внедрить в действующие системы возможность обработки почтовых адресов на русском языке (либо другом национальном)</a:t>
+              <a:t>При их отсутствии могут пользоваться нашим порталом;</a:t>
             </a:r>
           </a:p>
           <a:p>
             <a:r>
               <a:rPr lang="ru-RU" sz="2000" dirty="0"/>
-              <a:t>Портал может привлекать размещать рекламные предложения для определенных групп населения за вознаграждение, в отдельном разделе пользователя. Как показал опрос данный раздел не сильно разочаровывал бы пользователей при условии отсутствия лишних уведомлений.</a:t>
+              <a:t>Разработанная экосистема может привлекать рекламодателей для размещения маркетинговых программ для определенных групп населения за вознаграждение, в отдельном разделе пользователя. </a:t>
             </a:r>
           </a:p>
         </p:txBody>
@@ -11361,4 +13745,299 @@
     </a:ext>
   </a:extLst>
 </a:theme>
+</file>
+
+<file path=ppt/theme/theme2.xml><?xml version="1.0" encoding="utf-8"?>
+<a:theme xmlns:a="http://schemas.openxmlformats.org/drawingml/2006/main" name="Тема Office">
+  <a:themeElements>
+    <a:clrScheme name="Стандартная">
+      <a:dk1>
+        <a:sysClr val="windowText" lastClr="000000"/>
+      </a:dk1>
+      <a:lt1>
+        <a:sysClr val="window" lastClr="FFFFFF"/>
+      </a:lt1>
+      <a:dk2>
+        <a:srgbClr val="44546A"/>
+      </a:dk2>
+      <a:lt2>
+        <a:srgbClr val="E7E6E6"/>
+      </a:lt2>
+      <a:accent1>
+        <a:srgbClr val="4472C4"/>
+      </a:accent1>
+      <a:accent2>
+        <a:srgbClr val="ED7D31"/>
+      </a:accent2>
+      <a:accent3>
+        <a:srgbClr val="A5A5A5"/>
+      </a:accent3>
+      <a:accent4>
+        <a:srgbClr val="FFC000"/>
+      </a:accent4>
+      <a:accent5>
+        <a:srgbClr val="5B9BD5"/>
+      </a:accent5>
+      <a:accent6>
+        <a:srgbClr val="70AD47"/>
+      </a:accent6>
+      <a:hlink>
+        <a:srgbClr val="0563C1"/>
+      </a:hlink>
+      <a:folHlink>
+        <a:srgbClr val="954F72"/>
+      </a:folHlink>
+    </a:clrScheme>
+    <a:fontScheme name="Стандартная">
+      <a:majorFont>
+        <a:latin typeface="Calibri Light" panose="020F0302020204030204"/>
+        <a:ea typeface=""/>
+        <a:cs typeface=""/>
+        <a:font script="Jpan" typeface="游ゴシック Light"/>
+        <a:font script="Hang" typeface="맑은 고딕"/>
+        <a:font script="Hans" typeface="等线 Light"/>
+        <a:font script="Hant" typeface="新細明體"/>
+        <a:font script="Arab" typeface="Times New Roman"/>
+        <a:font script="Hebr" typeface="Times New Roman"/>
+        <a:font script="Thai" typeface="Angsana New"/>
+        <a:font script="Ethi" typeface="Nyala"/>
+        <a:font script="Beng" typeface="Vrinda"/>
+        <a:font script="Gujr" typeface="Shruti"/>
+        <a:font script="Khmr" typeface="MoolBoran"/>
+        <a:font script="Knda" typeface="Tunga"/>
+        <a:font script="Guru" typeface="Raavi"/>
+        <a:font script="Cans" typeface="Euphemia"/>
+        <a:font script="Cher" typeface="Plantagenet Cherokee"/>
+        <a:font script="Yiii" typeface="Microsoft Yi Baiti"/>
+        <a:font script="Tibt" typeface="Microsoft Himalaya"/>
+        <a:font script="Thaa" typeface="MV Boli"/>
+        <a:font script="Deva" typeface="Mangal"/>
+        <a:font script="Telu" typeface="Gautami"/>
+        <a:font script="Taml" typeface="Latha"/>
+        <a:font script="Syrc" typeface="Estrangelo Edessa"/>
+        <a:font script="Orya" typeface="Kalinga"/>
+        <a:font script="Mlym" typeface="Kartika"/>
+        <a:font script="Laoo" typeface="DokChampa"/>
+        <a:font script="Sinh" typeface="Iskoola Pota"/>
+        <a:font script="Mong" typeface="Mongolian Baiti"/>
+        <a:font script="Viet" typeface="Times New Roman"/>
+        <a:font script="Uigh" typeface="Microsoft Uighur"/>
+        <a:font script="Geor" typeface="Sylfaen"/>
+        <a:font script="Armn" typeface="Arial"/>
+        <a:font script="Bugi" typeface="Leelawadee UI"/>
+        <a:font script="Bopo" typeface="Microsoft JhengHei"/>
+        <a:font script="Java" typeface="Javanese Text"/>
+        <a:font script="Lisu" typeface="Segoe UI"/>
+        <a:font script="Mymr" typeface="Myanmar Text"/>
+        <a:font script="Nkoo" typeface="Ebrima"/>
+        <a:font script="Olck" typeface="Nirmala UI"/>
+        <a:font script="Osma" typeface="Ebrima"/>
+        <a:font script="Phag" typeface="Phagspa"/>
+        <a:font script="Syrn" typeface="Estrangelo Edessa"/>
+        <a:font script="Syrj" typeface="Estrangelo Edessa"/>
+        <a:font script="Syre" typeface="Estrangelo Edessa"/>
+        <a:font script="Sora" typeface="Nirmala UI"/>
+        <a:font script="Tale" typeface="Microsoft Tai Le"/>
+        <a:font script="Talu" typeface="Microsoft New Tai Lue"/>
+        <a:font script="Tfng" typeface="Ebrima"/>
+      </a:majorFont>
+      <a:minorFont>
+        <a:latin typeface="Calibri" panose="020F0502020204030204"/>
+        <a:ea typeface=""/>
+        <a:cs typeface=""/>
+        <a:font script="Jpan" typeface="游ゴシック"/>
+        <a:font script="Hang" typeface="맑은 고딕"/>
+        <a:font script="Hans" typeface="等线"/>
+        <a:font script="Hant" typeface="新細明體"/>
+        <a:font script="Arab" typeface="Arial"/>
+        <a:font script="Hebr" typeface="Arial"/>
+        <a:font script="Thai" typeface="Cordia New"/>
+        <a:font script="Ethi" typeface="Nyala"/>
+        <a:font script="Beng" typeface="Vrinda"/>
+        <a:font script="Gujr" typeface="Shruti"/>
+        <a:font script="Khmr" typeface="DaunPenh"/>
+        <a:font script="Knda" typeface="Tunga"/>
+        <a:font script="Guru" typeface="Raavi"/>
+        <a:font script="Cans" typeface="Euphemia"/>
+        <a:font script="Cher" typeface="Plantagenet Cherokee"/>
+        <a:font script="Yiii" typeface="Microsoft Yi Baiti"/>
+        <a:font script="Tibt" typeface="Microsoft Himalaya"/>
+        <a:font script="Thaa" typeface="MV Boli"/>
+        <a:font script="Deva" typeface="Mangal"/>
+        <a:font script="Telu" typeface="Gautami"/>
+        <a:font script="Taml" typeface="Latha"/>
+        <a:font script="Syrc" typeface="Estrangelo Edessa"/>
+        <a:font script="Orya" typeface="Kalinga"/>
+        <a:font script="Mlym" typeface="Kartika"/>
+        <a:font script="Laoo" typeface="DokChampa"/>
+        <a:font script="Sinh" typeface="Iskoola Pota"/>
+        <a:font script="Mong" typeface="Mongolian Baiti"/>
+        <a:font script="Viet" typeface="Arial"/>
+        <a:font script="Uigh" typeface="Microsoft Uighur"/>
+        <a:font script="Geor" typeface="Sylfaen"/>
+        <a:font script="Armn" typeface="Arial"/>
+        <a:font script="Bugi" typeface="Leelawadee UI"/>
+        <a:font script="Bopo" typeface="Microsoft JhengHei"/>
+        <a:font script="Java" typeface="Javanese Text"/>
+        <a:font script="Lisu" typeface="Segoe UI"/>
+        <a:font script="Mymr" typeface="Myanmar Text"/>
+        <a:font script="Nkoo" typeface="Ebrima"/>
+        <a:font script="Olck" typeface="Nirmala UI"/>
+        <a:font script="Osma" typeface="Ebrima"/>
+        <a:font script="Phag" typeface="Phagspa"/>
+        <a:font script="Syrn" typeface="Estrangelo Edessa"/>
+        <a:font script="Syrj" typeface="Estrangelo Edessa"/>
+        <a:font script="Syre" typeface="Estrangelo Edessa"/>
+        <a:font script="Sora" typeface="Nirmala UI"/>
+        <a:font script="Tale" typeface="Microsoft Tai Le"/>
+        <a:font script="Talu" typeface="Microsoft New Tai Lue"/>
+        <a:font script="Tfng" typeface="Ebrima"/>
+      </a:minorFont>
+    </a:fontScheme>
+    <a:fmtScheme name="Стандартная">
+      <a:fillStyleLst>
+        <a:solidFill>
+          <a:schemeClr val="phClr"/>
+        </a:solidFill>
+        <a:gradFill rotWithShape="1">
+          <a:gsLst>
+            <a:gs pos="0">
+              <a:schemeClr val="phClr">
+                <a:lumMod val="110000"/>
+                <a:satMod val="105000"/>
+                <a:tint val="67000"/>
+              </a:schemeClr>
+            </a:gs>
+            <a:gs pos="50000">
+              <a:schemeClr val="phClr">
+                <a:lumMod val="105000"/>
+                <a:satMod val="103000"/>
+                <a:tint val="73000"/>
+              </a:schemeClr>
+            </a:gs>
+            <a:gs pos="100000">
+              <a:schemeClr val="phClr">
+                <a:lumMod val="105000"/>
+                <a:satMod val="109000"/>
+                <a:tint val="81000"/>
+              </a:schemeClr>
+            </a:gs>
+          </a:gsLst>
+          <a:lin ang="5400000" scaled="0"/>
+        </a:gradFill>
+        <a:gradFill rotWithShape="1">
+          <a:gsLst>
+            <a:gs pos="0">
+              <a:schemeClr val="phClr">
+                <a:satMod val="103000"/>
+                <a:lumMod val="102000"/>
+                <a:tint val="94000"/>
+              </a:schemeClr>
+            </a:gs>
+            <a:gs pos="50000">
+              <a:schemeClr val="phClr">
+                <a:satMod val="110000"/>
+                <a:lumMod val="100000"/>
+                <a:shade val="100000"/>
+              </a:schemeClr>
+            </a:gs>
+            <a:gs pos="100000">
+              <a:schemeClr val="phClr">
+                <a:lumMod val="99000"/>
+                <a:satMod val="120000"/>
+                <a:shade val="78000"/>
+              </a:schemeClr>
+            </a:gs>
+          </a:gsLst>
+          <a:lin ang="5400000" scaled="0"/>
+        </a:gradFill>
+      </a:fillStyleLst>
+      <a:lnStyleLst>
+        <a:ln w="6350" cap="flat" cmpd="sng" algn="ctr">
+          <a:solidFill>
+            <a:schemeClr val="phClr"/>
+          </a:solidFill>
+          <a:prstDash val="solid"/>
+          <a:miter lim="800000"/>
+        </a:ln>
+        <a:ln w="12700" cap="flat" cmpd="sng" algn="ctr">
+          <a:solidFill>
+            <a:schemeClr val="phClr"/>
+          </a:solidFill>
+          <a:prstDash val="solid"/>
+          <a:miter lim="800000"/>
+        </a:ln>
+        <a:ln w="19050" cap="flat" cmpd="sng" algn="ctr">
+          <a:solidFill>
+            <a:schemeClr val="phClr"/>
+          </a:solidFill>
+          <a:prstDash val="solid"/>
+          <a:miter lim="800000"/>
+        </a:ln>
+      </a:lnStyleLst>
+      <a:effectStyleLst>
+        <a:effectStyle>
+          <a:effectLst/>
+        </a:effectStyle>
+        <a:effectStyle>
+          <a:effectLst/>
+        </a:effectStyle>
+        <a:effectStyle>
+          <a:effectLst>
+            <a:outerShdw blurRad="57150" dist="19050" dir="5400000" algn="ctr" rotWithShape="0">
+              <a:srgbClr val="000000">
+                <a:alpha val="63000"/>
+              </a:srgbClr>
+            </a:outerShdw>
+          </a:effectLst>
+        </a:effectStyle>
+      </a:effectStyleLst>
+      <a:bgFillStyleLst>
+        <a:solidFill>
+          <a:schemeClr val="phClr"/>
+        </a:solidFill>
+        <a:solidFill>
+          <a:schemeClr val="phClr">
+            <a:tint val="95000"/>
+            <a:satMod val="170000"/>
+          </a:schemeClr>
+        </a:solidFill>
+        <a:gradFill rotWithShape="1">
+          <a:gsLst>
+            <a:gs pos="0">
+              <a:schemeClr val="phClr">
+                <a:tint val="93000"/>
+                <a:satMod val="150000"/>
+                <a:shade val="98000"/>
+                <a:lumMod val="102000"/>
+              </a:schemeClr>
+            </a:gs>
+            <a:gs pos="50000">
+              <a:schemeClr val="phClr">
+                <a:tint val="98000"/>
+                <a:satMod val="130000"/>
+                <a:shade val="90000"/>
+                <a:lumMod val="103000"/>
+              </a:schemeClr>
+            </a:gs>
+            <a:gs pos="100000">
+              <a:schemeClr val="phClr">
+                <a:shade val="63000"/>
+                <a:satMod val="120000"/>
+              </a:schemeClr>
+            </a:gs>
+          </a:gsLst>
+          <a:lin ang="5400000" scaled="0"/>
+        </a:gradFill>
+      </a:bgFillStyleLst>
+    </a:fmtScheme>
+  </a:themeElements>
+  <a:objectDefaults/>
+  <a:extraClrSchemeLst/>
+  <a:extLst>
+    <a:ext uri="{05A4C25C-085E-4340-85A3-A5531E510DB2}">
+      <thm15:themeFamily xmlns:thm15="http://schemas.microsoft.com/office/thememl/2012/main" name="Office Theme" id="{62F939B6-93AF-4DB8-9C6B-D6C7DFDC589F}" vid="{4A3C46E8-61CC-4603-A589-7422A47A8E4A}"/>
+    </a:ext>
+  </a:extLst>
+</a:theme>
 </file>
--- a/Презентация_Команда Scrypted_кейс1.pptx
+++ b/Презентация_Команда Scrypted_кейс1.pptx
@@ -5612,13 +5612,25 @@
           <a:p>
             <a:r>
               <a:rPr lang="ru-RU" sz="2000" dirty="0"/>
-              <a:t>Мы используем докер для контейнеризации;</a:t>
-            </a:r>
-          </a:p>
-          <a:p>
-            <a:r>
-              <a:rPr lang="ru-RU" sz="2000" dirty="0" err="1"/>
-              <a:t>Кубернейтс</a:t>
+              <a:t>Мы используем </a:t>
+            </a:r>
+            <a:r>
+              <a:rPr lang="en-US" sz="2000" dirty="0"/>
+              <a:t>Docker</a:t>
+            </a:r>
+            <a:r>
+              <a:rPr lang="ru-RU" sz="2000" dirty="0"/>
+              <a:t> для контейнеризации;</a:t>
+            </a:r>
+          </a:p>
+          <a:p>
+            <a:r>
+              <a:rPr lang="en-US" sz="2000" spc="-1" dirty="0">
+                <a:solidFill>
+                  <a:srgbClr val="000000"/>
+                </a:solidFill>
+              </a:rPr>
+              <a:t>Kubernetes</a:t>
             </a:r>
             <a:r>
               <a:rPr lang="ru-RU" sz="2000" dirty="0"/>
@@ -6105,12 +6117,8 @@
           </a:p>
           <a:p>
             <a:r>
-              <a:rPr lang="ru-RU" sz="2000" dirty="0" err="1"/>
-              <a:t>Фрэймворки</a:t>
-            </a:r>
-            <a:r>
               <a:rPr lang="ru-RU" sz="2000" dirty="0"/>
-              <a:t> для замены в действующих решениях;</a:t>
+              <a:t>Фреймворки для замены в действующих решениях;</a:t>
             </a:r>
           </a:p>
           <a:p>
@@ -7870,7 +7878,7 @@
                   <a:schemeClr val="dk1"/>
                 </a:solidFill>
               </a:rPr>
-              <a:t>Front End</a:t>
+              <a:t>Front End, UI</a:t>
             </a:r>
             <a:endParaRPr lang="en-US" sz="1400" dirty="0">
               <a:solidFill>
@@ -8702,8 +8710,8 @@
               <a:t>Доработали имеющийся </a:t>
             </a:r>
             <a:r>
-              <a:rPr lang="en-US" sz="2000" b="1" dirty="0"/>
-              <a:t>Framework</a:t>
+              <a:rPr lang="ru-RU" sz="2000" b="1" dirty="0"/>
+              <a:t>фреймворк</a:t>
             </a:r>
             <a:r>
               <a:rPr lang="en-US" sz="2000" dirty="0"/>
@@ -8721,19 +8729,11 @@
             </a:r>
             <a:r>
               <a:rPr lang="ru-RU" sz="2000" b="1" dirty="0"/>
-              <a:t>Уникальную Экосистему </a:t>
+              <a:t>уникальную экосистему </a:t>
             </a:r>
             <a:r>
               <a:rPr lang="ru-RU" sz="2000" dirty="0"/>
-              <a:t>взаимодействия государства и общества. Она состоит из сервиса уведомлений и почтового движка, которые позволяют получать уведомления от государственных учреждений в приложении, портале и на личный е-</a:t>
-            </a:r>
-            <a:r>
-              <a:rPr lang="ru-RU" sz="2000" dirty="0" err="1"/>
-              <a:t>майл</a:t>
-            </a:r>
-            <a:r>
-              <a:rPr lang="ru-RU" sz="2000" dirty="0"/>
-              <a:t>, использовать почту и авторизоваться на подключенных сайтах с помощью адресов на кириллице.</a:t>
+              <a:t>взаимодействия государства и общества. Она состоит из сервиса уведомлений и почтового движка, которые позволяют получать уведомления от государственных учреждений в приложении, портале и на личный электронную почту, использовать почту и авторизоваться на подключенных сайтах с помощью адресов на кириллице.</a:t>
             </a:r>
           </a:p>
         </p:txBody>
@@ -10057,7 +10057,7 @@
             </a:pPr>
             <a:r>
               <a:rPr lang="ru-RU" dirty="0"/>
-              <a:t>Готовы использовать работающий Фреймворк;</a:t>
+              <a:t>Готовы использовать работающий фреймворк;</a:t>
             </a:r>
           </a:p>
           <a:p>
@@ -10132,47 +10132,6 @@
               <a:t>Домен.РФ</a:t>
             </a:r>
             <a:endParaRPr lang="ru-RU" dirty="0"/>
-          </a:p>
-        </p:txBody>
-      </p:sp>
-      <p:sp>
-        <p:nvSpPr>
-          <p:cNvPr id="3" name="Прямоугольник 2">
-            <a:extLst>
-              <a:ext uri="{FF2B5EF4-FFF2-40B4-BE49-F238E27FC236}">
-                <a16:creationId xmlns:a16="http://schemas.microsoft.com/office/drawing/2014/main" id="{7B3D2526-1A0F-458E-978E-0346B3BE58CF}"/>
-              </a:ext>
-            </a:extLst>
-          </p:cNvPr>
-          <p:cNvSpPr/>
-          <p:nvPr/>
-        </p:nvSpPr>
-        <p:spPr>
-          <a:xfrm>
-            <a:off x="3607108" y="6130187"/>
-            <a:ext cx="6951518" cy="369332"/>
-          </a:xfrm>
-          <a:prstGeom prst="rect">
-            <a:avLst/>
-          </a:prstGeom>
-        </p:spPr>
-        <p:txBody>
-          <a:bodyPr wrap="square">
-            <a:spAutoFit/>
-          </a:bodyPr>
-          <a:lstStyle/>
-          <a:p>
-            <a:r>
-              <a:rPr lang="ru-RU" dirty="0"/>
-              <a:t>* Полная инфографика доступна по адресу </a:t>
-            </a:r>
-            <a:r>
-              <a:rPr lang="en-US" dirty="0">
-                <a:hlinkClick r:id="rId5"/>
-              </a:rPr>
-              <a:t>https://vk.cc/aw3L3u</a:t>
-            </a:r>
-            <a:endParaRPr lang="en-US" dirty="0"/>
           </a:p>
         </p:txBody>
       </p:sp>
@@ -10581,418 +10540,26 @@
           </a:p>
         </p:txBody>
       </p:sp>
-      <p:pic>
-        <p:nvPicPr>
-          <p:cNvPr id="3" name="Рисунок 2">
-            <a:extLst>
-              <a:ext uri="{FF2B5EF4-FFF2-40B4-BE49-F238E27FC236}">
-                <a16:creationId xmlns:a16="http://schemas.microsoft.com/office/drawing/2014/main" id="{4152D83E-21AC-425C-8E27-ABCE9700840C}"/>
-              </a:ext>
-            </a:extLst>
-          </p:cNvPr>
-          <p:cNvPicPr>
-            <a:picLocks noChangeAspect="1"/>
-          </p:cNvPicPr>
+      <p:sp>
+        <p:nvSpPr>
+          <p:cNvPr id="21" name="Прямоугольник 20">
+            <a:extLst>
+              <a:ext uri="{FF2B5EF4-FFF2-40B4-BE49-F238E27FC236}">
+                <a16:creationId xmlns:a16="http://schemas.microsoft.com/office/drawing/2014/main" id="{BB65876D-1601-4AF7-8545-E51C887CB8E1}"/>
+              </a:ext>
+            </a:extLst>
+          </p:cNvPr>
+          <p:cNvSpPr/>
           <p:nvPr/>
-        </p:nvPicPr>
-        <p:blipFill>
-          <a:blip r:embed="rId3">
-            <a:extLst>
-              <a:ext uri="{BEBA8EAE-BF5A-486C-A8C5-ECC9F3942E4B}">
-                <a14:imgProps xmlns:a14="http://schemas.microsoft.com/office/drawing/2010/main">
-                  <a14:imgLayer r:embed="rId4">
-                    <a14:imgEffect>
-                      <a14:artisticBlur/>
-                    </a14:imgEffect>
-                  </a14:imgLayer>
-                </a14:imgProps>
-              </a:ext>
-            </a:extLst>
-          </a:blip>
-          <a:stretch>
-            <a:fillRect/>
-          </a:stretch>
-        </p:blipFill>
+        </p:nvSpPr>
         <p:spPr>
           <a:xfrm>
-            <a:off x="7035048" y="798788"/>
-            <a:ext cx="2092174" cy="1110287"/>
+            <a:off x="11007253" y="6466177"/>
+            <a:ext cx="1184748" cy="369332"/>
           </a:xfrm>
           <a:prstGeom prst="rect">
             <a:avLst/>
           </a:prstGeom>
-          <a:ln>
-            <a:solidFill>
-              <a:schemeClr val="accent1">
-                <a:lumMod val="75000"/>
-              </a:schemeClr>
-            </a:solidFill>
-          </a:ln>
-        </p:spPr>
-      </p:pic>
-      <p:pic>
-        <p:nvPicPr>
-          <p:cNvPr id="11" name="Рисунок 10">
-            <a:extLst>
-              <a:ext uri="{FF2B5EF4-FFF2-40B4-BE49-F238E27FC236}">
-                <a16:creationId xmlns:a16="http://schemas.microsoft.com/office/drawing/2014/main" id="{C7208A09-FC10-4270-8276-CE75441362C0}"/>
-              </a:ext>
-            </a:extLst>
-          </p:cNvPr>
-          <p:cNvPicPr>
-            <a:picLocks noChangeAspect="1"/>
-          </p:cNvPicPr>
-          <p:nvPr/>
-        </p:nvPicPr>
-        <p:blipFill>
-          <a:blip r:embed="rId5">
-            <a:extLst>
-              <a:ext uri="{BEBA8EAE-BF5A-486C-A8C5-ECC9F3942E4B}">
-                <a14:imgProps xmlns:a14="http://schemas.microsoft.com/office/drawing/2010/main">
-                  <a14:imgLayer r:embed="rId6">
-                    <a14:imgEffect>
-                      <a14:artisticBlur/>
-                    </a14:imgEffect>
-                  </a14:imgLayer>
-                </a14:imgProps>
-              </a:ext>
-            </a:extLst>
-          </a:blip>
-          <a:stretch>
-            <a:fillRect/>
-          </a:stretch>
-        </p:blipFill>
-        <p:spPr>
-          <a:xfrm>
-            <a:off x="8800000" y="961607"/>
-            <a:ext cx="1758626" cy="1074336"/>
-          </a:xfrm>
-          <a:prstGeom prst="rect">
-            <a:avLst/>
-          </a:prstGeom>
-          <a:ln>
-            <a:solidFill>
-              <a:schemeClr val="accent1">
-                <a:lumMod val="75000"/>
-              </a:schemeClr>
-            </a:solidFill>
-          </a:ln>
-        </p:spPr>
-      </p:pic>
-      <p:pic>
-        <p:nvPicPr>
-          <p:cNvPr id="13" name="Рисунок 12">
-            <a:extLst>
-              <a:ext uri="{FF2B5EF4-FFF2-40B4-BE49-F238E27FC236}">
-                <a16:creationId xmlns:a16="http://schemas.microsoft.com/office/drawing/2014/main" id="{C6D1FEDD-A1AD-40D8-B569-430BDE51446D}"/>
-              </a:ext>
-            </a:extLst>
-          </p:cNvPr>
-          <p:cNvPicPr>
-            <a:picLocks noChangeAspect="1"/>
-          </p:cNvPicPr>
-          <p:nvPr/>
-        </p:nvPicPr>
-        <p:blipFill>
-          <a:blip r:embed="rId7">
-            <a:extLst>
-              <a:ext uri="{BEBA8EAE-BF5A-486C-A8C5-ECC9F3942E4B}">
-                <a14:imgProps xmlns:a14="http://schemas.microsoft.com/office/drawing/2010/main">
-                  <a14:imgLayer r:embed="rId8">
-                    <a14:imgEffect>
-                      <a14:artisticBlur/>
-                    </a14:imgEffect>
-                  </a14:imgLayer>
-                </a14:imgProps>
-              </a:ext>
-            </a:extLst>
-          </a:blip>
-          <a:stretch>
-            <a:fillRect/>
-          </a:stretch>
-        </p:blipFill>
-        <p:spPr>
-          <a:xfrm>
-            <a:off x="7156697" y="1779743"/>
-            <a:ext cx="1820269" cy="1059861"/>
-          </a:xfrm>
-          <a:prstGeom prst="rect">
-            <a:avLst/>
-          </a:prstGeom>
-          <a:ln>
-            <a:solidFill>
-              <a:schemeClr val="accent1">
-                <a:lumMod val="75000"/>
-              </a:schemeClr>
-            </a:solidFill>
-          </a:ln>
-        </p:spPr>
-      </p:pic>
-      <p:pic>
-        <p:nvPicPr>
-          <p:cNvPr id="15" name="Рисунок 14">
-            <a:extLst>
-              <a:ext uri="{FF2B5EF4-FFF2-40B4-BE49-F238E27FC236}">
-                <a16:creationId xmlns:a16="http://schemas.microsoft.com/office/drawing/2014/main" id="{B5274ADA-108C-4073-AD91-03EDA60C8C61}"/>
-              </a:ext>
-            </a:extLst>
-          </p:cNvPr>
-          <p:cNvPicPr>
-            <a:picLocks noChangeAspect="1"/>
-          </p:cNvPicPr>
-          <p:nvPr/>
-        </p:nvPicPr>
-        <p:blipFill>
-          <a:blip r:embed="rId9">
-            <a:extLst>
-              <a:ext uri="{BEBA8EAE-BF5A-486C-A8C5-ECC9F3942E4B}">
-                <a14:imgProps xmlns:a14="http://schemas.microsoft.com/office/drawing/2010/main">
-                  <a14:imgLayer r:embed="rId10">
-                    <a14:imgEffect>
-                      <a14:artisticBlur/>
-                    </a14:imgEffect>
-                  </a14:imgLayer>
-                </a14:imgProps>
-              </a:ext>
-            </a:extLst>
-          </a:blip>
-          <a:stretch>
-            <a:fillRect/>
-          </a:stretch>
-        </p:blipFill>
-        <p:spPr>
-          <a:xfrm>
-            <a:off x="8358298" y="1986363"/>
-            <a:ext cx="2146157" cy="1195430"/>
-          </a:xfrm>
-          <a:prstGeom prst="rect">
-            <a:avLst/>
-          </a:prstGeom>
-          <a:ln>
-            <a:solidFill>
-              <a:schemeClr val="accent1">
-                <a:lumMod val="75000"/>
-              </a:schemeClr>
-            </a:solidFill>
-          </a:ln>
-        </p:spPr>
-      </p:pic>
-      <p:pic>
-        <p:nvPicPr>
-          <p:cNvPr id="17" name="Рисунок 16">
-            <a:extLst>
-              <a:ext uri="{FF2B5EF4-FFF2-40B4-BE49-F238E27FC236}">
-                <a16:creationId xmlns:a16="http://schemas.microsoft.com/office/drawing/2014/main" id="{96016B7D-2337-4229-B409-89229FACDC13}"/>
-              </a:ext>
-            </a:extLst>
-          </p:cNvPr>
-          <p:cNvPicPr>
-            <a:picLocks noChangeAspect="1"/>
-          </p:cNvPicPr>
-          <p:nvPr/>
-        </p:nvPicPr>
-        <p:blipFill>
-          <a:blip r:embed="rId11">
-            <a:extLst>
-              <a:ext uri="{BEBA8EAE-BF5A-486C-A8C5-ECC9F3942E4B}">
-                <a14:imgProps xmlns:a14="http://schemas.microsoft.com/office/drawing/2010/main">
-                  <a14:imgLayer r:embed="rId12">
-                    <a14:imgEffect>
-                      <a14:artisticBlur/>
-                    </a14:imgEffect>
-                  </a14:imgLayer>
-                </a14:imgProps>
-              </a:ext>
-            </a:extLst>
-          </a:blip>
-          <a:stretch>
-            <a:fillRect/>
-          </a:stretch>
-        </p:blipFill>
-        <p:spPr>
-          <a:xfrm>
-            <a:off x="7406722" y="2772617"/>
-            <a:ext cx="2024654" cy="1141722"/>
-          </a:xfrm>
-          <a:prstGeom prst="rect">
-            <a:avLst/>
-          </a:prstGeom>
-          <a:ln>
-            <a:solidFill>
-              <a:schemeClr val="accent1">
-                <a:lumMod val="75000"/>
-              </a:schemeClr>
-            </a:solidFill>
-          </a:ln>
-        </p:spPr>
-      </p:pic>
-      <p:pic>
-        <p:nvPicPr>
-          <p:cNvPr id="18" name="Рисунок 17">
-            <a:extLst>
-              <a:ext uri="{FF2B5EF4-FFF2-40B4-BE49-F238E27FC236}">
-                <a16:creationId xmlns:a16="http://schemas.microsoft.com/office/drawing/2014/main" id="{846A8E99-5FF9-40FC-B595-E9E8EB0FFA47}"/>
-              </a:ext>
-            </a:extLst>
-          </p:cNvPr>
-          <p:cNvPicPr>
-            <a:picLocks noChangeAspect="1"/>
-          </p:cNvPicPr>
-          <p:nvPr/>
-        </p:nvPicPr>
-        <p:blipFill>
-          <a:blip r:embed="rId13">
-            <a:extLst>
-              <a:ext uri="{BEBA8EAE-BF5A-486C-A8C5-ECC9F3942E4B}">
-                <a14:imgProps xmlns:a14="http://schemas.microsoft.com/office/drawing/2010/main">
-                  <a14:imgLayer r:embed="rId14">
-                    <a14:imgEffect>
-                      <a14:artisticBlur/>
-                    </a14:imgEffect>
-                  </a14:imgLayer>
-                </a14:imgProps>
-              </a:ext>
-            </a:extLst>
-          </a:blip>
-          <a:stretch>
-            <a:fillRect/>
-          </a:stretch>
-        </p:blipFill>
-        <p:spPr>
-          <a:xfrm>
-            <a:off x="8674426" y="3126123"/>
-            <a:ext cx="2128927" cy="1193980"/>
-          </a:xfrm>
-          <a:prstGeom prst="rect">
-            <a:avLst/>
-          </a:prstGeom>
-          <a:ln>
-            <a:solidFill>
-              <a:schemeClr val="accent1">
-                <a:lumMod val="75000"/>
-              </a:schemeClr>
-            </a:solidFill>
-          </a:ln>
-        </p:spPr>
-      </p:pic>
-      <p:pic>
-        <p:nvPicPr>
-          <p:cNvPr id="19" name="Рисунок 18">
-            <a:extLst>
-              <a:ext uri="{FF2B5EF4-FFF2-40B4-BE49-F238E27FC236}">
-                <a16:creationId xmlns:a16="http://schemas.microsoft.com/office/drawing/2014/main" id="{54B50D5B-C2B6-45CC-8DDD-B1B6D2C3EE67}"/>
-              </a:ext>
-            </a:extLst>
-          </p:cNvPr>
-          <p:cNvPicPr>
-            <a:picLocks noChangeAspect="1"/>
-          </p:cNvPicPr>
-          <p:nvPr/>
-        </p:nvPicPr>
-        <p:blipFill>
-          <a:blip r:embed="rId15">
-            <a:extLst>
-              <a:ext uri="{BEBA8EAE-BF5A-486C-A8C5-ECC9F3942E4B}">
-                <a14:imgProps xmlns:a14="http://schemas.microsoft.com/office/drawing/2010/main">
-                  <a14:imgLayer r:embed="rId16">
-                    <a14:imgEffect>
-                      <a14:artisticBlur/>
-                    </a14:imgEffect>
-                  </a14:imgLayer>
-                </a14:imgProps>
-              </a:ext>
-            </a:extLst>
-          </a:blip>
-          <a:stretch>
-            <a:fillRect/>
-          </a:stretch>
-        </p:blipFill>
-        <p:spPr>
-          <a:xfrm>
-            <a:off x="7285779" y="3805065"/>
-            <a:ext cx="2024654" cy="1156945"/>
-          </a:xfrm>
-          <a:prstGeom prst="rect">
-            <a:avLst/>
-          </a:prstGeom>
-          <a:ln>
-            <a:solidFill>
-              <a:schemeClr val="accent1">
-                <a:lumMod val="75000"/>
-              </a:schemeClr>
-            </a:solidFill>
-          </a:ln>
-        </p:spPr>
-      </p:pic>
-      <p:pic>
-        <p:nvPicPr>
-          <p:cNvPr id="20" name="Рисунок 19">
-            <a:extLst>
-              <a:ext uri="{FF2B5EF4-FFF2-40B4-BE49-F238E27FC236}">
-                <a16:creationId xmlns:a16="http://schemas.microsoft.com/office/drawing/2014/main" id="{5D767BFA-D5C8-4432-B7BC-DBE6F706C484}"/>
-              </a:ext>
-            </a:extLst>
-          </p:cNvPr>
-          <p:cNvPicPr>
-            <a:picLocks noChangeAspect="1"/>
-          </p:cNvPicPr>
-          <p:nvPr/>
-        </p:nvPicPr>
-        <p:blipFill>
-          <a:blip r:embed="rId17">
-            <a:extLst>
-              <a:ext uri="{BEBA8EAE-BF5A-486C-A8C5-ECC9F3942E4B}">
-                <a14:imgProps xmlns:a14="http://schemas.microsoft.com/office/drawing/2010/main">
-                  <a14:imgLayer r:embed="rId18">
-                    <a14:imgEffect>
-                      <a14:artisticBlur/>
-                    </a14:imgEffect>
-                  </a14:imgLayer>
-                </a14:imgProps>
-              </a:ext>
-            </a:extLst>
-          </a:blip>
-          <a:stretch>
-            <a:fillRect/>
-          </a:stretch>
-        </p:blipFill>
-        <p:spPr>
-          <a:xfrm>
-            <a:off x="8890670" y="4293181"/>
-            <a:ext cx="1857282" cy="1137380"/>
-          </a:xfrm>
-          <a:prstGeom prst="rect">
-            <a:avLst/>
-          </a:prstGeom>
-          <a:ln>
-            <a:solidFill>
-              <a:schemeClr val="accent1">
-                <a:lumMod val="75000"/>
-              </a:schemeClr>
-            </a:solidFill>
-          </a:ln>
-        </p:spPr>
-      </p:pic>
-      <p:sp>
-        <p:nvSpPr>
-          <p:cNvPr id="21" name="Прямоугольник 20">
-            <a:extLst>
-              <a:ext uri="{FF2B5EF4-FFF2-40B4-BE49-F238E27FC236}">
-                <a16:creationId xmlns:a16="http://schemas.microsoft.com/office/drawing/2014/main" id="{BB65876D-1601-4AF7-8545-E51C887CB8E1}"/>
-              </a:ext>
-            </a:extLst>
-          </p:cNvPr>
-          <p:cNvSpPr/>
-          <p:nvPr/>
-        </p:nvSpPr>
-        <p:spPr>
-          <a:xfrm>
-            <a:off x="11007253" y="6466177"/>
-            <a:ext cx="1184748" cy="369332"/>
-          </a:xfrm>
-          <a:prstGeom prst="rect">
-            <a:avLst/>
-          </a:prstGeom>
         </p:spPr>
         <p:txBody>
           <a:bodyPr wrap="none">
@@ -11023,7 +10590,7 @@
         <p:spPr>
           <a:xfrm>
             <a:off x="712875" y="946939"/>
-            <a:ext cx="5797974" cy="4293483"/>
+            <a:ext cx="7654948" cy="4016484"/>
           </a:xfrm>
           <a:prstGeom prst="rect">
             <a:avLst/>
@@ -11171,48 +10738,6 @@
             <a:r>
               <a:rPr lang="ru-RU" dirty="0"/>
               <a:t>на сторонних порталах;</a:t>
-            </a:r>
-            <a:endParaRPr lang="en-US" dirty="0"/>
-          </a:p>
-        </p:txBody>
-      </p:sp>
-      <p:sp>
-        <p:nvSpPr>
-          <p:cNvPr id="5" name="TextBox 4">
-            <a:extLst>
-              <a:ext uri="{FF2B5EF4-FFF2-40B4-BE49-F238E27FC236}">
-                <a16:creationId xmlns:a16="http://schemas.microsoft.com/office/drawing/2014/main" id="{87A09F00-2AFC-4BF9-91D0-C3CCA29C43A4}"/>
-              </a:ext>
-            </a:extLst>
-          </p:cNvPr>
-          <p:cNvSpPr txBox="1"/>
-          <p:nvPr/>
-        </p:nvSpPr>
-        <p:spPr>
-          <a:xfrm>
-            <a:off x="5187940" y="5867446"/>
-            <a:ext cx="6462218" cy="369332"/>
-          </a:xfrm>
-          <a:prstGeom prst="rect">
-            <a:avLst/>
-          </a:prstGeom>
-          <a:noFill/>
-        </p:spPr>
-        <p:txBody>
-          <a:bodyPr wrap="none" rtlCol="0">
-            <a:spAutoFit/>
-          </a:bodyPr>
-          <a:lstStyle/>
-          <a:p>
-            <a:r>
-              <a:rPr lang="ru-RU" dirty="0"/>
-              <a:t>* Полная инфографика доступна по адресу </a:t>
-            </a:r>
-            <a:r>
-              <a:rPr lang="en-US" dirty="0">
-                <a:hlinkClick r:id="rId19"/>
-              </a:rPr>
-              <a:t>https://vk.cc/aw3L3u</a:t>
             </a:r>
             <a:endParaRPr lang="en-US" dirty="0"/>
           </a:p>
@@ -11304,7 +10829,7 @@
         </p:nvCxnSpPr>
         <p:spPr>
           <a:xfrm>
-            <a:off x="2139193" y="3013869"/>
+            <a:off x="2139193" y="2914541"/>
             <a:ext cx="2625795" cy="0"/>
           </a:xfrm>
           <a:prstGeom prst="line">
@@ -11340,7 +10865,7 @@
         </p:nvCxnSpPr>
         <p:spPr>
           <a:xfrm>
-            <a:off x="2139193" y="3804710"/>
+            <a:off x="2139193" y="3730282"/>
             <a:ext cx="2625795" cy="0"/>
           </a:xfrm>
           <a:prstGeom prst="line">
@@ -11376,7 +10901,7 @@
         </p:nvCxnSpPr>
         <p:spPr>
           <a:xfrm>
-            <a:off x="2139193" y="4594250"/>
+            <a:off x="2139193" y="4477292"/>
             <a:ext cx="2625795" cy="0"/>
           </a:xfrm>
           <a:prstGeom prst="line">
@@ -11398,6 +10923,186 @@
           </a:fontRef>
         </p:style>
       </p:cxnSp>
+      <p:pic>
+        <p:nvPicPr>
+          <p:cNvPr id="6" name="Рисунок 5">
+            <a:extLst>
+              <a:ext uri="{FF2B5EF4-FFF2-40B4-BE49-F238E27FC236}">
+                <a16:creationId xmlns:a16="http://schemas.microsoft.com/office/drawing/2014/main" id="{7D785143-983C-4B6A-8974-BE9016B7DCED}"/>
+              </a:ext>
+            </a:extLst>
+          </p:cNvPr>
+          <p:cNvPicPr>
+            <a:picLocks noChangeAspect="1"/>
+          </p:cNvPicPr>
+          <p:nvPr/>
+        </p:nvPicPr>
+        <p:blipFill>
+          <a:blip r:embed="rId3"/>
+          <a:stretch>
+            <a:fillRect/>
+          </a:stretch>
+        </p:blipFill>
+        <p:spPr>
+          <a:xfrm>
+            <a:off x="9173107" y="1647978"/>
+            <a:ext cx="561977" cy="559110"/>
+          </a:xfrm>
+          <a:prstGeom prst="rect">
+            <a:avLst/>
+          </a:prstGeom>
+        </p:spPr>
+      </p:pic>
+      <p:pic>
+        <p:nvPicPr>
+          <p:cNvPr id="9" name="Рисунок 8">
+            <a:extLst>
+              <a:ext uri="{FF2B5EF4-FFF2-40B4-BE49-F238E27FC236}">
+                <a16:creationId xmlns:a16="http://schemas.microsoft.com/office/drawing/2014/main" id="{FDAADD05-4FC8-4663-8795-E72893D4DC00}"/>
+              </a:ext>
+            </a:extLst>
+          </p:cNvPr>
+          <p:cNvPicPr>
+            <a:picLocks noChangeAspect="1"/>
+          </p:cNvPicPr>
+          <p:nvPr/>
+        </p:nvPicPr>
+        <p:blipFill>
+          <a:blip r:embed="rId4"/>
+          <a:stretch>
+            <a:fillRect/>
+          </a:stretch>
+        </p:blipFill>
+        <p:spPr>
+          <a:xfrm>
+            <a:off x="9173107" y="997641"/>
+            <a:ext cx="574059" cy="562403"/>
+          </a:xfrm>
+          <a:prstGeom prst="rect">
+            <a:avLst/>
+          </a:prstGeom>
+        </p:spPr>
+      </p:pic>
+      <p:pic>
+        <p:nvPicPr>
+          <p:cNvPr id="26" name="Рисунок 25">
+            <a:extLst>
+              <a:ext uri="{FF2B5EF4-FFF2-40B4-BE49-F238E27FC236}">
+                <a16:creationId xmlns:a16="http://schemas.microsoft.com/office/drawing/2014/main" id="{155ACE9F-55BA-4D22-86F4-127CE96A90DD}"/>
+              </a:ext>
+            </a:extLst>
+          </p:cNvPr>
+          <p:cNvPicPr>
+            <a:picLocks noChangeAspect="1"/>
+          </p:cNvPicPr>
+          <p:nvPr/>
+        </p:nvPicPr>
+        <p:blipFill>
+          <a:blip r:embed="rId5"/>
+          <a:stretch>
+            <a:fillRect/>
+          </a:stretch>
+        </p:blipFill>
+        <p:spPr>
+          <a:xfrm>
+            <a:off x="9173106" y="2339942"/>
+            <a:ext cx="585897" cy="577239"/>
+          </a:xfrm>
+          <a:prstGeom prst="rect">
+            <a:avLst/>
+          </a:prstGeom>
+        </p:spPr>
+      </p:pic>
+      <p:pic>
+        <p:nvPicPr>
+          <p:cNvPr id="27" name="Рисунок 26">
+            <a:extLst>
+              <a:ext uri="{FF2B5EF4-FFF2-40B4-BE49-F238E27FC236}">
+                <a16:creationId xmlns:a16="http://schemas.microsoft.com/office/drawing/2014/main" id="{34BFA82E-47A3-4306-B8E1-192224B5A174}"/>
+              </a:ext>
+            </a:extLst>
+          </p:cNvPr>
+          <p:cNvPicPr>
+            <a:picLocks noChangeAspect="1"/>
+          </p:cNvPicPr>
+          <p:nvPr/>
+        </p:nvPicPr>
+        <p:blipFill>
+          <a:blip r:embed="rId6"/>
+          <a:stretch>
+            <a:fillRect/>
+          </a:stretch>
+        </p:blipFill>
+        <p:spPr>
+          <a:xfrm>
+            <a:off x="9185175" y="3073448"/>
+            <a:ext cx="574059" cy="559110"/>
+          </a:xfrm>
+          <a:prstGeom prst="rect">
+            <a:avLst/>
+          </a:prstGeom>
+        </p:spPr>
+      </p:pic>
+      <p:pic>
+        <p:nvPicPr>
+          <p:cNvPr id="28" name="Рисунок 27">
+            <a:extLst>
+              <a:ext uri="{FF2B5EF4-FFF2-40B4-BE49-F238E27FC236}">
+                <a16:creationId xmlns:a16="http://schemas.microsoft.com/office/drawing/2014/main" id="{4F9371B6-B7A6-496F-BB10-717E65C0D936}"/>
+              </a:ext>
+            </a:extLst>
+          </p:cNvPr>
+          <p:cNvPicPr>
+            <a:picLocks noChangeAspect="1"/>
+          </p:cNvPicPr>
+          <p:nvPr/>
+        </p:nvPicPr>
+        <p:blipFill>
+          <a:blip r:embed="rId7"/>
+          <a:stretch>
+            <a:fillRect/>
+          </a:stretch>
+        </p:blipFill>
+        <p:spPr>
+          <a:xfrm>
+            <a:off x="9184945" y="3806954"/>
+            <a:ext cx="574059" cy="562223"/>
+          </a:xfrm>
+          <a:prstGeom prst="rect">
+            <a:avLst/>
+          </a:prstGeom>
+        </p:spPr>
+      </p:pic>
+      <p:pic>
+        <p:nvPicPr>
+          <p:cNvPr id="30" name="Рисунок 29">
+            <a:extLst>
+              <a:ext uri="{FF2B5EF4-FFF2-40B4-BE49-F238E27FC236}">
+                <a16:creationId xmlns:a16="http://schemas.microsoft.com/office/drawing/2014/main" id="{D33CF8B0-B0AE-4588-9C53-8D9FDF61E703}"/>
+              </a:ext>
+            </a:extLst>
+          </p:cNvPr>
+          <p:cNvPicPr>
+            <a:picLocks noChangeAspect="1"/>
+          </p:cNvPicPr>
+          <p:nvPr/>
+        </p:nvPicPr>
+        <p:blipFill>
+          <a:blip r:embed="rId8"/>
+          <a:stretch>
+            <a:fillRect/>
+          </a:stretch>
+        </p:blipFill>
+        <p:spPr>
+          <a:xfrm>
+            <a:off x="9191043" y="4575410"/>
+            <a:ext cx="567961" cy="562224"/>
+          </a:xfrm>
+          <a:prstGeom prst="rect">
+            <a:avLst/>
+          </a:prstGeom>
+        </p:spPr>
+      </p:pic>
     </p:spTree>
     <p:extLst>
       <p:ext uri="{BB962C8B-B14F-4D97-AF65-F5344CB8AC3E}">
@@ -11581,15 +11286,7 @@
             </a:pPr>
             <a:r>
               <a:rPr lang="ru-RU" sz="2000" dirty="0"/>
-              <a:t>На базе </a:t>
-            </a:r>
-            <a:r>
-              <a:rPr lang="ru-RU" sz="2000" dirty="0" err="1"/>
-              <a:t>Фрэймворка</a:t>
-            </a:r>
-            <a:r>
-              <a:rPr lang="ru-RU" sz="2000" dirty="0"/>
-              <a:t> Создаем портал и приложение для взаимодействия государственных служб и граждан. </a:t>
+              <a:t>На базе фреймворка создаем портал и приложение для взаимодействия государственных служб и граждан. </a:t>
             </a:r>
           </a:p>
           <a:p>
@@ -12058,15 +11755,7 @@
           <a:p>
             <a:r>
               <a:rPr lang="ru-RU" sz="3600" dirty="0"/>
-              <a:t>Наши </a:t>
-            </a:r>
-            <a:r>
-              <a:rPr lang="ru-RU" sz="3600" dirty="0" err="1"/>
-              <a:t>макеты:Мобильное</a:t>
-            </a:r>
-            <a:r>
-              <a:rPr lang="ru-RU" sz="3600" dirty="0"/>
-              <a:t> приложение</a:t>
+              <a:t>Наши макеты: Мобильное приложение</a:t>
             </a:r>
             <a:endParaRPr lang="en-US" sz="3600" dirty="0"/>
           </a:p>
@@ -13105,7 +12794,27 @@
           <a:p>
             <a:r>
               <a:rPr lang="ru-RU" sz="2000" dirty="0"/>
-              <a:t>Доработанный Фреймворк поможет внедрить в действующие системы возможность обработки почтовых адресов на русском языке (либо другом национальном);</a:t>
+              <a:t>Доработанный фреймворк поможет внедрить в действующие системы возможность обработки почтовых адресов на русском языке (</a:t>
+            </a:r>
+            <a:r>
+              <a:rPr lang="en-US" sz="2000" spc="-1" dirty="0">
+                <a:solidFill>
+                  <a:srgbClr val="000000"/>
+                </a:solidFill>
+              </a:rPr>
+              <a:t>и </a:t>
+            </a:r>
+            <a:r>
+              <a:rPr lang="ru-RU" sz="2000" spc="-1" dirty="0">
+                <a:solidFill>
+                  <a:srgbClr val="000000"/>
+                </a:solidFill>
+              </a:rPr>
+              <a:t>вообще реализовать универсальное принятие</a:t>
+            </a:r>
+            <a:r>
+              <a:rPr lang="ru-RU" sz="2000" dirty="0"/>
+              <a:t>);</a:t>
             </a:r>
           </a:p>
           <a:p>
@@ -13123,15 +12832,41 @@
             </a:r>
           </a:p>
           <a:p>
+            <a:pPr indent="-228240">
+              <a:spcBef>
+                <a:spcPts val="1001"/>
+              </a:spcBef>
+              <a:buClr>
+                <a:srgbClr val="000000"/>
+              </a:buClr>
+              <a:buFont typeface="Arial"/>
+              <a:buChar char="•"/>
+            </a:pPr>
+            <a:r>
+              <a:rPr lang="ru-RU" sz="2000" spc="-1" dirty="0">
+                <a:solidFill>
+                  <a:srgbClr val="000000"/>
+                </a:solidFill>
+              </a:rPr>
+              <a:t>Могут пользоваться нашим порталом;</a:t>
+            </a:r>
+          </a:p>
+          <a:p>
             <a:r>
               <a:rPr lang="ru-RU" sz="2000" dirty="0"/>
-              <a:t>При их отсутствии могут пользоваться нашим порталом;</a:t>
-            </a:r>
-          </a:p>
-          <a:p>
+              <a:t>Разработанная экосистема может </a:t>
+            </a:r>
+            <a:r>
+              <a:rPr lang="ru-RU" sz="2000" spc="-1" dirty="0">
+                <a:solidFill>
+                  <a:srgbClr val="000000"/>
+                </a:solidFill>
+              </a:rPr>
+              <a:t>использоваться</a:t>
+            </a:r>
             <a:r>
               <a:rPr lang="ru-RU" sz="2000" dirty="0"/>
-              <a:t>Разработанная экосистема может привлекать рекламодателей для размещения маркетинговых программ для определенных групп населения за вознаграждение, в отдельном разделе пользователя. </a:t>
+              <a:t> рекламодателями для размещения маркетинговых программ для определенных групп населения за вознаграждение.</a:t>
             </a:r>
           </a:p>
         </p:txBody>

--- a/Презентация_Команда Scrypted_кейс1.pptx
+++ b/Презентация_Команда Scrypted_кейс1.pptx
@@ -209,7 +209,7 @@
           <a:p>
             <a:fld id="{79177F48-C92F-47D2-9273-31D830D531F7}" type="datetimeFigureOut">
               <a:rPr lang="en-US" smtClean="0"/>
-              <a:t>6/20/2020</a:t>
+              <a:t>6/21/2020</a:t>
             </a:fld>
             <a:endParaRPr lang="en-US"/>
           </a:p>
@@ -2125,7 +2125,7 @@
           <a:p>
             <a:fld id="{59AB6A87-58DA-4AC0-9BCC-CA750B87D827}" type="datetimeFigureOut">
               <a:rPr lang="en-US" smtClean="0"/>
-              <a:t>6/20/2020</a:t>
+              <a:t>6/21/2020</a:t>
             </a:fld>
             <a:endParaRPr lang="en-US"/>
           </a:p>
@@ -2325,7 +2325,7 @@
           <a:p>
             <a:fld id="{59AB6A87-58DA-4AC0-9BCC-CA750B87D827}" type="datetimeFigureOut">
               <a:rPr lang="en-US" smtClean="0"/>
-              <a:t>6/20/2020</a:t>
+              <a:t>6/21/2020</a:t>
             </a:fld>
             <a:endParaRPr lang="en-US"/>
           </a:p>
@@ -2535,7 +2535,7 @@
           <a:p>
             <a:fld id="{59AB6A87-58DA-4AC0-9BCC-CA750B87D827}" type="datetimeFigureOut">
               <a:rPr lang="en-US" smtClean="0"/>
-              <a:t>6/20/2020</a:t>
+              <a:t>6/21/2020</a:t>
             </a:fld>
             <a:endParaRPr lang="en-US"/>
           </a:p>
@@ -2735,7 +2735,7 @@
           <a:p>
             <a:fld id="{59AB6A87-58DA-4AC0-9BCC-CA750B87D827}" type="datetimeFigureOut">
               <a:rPr lang="en-US" smtClean="0"/>
-              <a:t>6/20/2020</a:t>
+              <a:t>6/21/2020</a:t>
             </a:fld>
             <a:endParaRPr lang="en-US"/>
           </a:p>
@@ -3011,7 +3011,7 @@
           <a:p>
             <a:fld id="{59AB6A87-58DA-4AC0-9BCC-CA750B87D827}" type="datetimeFigureOut">
               <a:rPr lang="en-US" smtClean="0"/>
-              <a:t>6/20/2020</a:t>
+              <a:t>6/21/2020</a:t>
             </a:fld>
             <a:endParaRPr lang="en-US"/>
           </a:p>
@@ -3279,7 +3279,7 @@
           <a:p>
             <a:fld id="{59AB6A87-58DA-4AC0-9BCC-CA750B87D827}" type="datetimeFigureOut">
               <a:rPr lang="en-US" smtClean="0"/>
-              <a:t>6/20/2020</a:t>
+              <a:t>6/21/2020</a:t>
             </a:fld>
             <a:endParaRPr lang="en-US"/>
           </a:p>
@@ -3694,7 +3694,7 @@
           <a:p>
             <a:fld id="{59AB6A87-58DA-4AC0-9BCC-CA750B87D827}" type="datetimeFigureOut">
               <a:rPr lang="en-US" smtClean="0"/>
-              <a:t>6/20/2020</a:t>
+              <a:t>6/21/2020</a:t>
             </a:fld>
             <a:endParaRPr lang="en-US"/>
           </a:p>
@@ -3836,7 +3836,7 @@
           <a:p>
             <a:fld id="{59AB6A87-58DA-4AC0-9BCC-CA750B87D827}" type="datetimeFigureOut">
               <a:rPr lang="en-US" smtClean="0"/>
-              <a:t>6/20/2020</a:t>
+              <a:t>6/21/2020</a:t>
             </a:fld>
             <a:endParaRPr lang="en-US"/>
           </a:p>
@@ -3949,7 +3949,7 @@
           <a:p>
             <a:fld id="{59AB6A87-58DA-4AC0-9BCC-CA750B87D827}" type="datetimeFigureOut">
               <a:rPr lang="en-US" smtClean="0"/>
-              <a:t>6/20/2020</a:t>
+              <a:t>6/21/2020</a:t>
             </a:fld>
             <a:endParaRPr lang="en-US"/>
           </a:p>
@@ -4262,7 +4262,7 @@
           <a:p>
             <a:fld id="{59AB6A87-58DA-4AC0-9BCC-CA750B87D827}" type="datetimeFigureOut">
               <a:rPr lang="en-US" smtClean="0"/>
-              <a:t>6/20/2020</a:t>
+              <a:t>6/21/2020</a:t>
             </a:fld>
             <a:endParaRPr lang="en-US"/>
           </a:p>
@@ -4551,7 +4551,7 @@
           <a:p>
             <a:fld id="{59AB6A87-58DA-4AC0-9BCC-CA750B87D827}" type="datetimeFigureOut">
               <a:rPr lang="en-US" smtClean="0"/>
-              <a:t>6/20/2020</a:t>
+              <a:t>6/21/2020</a:t>
             </a:fld>
             <a:endParaRPr lang="en-US"/>
           </a:p>
@@ -4794,7 +4794,7 @@
           <a:p>
             <a:fld id="{59AB6A87-58DA-4AC0-9BCC-CA750B87D827}" type="datetimeFigureOut">
               <a:rPr lang="en-US" smtClean="0"/>
-              <a:t>6/20/2020</a:t>
+              <a:t>6/21/2020</a:t>
             </a:fld>
             <a:endParaRPr lang="en-US"/>
           </a:p>
@@ -11275,7 +11275,7 @@
             </a:pPr>
             <a:r>
               <a:rPr lang="ru-RU" sz="2000" dirty="0"/>
-              <a:t>Мы создаем либо дорабатываем имеющиеся Фреймворки для соответствия действующим техническим требованиям;</a:t>
+              <a:t>Мы создаем либо дорабатываем имеющиеся фреймворки для соответствия действующим техническим требованиям;</a:t>
             </a:r>
           </a:p>
           <a:p>
@@ -11761,38 +11761,6 @@
           </a:p>
         </p:txBody>
       </p:sp>
-      <p:pic>
-        <p:nvPicPr>
-          <p:cNvPr id="4" name="Объект 3">
-            <a:extLst>
-              <a:ext uri="{FF2B5EF4-FFF2-40B4-BE49-F238E27FC236}">
-                <a16:creationId xmlns:a16="http://schemas.microsoft.com/office/drawing/2014/main" id="{2245D537-8554-4B32-811C-43B3355C2CBD}"/>
-              </a:ext>
-            </a:extLst>
-          </p:cNvPr>
-          <p:cNvPicPr>
-            <a:picLocks noGrp="1" noChangeAspect="1"/>
-          </p:cNvPicPr>
-          <p:nvPr>
-            <p:ph idx="1"/>
-          </p:nvPr>
-        </p:nvPicPr>
-        <p:blipFill>
-          <a:blip r:embed="rId3"/>
-          <a:stretch>
-            <a:fillRect/>
-          </a:stretch>
-        </p:blipFill>
-        <p:spPr>
-          <a:xfrm>
-            <a:off x="1591524" y="1779205"/>
-            <a:ext cx="5414547" cy="4394200"/>
-          </a:xfrm>
-          <a:prstGeom prst="rect">
-            <a:avLst/>
-          </a:prstGeom>
-        </p:spPr>
-      </p:pic>
       <p:sp>
         <p:nvSpPr>
           <p:cNvPr id="10" name="Rectangle 9">
@@ -12061,12 +12029,47 @@
           </a:p>
         </p:txBody>
       </p:sp>
+      <p:sp>
+        <p:nvSpPr>
+          <p:cNvPr id="11" name="Прямоугольник 10">
+            <a:extLst>
+              <a:ext uri="{FF2B5EF4-FFF2-40B4-BE49-F238E27FC236}">
+                <a16:creationId xmlns:a16="http://schemas.microsoft.com/office/drawing/2014/main" id="{B8418CE4-A367-497C-8408-4FC66E7C35C3}"/>
+              </a:ext>
+            </a:extLst>
+          </p:cNvPr>
+          <p:cNvSpPr/>
+          <p:nvPr/>
+        </p:nvSpPr>
+        <p:spPr>
+          <a:xfrm>
+            <a:off x="11007253" y="6466177"/>
+            <a:ext cx="1184748" cy="369332"/>
+          </a:xfrm>
+          <a:prstGeom prst="rect">
+            <a:avLst/>
+          </a:prstGeom>
+        </p:spPr>
+        <p:txBody>
+          <a:bodyPr wrap="none">
+            <a:spAutoFit/>
+          </a:bodyPr>
+          <a:lstStyle/>
+          <a:p>
+            <a:r>
+              <a:rPr lang="ru-RU" dirty="0" err="1"/>
+              <a:t>Домен.РФ</a:t>
+            </a:r>
+            <a:endParaRPr lang="ru-RU" dirty="0"/>
+          </a:p>
+        </p:txBody>
+      </p:sp>
       <p:pic>
         <p:nvPicPr>
-          <p:cNvPr id="5" name="Рисунок 4">
-            <a:extLst>
-              <a:ext uri="{FF2B5EF4-FFF2-40B4-BE49-F238E27FC236}">
-                <a16:creationId xmlns:a16="http://schemas.microsoft.com/office/drawing/2014/main" id="{08A4AF58-8928-4220-A8A3-542B924D5A73}"/>
+          <p:cNvPr id="7" name="Рисунок 6">
+            <a:extLst>
+              <a:ext uri="{FF2B5EF4-FFF2-40B4-BE49-F238E27FC236}">
+                <a16:creationId xmlns:a16="http://schemas.microsoft.com/office/drawing/2014/main" id="{F81168DA-0AF6-4833-90ED-349D4FBF0E0A}"/>
               </a:ext>
             </a:extLst>
           </p:cNvPr>
@@ -12075,56 +12078,82 @@
           </p:cNvPicPr>
           <p:nvPr/>
         </p:nvPicPr>
-        <p:blipFill rotWithShape="1">
-          <a:blip r:embed="rId4"/>
-          <a:srcRect r="49753"/>
-          <a:stretch/>
+        <p:blipFill>
+          <a:blip r:embed="rId3"/>
+          <a:stretch>
+            <a:fillRect/>
+          </a:stretch>
         </p:blipFill>
         <p:spPr>
           <a:xfrm>
-            <a:off x="7218653" y="1779205"/>
-            <a:ext cx="2752259" cy="4394200"/>
+            <a:off x="1476289" y="1433745"/>
+            <a:ext cx="2383810" cy="4763386"/>
           </a:xfrm>
           <a:prstGeom prst="rect">
             <a:avLst/>
           </a:prstGeom>
         </p:spPr>
       </p:pic>
-      <p:sp>
-        <p:nvSpPr>
-          <p:cNvPr id="11" name="Прямоугольник 10">
-            <a:extLst>
-              <a:ext uri="{FF2B5EF4-FFF2-40B4-BE49-F238E27FC236}">
-                <a16:creationId xmlns:a16="http://schemas.microsoft.com/office/drawing/2014/main" id="{B8418CE4-A367-497C-8408-4FC66E7C35C3}"/>
-              </a:ext>
-            </a:extLst>
-          </p:cNvPr>
-          <p:cNvSpPr/>
+      <p:pic>
+        <p:nvPicPr>
+          <p:cNvPr id="9" name="Рисунок 8">
+            <a:extLst>
+              <a:ext uri="{FF2B5EF4-FFF2-40B4-BE49-F238E27FC236}">
+                <a16:creationId xmlns:a16="http://schemas.microsoft.com/office/drawing/2014/main" id="{357D70B8-40C0-4082-9A25-CE0547DFBB74}"/>
+              </a:ext>
+            </a:extLst>
+          </p:cNvPr>
+          <p:cNvPicPr>
+            <a:picLocks noChangeAspect="1"/>
+          </p:cNvPicPr>
           <p:nvPr/>
-        </p:nvSpPr>
+        </p:nvPicPr>
+        <p:blipFill>
+          <a:blip r:embed="rId4"/>
+          <a:stretch>
+            <a:fillRect/>
+          </a:stretch>
+        </p:blipFill>
         <p:spPr>
           <a:xfrm>
-            <a:off x="11007253" y="6466177"/>
-            <a:ext cx="1184748" cy="369332"/>
+            <a:off x="4914346" y="1433745"/>
+            <a:ext cx="2383810" cy="4763386"/>
           </a:xfrm>
           <a:prstGeom prst="rect">
             <a:avLst/>
           </a:prstGeom>
         </p:spPr>
-        <p:txBody>
-          <a:bodyPr wrap="none">
-            <a:spAutoFit/>
-          </a:bodyPr>
-          <a:lstStyle/>
-          <a:p>
-            <a:r>
-              <a:rPr lang="ru-RU" dirty="0" err="1"/>
-              <a:t>Домен.РФ</a:t>
-            </a:r>
-            <a:endParaRPr lang="ru-RU" dirty="0"/>
-          </a:p>
-        </p:txBody>
-      </p:sp>
+      </p:pic>
+      <p:pic>
+        <p:nvPicPr>
+          <p:cNvPr id="13" name="Рисунок 12">
+            <a:extLst>
+              <a:ext uri="{FF2B5EF4-FFF2-40B4-BE49-F238E27FC236}">
+                <a16:creationId xmlns:a16="http://schemas.microsoft.com/office/drawing/2014/main" id="{AC1BFE11-407A-4901-A203-4DDE677A727F}"/>
+              </a:ext>
+            </a:extLst>
+          </p:cNvPr>
+          <p:cNvPicPr>
+            <a:picLocks noChangeAspect="1"/>
+          </p:cNvPicPr>
+          <p:nvPr/>
+        </p:nvPicPr>
+        <p:blipFill>
+          <a:blip r:embed="rId5"/>
+          <a:stretch>
+            <a:fillRect/>
+          </a:stretch>
+        </p:blipFill>
+        <p:spPr>
+          <a:xfrm>
+            <a:off x="8317624" y="1413714"/>
+            <a:ext cx="2398087" cy="4783417"/>
+          </a:xfrm>
+          <a:prstGeom prst="rect">
+            <a:avLst/>
+          </a:prstGeom>
+        </p:spPr>
+      </p:pic>
     </p:spTree>
     <p:extLst>
       <p:ext uri="{BB962C8B-B14F-4D97-AF65-F5344CB8AC3E}">
@@ -12530,21 +12559,54 @@
           </a:p>
         </p:txBody>
       </p:sp>
+      <p:sp>
+        <p:nvSpPr>
+          <p:cNvPr id="13" name="Прямоугольник 12">
+            <a:extLst>
+              <a:ext uri="{FF2B5EF4-FFF2-40B4-BE49-F238E27FC236}">
+                <a16:creationId xmlns:a16="http://schemas.microsoft.com/office/drawing/2014/main" id="{CA2814FD-52E0-4391-9265-2EF8D4803C61}"/>
+              </a:ext>
+            </a:extLst>
+          </p:cNvPr>
+          <p:cNvSpPr/>
+          <p:nvPr/>
+        </p:nvSpPr>
+        <p:spPr>
+          <a:xfrm>
+            <a:off x="11007253" y="6466177"/>
+            <a:ext cx="1184748" cy="369332"/>
+          </a:xfrm>
+          <a:prstGeom prst="rect">
+            <a:avLst/>
+          </a:prstGeom>
+        </p:spPr>
+        <p:txBody>
+          <a:bodyPr wrap="none">
+            <a:spAutoFit/>
+          </a:bodyPr>
+          <a:lstStyle/>
+          <a:p>
+            <a:r>
+              <a:rPr lang="ru-RU" dirty="0" err="1"/>
+              <a:t>Домен.РФ</a:t>
+            </a:r>
+            <a:endParaRPr lang="ru-RU" dirty="0"/>
+          </a:p>
+        </p:txBody>
+      </p:sp>
       <p:pic>
         <p:nvPicPr>
-          <p:cNvPr id="7" name="Объект 6">
-            <a:extLst>
-              <a:ext uri="{FF2B5EF4-FFF2-40B4-BE49-F238E27FC236}">
-                <a16:creationId xmlns:a16="http://schemas.microsoft.com/office/drawing/2014/main" id="{0059291F-69F3-4DEB-9659-3EAF357F4DB4}"/>
+          <p:cNvPr id="6" name="Рисунок 5">
+            <a:extLst>
+              <a:ext uri="{FF2B5EF4-FFF2-40B4-BE49-F238E27FC236}">
+                <a16:creationId xmlns:a16="http://schemas.microsoft.com/office/drawing/2014/main" id="{11A8F649-1323-4CED-83FD-E21D38CB45C2}"/>
               </a:ext>
             </a:extLst>
           </p:cNvPr>
           <p:cNvPicPr>
-            <a:picLocks noGrp="1" noChangeAspect="1"/>
+            <a:picLocks noChangeAspect="1"/>
           </p:cNvPicPr>
-          <p:nvPr>
-            <p:ph idx="1"/>
-          </p:nvPr>
+          <p:nvPr/>
         </p:nvPicPr>
         <p:blipFill>
           <a:blip r:embed="rId3"/>
@@ -12554,55 +12616,20 @@
         </p:blipFill>
         <p:spPr>
           <a:xfrm>
-            <a:off x="2004514" y="1620159"/>
-            <a:ext cx="5418505" cy="4351338"/>
+            <a:off x="3114701" y="1391979"/>
+            <a:ext cx="2463625" cy="4922874"/>
           </a:xfrm>
           <a:prstGeom prst="rect">
             <a:avLst/>
           </a:prstGeom>
         </p:spPr>
       </p:pic>
-      <p:sp>
-        <p:nvSpPr>
-          <p:cNvPr id="13" name="Прямоугольник 12">
-            <a:extLst>
-              <a:ext uri="{FF2B5EF4-FFF2-40B4-BE49-F238E27FC236}">
-                <a16:creationId xmlns:a16="http://schemas.microsoft.com/office/drawing/2014/main" id="{CA2814FD-52E0-4391-9265-2EF8D4803C61}"/>
-              </a:ext>
-            </a:extLst>
-          </p:cNvPr>
-          <p:cNvSpPr/>
-          <p:nvPr/>
-        </p:nvSpPr>
-        <p:spPr>
-          <a:xfrm>
-            <a:off x="11007253" y="6466177"/>
-            <a:ext cx="1184748" cy="369332"/>
-          </a:xfrm>
-          <a:prstGeom prst="rect">
-            <a:avLst/>
-          </a:prstGeom>
-        </p:spPr>
-        <p:txBody>
-          <a:bodyPr wrap="none">
-            <a:spAutoFit/>
-          </a:bodyPr>
-          <a:lstStyle/>
-          <a:p>
-            <a:r>
-              <a:rPr lang="ru-RU" dirty="0" err="1"/>
-              <a:t>Домен.РФ</a:t>
-            </a:r>
-            <a:endParaRPr lang="ru-RU" dirty="0"/>
-          </a:p>
-        </p:txBody>
-      </p:sp>
       <p:pic>
         <p:nvPicPr>
-          <p:cNvPr id="3" name="Рисунок 2">
-            <a:extLst>
-              <a:ext uri="{FF2B5EF4-FFF2-40B4-BE49-F238E27FC236}">
-                <a16:creationId xmlns:a16="http://schemas.microsoft.com/office/drawing/2014/main" id="{47C2BA0A-769F-4698-A35D-C9B9E9C16218}"/>
+          <p:cNvPr id="9" name="Рисунок 8">
+            <a:extLst>
+              <a:ext uri="{FF2B5EF4-FFF2-40B4-BE49-F238E27FC236}">
+                <a16:creationId xmlns:a16="http://schemas.microsoft.com/office/drawing/2014/main" id="{D6039733-3279-4D2C-86B5-FC1E7685E120}"/>
               </a:ext>
             </a:extLst>
           </p:cNvPr>
@@ -12619,8 +12646,8 @@
         </p:blipFill>
         <p:spPr>
           <a:xfrm>
-            <a:off x="7709443" y="1620159"/>
-            <a:ext cx="2550263" cy="4351338"/>
+            <a:off x="6613675" y="1391978"/>
+            <a:ext cx="2463625" cy="4922875"/>
           </a:xfrm>
           <a:prstGeom prst="rect">
             <a:avLst/>
